--- a/design/RepositoryStructure.pptx
+++ b/design/RepositoryStructure.pptx
@@ -10,7 +10,13 @@
     <p:sldId id="261" r:id="rId4"/>
     <p:sldId id="259" r:id="rId5"/>
     <p:sldId id="257" r:id="rId6"/>
-    <p:sldId id="258" r:id="rId7"/>
+    <p:sldId id="263" r:id="rId7"/>
+    <p:sldId id="258" r:id="rId8"/>
+    <p:sldId id="262" r:id="rId9"/>
+    <p:sldId id="264" r:id="rId10"/>
+    <p:sldId id="266" r:id="rId11"/>
+    <p:sldId id="265" r:id="rId12"/>
+    <p:sldId id="267" r:id="rId13"/>
   </p:sldIdLst>
   <p:sldSz cx="12192000" cy="6858000"/>
   <p:notesSz cx="6858000" cy="9144000"/>
@@ -111,7 +117,18 @@
   </p:defaultTextStyle>
   <p:extLst>
     <p:ext uri="{EFAFB233-063F-42B5-8137-9DF3F51BA10A}">
-      <p15:sldGuideLst xmlns:p15="http://schemas.microsoft.com/office/powerpoint/2012/main" xmlns=""/>
+      <p15:sldGuideLst xmlns:p15="http://schemas.microsoft.com/office/powerpoint/2012/main">
+        <p15:guide id="1" orient="horz" pos="2160">
+          <p15:clr>
+            <a:srgbClr val="A4A3A4"/>
+          </p15:clr>
+        </p15:guide>
+        <p15:guide id="2" pos="3840">
+          <p15:clr>
+            <a:srgbClr val="A4A3A4"/>
+          </p15:clr>
+        </p15:guide>
+      </p15:sldGuideLst>
     </p:ext>
   </p:extLst>
 </p:presentation>
@@ -139,7 +156,7 @@
           <p:cNvPr id="2" name="Title 1">
             <a:extLst>
               <a:ext uri="{FF2B5EF4-FFF2-40B4-BE49-F238E27FC236}">
-                <a16:creationId xmlns:a16="http://schemas.microsoft.com/office/drawing/2014/main" xmlns="" id="{925553A4-0F9D-FC4B-8324-34171284B2D8}"/>
+                <a16:creationId xmlns:a16="http://schemas.microsoft.com/office/drawing/2014/main" id="{925553A4-0F9D-FC4B-8324-34171284B2D8}"/>
               </a:ext>
             </a:extLst>
           </p:cNvPr>
@@ -177,7 +194,7 @@
           <p:cNvPr id="3" name="Subtitle 2">
             <a:extLst>
               <a:ext uri="{FF2B5EF4-FFF2-40B4-BE49-F238E27FC236}">
-                <a16:creationId xmlns:a16="http://schemas.microsoft.com/office/drawing/2014/main" xmlns="" id="{95BD8C85-9CA8-2F49-9ECC-7C6509535157}"/>
+                <a16:creationId xmlns:a16="http://schemas.microsoft.com/office/drawing/2014/main" id="{95BD8C85-9CA8-2F49-9ECC-7C6509535157}"/>
               </a:ext>
             </a:extLst>
           </p:cNvPr>
@@ -248,7 +265,7 @@
           <p:cNvPr id="4" name="Date Placeholder 3">
             <a:extLst>
               <a:ext uri="{FF2B5EF4-FFF2-40B4-BE49-F238E27FC236}">
-                <a16:creationId xmlns:a16="http://schemas.microsoft.com/office/drawing/2014/main" xmlns="" id="{2172BB43-C6A4-7D46-A566-33088037EC1F}"/>
+                <a16:creationId xmlns:a16="http://schemas.microsoft.com/office/drawing/2014/main" id="{2172BB43-C6A4-7D46-A566-33088037EC1F}"/>
               </a:ext>
             </a:extLst>
           </p:cNvPr>
@@ -266,7 +283,7 @@
           <a:p>
             <a:fld id="{BCAF0A95-D8F2-F44A-ADA5-4A6276384FC8}" type="datetimeFigureOut">
               <a:rPr lang="de-DE" smtClean="0"/>
-              <a:t>17.01.2019</a:t>
+              <a:t>03.01.2020</a:t>
             </a:fld>
             <a:endParaRPr lang="de-DE"/>
           </a:p>
@@ -277,7 +294,7 @@
           <p:cNvPr id="5" name="Footer Placeholder 4">
             <a:extLst>
               <a:ext uri="{FF2B5EF4-FFF2-40B4-BE49-F238E27FC236}">
-                <a16:creationId xmlns:a16="http://schemas.microsoft.com/office/drawing/2014/main" xmlns="" id="{A95474E3-8D15-9B44-839C-D7E289ADF3BF}"/>
+                <a16:creationId xmlns:a16="http://schemas.microsoft.com/office/drawing/2014/main" id="{A95474E3-8D15-9B44-839C-D7E289ADF3BF}"/>
               </a:ext>
             </a:extLst>
           </p:cNvPr>
@@ -302,7 +319,7 @@
           <p:cNvPr id="6" name="Slide Number Placeholder 5">
             <a:extLst>
               <a:ext uri="{FF2B5EF4-FFF2-40B4-BE49-F238E27FC236}">
-                <a16:creationId xmlns:a16="http://schemas.microsoft.com/office/drawing/2014/main" xmlns="" id="{FD61C011-C669-0946-8A0C-BD3316A7368D}"/>
+                <a16:creationId xmlns:a16="http://schemas.microsoft.com/office/drawing/2014/main" id="{FD61C011-C669-0946-8A0C-BD3316A7368D}"/>
               </a:ext>
             </a:extLst>
           </p:cNvPr>
@@ -361,7 +378,7 @@
           <p:cNvPr id="2" name="Title 1">
             <a:extLst>
               <a:ext uri="{FF2B5EF4-FFF2-40B4-BE49-F238E27FC236}">
-                <a16:creationId xmlns:a16="http://schemas.microsoft.com/office/drawing/2014/main" xmlns="" id="{9BDB6851-80FD-1945-A196-4D5EEA60FEF7}"/>
+                <a16:creationId xmlns:a16="http://schemas.microsoft.com/office/drawing/2014/main" id="{9BDB6851-80FD-1945-A196-4D5EEA60FEF7}"/>
               </a:ext>
             </a:extLst>
           </p:cNvPr>
@@ -390,7 +407,7 @@
           <p:cNvPr id="3" name="Vertical Text Placeholder 2">
             <a:extLst>
               <a:ext uri="{FF2B5EF4-FFF2-40B4-BE49-F238E27FC236}">
-                <a16:creationId xmlns:a16="http://schemas.microsoft.com/office/drawing/2014/main" xmlns="" id="{08702C3F-705E-E24A-82F7-74CD6071C21D}"/>
+                <a16:creationId xmlns:a16="http://schemas.microsoft.com/office/drawing/2014/main" id="{08702C3F-705E-E24A-82F7-74CD6071C21D}"/>
               </a:ext>
             </a:extLst>
           </p:cNvPr>
@@ -448,7 +465,7 @@
           <p:cNvPr id="4" name="Date Placeholder 3">
             <a:extLst>
               <a:ext uri="{FF2B5EF4-FFF2-40B4-BE49-F238E27FC236}">
-                <a16:creationId xmlns:a16="http://schemas.microsoft.com/office/drawing/2014/main" xmlns="" id="{CBDFDABC-681F-824C-A5BA-2438C89460E7}"/>
+                <a16:creationId xmlns:a16="http://schemas.microsoft.com/office/drawing/2014/main" id="{CBDFDABC-681F-824C-A5BA-2438C89460E7}"/>
               </a:ext>
             </a:extLst>
           </p:cNvPr>
@@ -466,7 +483,7 @@
           <a:p>
             <a:fld id="{BCAF0A95-D8F2-F44A-ADA5-4A6276384FC8}" type="datetimeFigureOut">
               <a:rPr lang="de-DE" smtClean="0"/>
-              <a:t>17.01.2019</a:t>
+              <a:t>03.01.2020</a:t>
             </a:fld>
             <a:endParaRPr lang="de-DE"/>
           </a:p>
@@ -477,7 +494,7 @@
           <p:cNvPr id="5" name="Footer Placeholder 4">
             <a:extLst>
               <a:ext uri="{FF2B5EF4-FFF2-40B4-BE49-F238E27FC236}">
-                <a16:creationId xmlns:a16="http://schemas.microsoft.com/office/drawing/2014/main" xmlns="" id="{4BC054DB-BB6B-714C-8EDB-7D45237FB5B8}"/>
+                <a16:creationId xmlns:a16="http://schemas.microsoft.com/office/drawing/2014/main" id="{4BC054DB-BB6B-714C-8EDB-7D45237FB5B8}"/>
               </a:ext>
             </a:extLst>
           </p:cNvPr>
@@ -502,7 +519,7 @@
           <p:cNvPr id="6" name="Slide Number Placeholder 5">
             <a:extLst>
               <a:ext uri="{FF2B5EF4-FFF2-40B4-BE49-F238E27FC236}">
-                <a16:creationId xmlns:a16="http://schemas.microsoft.com/office/drawing/2014/main" xmlns="" id="{5A2F050F-D6ED-7842-B39B-68D694D9003E}"/>
+                <a16:creationId xmlns:a16="http://schemas.microsoft.com/office/drawing/2014/main" id="{5A2F050F-D6ED-7842-B39B-68D694D9003E}"/>
               </a:ext>
             </a:extLst>
           </p:cNvPr>
@@ -561,7 +578,7 @@
           <p:cNvPr id="2" name="Vertical Title 1">
             <a:extLst>
               <a:ext uri="{FF2B5EF4-FFF2-40B4-BE49-F238E27FC236}">
-                <a16:creationId xmlns:a16="http://schemas.microsoft.com/office/drawing/2014/main" xmlns="" id="{82B145E2-56A3-2A4A-A34A-62FDBE04B532}"/>
+                <a16:creationId xmlns:a16="http://schemas.microsoft.com/office/drawing/2014/main" id="{82B145E2-56A3-2A4A-A34A-62FDBE04B532}"/>
               </a:ext>
             </a:extLst>
           </p:cNvPr>
@@ -595,7 +612,7 @@
           <p:cNvPr id="3" name="Vertical Text Placeholder 2">
             <a:extLst>
               <a:ext uri="{FF2B5EF4-FFF2-40B4-BE49-F238E27FC236}">
-                <a16:creationId xmlns:a16="http://schemas.microsoft.com/office/drawing/2014/main" xmlns="" id="{BA7FEA52-0AD2-ED48-BE2D-AA2A62CC8147}"/>
+                <a16:creationId xmlns:a16="http://schemas.microsoft.com/office/drawing/2014/main" id="{BA7FEA52-0AD2-ED48-BE2D-AA2A62CC8147}"/>
               </a:ext>
             </a:extLst>
           </p:cNvPr>
@@ -658,7 +675,7 @@
           <p:cNvPr id="4" name="Date Placeholder 3">
             <a:extLst>
               <a:ext uri="{FF2B5EF4-FFF2-40B4-BE49-F238E27FC236}">
-                <a16:creationId xmlns:a16="http://schemas.microsoft.com/office/drawing/2014/main" xmlns="" id="{509592D1-37D6-274A-98E5-76FCA89F0DB1}"/>
+                <a16:creationId xmlns:a16="http://schemas.microsoft.com/office/drawing/2014/main" id="{509592D1-37D6-274A-98E5-76FCA89F0DB1}"/>
               </a:ext>
             </a:extLst>
           </p:cNvPr>
@@ -676,7 +693,7 @@
           <a:p>
             <a:fld id="{BCAF0A95-D8F2-F44A-ADA5-4A6276384FC8}" type="datetimeFigureOut">
               <a:rPr lang="de-DE" smtClean="0"/>
-              <a:t>17.01.2019</a:t>
+              <a:t>03.01.2020</a:t>
             </a:fld>
             <a:endParaRPr lang="de-DE"/>
           </a:p>
@@ -687,7 +704,7 @@
           <p:cNvPr id="5" name="Footer Placeholder 4">
             <a:extLst>
               <a:ext uri="{FF2B5EF4-FFF2-40B4-BE49-F238E27FC236}">
-                <a16:creationId xmlns:a16="http://schemas.microsoft.com/office/drawing/2014/main" xmlns="" id="{95FE95F6-4AAE-3B4F-994D-60928CDD0E6D}"/>
+                <a16:creationId xmlns:a16="http://schemas.microsoft.com/office/drawing/2014/main" id="{95FE95F6-4AAE-3B4F-994D-60928CDD0E6D}"/>
               </a:ext>
             </a:extLst>
           </p:cNvPr>
@@ -712,7 +729,7 @@
           <p:cNvPr id="6" name="Slide Number Placeholder 5">
             <a:extLst>
               <a:ext uri="{FF2B5EF4-FFF2-40B4-BE49-F238E27FC236}">
-                <a16:creationId xmlns:a16="http://schemas.microsoft.com/office/drawing/2014/main" xmlns="" id="{5378B011-4AB5-A446-BACF-AE2C5CFCC7F0}"/>
+                <a16:creationId xmlns:a16="http://schemas.microsoft.com/office/drawing/2014/main" id="{5378B011-4AB5-A446-BACF-AE2C5CFCC7F0}"/>
               </a:ext>
             </a:extLst>
           </p:cNvPr>
@@ -771,7 +788,7 @@
           <p:cNvPr id="2" name="Title 1">
             <a:extLst>
               <a:ext uri="{FF2B5EF4-FFF2-40B4-BE49-F238E27FC236}">
-                <a16:creationId xmlns:a16="http://schemas.microsoft.com/office/drawing/2014/main" xmlns="" id="{EE1F20B4-8630-1A4A-90AB-63828FC9FFAA}"/>
+                <a16:creationId xmlns:a16="http://schemas.microsoft.com/office/drawing/2014/main" id="{EE1F20B4-8630-1A4A-90AB-63828FC9FFAA}"/>
               </a:ext>
             </a:extLst>
           </p:cNvPr>
@@ -800,7 +817,7 @@
           <p:cNvPr id="3" name="Content Placeholder 2">
             <a:extLst>
               <a:ext uri="{FF2B5EF4-FFF2-40B4-BE49-F238E27FC236}">
-                <a16:creationId xmlns:a16="http://schemas.microsoft.com/office/drawing/2014/main" xmlns="" id="{E560989A-91F0-9A42-AF47-226A6006797F}"/>
+                <a16:creationId xmlns:a16="http://schemas.microsoft.com/office/drawing/2014/main" id="{E560989A-91F0-9A42-AF47-226A6006797F}"/>
               </a:ext>
             </a:extLst>
           </p:cNvPr>
@@ -858,7 +875,7 @@
           <p:cNvPr id="4" name="Date Placeholder 3">
             <a:extLst>
               <a:ext uri="{FF2B5EF4-FFF2-40B4-BE49-F238E27FC236}">
-                <a16:creationId xmlns:a16="http://schemas.microsoft.com/office/drawing/2014/main" xmlns="" id="{91A39B67-4512-B242-BD3D-2E43E75D56B0}"/>
+                <a16:creationId xmlns:a16="http://schemas.microsoft.com/office/drawing/2014/main" id="{91A39B67-4512-B242-BD3D-2E43E75D56B0}"/>
               </a:ext>
             </a:extLst>
           </p:cNvPr>
@@ -876,7 +893,7 @@
           <a:p>
             <a:fld id="{BCAF0A95-D8F2-F44A-ADA5-4A6276384FC8}" type="datetimeFigureOut">
               <a:rPr lang="de-DE" smtClean="0"/>
-              <a:t>17.01.2019</a:t>
+              <a:t>03.01.2020</a:t>
             </a:fld>
             <a:endParaRPr lang="de-DE"/>
           </a:p>
@@ -887,7 +904,7 @@
           <p:cNvPr id="5" name="Footer Placeholder 4">
             <a:extLst>
               <a:ext uri="{FF2B5EF4-FFF2-40B4-BE49-F238E27FC236}">
-                <a16:creationId xmlns:a16="http://schemas.microsoft.com/office/drawing/2014/main" xmlns="" id="{DF807DF0-A12C-D446-B9D7-69DD3B41BE56}"/>
+                <a16:creationId xmlns:a16="http://schemas.microsoft.com/office/drawing/2014/main" id="{DF807DF0-A12C-D446-B9D7-69DD3B41BE56}"/>
               </a:ext>
             </a:extLst>
           </p:cNvPr>
@@ -912,7 +929,7 @@
           <p:cNvPr id="6" name="Slide Number Placeholder 5">
             <a:extLst>
               <a:ext uri="{FF2B5EF4-FFF2-40B4-BE49-F238E27FC236}">
-                <a16:creationId xmlns:a16="http://schemas.microsoft.com/office/drawing/2014/main" xmlns="" id="{A9BEAA31-38B2-A34D-8685-8E24F98E077F}"/>
+                <a16:creationId xmlns:a16="http://schemas.microsoft.com/office/drawing/2014/main" id="{A9BEAA31-38B2-A34D-8685-8E24F98E077F}"/>
               </a:ext>
             </a:extLst>
           </p:cNvPr>
@@ -971,7 +988,7 @@
           <p:cNvPr id="2" name="Title 1">
             <a:extLst>
               <a:ext uri="{FF2B5EF4-FFF2-40B4-BE49-F238E27FC236}">
-                <a16:creationId xmlns:a16="http://schemas.microsoft.com/office/drawing/2014/main" xmlns="" id="{5A880430-084D-7647-A2CF-2F34E769A6AE}"/>
+                <a16:creationId xmlns:a16="http://schemas.microsoft.com/office/drawing/2014/main" id="{5A880430-084D-7647-A2CF-2F34E769A6AE}"/>
               </a:ext>
             </a:extLst>
           </p:cNvPr>
@@ -1009,7 +1026,7 @@
           <p:cNvPr id="3" name="Text Placeholder 2">
             <a:extLst>
               <a:ext uri="{FF2B5EF4-FFF2-40B4-BE49-F238E27FC236}">
-                <a16:creationId xmlns:a16="http://schemas.microsoft.com/office/drawing/2014/main" xmlns="" id="{E5C4BA33-D713-004F-9C55-5DAEB3BF98C5}"/>
+                <a16:creationId xmlns:a16="http://schemas.microsoft.com/office/drawing/2014/main" id="{E5C4BA33-D713-004F-9C55-5DAEB3BF98C5}"/>
               </a:ext>
             </a:extLst>
           </p:cNvPr>
@@ -1134,7 +1151,7 @@
           <p:cNvPr id="4" name="Date Placeholder 3">
             <a:extLst>
               <a:ext uri="{FF2B5EF4-FFF2-40B4-BE49-F238E27FC236}">
-                <a16:creationId xmlns:a16="http://schemas.microsoft.com/office/drawing/2014/main" xmlns="" id="{F1AC3A03-4141-2F45-903B-B9120E8DD532}"/>
+                <a16:creationId xmlns:a16="http://schemas.microsoft.com/office/drawing/2014/main" id="{F1AC3A03-4141-2F45-903B-B9120E8DD532}"/>
               </a:ext>
             </a:extLst>
           </p:cNvPr>
@@ -1152,7 +1169,7 @@
           <a:p>
             <a:fld id="{BCAF0A95-D8F2-F44A-ADA5-4A6276384FC8}" type="datetimeFigureOut">
               <a:rPr lang="de-DE" smtClean="0"/>
-              <a:t>17.01.2019</a:t>
+              <a:t>03.01.2020</a:t>
             </a:fld>
             <a:endParaRPr lang="de-DE"/>
           </a:p>
@@ -1163,7 +1180,7 @@
           <p:cNvPr id="5" name="Footer Placeholder 4">
             <a:extLst>
               <a:ext uri="{FF2B5EF4-FFF2-40B4-BE49-F238E27FC236}">
-                <a16:creationId xmlns:a16="http://schemas.microsoft.com/office/drawing/2014/main" xmlns="" id="{A9EAC070-BB96-344E-AF69-BEECC575FC6A}"/>
+                <a16:creationId xmlns:a16="http://schemas.microsoft.com/office/drawing/2014/main" id="{A9EAC070-BB96-344E-AF69-BEECC575FC6A}"/>
               </a:ext>
             </a:extLst>
           </p:cNvPr>
@@ -1188,7 +1205,7 @@
           <p:cNvPr id="6" name="Slide Number Placeholder 5">
             <a:extLst>
               <a:ext uri="{FF2B5EF4-FFF2-40B4-BE49-F238E27FC236}">
-                <a16:creationId xmlns:a16="http://schemas.microsoft.com/office/drawing/2014/main" xmlns="" id="{FADAD6A9-4FB3-6349-B213-E0EE2F2CBFD4}"/>
+                <a16:creationId xmlns:a16="http://schemas.microsoft.com/office/drawing/2014/main" id="{FADAD6A9-4FB3-6349-B213-E0EE2F2CBFD4}"/>
               </a:ext>
             </a:extLst>
           </p:cNvPr>
@@ -1247,7 +1264,7 @@
           <p:cNvPr id="2" name="Title 1">
             <a:extLst>
               <a:ext uri="{FF2B5EF4-FFF2-40B4-BE49-F238E27FC236}">
-                <a16:creationId xmlns:a16="http://schemas.microsoft.com/office/drawing/2014/main" xmlns="" id="{7DFB8A14-B670-2346-ADD2-C0ACD46109D4}"/>
+                <a16:creationId xmlns:a16="http://schemas.microsoft.com/office/drawing/2014/main" id="{7DFB8A14-B670-2346-ADD2-C0ACD46109D4}"/>
               </a:ext>
             </a:extLst>
           </p:cNvPr>
@@ -1276,7 +1293,7 @@
           <p:cNvPr id="3" name="Content Placeholder 2">
             <a:extLst>
               <a:ext uri="{FF2B5EF4-FFF2-40B4-BE49-F238E27FC236}">
-                <a16:creationId xmlns:a16="http://schemas.microsoft.com/office/drawing/2014/main" xmlns="" id="{D1AD5335-174A-1E40-991C-5436BD2C9A62}"/>
+                <a16:creationId xmlns:a16="http://schemas.microsoft.com/office/drawing/2014/main" id="{D1AD5335-174A-1E40-991C-5436BD2C9A62}"/>
               </a:ext>
             </a:extLst>
           </p:cNvPr>
@@ -1339,7 +1356,7 @@
           <p:cNvPr id="4" name="Content Placeholder 3">
             <a:extLst>
               <a:ext uri="{FF2B5EF4-FFF2-40B4-BE49-F238E27FC236}">
-                <a16:creationId xmlns:a16="http://schemas.microsoft.com/office/drawing/2014/main" xmlns="" id="{0698E88A-CF66-AF47-B94B-8DD0915191F9}"/>
+                <a16:creationId xmlns:a16="http://schemas.microsoft.com/office/drawing/2014/main" id="{0698E88A-CF66-AF47-B94B-8DD0915191F9}"/>
               </a:ext>
             </a:extLst>
           </p:cNvPr>
@@ -1402,7 +1419,7 @@
           <p:cNvPr id="5" name="Date Placeholder 4">
             <a:extLst>
               <a:ext uri="{FF2B5EF4-FFF2-40B4-BE49-F238E27FC236}">
-                <a16:creationId xmlns:a16="http://schemas.microsoft.com/office/drawing/2014/main" xmlns="" id="{398EB15B-6EA8-2844-ABB0-2F78F7482C3B}"/>
+                <a16:creationId xmlns:a16="http://schemas.microsoft.com/office/drawing/2014/main" id="{398EB15B-6EA8-2844-ABB0-2F78F7482C3B}"/>
               </a:ext>
             </a:extLst>
           </p:cNvPr>
@@ -1420,7 +1437,7 @@
           <a:p>
             <a:fld id="{BCAF0A95-D8F2-F44A-ADA5-4A6276384FC8}" type="datetimeFigureOut">
               <a:rPr lang="de-DE" smtClean="0"/>
-              <a:t>17.01.2019</a:t>
+              <a:t>03.01.2020</a:t>
             </a:fld>
             <a:endParaRPr lang="de-DE"/>
           </a:p>
@@ -1431,7 +1448,7 @@
           <p:cNvPr id="6" name="Footer Placeholder 5">
             <a:extLst>
               <a:ext uri="{FF2B5EF4-FFF2-40B4-BE49-F238E27FC236}">
-                <a16:creationId xmlns:a16="http://schemas.microsoft.com/office/drawing/2014/main" xmlns="" id="{0D1ABF23-8CFC-C047-9A64-867E49698BBE}"/>
+                <a16:creationId xmlns:a16="http://schemas.microsoft.com/office/drawing/2014/main" id="{0D1ABF23-8CFC-C047-9A64-867E49698BBE}"/>
               </a:ext>
             </a:extLst>
           </p:cNvPr>
@@ -1456,7 +1473,7 @@
           <p:cNvPr id="7" name="Slide Number Placeholder 6">
             <a:extLst>
               <a:ext uri="{FF2B5EF4-FFF2-40B4-BE49-F238E27FC236}">
-                <a16:creationId xmlns:a16="http://schemas.microsoft.com/office/drawing/2014/main" xmlns="" id="{FE4E721B-0636-6546-AB05-F14D3A8439CE}"/>
+                <a16:creationId xmlns:a16="http://schemas.microsoft.com/office/drawing/2014/main" id="{FE4E721B-0636-6546-AB05-F14D3A8439CE}"/>
               </a:ext>
             </a:extLst>
           </p:cNvPr>
@@ -1515,7 +1532,7 @@
           <p:cNvPr id="2" name="Title 1">
             <a:extLst>
               <a:ext uri="{FF2B5EF4-FFF2-40B4-BE49-F238E27FC236}">
-                <a16:creationId xmlns:a16="http://schemas.microsoft.com/office/drawing/2014/main" xmlns="" id="{834DC3B1-BC0B-634B-82CC-C1A6BEEA807B}"/>
+                <a16:creationId xmlns:a16="http://schemas.microsoft.com/office/drawing/2014/main" id="{834DC3B1-BC0B-634B-82CC-C1A6BEEA807B}"/>
               </a:ext>
             </a:extLst>
           </p:cNvPr>
@@ -1549,7 +1566,7 @@
           <p:cNvPr id="3" name="Text Placeholder 2">
             <a:extLst>
               <a:ext uri="{FF2B5EF4-FFF2-40B4-BE49-F238E27FC236}">
-                <a16:creationId xmlns:a16="http://schemas.microsoft.com/office/drawing/2014/main" xmlns="" id="{DF782189-8FBD-4744-AA99-9C450C10FED3}"/>
+                <a16:creationId xmlns:a16="http://schemas.microsoft.com/office/drawing/2014/main" id="{DF782189-8FBD-4744-AA99-9C450C10FED3}"/>
               </a:ext>
             </a:extLst>
           </p:cNvPr>
@@ -1620,7 +1637,7 @@
           <p:cNvPr id="4" name="Content Placeholder 3">
             <a:extLst>
               <a:ext uri="{FF2B5EF4-FFF2-40B4-BE49-F238E27FC236}">
-                <a16:creationId xmlns:a16="http://schemas.microsoft.com/office/drawing/2014/main" xmlns="" id="{EAC0C7A9-01EC-7742-B5B2-B047D130A861}"/>
+                <a16:creationId xmlns:a16="http://schemas.microsoft.com/office/drawing/2014/main" id="{EAC0C7A9-01EC-7742-B5B2-B047D130A861}"/>
               </a:ext>
             </a:extLst>
           </p:cNvPr>
@@ -1683,7 +1700,7 @@
           <p:cNvPr id="5" name="Text Placeholder 4">
             <a:extLst>
               <a:ext uri="{FF2B5EF4-FFF2-40B4-BE49-F238E27FC236}">
-                <a16:creationId xmlns:a16="http://schemas.microsoft.com/office/drawing/2014/main" xmlns="" id="{F0581EE0-0699-1C40-8661-62E1BA7F87FC}"/>
+                <a16:creationId xmlns:a16="http://schemas.microsoft.com/office/drawing/2014/main" id="{F0581EE0-0699-1C40-8661-62E1BA7F87FC}"/>
               </a:ext>
             </a:extLst>
           </p:cNvPr>
@@ -1754,7 +1771,7 @@
           <p:cNvPr id="6" name="Content Placeholder 5">
             <a:extLst>
               <a:ext uri="{FF2B5EF4-FFF2-40B4-BE49-F238E27FC236}">
-                <a16:creationId xmlns:a16="http://schemas.microsoft.com/office/drawing/2014/main" xmlns="" id="{DAEDDD0B-B679-0546-972C-4EA3A22CDFF0}"/>
+                <a16:creationId xmlns:a16="http://schemas.microsoft.com/office/drawing/2014/main" id="{DAEDDD0B-B679-0546-972C-4EA3A22CDFF0}"/>
               </a:ext>
             </a:extLst>
           </p:cNvPr>
@@ -1817,7 +1834,7 @@
           <p:cNvPr id="7" name="Date Placeholder 6">
             <a:extLst>
               <a:ext uri="{FF2B5EF4-FFF2-40B4-BE49-F238E27FC236}">
-                <a16:creationId xmlns:a16="http://schemas.microsoft.com/office/drawing/2014/main" xmlns="" id="{CD8AC2AD-2B31-A14E-9FAE-C6A5797F2A4F}"/>
+                <a16:creationId xmlns:a16="http://schemas.microsoft.com/office/drawing/2014/main" id="{CD8AC2AD-2B31-A14E-9FAE-C6A5797F2A4F}"/>
               </a:ext>
             </a:extLst>
           </p:cNvPr>
@@ -1835,7 +1852,7 @@
           <a:p>
             <a:fld id="{BCAF0A95-D8F2-F44A-ADA5-4A6276384FC8}" type="datetimeFigureOut">
               <a:rPr lang="de-DE" smtClean="0"/>
-              <a:t>17.01.2019</a:t>
+              <a:t>03.01.2020</a:t>
             </a:fld>
             <a:endParaRPr lang="de-DE"/>
           </a:p>
@@ -1846,7 +1863,7 @@
           <p:cNvPr id="8" name="Footer Placeholder 7">
             <a:extLst>
               <a:ext uri="{FF2B5EF4-FFF2-40B4-BE49-F238E27FC236}">
-                <a16:creationId xmlns:a16="http://schemas.microsoft.com/office/drawing/2014/main" xmlns="" id="{662E87BC-070E-E246-A44C-262AED050559}"/>
+                <a16:creationId xmlns:a16="http://schemas.microsoft.com/office/drawing/2014/main" id="{662E87BC-070E-E246-A44C-262AED050559}"/>
               </a:ext>
             </a:extLst>
           </p:cNvPr>
@@ -1871,7 +1888,7 @@
           <p:cNvPr id="9" name="Slide Number Placeholder 8">
             <a:extLst>
               <a:ext uri="{FF2B5EF4-FFF2-40B4-BE49-F238E27FC236}">
-                <a16:creationId xmlns:a16="http://schemas.microsoft.com/office/drawing/2014/main" xmlns="" id="{E53B586C-83D6-E24F-BB3E-BB82FE36E0AC}"/>
+                <a16:creationId xmlns:a16="http://schemas.microsoft.com/office/drawing/2014/main" id="{E53B586C-83D6-E24F-BB3E-BB82FE36E0AC}"/>
               </a:ext>
             </a:extLst>
           </p:cNvPr>
@@ -1930,7 +1947,7 @@
           <p:cNvPr id="2" name="Title 1">
             <a:extLst>
               <a:ext uri="{FF2B5EF4-FFF2-40B4-BE49-F238E27FC236}">
-                <a16:creationId xmlns:a16="http://schemas.microsoft.com/office/drawing/2014/main" xmlns="" id="{8EEDB7F0-5819-2949-80CA-F187B5F4E7B5}"/>
+                <a16:creationId xmlns:a16="http://schemas.microsoft.com/office/drawing/2014/main" id="{8EEDB7F0-5819-2949-80CA-F187B5F4E7B5}"/>
               </a:ext>
             </a:extLst>
           </p:cNvPr>
@@ -1959,7 +1976,7 @@
           <p:cNvPr id="3" name="Date Placeholder 2">
             <a:extLst>
               <a:ext uri="{FF2B5EF4-FFF2-40B4-BE49-F238E27FC236}">
-                <a16:creationId xmlns:a16="http://schemas.microsoft.com/office/drawing/2014/main" xmlns="" id="{E74CCF02-46AD-2A48-A760-A12DCF4B72D0}"/>
+                <a16:creationId xmlns:a16="http://schemas.microsoft.com/office/drawing/2014/main" id="{E74CCF02-46AD-2A48-A760-A12DCF4B72D0}"/>
               </a:ext>
             </a:extLst>
           </p:cNvPr>
@@ -1977,7 +1994,7 @@
           <a:p>
             <a:fld id="{BCAF0A95-D8F2-F44A-ADA5-4A6276384FC8}" type="datetimeFigureOut">
               <a:rPr lang="de-DE" smtClean="0"/>
-              <a:t>17.01.2019</a:t>
+              <a:t>03.01.2020</a:t>
             </a:fld>
             <a:endParaRPr lang="de-DE"/>
           </a:p>
@@ -1988,7 +2005,7 @@
           <p:cNvPr id="4" name="Footer Placeholder 3">
             <a:extLst>
               <a:ext uri="{FF2B5EF4-FFF2-40B4-BE49-F238E27FC236}">
-                <a16:creationId xmlns:a16="http://schemas.microsoft.com/office/drawing/2014/main" xmlns="" id="{8D7E28B1-F915-5D49-AAE6-F28DC8933DEB}"/>
+                <a16:creationId xmlns:a16="http://schemas.microsoft.com/office/drawing/2014/main" id="{8D7E28B1-F915-5D49-AAE6-F28DC8933DEB}"/>
               </a:ext>
             </a:extLst>
           </p:cNvPr>
@@ -2013,7 +2030,7 @@
           <p:cNvPr id="5" name="Slide Number Placeholder 4">
             <a:extLst>
               <a:ext uri="{FF2B5EF4-FFF2-40B4-BE49-F238E27FC236}">
-                <a16:creationId xmlns:a16="http://schemas.microsoft.com/office/drawing/2014/main" xmlns="" id="{F3BEA1F8-EEA9-1B41-89CE-0220928FE128}"/>
+                <a16:creationId xmlns:a16="http://schemas.microsoft.com/office/drawing/2014/main" id="{F3BEA1F8-EEA9-1B41-89CE-0220928FE128}"/>
               </a:ext>
             </a:extLst>
           </p:cNvPr>
@@ -2072,7 +2089,7 @@
           <p:cNvPr id="2" name="Date Placeholder 1">
             <a:extLst>
               <a:ext uri="{FF2B5EF4-FFF2-40B4-BE49-F238E27FC236}">
-                <a16:creationId xmlns:a16="http://schemas.microsoft.com/office/drawing/2014/main" xmlns="" id="{DBCCAE41-1281-B445-AAA9-F47DB29F8CF5}"/>
+                <a16:creationId xmlns:a16="http://schemas.microsoft.com/office/drawing/2014/main" id="{DBCCAE41-1281-B445-AAA9-F47DB29F8CF5}"/>
               </a:ext>
             </a:extLst>
           </p:cNvPr>
@@ -2090,7 +2107,7 @@
           <a:p>
             <a:fld id="{BCAF0A95-D8F2-F44A-ADA5-4A6276384FC8}" type="datetimeFigureOut">
               <a:rPr lang="de-DE" smtClean="0"/>
-              <a:t>17.01.2019</a:t>
+              <a:t>03.01.2020</a:t>
             </a:fld>
             <a:endParaRPr lang="de-DE"/>
           </a:p>
@@ -2101,7 +2118,7 @@
           <p:cNvPr id="3" name="Footer Placeholder 2">
             <a:extLst>
               <a:ext uri="{FF2B5EF4-FFF2-40B4-BE49-F238E27FC236}">
-                <a16:creationId xmlns:a16="http://schemas.microsoft.com/office/drawing/2014/main" xmlns="" id="{B617AC60-DD0C-3646-94AB-222348D4F52B}"/>
+                <a16:creationId xmlns:a16="http://schemas.microsoft.com/office/drawing/2014/main" id="{B617AC60-DD0C-3646-94AB-222348D4F52B}"/>
               </a:ext>
             </a:extLst>
           </p:cNvPr>
@@ -2126,7 +2143,7 @@
           <p:cNvPr id="4" name="Slide Number Placeholder 3">
             <a:extLst>
               <a:ext uri="{FF2B5EF4-FFF2-40B4-BE49-F238E27FC236}">
-                <a16:creationId xmlns:a16="http://schemas.microsoft.com/office/drawing/2014/main" xmlns="" id="{5A9D999D-BB05-D740-8D81-2BEEB60111B8}"/>
+                <a16:creationId xmlns:a16="http://schemas.microsoft.com/office/drawing/2014/main" id="{5A9D999D-BB05-D740-8D81-2BEEB60111B8}"/>
               </a:ext>
             </a:extLst>
           </p:cNvPr>
@@ -2185,7 +2202,7 @@
           <p:cNvPr id="2" name="Title 1">
             <a:extLst>
               <a:ext uri="{FF2B5EF4-FFF2-40B4-BE49-F238E27FC236}">
-                <a16:creationId xmlns:a16="http://schemas.microsoft.com/office/drawing/2014/main" xmlns="" id="{2B030DAE-9256-F641-9C4F-476527D22D62}"/>
+                <a16:creationId xmlns:a16="http://schemas.microsoft.com/office/drawing/2014/main" id="{2B030DAE-9256-F641-9C4F-476527D22D62}"/>
               </a:ext>
             </a:extLst>
           </p:cNvPr>
@@ -2223,7 +2240,7 @@
           <p:cNvPr id="3" name="Content Placeholder 2">
             <a:extLst>
               <a:ext uri="{FF2B5EF4-FFF2-40B4-BE49-F238E27FC236}">
-                <a16:creationId xmlns:a16="http://schemas.microsoft.com/office/drawing/2014/main" xmlns="" id="{8FAFC5FC-42F1-9C46-93F1-7A46487BCFCE}"/>
+                <a16:creationId xmlns:a16="http://schemas.microsoft.com/office/drawing/2014/main" id="{8FAFC5FC-42F1-9C46-93F1-7A46487BCFCE}"/>
               </a:ext>
             </a:extLst>
           </p:cNvPr>
@@ -2314,7 +2331,7 @@
           <p:cNvPr id="4" name="Text Placeholder 3">
             <a:extLst>
               <a:ext uri="{FF2B5EF4-FFF2-40B4-BE49-F238E27FC236}">
-                <a16:creationId xmlns:a16="http://schemas.microsoft.com/office/drawing/2014/main" xmlns="" id="{579FD528-6655-234C-B1C4-0E0950CD6E27}"/>
+                <a16:creationId xmlns:a16="http://schemas.microsoft.com/office/drawing/2014/main" id="{579FD528-6655-234C-B1C4-0E0950CD6E27}"/>
               </a:ext>
             </a:extLst>
           </p:cNvPr>
@@ -2385,7 +2402,7 @@
           <p:cNvPr id="5" name="Date Placeholder 4">
             <a:extLst>
               <a:ext uri="{FF2B5EF4-FFF2-40B4-BE49-F238E27FC236}">
-                <a16:creationId xmlns:a16="http://schemas.microsoft.com/office/drawing/2014/main" xmlns="" id="{FB1D425D-8621-6C4A-8F5B-E1E91A61E43F}"/>
+                <a16:creationId xmlns:a16="http://schemas.microsoft.com/office/drawing/2014/main" id="{FB1D425D-8621-6C4A-8F5B-E1E91A61E43F}"/>
               </a:ext>
             </a:extLst>
           </p:cNvPr>
@@ -2403,7 +2420,7 @@
           <a:p>
             <a:fld id="{BCAF0A95-D8F2-F44A-ADA5-4A6276384FC8}" type="datetimeFigureOut">
               <a:rPr lang="de-DE" smtClean="0"/>
-              <a:t>17.01.2019</a:t>
+              <a:t>03.01.2020</a:t>
             </a:fld>
             <a:endParaRPr lang="de-DE"/>
           </a:p>
@@ -2414,7 +2431,7 @@
           <p:cNvPr id="6" name="Footer Placeholder 5">
             <a:extLst>
               <a:ext uri="{FF2B5EF4-FFF2-40B4-BE49-F238E27FC236}">
-                <a16:creationId xmlns:a16="http://schemas.microsoft.com/office/drawing/2014/main" xmlns="" id="{A7B2A9D8-ABA2-A64E-9CFE-5F7D9368F691}"/>
+                <a16:creationId xmlns:a16="http://schemas.microsoft.com/office/drawing/2014/main" id="{A7B2A9D8-ABA2-A64E-9CFE-5F7D9368F691}"/>
               </a:ext>
             </a:extLst>
           </p:cNvPr>
@@ -2439,7 +2456,7 @@
           <p:cNvPr id="7" name="Slide Number Placeholder 6">
             <a:extLst>
               <a:ext uri="{FF2B5EF4-FFF2-40B4-BE49-F238E27FC236}">
-                <a16:creationId xmlns:a16="http://schemas.microsoft.com/office/drawing/2014/main" xmlns="" id="{AE88CDB6-CFE9-C846-BBB4-F00AECE0E109}"/>
+                <a16:creationId xmlns:a16="http://schemas.microsoft.com/office/drawing/2014/main" id="{AE88CDB6-CFE9-C846-BBB4-F00AECE0E109}"/>
               </a:ext>
             </a:extLst>
           </p:cNvPr>
@@ -2498,7 +2515,7 @@
           <p:cNvPr id="2" name="Title 1">
             <a:extLst>
               <a:ext uri="{FF2B5EF4-FFF2-40B4-BE49-F238E27FC236}">
-                <a16:creationId xmlns:a16="http://schemas.microsoft.com/office/drawing/2014/main" xmlns="" id="{3F9C5D05-40AE-6543-A7B2-2BF9AF290DBC}"/>
+                <a16:creationId xmlns:a16="http://schemas.microsoft.com/office/drawing/2014/main" id="{3F9C5D05-40AE-6543-A7B2-2BF9AF290DBC}"/>
               </a:ext>
             </a:extLst>
           </p:cNvPr>
@@ -2536,7 +2553,7 @@
           <p:cNvPr id="3" name="Picture Placeholder 2">
             <a:extLst>
               <a:ext uri="{FF2B5EF4-FFF2-40B4-BE49-F238E27FC236}">
-                <a16:creationId xmlns:a16="http://schemas.microsoft.com/office/drawing/2014/main" xmlns="" id="{C82A1E67-AAE8-874A-801A-1A998B8A7DCC}"/>
+                <a16:creationId xmlns:a16="http://schemas.microsoft.com/office/drawing/2014/main" id="{C82A1E67-AAE8-874A-801A-1A998B8A7DCC}"/>
               </a:ext>
             </a:extLst>
           </p:cNvPr>
@@ -2603,7 +2620,7 @@
           <p:cNvPr id="4" name="Text Placeholder 3">
             <a:extLst>
               <a:ext uri="{FF2B5EF4-FFF2-40B4-BE49-F238E27FC236}">
-                <a16:creationId xmlns:a16="http://schemas.microsoft.com/office/drawing/2014/main" xmlns="" id="{E3674814-DAC3-1341-B439-619A3FFC6384}"/>
+                <a16:creationId xmlns:a16="http://schemas.microsoft.com/office/drawing/2014/main" id="{E3674814-DAC3-1341-B439-619A3FFC6384}"/>
               </a:ext>
             </a:extLst>
           </p:cNvPr>
@@ -2674,7 +2691,7 @@
           <p:cNvPr id="5" name="Date Placeholder 4">
             <a:extLst>
               <a:ext uri="{FF2B5EF4-FFF2-40B4-BE49-F238E27FC236}">
-                <a16:creationId xmlns:a16="http://schemas.microsoft.com/office/drawing/2014/main" xmlns="" id="{D3BDF70F-756B-504B-AE6A-7B426334264A}"/>
+                <a16:creationId xmlns:a16="http://schemas.microsoft.com/office/drawing/2014/main" id="{D3BDF70F-756B-504B-AE6A-7B426334264A}"/>
               </a:ext>
             </a:extLst>
           </p:cNvPr>
@@ -2692,7 +2709,7 @@
           <a:p>
             <a:fld id="{BCAF0A95-D8F2-F44A-ADA5-4A6276384FC8}" type="datetimeFigureOut">
               <a:rPr lang="de-DE" smtClean="0"/>
-              <a:t>17.01.2019</a:t>
+              <a:t>03.01.2020</a:t>
             </a:fld>
             <a:endParaRPr lang="de-DE"/>
           </a:p>
@@ -2703,7 +2720,7 @@
           <p:cNvPr id="6" name="Footer Placeholder 5">
             <a:extLst>
               <a:ext uri="{FF2B5EF4-FFF2-40B4-BE49-F238E27FC236}">
-                <a16:creationId xmlns:a16="http://schemas.microsoft.com/office/drawing/2014/main" xmlns="" id="{FFCB9CC6-522F-454F-8DCA-A3DE4F9338D8}"/>
+                <a16:creationId xmlns:a16="http://schemas.microsoft.com/office/drawing/2014/main" id="{FFCB9CC6-522F-454F-8DCA-A3DE4F9338D8}"/>
               </a:ext>
             </a:extLst>
           </p:cNvPr>
@@ -2728,7 +2745,7 @@
           <p:cNvPr id="7" name="Slide Number Placeholder 6">
             <a:extLst>
               <a:ext uri="{FF2B5EF4-FFF2-40B4-BE49-F238E27FC236}">
-                <a16:creationId xmlns:a16="http://schemas.microsoft.com/office/drawing/2014/main" xmlns="" id="{491DDF81-D893-3A42-908C-702F4DE5549A}"/>
+                <a16:creationId xmlns:a16="http://schemas.microsoft.com/office/drawing/2014/main" id="{491DDF81-D893-3A42-908C-702F4DE5549A}"/>
               </a:ext>
             </a:extLst>
           </p:cNvPr>
@@ -2792,7 +2809,7 @@
           <p:cNvPr id="2" name="Title Placeholder 1">
             <a:extLst>
               <a:ext uri="{FF2B5EF4-FFF2-40B4-BE49-F238E27FC236}">
-                <a16:creationId xmlns:a16="http://schemas.microsoft.com/office/drawing/2014/main" xmlns="" id="{95D9F5AE-7D3C-3140-AE74-1D38FBB95E27}"/>
+                <a16:creationId xmlns:a16="http://schemas.microsoft.com/office/drawing/2014/main" id="{95D9F5AE-7D3C-3140-AE74-1D38FBB95E27}"/>
               </a:ext>
             </a:extLst>
           </p:cNvPr>
@@ -2831,7 +2848,7 @@
           <p:cNvPr id="3" name="Text Placeholder 2">
             <a:extLst>
               <a:ext uri="{FF2B5EF4-FFF2-40B4-BE49-F238E27FC236}">
-                <a16:creationId xmlns:a16="http://schemas.microsoft.com/office/drawing/2014/main" xmlns="" id="{9393B1F4-B5AB-934D-8D3F-4C626092059C}"/>
+                <a16:creationId xmlns:a16="http://schemas.microsoft.com/office/drawing/2014/main" id="{9393B1F4-B5AB-934D-8D3F-4C626092059C}"/>
               </a:ext>
             </a:extLst>
           </p:cNvPr>
@@ -2899,7 +2916,7 @@
           <p:cNvPr id="4" name="Date Placeholder 3">
             <a:extLst>
               <a:ext uri="{FF2B5EF4-FFF2-40B4-BE49-F238E27FC236}">
-                <a16:creationId xmlns:a16="http://schemas.microsoft.com/office/drawing/2014/main" xmlns="" id="{B7E81864-AE76-8B40-8E86-522AA6BAC139}"/>
+                <a16:creationId xmlns:a16="http://schemas.microsoft.com/office/drawing/2014/main" id="{B7E81864-AE76-8B40-8E86-522AA6BAC139}"/>
               </a:ext>
             </a:extLst>
           </p:cNvPr>
@@ -2935,7 +2952,7 @@
           <a:p>
             <a:fld id="{BCAF0A95-D8F2-F44A-ADA5-4A6276384FC8}" type="datetimeFigureOut">
               <a:rPr lang="de-DE" smtClean="0"/>
-              <a:t>17.01.2019</a:t>
+              <a:t>03.01.2020</a:t>
             </a:fld>
             <a:endParaRPr lang="de-DE"/>
           </a:p>
@@ -2946,7 +2963,7 @@
           <p:cNvPr id="5" name="Footer Placeholder 4">
             <a:extLst>
               <a:ext uri="{FF2B5EF4-FFF2-40B4-BE49-F238E27FC236}">
-                <a16:creationId xmlns:a16="http://schemas.microsoft.com/office/drawing/2014/main" xmlns="" id="{209EA486-A919-C14E-856E-D0FB8B27A6DC}"/>
+                <a16:creationId xmlns:a16="http://schemas.microsoft.com/office/drawing/2014/main" id="{209EA486-A919-C14E-856E-D0FB8B27A6DC}"/>
               </a:ext>
             </a:extLst>
           </p:cNvPr>
@@ -2989,7 +3006,7 @@
           <p:cNvPr id="6" name="Slide Number Placeholder 5">
             <a:extLst>
               <a:ext uri="{FF2B5EF4-FFF2-40B4-BE49-F238E27FC236}">
-                <a16:creationId xmlns:a16="http://schemas.microsoft.com/office/drawing/2014/main" xmlns="" id="{3E62979F-F997-CB40-B73D-5E7DFC440070}"/>
+                <a16:creationId xmlns:a16="http://schemas.microsoft.com/office/drawing/2014/main" id="{3E62979F-F997-CB40-B73D-5E7DFC440070}"/>
               </a:ext>
             </a:extLst>
           </p:cNvPr>
@@ -3357,7 +3374,7 @@
           <p:cNvPr id="4" name="Rectangle 3">
             <a:extLst>
               <a:ext uri="{FF2B5EF4-FFF2-40B4-BE49-F238E27FC236}">
-                <a16:creationId xmlns:a16="http://schemas.microsoft.com/office/drawing/2014/main" xmlns="" id="{2AB3E63E-5425-FC4F-A422-60F31BB2BE73}"/>
+                <a16:creationId xmlns:a16="http://schemas.microsoft.com/office/drawing/2014/main" id="{2AB3E63E-5425-FC4F-A422-60F31BB2BE73}"/>
               </a:ext>
             </a:extLst>
           </p:cNvPr>
@@ -3402,31 +3419,7 @@
                   <a:schemeClr val="tx1"/>
                 </a:solidFill>
               </a:rPr>
-              <a:t>Repository </a:t>
-            </a:r>
-            <a:r>
-              <a:rPr lang="de-DE" dirty="0">
-                <a:solidFill>
-                  <a:schemeClr val="tx1"/>
-                </a:solidFill>
-              </a:rPr>
-              <a:t>interface (</a:t>
-            </a:r>
-            <a:r>
-              <a:rPr lang="de-DE" dirty="0" smtClean="0">
-                <a:solidFill>
-                  <a:schemeClr val="tx1"/>
-                </a:solidFill>
-              </a:rPr>
-              <a:t>MockMOFWBEMConnection)</a:t>
-            </a:r>
-            <a:r>
-              <a:rPr lang="de-DE" dirty="0">
-                <a:solidFill>
-                  <a:schemeClr val="tx1"/>
-                </a:solidFill>
-              </a:rPr>
-              <a:t/>
+              <a:t>Repository interface (MockMOFWBEMConnection)</a:t>
             </a:r>
             <a:br>
               <a:rPr lang="de-DE" dirty="0">
@@ -3441,23 +3434,7 @@
                   <a:schemeClr val="tx1"/>
                 </a:solidFill>
               </a:rPr>
-              <a:t>(class </a:t>
-            </a:r>
-            <a:r>
-              <a:rPr lang="de-DE" dirty="0">
-                <a:solidFill>
-                  <a:schemeClr val="tx1"/>
-                </a:solidFill>
-              </a:rPr>
-              <a:t>MOFWBEMConnection)</a:t>
-            </a:r>
-            <a:r>
-              <a:rPr lang="de-DE" dirty="0">
-                <a:solidFill>
-                  <a:schemeClr val="tx1"/>
-                </a:solidFill>
-              </a:rPr>
-              <a:t/>
+              <a:t>(class MOFWBEMConnection)</a:t>
             </a:r>
             <a:br>
               <a:rPr lang="de-DE" dirty="0">
@@ -3498,7 +3475,7 @@
           <p:cNvPr id="9" name="Rectangle 8">
             <a:extLst>
               <a:ext uri="{FF2B5EF4-FFF2-40B4-BE49-F238E27FC236}">
-                <a16:creationId xmlns:a16="http://schemas.microsoft.com/office/drawing/2014/main" xmlns="" id="{0E38F325-B7D6-214E-8536-B2E0990157A2}"/>
+                <a16:creationId xmlns:a16="http://schemas.microsoft.com/office/drawing/2014/main" id="{0E38F325-B7D6-214E-8536-B2E0990157A2}"/>
               </a:ext>
             </a:extLst>
           </p:cNvPr>
@@ -3625,7 +3602,7 @@
           <p:cNvPr id="11" name="Rectangle 10">
             <a:extLst>
               <a:ext uri="{FF2B5EF4-FFF2-40B4-BE49-F238E27FC236}">
-                <a16:creationId xmlns:a16="http://schemas.microsoft.com/office/drawing/2014/main" xmlns="" id="{73BAEA8C-FAA6-BF44-AA22-9D6655B4FB0D}"/>
+                <a16:creationId xmlns:a16="http://schemas.microsoft.com/office/drawing/2014/main" id="{73BAEA8C-FAA6-BF44-AA22-9D6655B4FB0D}"/>
               </a:ext>
             </a:extLst>
           </p:cNvPr>
@@ -3707,7 +3684,7 @@
           <p:cNvPr id="12" name="Rectangle 11">
             <a:extLst>
               <a:ext uri="{FF2B5EF4-FFF2-40B4-BE49-F238E27FC236}">
-                <a16:creationId xmlns:a16="http://schemas.microsoft.com/office/drawing/2014/main" xmlns="" id="{CB021D7A-F124-374A-9F9D-19D947DF5627}"/>
+                <a16:creationId xmlns:a16="http://schemas.microsoft.com/office/drawing/2014/main" id="{CB021D7A-F124-374A-9F9D-19D947DF5627}"/>
               </a:ext>
             </a:extLst>
           </p:cNvPr>
@@ -3802,7 +3779,7 @@
           <p:cNvPr id="14" name="Rectangle 13">
             <a:extLst>
               <a:ext uri="{FF2B5EF4-FFF2-40B4-BE49-F238E27FC236}">
-                <a16:creationId xmlns:a16="http://schemas.microsoft.com/office/drawing/2014/main" xmlns="" id="{14E44039-9867-0340-94E2-0316C60EE38A}"/>
+                <a16:creationId xmlns:a16="http://schemas.microsoft.com/office/drawing/2014/main" id="{14E44039-9867-0340-94E2-0316C60EE38A}"/>
               </a:ext>
             </a:extLst>
           </p:cNvPr>
@@ -3849,14 +3826,6 @@
               </a:rPr>
               <a:t>WBEMConnection</a:t>
             </a:r>
-            <a:r>
-              <a:rPr lang="de-DE" dirty="0">
-                <a:solidFill>
-                  <a:schemeClr val="tx1"/>
-                </a:solidFill>
-              </a:rPr>
-              <a:t/>
-            </a:r>
             <a:br>
               <a:rPr lang="de-DE" dirty="0">
                 <a:solidFill>
@@ -3992,7 +3961,7 @@
           <p:cNvPr id="15" name="Rectangle 14">
             <a:extLst>
               <a:ext uri="{FF2B5EF4-FFF2-40B4-BE49-F238E27FC236}">
-                <a16:creationId xmlns:a16="http://schemas.microsoft.com/office/drawing/2014/main" xmlns="" id="{A057BE2B-17E5-084E-8C4B-6480E198591E}"/>
+                <a16:creationId xmlns:a16="http://schemas.microsoft.com/office/drawing/2014/main" id="{A057BE2B-17E5-084E-8C4B-6480E198591E}"/>
               </a:ext>
             </a:extLst>
           </p:cNvPr>
@@ -4055,14 +4024,6 @@
               </a:rPr>
               <a:t>WBEMConnection</a:t>
             </a:r>
-            <a:r>
-              <a:rPr lang="de-DE" dirty="0">
-                <a:solidFill>
-                  <a:schemeClr val="tx1"/>
-                </a:solidFill>
-              </a:rPr>
-              <a:t/>
-            </a:r>
             <a:br>
               <a:rPr lang="de-DE" dirty="0">
                 <a:solidFill>
@@ -4118,7 +4079,7 @@
           <p:cNvPr id="16" name="Rectangle 15">
             <a:extLst>
               <a:ext uri="{FF2B5EF4-FFF2-40B4-BE49-F238E27FC236}">
-                <a16:creationId xmlns:a16="http://schemas.microsoft.com/office/drawing/2014/main" xmlns="" id="{E4B69B15-35EA-E243-99EF-789DCCC91779}"/>
+                <a16:creationId xmlns:a16="http://schemas.microsoft.com/office/drawing/2014/main" id="{E4B69B15-35EA-E243-99EF-789DCCC91779}"/>
               </a:ext>
             </a:extLst>
           </p:cNvPr>
@@ -4165,14 +4126,6 @@
               </a:rPr>
               <a:t>WBEMConnection</a:t>
             </a:r>
-            <a:r>
-              <a:rPr lang="de-DE" dirty="0">
-                <a:solidFill>
-                  <a:schemeClr val="tx1"/>
-                </a:solidFill>
-              </a:rPr>
-              <a:t/>
-            </a:r>
             <a:br>
               <a:rPr lang="de-DE" dirty="0">
                 <a:solidFill>
@@ -4196,7 +4149,7 @@
           <p:cNvPr id="20" name="TextBox 19">
             <a:extLst>
               <a:ext uri="{FF2B5EF4-FFF2-40B4-BE49-F238E27FC236}">
-                <a16:creationId xmlns:a16="http://schemas.microsoft.com/office/drawing/2014/main" xmlns="" id="{9DAA1AE1-1827-B942-9446-1CDCB9089E72}"/>
+                <a16:creationId xmlns:a16="http://schemas.microsoft.com/office/drawing/2014/main" id="{9DAA1AE1-1827-B942-9446-1CDCB9089E72}"/>
               </a:ext>
             </a:extLst>
           </p:cNvPr>
@@ -4220,10 +4173,9 @@
           <a:lstStyle/>
           <a:p>
             <a:r>
-              <a:rPr lang="de-DE" dirty="0" smtClean="0"/>
+              <a:rPr lang="de-DE" dirty="0"/>
               <a:t>WBEMConnection_mock after issue #1540 – Repsoitory struct</a:t>
             </a:r>
-            <a:endParaRPr lang="de-DE" dirty="0"/>
           </a:p>
         </p:txBody>
       </p:sp>
@@ -4232,7 +4184,7 @@
           <p:cNvPr id="21" name="Rectangle 20">
             <a:extLst>
               <a:ext uri="{FF2B5EF4-FFF2-40B4-BE49-F238E27FC236}">
-                <a16:creationId xmlns:a16="http://schemas.microsoft.com/office/drawing/2014/main" xmlns="" id="{547B8241-7CF4-EA48-80FC-4217CB9AA8B1}"/>
+                <a16:creationId xmlns:a16="http://schemas.microsoft.com/office/drawing/2014/main" id="{547B8241-7CF4-EA48-80FC-4217CB9AA8B1}"/>
               </a:ext>
             </a:extLst>
           </p:cNvPr>
@@ -4287,14 +4239,6 @@
               </a:rPr>
               <a:t>layer</a:t>
             </a:r>
-            <a:r>
-              <a:rPr lang="de-DE" dirty="0">
-                <a:solidFill>
-                  <a:schemeClr val="tx1"/>
-                </a:solidFill>
-              </a:rPr>
-              <a:t/>
-            </a:r>
             <a:br>
               <a:rPr lang="de-DE" dirty="0">
                 <a:solidFill>
@@ -4333,6 +4277,558 @@
     <p:extLst>
       <p:ext uri="{BB962C8B-B14F-4D97-AF65-F5344CB8AC3E}">
         <p14:creationId xmlns:p14="http://schemas.microsoft.com/office/powerpoint/2010/main" val="3862076749"/>
+      </p:ext>
+    </p:extLst>
+  </p:cSld>
+  <p:clrMapOvr>
+    <a:masterClrMapping/>
+  </p:clrMapOvr>
+</p:sld>
+</file>
+
+<file path=ppt/slides/slide10.xml><?xml version="1.0" encoding="utf-8"?>
+<p:sld xmlns:a="http://schemas.openxmlformats.org/drawingml/2006/main" xmlns:r="http://schemas.openxmlformats.org/officeDocument/2006/relationships" xmlns:p="http://schemas.openxmlformats.org/presentationml/2006/main">
+  <p:cSld>
+    <p:spTree>
+      <p:nvGrpSpPr>
+        <p:cNvPr id="1" name=""/>
+        <p:cNvGrpSpPr/>
+        <p:nvPr/>
+      </p:nvGrpSpPr>
+      <p:grpSpPr>
+        <a:xfrm>
+          <a:off x="0" y="0"/>
+          <a:ext cx="0" cy="0"/>
+          <a:chOff x="0" y="0"/>
+          <a:chExt cx="0" cy="0"/>
+        </a:xfrm>
+      </p:grpSpPr>
+      <p:sp>
+        <p:nvSpPr>
+          <p:cNvPr id="2" name="Title 1">
+            <a:extLst>
+              <a:ext uri="{FF2B5EF4-FFF2-40B4-BE49-F238E27FC236}">
+                <a16:creationId xmlns:a16="http://schemas.microsoft.com/office/drawing/2014/main" id="{E9D693F2-9D42-4C0C-8F49-051C2F635F2A}"/>
+              </a:ext>
+            </a:extLst>
+          </p:cNvPr>
+          <p:cNvSpPr>
+            <a:spLocks noGrp="1"/>
+          </p:cNvSpPr>
+          <p:nvPr>
+            <p:ph type="title"/>
+          </p:nvPr>
+        </p:nvSpPr>
+        <p:spPr/>
+        <p:txBody>
+          <a:bodyPr/>
+          <a:lstStyle/>
+          <a:p>
+            <a:r>
+              <a:rPr lang="en-US" dirty="0"/>
+              <a:t>CIM Object Repository</a:t>
+            </a:r>
+          </a:p>
+        </p:txBody>
+      </p:sp>
+      <p:sp>
+        <p:nvSpPr>
+          <p:cNvPr id="3" name="Content Placeholder 2">
+            <a:extLst>
+              <a:ext uri="{FF2B5EF4-FFF2-40B4-BE49-F238E27FC236}">
+                <a16:creationId xmlns:a16="http://schemas.microsoft.com/office/drawing/2014/main" id="{074E7DBA-1F7F-4676-B237-FC42E94EB92C}"/>
+              </a:ext>
+            </a:extLst>
+          </p:cNvPr>
+          <p:cNvSpPr>
+            <a:spLocks noGrp="1"/>
+          </p:cNvSpPr>
+          <p:nvPr>
+            <p:ph idx="1"/>
+          </p:nvPr>
+        </p:nvSpPr>
+        <p:spPr/>
+        <p:txBody>
+          <a:bodyPr/>
+          <a:lstStyle/>
+          <a:p>
+            <a:r>
+              <a:rPr lang="en-US" dirty="0"/>
+              <a:t>Processing of received requests to generate responses based on data in the physical repository</a:t>
+            </a:r>
+          </a:p>
+          <a:p>
+            <a:r>
+              <a:rPr lang="en-US" dirty="0"/>
+              <a:t>Handles:</a:t>
+            </a:r>
+          </a:p>
+          <a:p>
+            <a:pPr lvl="1"/>
+            <a:r>
+              <a:rPr lang="en-US" dirty="0"/>
+              <a:t>All of the CIM Operations</a:t>
+            </a:r>
+          </a:p>
+          <a:p>
+            <a:pPr lvl="1"/>
+            <a:r>
+              <a:rPr lang="en-US" dirty="0"/>
+              <a:t>Namespace creation, deletion, enumeration</a:t>
+            </a:r>
+          </a:p>
+          <a:p>
+            <a:r>
+              <a:rPr lang="en-US" dirty="0"/>
+              <a:t>Operation requests are same API as cim_operations.py</a:t>
+            </a:r>
+          </a:p>
+          <a:p>
+            <a:r>
+              <a:rPr lang="en-US" dirty="0"/>
+              <a:t>Operation responses are same return data as cim_operations.py</a:t>
+            </a:r>
+          </a:p>
+        </p:txBody>
+      </p:sp>
+    </p:spTree>
+    <p:extLst>
+      <p:ext uri="{BB962C8B-B14F-4D97-AF65-F5344CB8AC3E}">
+        <p14:creationId xmlns:p14="http://schemas.microsoft.com/office/powerpoint/2010/main" val="3871019420"/>
+      </p:ext>
+    </p:extLst>
+  </p:cSld>
+  <p:clrMapOvr>
+    <a:masterClrMapping/>
+  </p:clrMapOvr>
+</p:sld>
+</file>
+
+<file path=ppt/slides/slide11.xml><?xml version="1.0" encoding="utf-8"?>
+<p:sld xmlns:a="http://schemas.openxmlformats.org/drawingml/2006/main" xmlns:r="http://schemas.openxmlformats.org/officeDocument/2006/relationships" xmlns:p="http://schemas.openxmlformats.org/presentationml/2006/main">
+  <p:cSld>
+    <p:spTree>
+      <p:nvGrpSpPr>
+        <p:cNvPr id="1" name=""/>
+        <p:cNvGrpSpPr/>
+        <p:nvPr/>
+      </p:nvGrpSpPr>
+      <p:grpSpPr>
+        <a:xfrm>
+          <a:off x="0" y="0"/>
+          <a:ext cx="0" cy="0"/>
+          <a:chOff x="0" y="0"/>
+          <a:chExt cx="0" cy="0"/>
+        </a:xfrm>
+      </p:grpSpPr>
+      <p:sp>
+        <p:nvSpPr>
+          <p:cNvPr id="2" name="Title 1">
+            <a:extLst>
+              <a:ext uri="{FF2B5EF4-FFF2-40B4-BE49-F238E27FC236}">
+                <a16:creationId xmlns:a16="http://schemas.microsoft.com/office/drawing/2014/main" id="{4DC47076-0CA2-40A9-8BBF-3CD9BCE03AF5}"/>
+              </a:ext>
+            </a:extLst>
+          </p:cNvPr>
+          <p:cNvSpPr>
+            <a:spLocks noGrp="1"/>
+          </p:cNvSpPr>
+          <p:nvPr>
+            <p:ph type="title"/>
+          </p:nvPr>
+        </p:nvSpPr>
+        <p:spPr/>
+        <p:txBody>
+          <a:bodyPr/>
+          <a:lstStyle/>
+          <a:p>
+            <a:r>
+              <a:rPr lang="en-US" dirty="0"/>
+              <a:t>Physical Repository Store</a:t>
+            </a:r>
+          </a:p>
+        </p:txBody>
+      </p:sp>
+      <p:sp>
+        <p:nvSpPr>
+          <p:cNvPr id="3" name="Content Placeholder 2">
+            <a:extLst>
+              <a:ext uri="{FF2B5EF4-FFF2-40B4-BE49-F238E27FC236}">
+                <a16:creationId xmlns:a16="http://schemas.microsoft.com/office/drawing/2014/main" id="{FCCE770E-7F85-4740-B497-08A623FDF734}"/>
+              </a:ext>
+            </a:extLst>
+          </p:cNvPr>
+          <p:cNvSpPr>
+            <a:spLocks noGrp="1"/>
+          </p:cNvSpPr>
+          <p:nvPr>
+            <p:ph idx="1"/>
+          </p:nvPr>
+        </p:nvSpPr>
+        <p:spPr/>
+        <p:txBody>
+          <a:bodyPr>
+            <a:normAutofit fontScale="92500" lnSpcReduction="20000"/>
+          </a:bodyPr>
+          <a:lstStyle/>
+          <a:p>
+            <a:r>
+              <a:rPr lang="en-US" dirty="0"/>
+              <a:t>Implements the cim object store API:</a:t>
+            </a:r>
+          </a:p>
+          <a:p>
+            <a:r>
+              <a:rPr lang="en-US" dirty="0"/>
+              <a:t>Common API</a:t>
+            </a:r>
+          </a:p>
+          <a:p>
+            <a:pPr lvl="1"/>
+            <a:r>
+              <a:rPr lang="en-US" dirty="0"/>
+              <a:t>The repository is modeled as dictionaries with the class, qualifier declaration, instance dictionaries under namespace dictionaries. Note that all are </a:t>
+            </a:r>
+            <a:r>
+              <a:rPr lang="en-US" dirty="0" err="1"/>
+              <a:t>Nocase</a:t>
+            </a:r>
+            <a:r>
+              <a:rPr lang="en-US" dirty="0"/>
+              <a:t> except for instance</a:t>
+            </a:r>
+          </a:p>
+          <a:p>
+            <a:pPr lvl="1"/>
+            <a:r>
+              <a:rPr lang="en-US" dirty="0"/>
+              <a:t>Dictionary API methods can be used to access the dictionary for the items of each CIM type within a namespace</a:t>
+            </a:r>
+          </a:p>
+          <a:p>
+            <a:pPr lvl="1"/>
+            <a:r>
+              <a:rPr lang="en-US" dirty="0"/>
+              <a:t>Methods to add and delete namespaces.</a:t>
+            </a:r>
+          </a:p>
+          <a:p>
+            <a:pPr lvl="1"/>
+            <a:r>
+              <a:rPr lang="en-US" dirty="0"/>
+              <a:t>Methods to initiate and checkpoint store (possibly __</a:t>
+            </a:r>
+            <a:r>
+              <a:rPr lang="en-US" dirty="0" err="1"/>
+              <a:t>init</a:t>
+            </a:r>
+            <a:r>
+              <a:rPr lang="en-US" dirty="0"/>
+              <a:t>__ and a checkpoint method</a:t>
+            </a:r>
+          </a:p>
+          <a:p>
+            <a:pPr lvl="1"/>
+            <a:r>
+              <a:rPr lang="en-US" dirty="0"/>
+              <a:t>Note that this works also for databases since python tools exist for many databases to map to dictionaries.  The only issue might be </a:t>
+            </a:r>
+            <a:r>
+              <a:rPr lang="en-US" dirty="0" err="1"/>
+              <a:t>Nocase</a:t>
+            </a:r>
+            <a:r>
+              <a:rPr lang="en-US" dirty="0"/>
+              <a:t>.</a:t>
+            </a:r>
+          </a:p>
+          <a:p>
+            <a:r>
+              <a:rPr lang="en-US" dirty="0"/>
+              <a:t>For each physical repository implementation:</a:t>
+            </a:r>
+          </a:p>
+          <a:p>
+            <a:pPr lvl="1"/>
+            <a:r>
+              <a:rPr lang="en-US" dirty="0"/>
+              <a:t>Definitions to store CIM objects organized by namespace and within each namespace by class, instance, qualifier declaration.</a:t>
+            </a:r>
+          </a:p>
+          <a:p>
+            <a:pPr marL="457200" lvl="1" indent="0">
+              <a:buNone/>
+            </a:pPr>
+            <a:endParaRPr lang="en-US" dirty="0"/>
+          </a:p>
+        </p:txBody>
+      </p:sp>
+    </p:spTree>
+    <p:extLst>
+      <p:ext uri="{BB962C8B-B14F-4D97-AF65-F5344CB8AC3E}">
+        <p14:creationId xmlns:p14="http://schemas.microsoft.com/office/powerpoint/2010/main" val="1059226333"/>
+      </p:ext>
+    </p:extLst>
+  </p:cSld>
+  <p:clrMapOvr>
+    <a:masterClrMapping/>
+  </p:clrMapOvr>
+</p:sld>
+</file>
+
+<file path=ppt/slides/slide12.xml><?xml version="1.0" encoding="utf-8"?>
+<p:sld xmlns:a="http://schemas.openxmlformats.org/drawingml/2006/main" xmlns:r="http://schemas.openxmlformats.org/officeDocument/2006/relationships" xmlns:p="http://schemas.openxmlformats.org/presentationml/2006/main">
+  <p:cSld>
+    <p:spTree>
+      <p:nvGrpSpPr>
+        <p:cNvPr id="1" name=""/>
+        <p:cNvGrpSpPr/>
+        <p:nvPr/>
+      </p:nvGrpSpPr>
+      <p:grpSpPr>
+        <a:xfrm>
+          <a:off x="0" y="0"/>
+          <a:ext cx="0" cy="0"/>
+          <a:chOff x="0" y="0"/>
+          <a:chExt cx="0" cy="0"/>
+        </a:xfrm>
+      </p:grpSpPr>
+      <p:sp>
+        <p:nvSpPr>
+          <p:cNvPr id="2" name="Title 1">
+            <a:extLst>
+              <a:ext uri="{FF2B5EF4-FFF2-40B4-BE49-F238E27FC236}">
+                <a16:creationId xmlns:a16="http://schemas.microsoft.com/office/drawing/2014/main" id="{158CF82E-2BA9-4848-99C1-36F03F3E2C15}"/>
+              </a:ext>
+            </a:extLst>
+          </p:cNvPr>
+          <p:cNvSpPr>
+            <a:spLocks noGrp="1"/>
+          </p:cNvSpPr>
+          <p:nvPr>
+            <p:ph type="title"/>
+          </p:nvPr>
+        </p:nvSpPr>
+        <p:spPr/>
+        <p:txBody>
+          <a:bodyPr/>
+          <a:lstStyle/>
+          <a:p>
+            <a:r>
+              <a:rPr lang="en-US" dirty="0"/>
+              <a:t>Proposed steps</a:t>
+            </a:r>
+          </a:p>
+        </p:txBody>
+      </p:sp>
+      <p:sp>
+        <p:nvSpPr>
+          <p:cNvPr id="3" name="Content Placeholder 2">
+            <a:extLst>
+              <a:ext uri="{FF2B5EF4-FFF2-40B4-BE49-F238E27FC236}">
+                <a16:creationId xmlns:a16="http://schemas.microsoft.com/office/drawing/2014/main" id="{B870DD01-1685-44ED-804B-6A95B9E1B209}"/>
+              </a:ext>
+            </a:extLst>
+          </p:cNvPr>
+          <p:cNvSpPr>
+            <a:spLocks noGrp="1"/>
+          </p:cNvSpPr>
+          <p:nvPr>
+            <p:ph idx="1"/>
+          </p:nvPr>
+        </p:nvSpPr>
+        <p:spPr/>
+        <p:txBody>
+          <a:bodyPr>
+            <a:normAutofit fontScale="85000" lnSpcReduction="20000"/>
+          </a:bodyPr>
+          <a:lstStyle/>
+          <a:p>
+            <a:r>
+              <a:rPr lang="en-US" dirty="0"/>
+              <a:t>Part1 – minor cleanup</a:t>
+            </a:r>
+          </a:p>
+          <a:p>
+            <a:r>
+              <a:rPr lang="en-US" dirty="0"/>
+              <a:t>Part 2 – Separate out physical store from _</a:t>
+            </a:r>
+            <a:r>
+              <a:rPr lang="en-US" dirty="0" err="1"/>
+              <a:t>WBEMConnection</a:t>
+            </a:r>
+            <a:endParaRPr lang="en-US" dirty="0"/>
+          </a:p>
+          <a:p>
+            <a:pPr lvl="1"/>
+            <a:r>
+              <a:rPr lang="en-US" dirty="0"/>
+              <a:t>Methods that access store will use </a:t>
+            </a:r>
+            <a:r>
+              <a:rPr lang="en-US" dirty="0" err="1"/>
+              <a:t>get_instance_repo</a:t>
+            </a:r>
+            <a:r>
+              <a:rPr lang="en-US" dirty="0"/>
+              <a:t>(), to access the dictionary representing that data.  This is same as today except for a couple of cases where we added things like a _</a:t>
+            </a:r>
+            <a:r>
+              <a:rPr lang="en-US" dirty="0" err="1"/>
+              <a:t>exists_class</a:t>
+            </a:r>
+            <a:r>
+              <a:rPr lang="en-US" dirty="0"/>
+              <a:t>() which can now become “if </a:t>
+            </a:r>
+            <a:r>
+              <a:rPr lang="en-US" dirty="0" err="1"/>
+              <a:t>classname</a:t>
+            </a:r>
+            <a:r>
+              <a:rPr lang="en-US" dirty="0"/>
+              <a:t> in </a:t>
+            </a:r>
+            <a:r>
+              <a:rPr lang="en-US" dirty="0" err="1"/>
+              <a:t>class_repo</a:t>
+            </a:r>
+            <a:r>
+              <a:rPr lang="en-US" dirty="0"/>
+              <a:t>”</a:t>
+            </a:r>
+          </a:p>
+          <a:p>
+            <a:pPr lvl="1"/>
+            <a:r>
+              <a:rPr lang="en-US" dirty="0"/>
+              <a:t>This will create new file _</a:t>
+            </a:r>
+            <a:r>
+              <a:rPr lang="en-US" dirty="0" err="1"/>
+              <a:t>inmemory_repository</a:t>
+            </a:r>
+            <a:r>
+              <a:rPr lang="en-US" dirty="0"/>
+              <a:t>() or similar name.</a:t>
+            </a:r>
+          </a:p>
+          <a:p>
+            <a:pPr lvl="1"/>
+            <a:r>
+              <a:rPr lang="en-US" dirty="0"/>
+              <a:t>Note that for part 2 we will keep the compiler code that is in the _</a:t>
+            </a:r>
+            <a:r>
+              <a:rPr lang="en-US" dirty="0" err="1"/>
+              <a:t>mockmofwbemconnection</a:t>
+            </a:r>
+            <a:r>
+              <a:rPr lang="en-US" dirty="0"/>
+              <a:t> in the </a:t>
+            </a:r>
+            <a:r>
+              <a:rPr lang="en-US" dirty="0" err="1"/>
+              <a:t>inmemory_repository</a:t>
+            </a:r>
+            <a:r>
+              <a:rPr lang="en-US" dirty="0"/>
+              <a:t>.</a:t>
+            </a:r>
+          </a:p>
+          <a:p>
+            <a:r>
+              <a:rPr lang="en-US" dirty="0"/>
+              <a:t>Part 3</a:t>
+            </a:r>
+          </a:p>
+          <a:p>
+            <a:pPr lvl="1"/>
+            <a:r>
+              <a:rPr lang="en-US" dirty="0"/>
+              <a:t>Separate the mock code from _</a:t>
+            </a:r>
+            <a:r>
+              <a:rPr lang="en-US" dirty="0" err="1"/>
+              <a:t>WBEMConnection</a:t>
+            </a:r>
+            <a:r>
+              <a:rPr lang="en-US" dirty="0"/>
+              <a:t> so that the methods in _</a:t>
+            </a:r>
+            <a:r>
+              <a:rPr lang="en-US" dirty="0" err="1"/>
+              <a:t>Wbemconnection</a:t>
+            </a:r>
+            <a:r>
+              <a:rPr lang="en-US" dirty="0"/>
+              <a:t> return the objects as defined in </a:t>
+            </a:r>
+            <a:r>
+              <a:rPr lang="en-US" dirty="0" err="1"/>
+              <a:t>cim_operations</a:t>
+            </a:r>
+            <a:r>
+              <a:rPr lang="en-US" dirty="0"/>
+              <a:t>.</a:t>
+            </a:r>
+          </a:p>
+          <a:p>
+            <a:pPr lvl="1"/>
+            <a:r>
+              <a:rPr lang="en-US" dirty="0"/>
+              <a:t>The mock wrapper methods </a:t>
+            </a:r>
+          </a:p>
+          <a:p>
+            <a:r>
+              <a:rPr lang="en-US" dirty="0"/>
+              <a:t>Part 4</a:t>
+            </a:r>
+          </a:p>
+          <a:p>
+            <a:pPr lvl="1"/>
+            <a:r>
+              <a:rPr lang="en-US" dirty="0"/>
+              <a:t>Move the compiler </a:t>
+            </a:r>
+            <a:r>
+              <a:rPr lang="en-US" dirty="0" err="1"/>
+              <a:t>GetClass</a:t>
+            </a:r>
+            <a:r>
+              <a:rPr lang="en-US" dirty="0"/>
+              <a:t>, etc. that is in _</a:t>
+            </a:r>
+            <a:r>
+              <a:rPr lang="en-US" dirty="0" err="1"/>
+              <a:t>mofwbemconnection</a:t>
+            </a:r>
+            <a:r>
+              <a:rPr lang="en-US" dirty="0"/>
+              <a:t> (now _</a:t>
+            </a:r>
+            <a:r>
+              <a:rPr lang="en-US" dirty="0" err="1"/>
+              <a:t>inmemory_repository</a:t>
+            </a:r>
+            <a:r>
+              <a:rPr lang="en-US" dirty="0"/>
+              <a:t>) up so that it calls the CIMOM methods in _</a:t>
+            </a:r>
+            <a:r>
+              <a:rPr lang="en-US"/>
+              <a:t>WBEMConnection</a:t>
+            </a:r>
+            <a:endParaRPr lang="en-US" dirty="0"/>
+          </a:p>
+        </p:txBody>
+      </p:sp>
+    </p:spTree>
+    <p:extLst>
+      <p:ext uri="{BB962C8B-B14F-4D97-AF65-F5344CB8AC3E}">
+        <p14:creationId xmlns:p14="http://schemas.microsoft.com/office/powerpoint/2010/main" val="2059114915"/>
       </p:ext>
     </p:extLst>
   </p:cSld>
@@ -4364,7 +4860,7 @@
           <p:cNvPr id="4" name="Rectangle 3">
             <a:extLst>
               <a:ext uri="{FF2B5EF4-FFF2-40B4-BE49-F238E27FC236}">
-                <a16:creationId xmlns:a16="http://schemas.microsoft.com/office/drawing/2014/main" xmlns="" id="{2AB3E63E-5425-FC4F-A422-60F31BB2BE73}"/>
+                <a16:creationId xmlns:a16="http://schemas.microsoft.com/office/drawing/2014/main" id="{2AB3E63E-5425-FC4F-A422-60F31BB2BE73}"/>
               </a:ext>
             </a:extLst>
           </p:cNvPr>
@@ -4409,31 +4905,7 @@
                   <a:schemeClr val="tx1"/>
                 </a:solidFill>
               </a:rPr>
-              <a:t>Repository </a:t>
-            </a:r>
-            <a:r>
-              <a:rPr lang="de-DE" dirty="0">
-                <a:solidFill>
-                  <a:schemeClr val="tx1"/>
-                </a:solidFill>
-              </a:rPr>
-              <a:t>interface (</a:t>
-            </a:r>
-            <a:r>
-              <a:rPr lang="de-DE" dirty="0" smtClean="0">
-                <a:solidFill>
-                  <a:schemeClr val="tx1"/>
-                </a:solidFill>
-              </a:rPr>
-              <a:t>MockMOFWBEMConnection)</a:t>
-            </a:r>
-            <a:r>
-              <a:rPr lang="de-DE" dirty="0">
-                <a:solidFill>
-                  <a:schemeClr val="tx1"/>
-                </a:solidFill>
-              </a:rPr>
-              <a:t/>
+              <a:t>Repository interface (MockMOFWBEMConnection)</a:t>
             </a:r>
             <a:br>
               <a:rPr lang="de-DE" dirty="0">
@@ -4443,20 +4915,35 @@
               </a:rPr>
             </a:br>
             <a:r>
-              <a:rPr lang="de-DE" dirty="0" smtClean="0">
-                <a:solidFill>
-                  <a:schemeClr val="tx1"/>
-                </a:solidFill>
-              </a:rPr>
-              <a:t>(subclass of </a:t>
-            </a:r>
-            <a:r>
-              <a:rPr lang="de-DE" dirty="0" smtClean="0">
-                <a:solidFill>
-                  <a:schemeClr val="tx1"/>
-                </a:solidFill>
-              </a:rPr>
-              <a:t>MOFWBEMConnection</a:t>
+              <a:rPr lang="de-DE" dirty="0">
+                <a:solidFill>
+                  <a:schemeClr val="tx1"/>
+                </a:solidFill>
+              </a:rPr>
+              <a:t>(subclass of MOFWBEMConnection)</a:t>
+            </a:r>
+            <a:br>
+              <a:rPr lang="de-DE" dirty="0">
+                <a:solidFill>
+                  <a:schemeClr val="tx1"/>
+                </a:solidFill>
+              </a:rPr>
+            </a:br>
+            <a:r>
+              <a:rPr lang="de-DE" dirty="0">
+                <a:solidFill>
+                  <a:schemeClr val="tx1"/>
+                </a:solidFill>
+              </a:rPr>
+              <a:t>(repository ops = subset of client ops </a:t>
+            </a:r>
+            <a:r>
+              <a:rPr lang="de-DE" dirty="0">
+                <a:solidFill>
+                  <a:srgbClr val="FF0000"/>
+                </a:solidFill>
+              </a:rPr>
+              <a:t>with subset of params</a:t>
             </a:r>
             <a:r>
               <a:rPr lang="de-DE" dirty="0">
@@ -4466,45 +4953,6 @@
               </a:rPr>
               <a:t>)</a:t>
             </a:r>
-            <a:r>
-              <a:rPr lang="de-DE" dirty="0">
-                <a:solidFill>
-                  <a:schemeClr val="tx1"/>
-                </a:solidFill>
-              </a:rPr>
-              <a:t/>
-            </a:r>
-            <a:br>
-              <a:rPr lang="de-DE" dirty="0">
-                <a:solidFill>
-                  <a:schemeClr val="tx1"/>
-                </a:solidFill>
-              </a:rPr>
-            </a:br>
-            <a:r>
-              <a:rPr lang="de-DE" dirty="0">
-                <a:solidFill>
-                  <a:schemeClr val="tx1"/>
-                </a:solidFill>
-              </a:rPr>
-              <a:t>(repository ops = subset of client ops </a:t>
-            </a:r>
-            <a:r>
-              <a:rPr lang="de-DE" dirty="0">
-                <a:solidFill>
-                  <a:srgbClr val="FF0000"/>
-                </a:solidFill>
-              </a:rPr>
-              <a:t>with subset of params</a:t>
-            </a:r>
-            <a:r>
-              <a:rPr lang="de-DE" dirty="0">
-                <a:solidFill>
-                  <a:schemeClr val="tx1"/>
-                </a:solidFill>
-              </a:rPr>
-              <a:t>)</a:t>
-            </a:r>
           </a:p>
         </p:txBody>
       </p:sp>
@@ -4513,7 +4961,7 @@
           <p:cNvPr id="9" name="Rectangle 8">
             <a:extLst>
               <a:ext uri="{FF2B5EF4-FFF2-40B4-BE49-F238E27FC236}">
-                <a16:creationId xmlns:a16="http://schemas.microsoft.com/office/drawing/2014/main" xmlns="" id="{0E38F325-B7D6-214E-8536-B2E0990157A2}"/>
+                <a16:creationId xmlns:a16="http://schemas.microsoft.com/office/drawing/2014/main" id="{0E38F325-B7D6-214E-8536-B2E0990157A2}"/>
               </a:ext>
             </a:extLst>
           </p:cNvPr>
@@ -4640,7 +5088,7 @@
           <p:cNvPr id="11" name="Rectangle 10">
             <a:extLst>
               <a:ext uri="{FF2B5EF4-FFF2-40B4-BE49-F238E27FC236}">
-                <a16:creationId xmlns:a16="http://schemas.microsoft.com/office/drawing/2014/main" xmlns="" id="{73BAEA8C-FAA6-BF44-AA22-9D6655B4FB0D}"/>
+                <a16:creationId xmlns:a16="http://schemas.microsoft.com/office/drawing/2014/main" id="{73BAEA8C-FAA6-BF44-AA22-9D6655B4FB0D}"/>
               </a:ext>
             </a:extLst>
           </p:cNvPr>
@@ -4722,7 +5170,7 @@
           <p:cNvPr id="12" name="Rectangle 11">
             <a:extLst>
               <a:ext uri="{FF2B5EF4-FFF2-40B4-BE49-F238E27FC236}">
-                <a16:creationId xmlns:a16="http://schemas.microsoft.com/office/drawing/2014/main" xmlns="" id="{CB021D7A-F124-374A-9F9D-19D947DF5627}"/>
+                <a16:creationId xmlns:a16="http://schemas.microsoft.com/office/drawing/2014/main" id="{CB021D7A-F124-374A-9F9D-19D947DF5627}"/>
               </a:ext>
             </a:extLst>
           </p:cNvPr>
@@ -4767,21 +5215,8 @@
                   <a:schemeClr val="accent1"/>
                 </a:solidFill>
               </a:rPr>
-              <a:t>Full operation adapter (PR #</a:t>
-            </a:r>
-            <a:r>
-              <a:rPr lang="de-DE" dirty="0" smtClean="0">
-                <a:solidFill>
-                  <a:schemeClr val="accent1"/>
-                </a:solidFill>
-              </a:rPr>
-              <a:t>1543/issue #1540)</a:t>
-            </a:r>
-            <a:endParaRPr lang="de-DE" dirty="0">
-              <a:solidFill>
-                <a:schemeClr val="accent1"/>
-              </a:solidFill>
-            </a:endParaRPr>
+              <a:t>Full operation adapter (PR #1543/issue #1540)</a:t>
+            </a:r>
           </a:p>
         </p:txBody>
       </p:sp>
@@ -4790,7 +5225,7 @@
           <p:cNvPr id="14" name="Rectangle 13">
             <a:extLst>
               <a:ext uri="{FF2B5EF4-FFF2-40B4-BE49-F238E27FC236}">
-                <a16:creationId xmlns:a16="http://schemas.microsoft.com/office/drawing/2014/main" xmlns="" id="{14E44039-9867-0340-94E2-0316C60EE38A}"/>
+                <a16:creationId xmlns:a16="http://schemas.microsoft.com/office/drawing/2014/main" id="{14E44039-9867-0340-94E2-0316C60EE38A}"/>
               </a:ext>
             </a:extLst>
           </p:cNvPr>
@@ -4837,14 +5272,6 @@
               </a:rPr>
               <a:t>WBEMConnection</a:t>
             </a:r>
-            <a:r>
-              <a:rPr lang="de-DE" dirty="0">
-                <a:solidFill>
-                  <a:schemeClr val="tx1"/>
-                </a:solidFill>
-              </a:rPr>
-              <a:t/>
-            </a:r>
             <a:br>
               <a:rPr lang="de-DE" dirty="0">
                 <a:solidFill>
@@ -4980,7 +5407,7 @@
           <p:cNvPr id="15" name="Rectangle 14">
             <a:extLst>
               <a:ext uri="{FF2B5EF4-FFF2-40B4-BE49-F238E27FC236}">
-                <a16:creationId xmlns:a16="http://schemas.microsoft.com/office/drawing/2014/main" xmlns="" id="{A057BE2B-17E5-084E-8C4B-6480E198591E}"/>
+                <a16:creationId xmlns:a16="http://schemas.microsoft.com/office/drawing/2014/main" id="{A057BE2B-17E5-084E-8C4B-6480E198591E}"/>
               </a:ext>
             </a:extLst>
           </p:cNvPr>
@@ -5043,14 +5470,6 @@
               </a:rPr>
               <a:t>WBEMConnection</a:t>
             </a:r>
-            <a:r>
-              <a:rPr lang="de-DE" dirty="0">
-                <a:solidFill>
-                  <a:schemeClr val="tx1"/>
-                </a:solidFill>
-              </a:rPr>
-              <a:t/>
-            </a:r>
             <a:br>
               <a:rPr lang="de-DE" dirty="0">
                 <a:solidFill>
@@ -5106,7 +5525,7 @@
           <p:cNvPr id="16" name="Rectangle 15">
             <a:extLst>
               <a:ext uri="{FF2B5EF4-FFF2-40B4-BE49-F238E27FC236}">
-                <a16:creationId xmlns:a16="http://schemas.microsoft.com/office/drawing/2014/main" xmlns="" id="{E4B69B15-35EA-E243-99EF-789DCCC91779}"/>
+                <a16:creationId xmlns:a16="http://schemas.microsoft.com/office/drawing/2014/main" id="{E4B69B15-35EA-E243-99EF-789DCCC91779}"/>
               </a:ext>
             </a:extLst>
           </p:cNvPr>
@@ -5153,14 +5572,6 @@
               </a:rPr>
               <a:t>WBEMConnection</a:t>
             </a:r>
-            <a:r>
-              <a:rPr lang="de-DE" dirty="0">
-                <a:solidFill>
-                  <a:schemeClr val="tx1"/>
-                </a:solidFill>
-              </a:rPr>
-              <a:t/>
-            </a:r>
             <a:br>
               <a:rPr lang="de-DE" dirty="0">
                 <a:solidFill>
@@ -5184,7 +5595,7 @@
           <p:cNvPr id="20" name="TextBox 19">
             <a:extLst>
               <a:ext uri="{FF2B5EF4-FFF2-40B4-BE49-F238E27FC236}">
-                <a16:creationId xmlns:a16="http://schemas.microsoft.com/office/drawing/2014/main" xmlns="" id="{9DAA1AE1-1827-B942-9446-1CDCB9089E72}"/>
+                <a16:creationId xmlns:a16="http://schemas.microsoft.com/office/drawing/2014/main" id="{9DAA1AE1-1827-B942-9446-1CDCB9089E72}"/>
               </a:ext>
             </a:extLst>
           </p:cNvPr>
@@ -5208,10 +5619,9 @@
           <a:lstStyle/>
           <a:p>
             <a:r>
-              <a:rPr lang="de-DE" dirty="0" smtClean="0"/>
+              <a:rPr lang="de-DE" dirty="0"/>
               <a:t>WBEMConnection_mock after issue #1540 – Repsoitory struct</a:t>
             </a:r>
-            <a:endParaRPr lang="de-DE" dirty="0"/>
           </a:p>
         </p:txBody>
       </p:sp>
@@ -5220,7 +5630,7 @@
           <p:cNvPr id="21" name="Rectangle 20">
             <a:extLst>
               <a:ext uri="{FF2B5EF4-FFF2-40B4-BE49-F238E27FC236}">
-                <a16:creationId xmlns:a16="http://schemas.microsoft.com/office/drawing/2014/main" xmlns="" id="{547B8241-7CF4-EA48-80FC-4217CB9AA8B1}"/>
+                <a16:creationId xmlns:a16="http://schemas.microsoft.com/office/drawing/2014/main" id="{547B8241-7CF4-EA48-80FC-4217CB9AA8B1}"/>
               </a:ext>
             </a:extLst>
           </p:cNvPr>
@@ -5274,14 +5684,6 @@
                 </a:solidFill>
               </a:rPr>
               <a:t>layer</a:t>
-            </a:r>
-            <a:r>
-              <a:rPr lang="de-DE" dirty="0">
-                <a:solidFill>
-                  <a:schemeClr val="tx1"/>
-                </a:solidFill>
-              </a:rPr>
-              <a:t/>
             </a:r>
             <a:br>
               <a:rPr lang="de-DE" dirty="0">
@@ -5406,10 +5808,9 @@
           <a:lstStyle/>
           <a:p>
             <a:r>
-              <a:rPr lang="en-US" dirty="0" smtClean="0"/>
+              <a:rPr lang="en-US" dirty="0"/>
               <a:t>Not all requests use the Repository Interface.</a:t>
             </a:r>
-            <a:endParaRPr lang="en-US" dirty="0"/>
           </a:p>
         </p:txBody>
       </p:sp>
@@ -5436,10 +5837,9 @@
           <a:lstStyle/>
           <a:p>
             <a:r>
-              <a:rPr lang="en-US" dirty="0" smtClean="0"/>
+              <a:rPr lang="en-US" dirty="0"/>
               <a:t>All requests use Repository Interface</a:t>
             </a:r>
-            <a:endParaRPr lang="en-US" dirty="0"/>
           </a:p>
         </p:txBody>
       </p:sp>
@@ -5466,7 +5866,7 @@
           <a:lstStyle/>
           <a:p>
             <a:r>
-              <a:rPr lang="en-US" dirty="0" smtClean="0"/>
+              <a:rPr lang="en-US" dirty="0"/>
               <a:t>Next step.</a:t>
             </a:r>
           </a:p>
@@ -5475,37 +5875,37 @@
               <a:buAutoNum type="arabicPeriod"/>
             </a:pPr>
             <a:r>
-              <a:rPr lang="en-US" dirty="0" smtClean="0"/>
+              <a:rPr lang="en-US" dirty="0"/>
               <a:t>Replace </a:t>
             </a:r>
             <a:r>
-              <a:rPr lang="en-US" dirty="0" err="1" smtClean="0"/>
+              <a:rPr lang="en-US" dirty="0" err="1"/>
               <a:t>MOCKMOFWBEMConnection</a:t>
             </a:r>
             <a:r>
-              <a:rPr lang="en-US" dirty="0" smtClean="0"/>
+              <a:rPr lang="en-US" dirty="0"/>
               <a:t> implementation with subclass of </a:t>
             </a:r>
             <a:r>
-              <a:rPr lang="en-US" dirty="0" err="1" smtClean="0"/>
+              <a:rPr lang="en-US" dirty="0" err="1"/>
               <a:t>BaseRepositoryConnection</a:t>
             </a:r>
-            <a:endParaRPr lang="en-US" dirty="0" smtClean="0"/>
+            <a:endParaRPr lang="en-US" dirty="0"/>
           </a:p>
           <a:p>
             <a:pPr marL="342900" indent="-342900">
               <a:buAutoNum type="arabicPeriod"/>
             </a:pPr>
             <a:r>
-              <a:rPr lang="en-US" dirty="0" smtClean="0"/>
+              <a:rPr lang="en-US" dirty="0"/>
               <a:t>Capture what we need from </a:t>
             </a:r>
             <a:r>
-              <a:rPr lang="en-US" dirty="0" err="1" smtClean="0"/>
+              <a:rPr lang="en-US" dirty="0" err="1"/>
               <a:t>MOFWBEMConnection</a:t>
             </a:r>
             <a:r>
-              <a:rPr lang="en-US" dirty="0" smtClean="0"/>
+              <a:rPr lang="en-US" dirty="0"/>
               <a:t>.</a:t>
             </a:r>
           </a:p>
@@ -5514,15 +5914,15 @@
               <a:buAutoNum type="arabicPeriod"/>
             </a:pPr>
             <a:r>
-              <a:rPr lang="en-US" dirty="0" smtClean="0"/>
+              <a:rPr lang="en-US" dirty="0"/>
               <a:t>Remove what we do not want from </a:t>
             </a:r>
             <a:r>
-              <a:rPr lang="en-US" dirty="0" err="1" smtClean="0"/>
+              <a:rPr lang="en-US" dirty="0" err="1"/>
               <a:t>MOFWBEMConnection</a:t>
             </a:r>
             <a:r>
-              <a:rPr lang="en-US" dirty="0" smtClean="0"/>
+              <a:rPr lang="en-US" dirty="0"/>
               <a:t>:</a:t>
             </a:r>
           </a:p>
@@ -5531,7 +5931,7 @@
               <a:buAutoNum type="arabicPeriod"/>
             </a:pPr>
             <a:r>
-              <a:rPr lang="en-US" dirty="0" smtClean="0"/>
+              <a:rPr lang="en-US" dirty="0"/>
               <a:t>Rollback, existences of a backend server</a:t>
             </a:r>
           </a:p>
@@ -5540,24 +5940,23 @@
               <a:buAutoNum type="arabicPeriod"/>
             </a:pPr>
             <a:r>
-              <a:rPr lang="en-US" dirty="0" smtClean="0"/>
+              <a:rPr lang="en-US" dirty="0"/>
               <a:t>Move namespace management into the </a:t>
             </a:r>
             <a:r>
-              <a:rPr lang="en-US" dirty="0" err="1" smtClean="0"/>
+              <a:rPr lang="en-US" dirty="0" err="1"/>
               <a:t>MOFWBEMConnection</a:t>
             </a:r>
-            <a:endParaRPr lang="en-US" dirty="0" smtClean="0"/>
+            <a:endParaRPr lang="en-US" dirty="0"/>
           </a:p>
           <a:p>
             <a:pPr marL="342900" indent="-342900">
               <a:buAutoNum type="arabicPeriod"/>
             </a:pPr>
             <a:r>
-              <a:rPr lang="en-US" dirty="0" smtClean="0"/>
+              <a:rPr lang="en-US" dirty="0"/>
               <a:t>Replace calls to the repository calls within the Fake methods to direct calls to the repository.</a:t>
             </a:r>
-            <a:endParaRPr lang="en-US" dirty="0"/>
           </a:p>
         </p:txBody>
       </p:sp>
@@ -5596,7 +5995,7 @@
           <p:cNvPr id="4" name="Rectangle 3">
             <a:extLst>
               <a:ext uri="{FF2B5EF4-FFF2-40B4-BE49-F238E27FC236}">
-                <a16:creationId xmlns:a16="http://schemas.microsoft.com/office/drawing/2014/main" xmlns="" id="{2AB3E63E-5425-FC4F-A422-60F31BB2BE73}"/>
+                <a16:creationId xmlns:a16="http://schemas.microsoft.com/office/drawing/2014/main" id="{2AB3E63E-5425-FC4F-A422-60F31BB2BE73}"/>
               </a:ext>
             </a:extLst>
           </p:cNvPr>
@@ -5641,31 +6040,7 @@
                   <a:schemeClr val="tx1"/>
                 </a:solidFill>
               </a:rPr>
-              <a:t>Repository </a:t>
-            </a:r>
-            <a:r>
-              <a:rPr lang="de-DE" dirty="0">
-                <a:solidFill>
-                  <a:schemeClr val="tx1"/>
-                </a:solidFill>
-              </a:rPr>
-              <a:t>interface (</a:t>
-            </a:r>
-            <a:r>
-              <a:rPr lang="de-DE" dirty="0" smtClean="0">
-                <a:solidFill>
-                  <a:schemeClr val="tx1"/>
-                </a:solidFill>
-              </a:rPr>
-              <a:t>MockMOFWBEMConnection)</a:t>
-            </a:r>
-            <a:r>
-              <a:rPr lang="de-DE" dirty="0">
-                <a:solidFill>
-                  <a:schemeClr val="tx1"/>
-                </a:solidFill>
-              </a:rPr>
-              <a:t/>
+              <a:t>Repository interface (MockMOFWBEMConnection)</a:t>
             </a:r>
             <a:br>
               <a:rPr lang="de-DE" dirty="0">
@@ -5675,20 +6050,35 @@
               </a:rPr>
             </a:br>
             <a:r>
-              <a:rPr lang="de-DE" dirty="0" smtClean="0">
-                <a:solidFill>
-                  <a:schemeClr val="tx1"/>
-                </a:solidFill>
-              </a:rPr>
-              <a:t>(subclass of Base</a:t>
-            </a:r>
-            <a:r>
-              <a:rPr lang="de-DE" dirty="0" smtClean="0">
-                <a:solidFill>
-                  <a:schemeClr val="tx1"/>
-                </a:solidFill>
-              </a:rPr>
-              <a:t>WBEMConnection</a:t>
+              <a:rPr lang="de-DE" dirty="0">
+                <a:solidFill>
+                  <a:schemeClr val="tx1"/>
+                </a:solidFill>
+              </a:rPr>
+              <a:t>(subclass of BaseWBEMConnection)</a:t>
+            </a:r>
+            <a:br>
+              <a:rPr lang="de-DE" dirty="0">
+                <a:solidFill>
+                  <a:schemeClr val="tx1"/>
+                </a:solidFill>
+              </a:rPr>
+            </a:br>
+            <a:r>
+              <a:rPr lang="de-DE" dirty="0">
+                <a:solidFill>
+                  <a:schemeClr val="tx1"/>
+                </a:solidFill>
+              </a:rPr>
+              <a:t>(repository ops = subset of client ops </a:t>
+            </a:r>
+            <a:r>
+              <a:rPr lang="de-DE" dirty="0">
+                <a:solidFill>
+                  <a:srgbClr val="FF0000"/>
+                </a:solidFill>
+              </a:rPr>
+              <a:t>with subset of params</a:t>
             </a:r>
             <a:r>
               <a:rPr lang="de-DE" dirty="0">
@@ -5698,45 +6088,6 @@
               </a:rPr>
               <a:t>)</a:t>
             </a:r>
-            <a:r>
-              <a:rPr lang="de-DE" dirty="0">
-                <a:solidFill>
-                  <a:schemeClr val="tx1"/>
-                </a:solidFill>
-              </a:rPr>
-              <a:t/>
-            </a:r>
-            <a:br>
-              <a:rPr lang="de-DE" dirty="0">
-                <a:solidFill>
-                  <a:schemeClr val="tx1"/>
-                </a:solidFill>
-              </a:rPr>
-            </a:br>
-            <a:r>
-              <a:rPr lang="de-DE" dirty="0">
-                <a:solidFill>
-                  <a:schemeClr val="tx1"/>
-                </a:solidFill>
-              </a:rPr>
-              <a:t>(repository ops = subset of client ops </a:t>
-            </a:r>
-            <a:r>
-              <a:rPr lang="de-DE" dirty="0">
-                <a:solidFill>
-                  <a:srgbClr val="FF0000"/>
-                </a:solidFill>
-              </a:rPr>
-              <a:t>with subset of params</a:t>
-            </a:r>
-            <a:r>
-              <a:rPr lang="de-DE" dirty="0">
-                <a:solidFill>
-                  <a:schemeClr val="tx1"/>
-                </a:solidFill>
-              </a:rPr>
-              <a:t>)</a:t>
-            </a:r>
           </a:p>
         </p:txBody>
       </p:sp>
@@ -5745,7 +6096,7 @@
           <p:cNvPr id="9" name="Rectangle 8">
             <a:extLst>
               <a:ext uri="{FF2B5EF4-FFF2-40B4-BE49-F238E27FC236}">
-                <a16:creationId xmlns:a16="http://schemas.microsoft.com/office/drawing/2014/main" xmlns="" id="{0E38F325-B7D6-214E-8536-B2E0990157A2}"/>
+                <a16:creationId xmlns:a16="http://schemas.microsoft.com/office/drawing/2014/main" id="{0E38F325-B7D6-214E-8536-B2E0990157A2}"/>
               </a:ext>
             </a:extLst>
           </p:cNvPr>
@@ -5872,7 +6223,7 @@
           <p:cNvPr id="11" name="Rectangle 10">
             <a:extLst>
               <a:ext uri="{FF2B5EF4-FFF2-40B4-BE49-F238E27FC236}">
-                <a16:creationId xmlns:a16="http://schemas.microsoft.com/office/drawing/2014/main" xmlns="" id="{73BAEA8C-FAA6-BF44-AA22-9D6655B4FB0D}"/>
+                <a16:creationId xmlns:a16="http://schemas.microsoft.com/office/drawing/2014/main" id="{73BAEA8C-FAA6-BF44-AA22-9D6655B4FB0D}"/>
               </a:ext>
             </a:extLst>
           </p:cNvPr>
@@ -5954,7 +6305,7 @@
           <p:cNvPr id="14" name="Rectangle 13">
             <a:extLst>
               <a:ext uri="{FF2B5EF4-FFF2-40B4-BE49-F238E27FC236}">
-                <a16:creationId xmlns:a16="http://schemas.microsoft.com/office/drawing/2014/main" xmlns="" id="{14E44039-9867-0340-94E2-0316C60EE38A}"/>
+                <a16:creationId xmlns:a16="http://schemas.microsoft.com/office/drawing/2014/main" id="{14E44039-9867-0340-94E2-0316C60EE38A}"/>
               </a:ext>
             </a:extLst>
           </p:cNvPr>
@@ -6001,14 +6352,6 @@
               </a:rPr>
               <a:t>WBEMConnection</a:t>
             </a:r>
-            <a:r>
-              <a:rPr lang="de-DE" dirty="0">
-                <a:solidFill>
-                  <a:schemeClr val="tx1"/>
-                </a:solidFill>
-              </a:rPr>
-              <a:t/>
-            </a:r>
             <a:br>
               <a:rPr lang="de-DE" dirty="0">
                 <a:solidFill>
@@ -6144,7 +6487,7 @@
           <p:cNvPr id="15" name="Rectangle 14">
             <a:extLst>
               <a:ext uri="{FF2B5EF4-FFF2-40B4-BE49-F238E27FC236}">
-                <a16:creationId xmlns:a16="http://schemas.microsoft.com/office/drawing/2014/main" xmlns="" id="{A057BE2B-17E5-084E-8C4B-6480E198591E}"/>
+                <a16:creationId xmlns:a16="http://schemas.microsoft.com/office/drawing/2014/main" id="{A057BE2B-17E5-084E-8C4B-6480E198591E}"/>
               </a:ext>
             </a:extLst>
           </p:cNvPr>
@@ -6207,14 +6550,6 @@
               </a:rPr>
               <a:t>WBEMConnection</a:t>
             </a:r>
-            <a:r>
-              <a:rPr lang="de-DE" dirty="0">
-                <a:solidFill>
-                  <a:schemeClr val="tx1"/>
-                </a:solidFill>
-              </a:rPr>
-              <a:t/>
-            </a:r>
             <a:br>
               <a:rPr lang="de-DE" dirty="0">
                 <a:solidFill>
@@ -6270,7 +6605,7 @@
           <p:cNvPr id="16" name="Rectangle 15">
             <a:extLst>
               <a:ext uri="{FF2B5EF4-FFF2-40B4-BE49-F238E27FC236}">
-                <a16:creationId xmlns:a16="http://schemas.microsoft.com/office/drawing/2014/main" xmlns="" id="{E4B69B15-35EA-E243-99EF-789DCCC91779}"/>
+                <a16:creationId xmlns:a16="http://schemas.microsoft.com/office/drawing/2014/main" id="{E4B69B15-35EA-E243-99EF-789DCCC91779}"/>
               </a:ext>
             </a:extLst>
           </p:cNvPr>
@@ -6317,14 +6652,6 @@
               </a:rPr>
               <a:t>WBEMConnection</a:t>
             </a:r>
-            <a:r>
-              <a:rPr lang="de-DE" dirty="0">
-                <a:solidFill>
-                  <a:schemeClr val="tx1"/>
-                </a:solidFill>
-              </a:rPr>
-              <a:t/>
-            </a:r>
             <a:br>
               <a:rPr lang="de-DE" dirty="0">
                 <a:solidFill>
@@ -6348,7 +6675,7 @@
           <p:cNvPr id="20" name="TextBox 19">
             <a:extLst>
               <a:ext uri="{FF2B5EF4-FFF2-40B4-BE49-F238E27FC236}">
-                <a16:creationId xmlns:a16="http://schemas.microsoft.com/office/drawing/2014/main" xmlns="" id="{9DAA1AE1-1827-B942-9446-1CDCB9089E72}"/>
+                <a16:creationId xmlns:a16="http://schemas.microsoft.com/office/drawing/2014/main" id="{9DAA1AE1-1827-B942-9446-1CDCB9089E72}"/>
               </a:ext>
             </a:extLst>
           </p:cNvPr>
@@ -6372,10 +6699,9 @@
           <a:lstStyle/>
           <a:p>
             <a:r>
-              <a:rPr lang="de-DE" dirty="0" smtClean="0"/>
+              <a:rPr lang="de-DE" dirty="0"/>
               <a:t>Next Step in Mocker interface to repo, post pr #1543</a:t>
             </a:r>
-            <a:endParaRPr lang="de-DE" dirty="0"/>
           </a:p>
         </p:txBody>
       </p:sp>
@@ -6384,7 +6710,7 @@
           <p:cNvPr id="21" name="Rectangle 20">
             <a:extLst>
               <a:ext uri="{FF2B5EF4-FFF2-40B4-BE49-F238E27FC236}">
-                <a16:creationId xmlns:a16="http://schemas.microsoft.com/office/drawing/2014/main" xmlns="" id="{547B8241-7CF4-EA48-80FC-4217CB9AA8B1}"/>
+                <a16:creationId xmlns:a16="http://schemas.microsoft.com/office/drawing/2014/main" id="{547B8241-7CF4-EA48-80FC-4217CB9AA8B1}"/>
               </a:ext>
             </a:extLst>
           </p:cNvPr>
@@ -6438,14 +6764,6 @@
                 </a:solidFill>
               </a:rPr>
               <a:t>layer</a:t>
-            </a:r>
-            <a:r>
-              <a:rPr lang="de-DE" dirty="0">
-                <a:solidFill>
-                  <a:schemeClr val="tx1"/>
-                </a:solidFill>
-              </a:rPr>
-              <a:t/>
             </a:r>
             <a:br>
               <a:rPr lang="de-DE" dirty="0">
@@ -6570,24 +6888,23 @@
           <a:lstStyle/>
           <a:p>
             <a:r>
-              <a:rPr lang="en-US" dirty="0" smtClean="0"/>
+              <a:rPr lang="en-US" dirty="0"/>
               <a:t>All Fake methods use the official</a:t>
             </a:r>
           </a:p>
           <a:p>
             <a:r>
-              <a:rPr lang="en-US" dirty="0" smtClean="0"/>
+              <a:rPr lang="en-US" dirty="0"/>
               <a:t> repository interface (</a:t>
             </a:r>
             <a:r>
-              <a:rPr lang="en-US" dirty="0" err="1" smtClean="0"/>
+              <a:rPr lang="en-US" dirty="0" err="1"/>
               <a:t>BaseWBEMConnection</a:t>
             </a:r>
             <a:r>
-              <a:rPr lang="en-US" dirty="0" smtClean="0"/>
+              <a:rPr lang="en-US" dirty="0"/>
               <a:t>)</a:t>
             </a:r>
-            <a:endParaRPr lang="en-US" dirty="0"/>
           </a:p>
         </p:txBody>
       </p:sp>
@@ -6614,10 +6931,9 @@
           <a:lstStyle/>
           <a:p>
             <a:r>
-              <a:rPr lang="en-US" dirty="0" smtClean="0"/>
+              <a:rPr lang="en-US" dirty="0"/>
               <a:t>All compiler requests use Repository Interface</a:t>
             </a:r>
-            <a:endParaRPr lang="en-US" dirty="0"/>
           </a:p>
         </p:txBody>
       </p:sp>
@@ -6644,15 +6960,15 @@
           <a:lstStyle/>
           <a:p>
             <a:r>
-              <a:rPr lang="en-US" dirty="0" smtClean="0"/>
+              <a:rPr lang="en-US" dirty="0"/>
               <a:t>What will be in next </a:t>
             </a:r>
             <a:r>
-              <a:rPr lang="en-US" dirty="0" err="1" smtClean="0"/>
+              <a:rPr lang="en-US" dirty="0" err="1"/>
               <a:t>MockMOFWBEMConnection</a:t>
             </a:r>
             <a:r>
-              <a:rPr lang="en-US" dirty="0" smtClean="0"/>
+              <a:rPr lang="en-US" dirty="0"/>
               <a:t>.</a:t>
             </a:r>
           </a:p>
@@ -6661,55 +6977,55 @@
               <a:buAutoNum type="arabicPeriod"/>
             </a:pPr>
             <a:r>
-              <a:rPr lang="en-US" dirty="0" smtClean="0"/>
+              <a:rPr lang="en-US" dirty="0"/>
               <a:t>Methods for qualifier </a:t>
             </a:r>
             <a:r>
-              <a:rPr lang="en-US" dirty="0" err="1" smtClean="0"/>
+              <a:rPr lang="en-US" dirty="0" err="1"/>
               <a:t>decl</a:t>
             </a:r>
             <a:r>
-              <a:rPr lang="en-US" dirty="0" smtClean="0"/>
+              <a:rPr lang="en-US" dirty="0"/>
               <a:t> create, delete, </a:t>
             </a:r>
             <a:r>
-              <a:rPr lang="en-US" dirty="0" err="1" smtClean="0"/>
+              <a:rPr lang="en-US" dirty="0" err="1"/>
               <a:t>enum</a:t>
             </a:r>
             <a:r>
-              <a:rPr lang="en-US" dirty="0" smtClean="0"/>
+              <a:rPr lang="en-US" dirty="0"/>
               <a:t>, class create, delete, get, </a:t>
             </a:r>
             <a:r>
-              <a:rPr lang="en-US" dirty="0" err="1" smtClean="0"/>
+              <a:rPr lang="en-US" dirty="0" err="1"/>
               <a:t>enum</a:t>
             </a:r>
             <a:r>
-              <a:rPr lang="en-US" dirty="0" smtClean="0"/>
+              <a:rPr lang="en-US" dirty="0"/>
               <a:t>, </a:t>
             </a:r>
             <a:r>
-              <a:rPr lang="en-US" dirty="0" err="1" smtClean="0"/>
+              <a:rPr lang="en-US" dirty="0" err="1"/>
               <a:t>insttance</a:t>
             </a:r>
             <a:r>
-              <a:rPr lang="en-US" dirty="0" smtClean="0"/>
+              <a:rPr lang="en-US" dirty="0"/>
               <a:t> Create, Delete, </a:t>
             </a:r>
             <a:r>
-              <a:rPr lang="en-US" dirty="0" err="1" smtClean="0"/>
+              <a:rPr lang="en-US" dirty="0" err="1"/>
               <a:t>Enum</a:t>
             </a:r>
             <a:r>
-              <a:rPr lang="en-US" dirty="0" smtClean="0"/>
+              <a:rPr lang="en-US" dirty="0"/>
               <a:t>, Modify. Mostly directly from </a:t>
             </a:r>
             <a:r>
-              <a:rPr lang="en-US" dirty="0" err="1" smtClean="0"/>
+              <a:rPr lang="en-US" dirty="0" err="1"/>
               <a:t>MOFWMConnection</a:t>
             </a:r>
             <a:r>
-              <a:rPr lang="en-US" dirty="0" smtClean="0"/>
+              <a:rPr lang="en-US" dirty="0"/>
               <a:t> but without</a:t>
             </a:r>
           </a:p>
@@ -6718,7 +7034,7 @@
               <a:buAutoNum type="arabicPeriod"/>
             </a:pPr>
             <a:r>
-              <a:rPr lang="en-US" dirty="0" smtClean="0"/>
+              <a:rPr lang="en-US" dirty="0"/>
               <a:t>Rollback and existence of a backend server</a:t>
             </a:r>
           </a:p>
@@ -6727,7 +7043,7 @@
               <a:buAutoNum type="arabicPeriod"/>
             </a:pPr>
             <a:r>
-              <a:rPr lang="en-US" dirty="0" smtClean="0"/>
+              <a:rPr lang="en-US" dirty="0"/>
               <a:t>Namespace management</a:t>
             </a:r>
           </a:p>
@@ -6735,30 +7051,29 @@
             <a:pPr marL="800100" lvl="1" indent="-342900">
               <a:buAutoNum type="arabicPeriod"/>
             </a:pPr>
-            <a:endParaRPr lang="en-US" dirty="0" smtClean="0"/>
-          </a:p>
-          <a:p>
-            <a:r>
-              <a:rPr lang="en-US" dirty="0" smtClean="0"/>
+            <a:endParaRPr lang="en-US" dirty="0"/>
+          </a:p>
+          <a:p>
+            <a:r>
+              <a:rPr lang="en-US" dirty="0"/>
               <a:t>Replace calls from Fake_... Methods to the repository with calls repository  </a:t>
             </a:r>
             <a:r>
-              <a:rPr lang="en-US" dirty="0" err="1" smtClean="0"/>
+              <a:rPr lang="en-US" dirty="0" err="1"/>
               <a:t>repo.CreateClass</a:t>
             </a:r>
             <a:r>
-              <a:rPr lang="en-US" dirty="0" smtClean="0"/>
+              <a:rPr lang="en-US" dirty="0"/>
               <a:t>, </a:t>
             </a:r>
             <a:r>
-              <a:rPr lang="en-US" dirty="0" err="1" smtClean="0"/>
+              <a:rPr lang="en-US" dirty="0" err="1"/>
               <a:t>repo.GetClass</a:t>
             </a:r>
             <a:r>
-              <a:rPr lang="en-US" dirty="0" smtClean="0"/>
+              <a:rPr lang="en-US" dirty="0"/>
               <a:t>, etc. </a:t>
             </a:r>
-            <a:endParaRPr lang="en-US" dirty="0"/>
           </a:p>
         </p:txBody>
       </p:sp>
@@ -6900,7 +7215,7 @@
           <p:cNvPr id="4" name="Rectangle 3">
             <a:extLst>
               <a:ext uri="{FF2B5EF4-FFF2-40B4-BE49-F238E27FC236}">
-                <a16:creationId xmlns:a16="http://schemas.microsoft.com/office/drawing/2014/main" xmlns="" id="{2AB3E63E-5425-FC4F-A422-60F31BB2BE73}"/>
+                <a16:creationId xmlns:a16="http://schemas.microsoft.com/office/drawing/2014/main" id="{2AB3E63E-5425-FC4F-A422-60F31BB2BE73}"/>
               </a:ext>
             </a:extLst>
           </p:cNvPr>
@@ -6955,14 +7270,6 @@
               </a:rPr>
               <a:t>interface</a:t>
             </a:r>
-            <a:r>
-              <a:rPr lang="de-DE" dirty="0">
-                <a:solidFill>
-                  <a:schemeClr val="tx1"/>
-                </a:solidFill>
-              </a:rPr>
-              <a:t/>
-            </a:r>
             <a:br>
               <a:rPr lang="de-DE" dirty="0">
                 <a:solidFill>
@@ -7193,7 +7500,7 @@
           <p:cNvPr id="9" name="Rectangle 8">
             <a:extLst>
               <a:ext uri="{FF2B5EF4-FFF2-40B4-BE49-F238E27FC236}">
-                <a16:creationId xmlns:a16="http://schemas.microsoft.com/office/drawing/2014/main" xmlns="" id="{0E38F325-B7D6-214E-8536-B2E0990157A2}"/>
+                <a16:creationId xmlns:a16="http://schemas.microsoft.com/office/drawing/2014/main" id="{0E38F325-B7D6-214E-8536-B2E0990157A2}"/>
               </a:ext>
             </a:extLst>
           </p:cNvPr>
@@ -7320,7 +7627,7 @@
           <p:cNvPr id="11" name="Rectangle 10">
             <a:extLst>
               <a:ext uri="{FF2B5EF4-FFF2-40B4-BE49-F238E27FC236}">
-                <a16:creationId xmlns:a16="http://schemas.microsoft.com/office/drawing/2014/main" xmlns="" id="{73BAEA8C-FAA6-BF44-AA22-9D6655B4FB0D}"/>
+                <a16:creationId xmlns:a16="http://schemas.microsoft.com/office/drawing/2014/main" id="{73BAEA8C-FAA6-BF44-AA22-9D6655B4FB0D}"/>
               </a:ext>
             </a:extLst>
           </p:cNvPr>
@@ -7402,7 +7709,7 @@
           <p:cNvPr id="12" name="Rectangle 11">
             <a:extLst>
               <a:ext uri="{FF2B5EF4-FFF2-40B4-BE49-F238E27FC236}">
-                <a16:creationId xmlns:a16="http://schemas.microsoft.com/office/drawing/2014/main" xmlns="" id="{CB021D7A-F124-374A-9F9D-19D947DF5627}"/>
+                <a16:creationId xmlns:a16="http://schemas.microsoft.com/office/drawing/2014/main" id="{CB021D7A-F124-374A-9F9D-19D947DF5627}"/>
               </a:ext>
             </a:extLst>
           </p:cNvPr>
@@ -7497,7 +7804,7 @@
           <p:cNvPr id="14" name="Rectangle 13">
             <a:extLst>
               <a:ext uri="{FF2B5EF4-FFF2-40B4-BE49-F238E27FC236}">
-                <a16:creationId xmlns:a16="http://schemas.microsoft.com/office/drawing/2014/main" xmlns="" id="{14E44039-9867-0340-94E2-0316C60EE38A}"/>
+                <a16:creationId xmlns:a16="http://schemas.microsoft.com/office/drawing/2014/main" id="{14E44039-9867-0340-94E2-0316C60EE38A}"/>
               </a:ext>
             </a:extLst>
           </p:cNvPr>
@@ -7544,14 +7851,6 @@
               </a:rPr>
               <a:t>WBEMConnection</a:t>
             </a:r>
-            <a:r>
-              <a:rPr lang="de-DE" dirty="0">
-                <a:solidFill>
-                  <a:schemeClr val="tx1"/>
-                </a:solidFill>
-              </a:rPr>
-              <a:t/>
-            </a:r>
             <a:br>
               <a:rPr lang="de-DE" dirty="0">
                 <a:solidFill>
@@ -7687,7 +7986,7 @@
           <p:cNvPr id="15" name="Rectangle 14">
             <a:extLst>
               <a:ext uri="{FF2B5EF4-FFF2-40B4-BE49-F238E27FC236}">
-                <a16:creationId xmlns:a16="http://schemas.microsoft.com/office/drawing/2014/main" xmlns="" id="{A057BE2B-17E5-084E-8C4B-6480E198591E}"/>
+                <a16:creationId xmlns:a16="http://schemas.microsoft.com/office/drawing/2014/main" id="{A057BE2B-17E5-084E-8C4B-6480E198591E}"/>
               </a:ext>
             </a:extLst>
           </p:cNvPr>
@@ -7750,14 +8049,6 @@
               </a:rPr>
               <a:t>WBEMConnection</a:t>
             </a:r>
-            <a:r>
-              <a:rPr lang="de-DE" dirty="0">
-                <a:solidFill>
-                  <a:schemeClr val="tx1"/>
-                </a:solidFill>
-              </a:rPr>
-              <a:t/>
-            </a:r>
             <a:br>
               <a:rPr lang="de-DE" dirty="0">
                 <a:solidFill>
@@ -7813,7 +8104,7 @@
           <p:cNvPr id="16" name="Rectangle 15">
             <a:extLst>
               <a:ext uri="{FF2B5EF4-FFF2-40B4-BE49-F238E27FC236}">
-                <a16:creationId xmlns:a16="http://schemas.microsoft.com/office/drawing/2014/main" xmlns="" id="{E4B69B15-35EA-E243-99EF-789DCCC91779}"/>
+                <a16:creationId xmlns:a16="http://schemas.microsoft.com/office/drawing/2014/main" id="{E4B69B15-35EA-E243-99EF-789DCCC91779}"/>
               </a:ext>
             </a:extLst>
           </p:cNvPr>
@@ -7860,14 +8151,6 @@
               </a:rPr>
               <a:t>WBEMConnection</a:t>
             </a:r>
-            <a:r>
-              <a:rPr lang="de-DE" dirty="0">
-                <a:solidFill>
-                  <a:schemeClr val="tx1"/>
-                </a:solidFill>
-              </a:rPr>
-              <a:t/>
-            </a:r>
             <a:br>
               <a:rPr lang="de-DE" dirty="0">
                 <a:solidFill>
@@ -7891,7 +8174,7 @@
           <p:cNvPr id="20" name="TextBox 19">
             <a:extLst>
               <a:ext uri="{FF2B5EF4-FFF2-40B4-BE49-F238E27FC236}">
-                <a16:creationId xmlns:a16="http://schemas.microsoft.com/office/drawing/2014/main" xmlns="" id="{9DAA1AE1-1827-B942-9446-1CDCB9089E72}"/>
+                <a16:creationId xmlns:a16="http://schemas.microsoft.com/office/drawing/2014/main" id="{9DAA1AE1-1827-B942-9446-1CDCB9089E72}"/>
               </a:ext>
             </a:extLst>
           </p:cNvPr>
@@ -7947,7 +8230,7 @@
           <p:cNvPr id="21" name="Rectangle 20">
             <a:extLst>
               <a:ext uri="{FF2B5EF4-FFF2-40B4-BE49-F238E27FC236}">
-                <a16:creationId xmlns:a16="http://schemas.microsoft.com/office/drawing/2014/main" xmlns="" id="{547B8241-7CF4-EA48-80FC-4217CB9AA8B1}"/>
+                <a16:creationId xmlns:a16="http://schemas.microsoft.com/office/drawing/2014/main" id="{547B8241-7CF4-EA48-80FC-4217CB9AA8B1}"/>
               </a:ext>
             </a:extLst>
           </p:cNvPr>
@@ -8001,14 +8284,6 @@
                 </a:solidFill>
               </a:rPr>
               <a:t>layer</a:t>
-            </a:r>
-            <a:r>
-              <a:rPr lang="de-DE" dirty="0">
-                <a:solidFill>
-                  <a:schemeClr val="tx1"/>
-                </a:solidFill>
-              </a:rPr>
-              <a:t/>
             </a:r>
             <a:br>
               <a:rPr lang="de-DE" dirty="0">
@@ -8079,7 +8354,7 @@
           <p:cNvPr id="4" name="Rectangle 3">
             <a:extLst>
               <a:ext uri="{FF2B5EF4-FFF2-40B4-BE49-F238E27FC236}">
-                <a16:creationId xmlns:a16="http://schemas.microsoft.com/office/drawing/2014/main" xmlns="" id="{2AB3E63E-5425-FC4F-A422-60F31BB2BE73}"/>
+                <a16:creationId xmlns:a16="http://schemas.microsoft.com/office/drawing/2014/main" id="{2AB3E63E-5425-FC4F-A422-60F31BB2BE73}"/>
               </a:ext>
             </a:extLst>
           </p:cNvPr>
@@ -8341,7 +8616,7 @@
           <p:cNvPr id="8" name="Rectangle 7">
             <a:extLst>
               <a:ext uri="{FF2B5EF4-FFF2-40B4-BE49-F238E27FC236}">
-                <a16:creationId xmlns:a16="http://schemas.microsoft.com/office/drawing/2014/main" xmlns="" id="{150A4C05-8B6E-6A4E-BFEC-AF5CE8B39836}"/>
+                <a16:creationId xmlns:a16="http://schemas.microsoft.com/office/drawing/2014/main" id="{150A4C05-8B6E-6A4E-BFEC-AF5CE8B39836}"/>
               </a:ext>
             </a:extLst>
           </p:cNvPr>
@@ -8409,7 +8684,7 @@
           <p:cNvPr id="9" name="Rectangle 8">
             <a:extLst>
               <a:ext uri="{FF2B5EF4-FFF2-40B4-BE49-F238E27FC236}">
-                <a16:creationId xmlns:a16="http://schemas.microsoft.com/office/drawing/2014/main" xmlns="" id="{0E38F325-B7D6-214E-8536-B2E0990157A2}"/>
+                <a16:creationId xmlns:a16="http://schemas.microsoft.com/office/drawing/2014/main" id="{0E38F325-B7D6-214E-8536-B2E0990157A2}"/>
               </a:ext>
             </a:extLst>
           </p:cNvPr>
@@ -8493,7 +8768,7 @@
           <p:cNvPr id="10" name="Rectangle 9">
             <a:extLst>
               <a:ext uri="{FF2B5EF4-FFF2-40B4-BE49-F238E27FC236}">
-                <a16:creationId xmlns:a16="http://schemas.microsoft.com/office/drawing/2014/main" xmlns="" id="{9213071A-4AAE-DD4B-9E16-041E74964B6E}"/>
+                <a16:creationId xmlns:a16="http://schemas.microsoft.com/office/drawing/2014/main" id="{9213071A-4AAE-DD4B-9E16-041E74964B6E}"/>
               </a:ext>
             </a:extLst>
           </p:cNvPr>
@@ -8601,7 +8876,7 @@
           <p:cNvPr id="11" name="Rectangle 10">
             <a:extLst>
               <a:ext uri="{FF2B5EF4-FFF2-40B4-BE49-F238E27FC236}">
-                <a16:creationId xmlns:a16="http://schemas.microsoft.com/office/drawing/2014/main" xmlns="" id="{73BAEA8C-FAA6-BF44-AA22-9D6655B4FB0D}"/>
+                <a16:creationId xmlns:a16="http://schemas.microsoft.com/office/drawing/2014/main" id="{73BAEA8C-FAA6-BF44-AA22-9D6655B4FB0D}"/>
               </a:ext>
             </a:extLst>
           </p:cNvPr>
@@ -8656,7 +8931,7 @@
           <p:cNvPr id="12" name="Rectangle 11">
             <a:extLst>
               <a:ext uri="{FF2B5EF4-FFF2-40B4-BE49-F238E27FC236}">
-                <a16:creationId xmlns:a16="http://schemas.microsoft.com/office/drawing/2014/main" xmlns="" id="{CB021D7A-F124-374A-9F9D-19D947DF5627}"/>
+                <a16:creationId xmlns:a16="http://schemas.microsoft.com/office/drawing/2014/main" id="{CB021D7A-F124-374A-9F9D-19D947DF5627}"/>
               </a:ext>
             </a:extLst>
           </p:cNvPr>
@@ -8735,27 +9010,19 @@
               </a:rPr>
               <a:t>adapter</a:t>
             </a:r>
-            <a:r>
+            <a:br>
               <a:rPr lang="de-DE" dirty="0">
                 <a:solidFill>
                   <a:schemeClr val="accent1"/>
                 </a:solidFill>
               </a:rPr>
-              <a:t/>
-            </a:r>
-            <a:br>
+            </a:br>
+            <a:r>
               <a:rPr lang="de-DE" dirty="0">
                 <a:solidFill>
                   <a:schemeClr val="accent1"/>
                 </a:solidFill>
               </a:rPr>
-            </a:br>
-            <a:r>
-              <a:rPr lang="de-DE" dirty="0">
-                <a:solidFill>
-                  <a:schemeClr val="accent1"/>
-                </a:solidFill>
-              </a:rPr>
               <a:t>(CIMOM)</a:t>
             </a:r>
           </a:p>
@@ -8766,7 +9033,7 @@
           <p:cNvPr id="14" name="Rectangle 13">
             <a:extLst>
               <a:ext uri="{FF2B5EF4-FFF2-40B4-BE49-F238E27FC236}">
-                <a16:creationId xmlns:a16="http://schemas.microsoft.com/office/drawing/2014/main" xmlns="" id="{14E44039-9867-0340-94E2-0316C60EE38A}"/>
+                <a16:creationId xmlns:a16="http://schemas.microsoft.com/office/drawing/2014/main" id="{14E44039-9867-0340-94E2-0316C60EE38A}"/>
               </a:ext>
             </a:extLst>
           </p:cNvPr>
@@ -8813,14 +9080,6 @@
               </a:rPr>
               <a:t>WBEMConnection</a:t>
             </a:r>
-            <a:r>
-              <a:rPr lang="de-DE" dirty="0">
-                <a:solidFill>
-                  <a:schemeClr val="tx1"/>
-                </a:solidFill>
-              </a:rPr>
-              <a:t/>
-            </a:r>
             <a:br>
               <a:rPr lang="de-DE" dirty="0">
                 <a:solidFill>
@@ -8956,7 +9215,7 @@
           <p:cNvPr id="15" name="Rectangle 14">
             <a:extLst>
               <a:ext uri="{FF2B5EF4-FFF2-40B4-BE49-F238E27FC236}">
-                <a16:creationId xmlns:a16="http://schemas.microsoft.com/office/drawing/2014/main" xmlns="" id="{A057BE2B-17E5-084E-8C4B-6480E198591E}"/>
+                <a16:creationId xmlns:a16="http://schemas.microsoft.com/office/drawing/2014/main" id="{A057BE2B-17E5-084E-8C4B-6480E198591E}"/>
               </a:ext>
             </a:extLst>
           </p:cNvPr>
@@ -9011,7 +9270,7 @@
           <p:cNvPr id="16" name="Rectangle 15">
             <a:extLst>
               <a:ext uri="{FF2B5EF4-FFF2-40B4-BE49-F238E27FC236}">
-                <a16:creationId xmlns:a16="http://schemas.microsoft.com/office/drawing/2014/main" xmlns="" id="{E4B69B15-35EA-E243-99EF-789DCCC91779}"/>
+                <a16:creationId xmlns:a16="http://schemas.microsoft.com/office/drawing/2014/main" id="{E4B69B15-35EA-E243-99EF-789DCCC91779}"/>
               </a:ext>
             </a:extLst>
           </p:cNvPr>
@@ -9081,7 +9340,7 @@
           <p:cNvPr id="17" name="Rectangle 16">
             <a:extLst>
               <a:ext uri="{FF2B5EF4-FFF2-40B4-BE49-F238E27FC236}">
-                <a16:creationId xmlns:a16="http://schemas.microsoft.com/office/drawing/2014/main" xmlns="" id="{DDF28FBC-65E9-484D-B1B4-3E0A3A504640}"/>
+                <a16:creationId xmlns:a16="http://schemas.microsoft.com/office/drawing/2014/main" id="{DDF28FBC-65E9-484D-B1B4-3E0A3A504640}"/>
               </a:ext>
             </a:extLst>
           </p:cNvPr>
@@ -9136,7 +9395,7 @@
           <p:cNvPr id="18" name="Rectangle 17">
             <a:extLst>
               <a:ext uri="{FF2B5EF4-FFF2-40B4-BE49-F238E27FC236}">
-                <a16:creationId xmlns:a16="http://schemas.microsoft.com/office/drawing/2014/main" xmlns="" id="{6CE3D860-7E45-B748-BC46-5280BCFE07EB}"/>
+                <a16:creationId xmlns:a16="http://schemas.microsoft.com/office/drawing/2014/main" id="{6CE3D860-7E45-B748-BC46-5280BCFE07EB}"/>
               </a:ext>
             </a:extLst>
           </p:cNvPr>
@@ -9191,59 +9450,51 @@
               </a:rPr>
               <a:t>interface</a:t>
             </a:r>
-            <a:r>
+            <a:br>
               <a:rPr lang="de-DE" dirty="0">
                 <a:solidFill>
                   <a:schemeClr val="accent1"/>
                 </a:solidFill>
               </a:rPr>
-              <a:t/>
-            </a:r>
-            <a:br>
+            </a:br>
+            <a:r>
               <a:rPr lang="de-DE" dirty="0">
                 <a:solidFill>
                   <a:schemeClr val="accent1"/>
                 </a:solidFill>
               </a:rPr>
-            </a:br>
-            <a:r>
-              <a:rPr lang="de-DE" dirty="0">
+              <a:t>(</a:t>
+            </a:r>
+            <a:r>
+              <a:rPr lang="de-DE" dirty="0" err="1">
                 <a:solidFill>
                   <a:schemeClr val="accent1"/>
                 </a:solidFill>
               </a:rPr>
-              <a:t>(</a:t>
-            </a:r>
-            <a:r>
-              <a:rPr lang="de-DE" dirty="0" err="1">
+              <a:t>provider</a:t>
+            </a:r>
+            <a:r>
+              <a:rPr lang="de-DE" dirty="0">
                 <a:solidFill>
                   <a:schemeClr val="accent1"/>
                 </a:solidFill>
               </a:rPr>
-              <a:t>provider</a:t>
-            </a:r>
-            <a:r>
-              <a:rPr lang="de-DE" dirty="0">
+              <a:t> </a:t>
+            </a:r>
+            <a:r>
+              <a:rPr lang="de-DE" dirty="0" err="1">
                 <a:solidFill>
                   <a:schemeClr val="accent1"/>
                 </a:solidFill>
               </a:rPr>
-              <a:t> </a:t>
-            </a:r>
-            <a:r>
-              <a:rPr lang="de-DE" dirty="0" err="1">
+              <a:t>ops</a:t>
+            </a:r>
+            <a:r>
+              <a:rPr lang="de-DE" dirty="0">
                 <a:solidFill>
                   <a:schemeClr val="accent1"/>
                 </a:solidFill>
               </a:rPr>
-              <a:t>ops</a:t>
-            </a:r>
-            <a:r>
-              <a:rPr lang="de-DE" dirty="0">
-                <a:solidFill>
-                  <a:schemeClr val="accent1"/>
-                </a:solidFill>
-              </a:rPr>
               <a:t>)</a:t>
             </a:r>
           </a:p>
@@ -9254,7 +9505,7 @@
           <p:cNvPr id="19" name="Rectangle 18">
             <a:extLst>
               <a:ext uri="{FF2B5EF4-FFF2-40B4-BE49-F238E27FC236}">
-                <a16:creationId xmlns:a16="http://schemas.microsoft.com/office/drawing/2014/main" xmlns="" id="{79729382-82CD-5844-9F4A-D31818CF06D5}"/>
+                <a16:creationId xmlns:a16="http://schemas.microsoft.com/office/drawing/2014/main" id="{79729382-82CD-5844-9F4A-D31818CF06D5}"/>
               </a:ext>
             </a:extLst>
           </p:cNvPr>
@@ -9309,7 +9560,7 @@
           <p:cNvPr id="2" name="TextBox 1">
             <a:extLst>
               <a:ext uri="{FF2B5EF4-FFF2-40B4-BE49-F238E27FC236}">
-                <a16:creationId xmlns:a16="http://schemas.microsoft.com/office/drawing/2014/main" xmlns="" id="{8345DD3B-9097-0449-B9D8-7B90CD693D86}"/>
+                <a16:creationId xmlns:a16="http://schemas.microsoft.com/office/drawing/2014/main" id="{8345DD3B-9097-0449-B9D8-7B90CD693D86}"/>
               </a:ext>
             </a:extLst>
           </p:cNvPr>
@@ -9373,7 +9624,7 @@
           <p:cNvPr id="21" name="TextBox 20">
             <a:extLst>
               <a:ext uri="{FF2B5EF4-FFF2-40B4-BE49-F238E27FC236}">
-                <a16:creationId xmlns:a16="http://schemas.microsoft.com/office/drawing/2014/main" xmlns="" id="{2DE660BE-B767-484E-8F82-DD30A6872804}"/>
+                <a16:creationId xmlns:a16="http://schemas.microsoft.com/office/drawing/2014/main" id="{2DE660BE-B767-484E-8F82-DD30A6872804}"/>
               </a:ext>
             </a:extLst>
           </p:cNvPr>
@@ -9703,7 +9954,1596 @@
           <p:cNvPr id="4" name="Rectangle 3">
             <a:extLst>
               <a:ext uri="{FF2B5EF4-FFF2-40B4-BE49-F238E27FC236}">
-                <a16:creationId xmlns:a16="http://schemas.microsoft.com/office/drawing/2014/main" xmlns="" id="{2AB3E63E-5425-FC4F-A422-60F31BB2BE73}"/>
+                <a16:creationId xmlns:a16="http://schemas.microsoft.com/office/drawing/2014/main" id="{2AB3E63E-5425-FC4F-A422-60F31BB2BE73}"/>
+              </a:ext>
+            </a:extLst>
+          </p:cNvPr>
+          <p:cNvSpPr/>
+          <p:nvPr/>
+        </p:nvSpPr>
+        <p:spPr>
+          <a:xfrm>
+            <a:off x="3829037" y="2891357"/>
+            <a:ext cx="4906087" cy="1020584"/>
+          </a:xfrm>
+          <a:prstGeom prst="rect">
+            <a:avLst/>
+          </a:prstGeom>
+          <a:noFill/>
+          <a:effectLst/>
+        </p:spPr>
+        <p:style>
+          <a:lnRef idx="2">
+            <a:schemeClr val="accent1">
+              <a:shade val="50000"/>
+            </a:schemeClr>
+          </a:lnRef>
+          <a:fillRef idx="1">
+            <a:schemeClr val="accent1"/>
+          </a:fillRef>
+          <a:effectRef idx="0">
+            <a:schemeClr val="accent1"/>
+          </a:effectRef>
+          <a:fontRef idx="minor">
+            <a:schemeClr val="lt1"/>
+          </a:fontRef>
+        </p:style>
+        <p:txBody>
+          <a:bodyPr rtlCol="0" anchor="ctr"/>
+          <a:lstStyle/>
+          <a:p>
+            <a:pPr algn="ctr"/>
+            <a:r>
+              <a:rPr lang="de-DE" dirty="0">
+                <a:solidFill>
+                  <a:schemeClr val="tx1"/>
+                </a:solidFill>
+              </a:rPr>
+              <a:t>Repository </a:t>
+            </a:r>
+            <a:r>
+              <a:rPr lang="de-DE" dirty="0" err="1">
+                <a:solidFill>
+                  <a:schemeClr val="tx1"/>
+                </a:solidFill>
+              </a:rPr>
+              <a:t>interface</a:t>
+            </a:r>
+            <a:r>
+              <a:rPr lang="de-DE" dirty="0">
+                <a:solidFill>
+                  <a:schemeClr val="tx1"/>
+                </a:solidFill>
+              </a:rPr>
+              <a:t> (</a:t>
+            </a:r>
+            <a:r>
+              <a:rPr lang="de-DE" dirty="0" err="1">
+                <a:solidFill>
+                  <a:schemeClr val="tx1"/>
+                </a:solidFill>
+              </a:rPr>
+              <a:t>BaseRepositoryConnection</a:t>
+            </a:r>
+            <a:r>
+              <a:rPr lang="de-DE" dirty="0">
+                <a:solidFill>
+                  <a:schemeClr val="tx1"/>
+                </a:solidFill>
+              </a:rPr>
+              <a:t>)</a:t>
+            </a:r>
+            <a:br>
+              <a:rPr lang="de-DE" dirty="0">
+                <a:solidFill>
+                  <a:schemeClr val="tx1"/>
+                </a:solidFill>
+              </a:rPr>
+            </a:br>
+            <a:r>
+              <a:rPr lang="de-DE" dirty="0">
+                <a:solidFill>
+                  <a:schemeClr val="tx1"/>
+                </a:solidFill>
+              </a:rPr>
+              <a:t>(</a:t>
+            </a:r>
+            <a:r>
+              <a:rPr lang="de-DE" dirty="0" err="1">
+                <a:solidFill>
+                  <a:schemeClr val="tx1"/>
+                </a:solidFill>
+              </a:rPr>
+              <a:t>repository</a:t>
+            </a:r>
+            <a:r>
+              <a:rPr lang="de-DE" dirty="0">
+                <a:solidFill>
+                  <a:schemeClr val="tx1"/>
+                </a:solidFill>
+              </a:rPr>
+              <a:t> </a:t>
+            </a:r>
+            <a:r>
+              <a:rPr lang="de-DE" dirty="0" err="1">
+                <a:solidFill>
+                  <a:schemeClr val="tx1"/>
+                </a:solidFill>
+              </a:rPr>
+              <a:t>ops</a:t>
+            </a:r>
+            <a:r>
+              <a:rPr lang="de-DE" dirty="0">
+                <a:solidFill>
+                  <a:schemeClr val="tx1"/>
+                </a:solidFill>
+              </a:rPr>
+              <a:t> = </a:t>
+            </a:r>
+            <a:r>
+              <a:rPr lang="de-DE" dirty="0" err="1">
+                <a:solidFill>
+                  <a:schemeClr val="tx1"/>
+                </a:solidFill>
+              </a:rPr>
+              <a:t>subset</a:t>
+            </a:r>
+            <a:r>
+              <a:rPr lang="de-DE" dirty="0">
+                <a:solidFill>
+                  <a:schemeClr val="tx1"/>
+                </a:solidFill>
+              </a:rPr>
+              <a:t> </a:t>
+            </a:r>
+            <a:r>
+              <a:rPr lang="de-DE" dirty="0" err="1">
+                <a:solidFill>
+                  <a:schemeClr val="tx1"/>
+                </a:solidFill>
+              </a:rPr>
+              <a:t>of</a:t>
+            </a:r>
+            <a:r>
+              <a:rPr lang="de-DE" dirty="0">
+                <a:solidFill>
+                  <a:schemeClr val="tx1"/>
+                </a:solidFill>
+              </a:rPr>
+              <a:t> </a:t>
+            </a:r>
+            <a:r>
+              <a:rPr lang="de-DE" dirty="0" err="1">
+                <a:solidFill>
+                  <a:schemeClr val="tx1"/>
+                </a:solidFill>
+              </a:rPr>
+              <a:t>client</a:t>
+            </a:r>
+            <a:r>
+              <a:rPr lang="de-DE" dirty="0">
+                <a:solidFill>
+                  <a:schemeClr val="tx1"/>
+                </a:solidFill>
+              </a:rPr>
+              <a:t> </a:t>
+            </a:r>
+            <a:r>
+              <a:rPr lang="de-DE" dirty="0" err="1">
+                <a:solidFill>
+                  <a:schemeClr val="tx1"/>
+                </a:solidFill>
+              </a:rPr>
+              <a:t>ops</a:t>
+            </a:r>
+            <a:r>
+              <a:rPr lang="de-DE" dirty="0">
+                <a:solidFill>
+                  <a:schemeClr val="tx1"/>
+                </a:solidFill>
+              </a:rPr>
+              <a:t> </a:t>
+            </a:r>
+            <a:r>
+              <a:rPr lang="de-DE" dirty="0" err="1">
+                <a:solidFill>
+                  <a:schemeClr val="tx1"/>
+                </a:solidFill>
+              </a:rPr>
+              <a:t>with</a:t>
+            </a:r>
+            <a:r>
+              <a:rPr lang="de-DE" dirty="0">
+                <a:solidFill>
+                  <a:schemeClr val="tx1"/>
+                </a:solidFill>
+              </a:rPr>
+              <a:t> </a:t>
+            </a:r>
+            <a:r>
+              <a:rPr lang="de-DE" dirty="0" err="1">
+                <a:solidFill>
+                  <a:schemeClr val="tx1"/>
+                </a:solidFill>
+              </a:rPr>
+              <a:t>subset</a:t>
+            </a:r>
+            <a:r>
+              <a:rPr lang="de-DE" dirty="0">
+                <a:solidFill>
+                  <a:schemeClr val="tx1"/>
+                </a:solidFill>
+              </a:rPr>
+              <a:t> </a:t>
+            </a:r>
+            <a:r>
+              <a:rPr lang="de-DE" dirty="0" err="1">
+                <a:solidFill>
+                  <a:schemeClr val="tx1"/>
+                </a:solidFill>
+              </a:rPr>
+              <a:t>of</a:t>
+            </a:r>
+            <a:r>
+              <a:rPr lang="de-DE" dirty="0">
+                <a:solidFill>
+                  <a:schemeClr val="tx1"/>
+                </a:solidFill>
+              </a:rPr>
+              <a:t> </a:t>
+            </a:r>
+            <a:r>
+              <a:rPr lang="de-DE" dirty="0" err="1">
+                <a:solidFill>
+                  <a:schemeClr val="tx1"/>
+                </a:solidFill>
+              </a:rPr>
+              <a:t>params</a:t>
+            </a:r>
+            <a:r>
+              <a:rPr lang="de-DE" dirty="0">
+                <a:solidFill>
+                  <a:schemeClr val="tx1"/>
+                </a:solidFill>
+              </a:rPr>
+              <a:t>)</a:t>
+            </a:r>
+          </a:p>
+        </p:txBody>
+      </p:sp>
+      <p:sp>
+        <p:nvSpPr>
+          <p:cNvPr id="8" name="Rectangle 7">
+            <a:extLst>
+              <a:ext uri="{FF2B5EF4-FFF2-40B4-BE49-F238E27FC236}">
+                <a16:creationId xmlns:a16="http://schemas.microsoft.com/office/drawing/2014/main" id="{150A4C05-8B6E-6A4E-BFEC-AF5CE8B39836}"/>
+              </a:ext>
+            </a:extLst>
+          </p:cNvPr>
+          <p:cNvSpPr/>
+          <p:nvPr/>
+        </p:nvSpPr>
+        <p:spPr>
+          <a:xfrm>
+            <a:off x="3829038" y="4081112"/>
+            <a:ext cx="1301228" cy="781620"/>
+          </a:xfrm>
+          <a:prstGeom prst="rect">
+            <a:avLst/>
+          </a:prstGeom>
+          <a:noFill/>
+          <a:effectLst/>
+        </p:spPr>
+        <p:style>
+          <a:lnRef idx="2">
+            <a:schemeClr val="accent1">
+              <a:shade val="50000"/>
+            </a:schemeClr>
+          </a:lnRef>
+          <a:fillRef idx="1">
+            <a:schemeClr val="accent1"/>
+          </a:fillRef>
+          <a:effectRef idx="0">
+            <a:schemeClr val="accent1"/>
+          </a:effectRef>
+          <a:fontRef idx="minor">
+            <a:schemeClr val="lt1"/>
+          </a:fontRef>
+        </p:style>
+        <p:txBody>
+          <a:bodyPr rtlCol="0" anchor="ctr"/>
+          <a:lstStyle/>
+          <a:p>
+            <a:pPr algn="ctr"/>
+            <a:r>
+              <a:rPr lang="de-DE" dirty="0">
+                <a:solidFill>
+                  <a:schemeClr val="accent1"/>
+                </a:solidFill>
+              </a:rPr>
+              <a:t>In-memory </a:t>
+            </a:r>
+            <a:r>
+              <a:rPr lang="de-DE" dirty="0" err="1">
+                <a:solidFill>
+                  <a:schemeClr val="accent1"/>
+                </a:solidFill>
+              </a:rPr>
+              <a:t>repository</a:t>
+            </a:r>
+            <a:endParaRPr lang="de-DE" dirty="0">
+              <a:solidFill>
+                <a:schemeClr val="accent1"/>
+              </a:solidFill>
+            </a:endParaRPr>
+          </a:p>
+        </p:txBody>
+      </p:sp>
+      <p:sp>
+        <p:nvSpPr>
+          <p:cNvPr id="9" name="Rectangle 8">
+            <a:extLst>
+              <a:ext uri="{FF2B5EF4-FFF2-40B4-BE49-F238E27FC236}">
+                <a16:creationId xmlns:a16="http://schemas.microsoft.com/office/drawing/2014/main" id="{0E38F325-B7D6-214E-8536-B2E0990157A2}"/>
+              </a:ext>
+            </a:extLst>
+          </p:cNvPr>
+          <p:cNvSpPr/>
+          <p:nvPr/>
+        </p:nvSpPr>
+        <p:spPr>
+          <a:xfrm>
+            <a:off x="5283040" y="4071486"/>
+            <a:ext cx="1502771" cy="808522"/>
+          </a:xfrm>
+          <a:prstGeom prst="rect">
+            <a:avLst/>
+          </a:prstGeom>
+          <a:noFill/>
+          <a:effectLst/>
+        </p:spPr>
+        <p:style>
+          <a:lnRef idx="2">
+            <a:schemeClr val="accent1">
+              <a:shade val="50000"/>
+            </a:schemeClr>
+          </a:lnRef>
+          <a:fillRef idx="1">
+            <a:schemeClr val="accent1"/>
+          </a:fillRef>
+          <a:effectRef idx="0">
+            <a:schemeClr val="accent1"/>
+          </a:effectRef>
+          <a:fontRef idx="minor">
+            <a:schemeClr val="lt1"/>
+          </a:fontRef>
+        </p:style>
+        <p:txBody>
+          <a:bodyPr rtlCol="0" anchor="ctr"/>
+          <a:lstStyle/>
+          <a:p>
+            <a:pPr algn="ctr"/>
+            <a:r>
+              <a:rPr lang="de-DE" dirty="0">
+                <a:solidFill>
+                  <a:schemeClr val="accent1"/>
+                </a:solidFill>
+              </a:rPr>
+              <a:t>WBEM </a:t>
+            </a:r>
+            <a:r>
+              <a:rPr lang="de-DE" dirty="0" err="1">
+                <a:solidFill>
+                  <a:schemeClr val="accent1"/>
+                </a:solidFill>
+              </a:rPr>
+              <a:t>server</a:t>
+            </a:r>
+            <a:r>
+              <a:rPr lang="de-DE" dirty="0">
+                <a:solidFill>
+                  <a:schemeClr val="accent1"/>
+                </a:solidFill>
+              </a:rPr>
+              <a:t> </a:t>
+            </a:r>
+            <a:r>
+              <a:rPr lang="de-DE" dirty="0" err="1">
+                <a:solidFill>
+                  <a:schemeClr val="accent1"/>
+                </a:solidFill>
+              </a:rPr>
+              <a:t>adapter</a:t>
+            </a:r>
+            <a:endParaRPr lang="de-DE" dirty="0">
+              <a:solidFill>
+                <a:schemeClr val="accent1"/>
+              </a:solidFill>
+            </a:endParaRPr>
+          </a:p>
+        </p:txBody>
+      </p:sp>
+      <p:sp>
+        <p:nvSpPr>
+          <p:cNvPr id="10" name="Rectangle 9">
+            <a:extLst>
+              <a:ext uri="{FF2B5EF4-FFF2-40B4-BE49-F238E27FC236}">
+                <a16:creationId xmlns:a16="http://schemas.microsoft.com/office/drawing/2014/main" id="{9213071A-4AAE-DD4B-9E16-041E74964B6E}"/>
+              </a:ext>
+            </a:extLst>
+          </p:cNvPr>
+          <p:cNvSpPr/>
+          <p:nvPr/>
+        </p:nvSpPr>
+        <p:spPr>
+          <a:xfrm>
+            <a:off x="6884094" y="4054210"/>
+            <a:ext cx="1681914" cy="808522"/>
+          </a:xfrm>
+          <a:prstGeom prst="rect">
+            <a:avLst/>
+          </a:prstGeom>
+          <a:noFill/>
+          <a:effectLst/>
+        </p:spPr>
+        <p:style>
+          <a:lnRef idx="2">
+            <a:schemeClr val="accent1">
+              <a:shade val="50000"/>
+            </a:schemeClr>
+          </a:lnRef>
+          <a:fillRef idx="1">
+            <a:schemeClr val="accent1"/>
+          </a:fillRef>
+          <a:effectRef idx="0">
+            <a:schemeClr val="accent1"/>
+          </a:effectRef>
+          <a:fontRef idx="minor">
+            <a:schemeClr val="lt1"/>
+          </a:fontRef>
+        </p:style>
+        <p:txBody>
+          <a:bodyPr rtlCol="0" anchor="ctr"/>
+          <a:lstStyle/>
+          <a:p>
+            <a:pPr algn="ctr"/>
+            <a:r>
+              <a:rPr lang="de-DE" dirty="0" err="1">
+                <a:solidFill>
+                  <a:schemeClr val="accent1"/>
+                </a:solidFill>
+              </a:rPr>
+              <a:t>Local</a:t>
+            </a:r>
+            <a:r>
+              <a:rPr lang="de-DE" dirty="0">
+                <a:solidFill>
+                  <a:schemeClr val="accent1"/>
+                </a:solidFill>
+              </a:rPr>
+              <a:t> </a:t>
+            </a:r>
+            <a:r>
+              <a:rPr lang="de-DE" dirty="0" err="1">
+                <a:solidFill>
+                  <a:schemeClr val="accent1"/>
+                </a:solidFill>
+              </a:rPr>
+              <a:t>file</a:t>
+            </a:r>
+            <a:r>
+              <a:rPr lang="de-DE" dirty="0">
+                <a:solidFill>
+                  <a:schemeClr val="accent1"/>
+                </a:solidFill>
+              </a:rPr>
+              <a:t> </a:t>
+            </a:r>
+            <a:r>
+              <a:rPr lang="de-DE" dirty="0" err="1">
+                <a:solidFill>
+                  <a:schemeClr val="accent1"/>
+                </a:solidFill>
+              </a:rPr>
+              <a:t>system</a:t>
+            </a:r>
+            <a:r>
+              <a:rPr lang="de-DE" dirty="0">
+                <a:solidFill>
+                  <a:schemeClr val="accent1"/>
+                </a:solidFill>
+              </a:rPr>
+              <a:t> </a:t>
+            </a:r>
+            <a:r>
+              <a:rPr lang="de-DE" dirty="0" err="1">
+                <a:solidFill>
+                  <a:schemeClr val="accent1"/>
+                </a:solidFill>
+              </a:rPr>
+              <a:t>repository</a:t>
+            </a:r>
+            <a:endParaRPr lang="de-DE" dirty="0">
+              <a:solidFill>
+                <a:schemeClr val="accent1"/>
+              </a:solidFill>
+            </a:endParaRPr>
+          </a:p>
+        </p:txBody>
+      </p:sp>
+      <p:sp>
+        <p:nvSpPr>
+          <p:cNvPr id="11" name="Rectangle 10">
+            <a:extLst>
+              <a:ext uri="{FF2B5EF4-FFF2-40B4-BE49-F238E27FC236}">
+                <a16:creationId xmlns:a16="http://schemas.microsoft.com/office/drawing/2014/main" id="{73BAEA8C-FAA6-BF44-AA22-9D6655B4FB0D}"/>
+              </a:ext>
+            </a:extLst>
+          </p:cNvPr>
+          <p:cNvSpPr/>
+          <p:nvPr/>
+        </p:nvSpPr>
+        <p:spPr>
+          <a:xfrm>
+            <a:off x="4096012" y="2144574"/>
+            <a:ext cx="1794649" cy="648222"/>
+          </a:xfrm>
+          <a:prstGeom prst="rect">
+            <a:avLst/>
+          </a:prstGeom>
+          <a:noFill/>
+          <a:effectLst/>
+        </p:spPr>
+        <p:style>
+          <a:lnRef idx="2">
+            <a:schemeClr val="accent1">
+              <a:shade val="50000"/>
+            </a:schemeClr>
+          </a:lnRef>
+          <a:fillRef idx="1">
+            <a:schemeClr val="accent1"/>
+          </a:fillRef>
+          <a:effectRef idx="0">
+            <a:schemeClr val="accent1"/>
+          </a:effectRef>
+          <a:fontRef idx="minor">
+            <a:schemeClr val="lt1"/>
+          </a:fontRef>
+        </p:style>
+        <p:txBody>
+          <a:bodyPr rtlCol="0" anchor="ctr"/>
+          <a:lstStyle/>
+          <a:p>
+            <a:pPr algn="ctr"/>
+            <a:r>
+              <a:rPr lang="de-DE" dirty="0">
+                <a:solidFill>
+                  <a:schemeClr val="tx1"/>
+                </a:solidFill>
+              </a:rPr>
+              <a:t>MOF Compiler</a:t>
+            </a:r>
+          </a:p>
+        </p:txBody>
+      </p:sp>
+      <p:sp>
+        <p:nvSpPr>
+          <p:cNvPr id="12" name="Rectangle 11">
+            <a:extLst>
+              <a:ext uri="{FF2B5EF4-FFF2-40B4-BE49-F238E27FC236}">
+                <a16:creationId xmlns:a16="http://schemas.microsoft.com/office/drawing/2014/main" id="{CB021D7A-F124-374A-9F9D-19D947DF5627}"/>
+              </a:ext>
+            </a:extLst>
+          </p:cNvPr>
+          <p:cNvSpPr/>
+          <p:nvPr/>
+        </p:nvSpPr>
+        <p:spPr>
+          <a:xfrm>
+            <a:off x="6187857" y="2125569"/>
+            <a:ext cx="5586608" cy="648222"/>
+          </a:xfrm>
+          <a:prstGeom prst="rect">
+            <a:avLst/>
+          </a:prstGeom>
+          <a:noFill/>
+          <a:effectLst/>
+        </p:spPr>
+        <p:style>
+          <a:lnRef idx="2">
+            <a:schemeClr val="accent1">
+              <a:shade val="50000"/>
+            </a:schemeClr>
+          </a:lnRef>
+          <a:fillRef idx="1">
+            <a:schemeClr val="accent1"/>
+          </a:fillRef>
+          <a:effectRef idx="0">
+            <a:schemeClr val="accent1"/>
+          </a:effectRef>
+          <a:fontRef idx="minor">
+            <a:schemeClr val="lt1"/>
+          </a:fontRef>
+        </p:style>
+        <p:txBody>
+          <a:bodyPr rtlCol="0" anchor="ctr"/>
+          <a:lstStyle/>
+          <a:p>
+            <a:pPr algn="ctr"/>
+            <a:r>
+              <a:rPr lang="de-DE" dirty="0" err="1">
+                <a:solidFill>
+                  <a:schemeClr val="accent1"/>
+                </a:solidFill>
+              </a:rPr>
+              <a:t>Full</a:t>
+            </a:r>
+            <a:r>
+              <a:rPr lang="de-DE" dirty="0">
+                <a:solidFill>
+                  <a:schemeClr val="accent1"/>
+                </a:solidFill>
+              </a:rPr>
+              <a:t> </a:t>
+            </a:r>
+            <a:r>
+              <a:rPr lang="de-DE" dirty="0" err="1">
+                <a:solidFill>
+                  <a:schemeClr val="accent1"/>
+                </a:solidFill>
+              </a:rPr>
+              <a:t>operation</a:t>
+            </a:r>
+            <a:r>
+              <a:rPr lang="de-DE" dirty="0">
+                <a:solidFill>
+                  <a:schemeClr val="accent1"/>
+                </a:solidFill>
+              </a:rPr>
+              <a:t> </a:t>
+            </a:r>
+            <a:r>
+              <a:rPr lang="de-DE" dirty="0" err="1">
+                <a:solidFill>
+                  <a:schemeClr val="accent1"/>
+                </a:solidFill>
+              </a:rPr>
+              <a:t>adapter</a:t>
+            </a:r>
+            <a:br>
+              <a:rPr lang="de-DE" dirty="0">
+                <a:solidFill>
+                  <a:schemeClr val="accent1"/>
+                </a:solidFill>
+              </a:rPr>
+            </a:br>
+            <a:r>
+              <a:rPr lang="de-DE" dirty="0">
+                <a:solidFill>
+                  <a:schemeClr val="accent1"/>
+                </a:solidFill>
+              </a:rPr>
+              <a:t>(CIMOM)</a:t>
+            </a:r>
+          </a:p>
+        </p:txBody>
+      </p:sp>
+      <p:sp>
+        <p:nvSpPr>
+          <p:cNvPr id="14" name="Rectangle 13">
+            <a:extLst>
+              <a:ext uri="{FF2B5EF4-FFF2-40B4-BE49-F238E27FC236}">
+                <a16:creationId xmlns:a16="http://schemas.microsoft.com/office/drawing/2014/main" id="{14E44039-9867-0340-94E2-0316C60EE38A}"/>
+              </a:ext>
+            </a:extLst>
+          </p:cNvPr>
+          <p:cNvSpPr/>
+          <p:nvPr/>
+        </p:nvSpPr>
+        <p:spPr>
+          <a:xfrm>
+            <a:off x="6187856" y="590026"/>
+            <a:ext cx="5586609" cy="648222"/>
+          </a:xfrm>
+          <a:prstGeom prst="rect">
+            <a:avLst/>
+          </a:prstGeom>
+          <a:noFill/>
+          <a:effectLst/>
+        </p:spPr>
+        <p:style>
+          <a:lnRef idx="2">
+            <a:schemeClr val="accent1">
+              <a:shade val="50000"/>
+            </a:schemeClr>
+          </a:lnRef>
+          <a:fillRef idx="1">
+            <a:schemeClr val="accent1"/>
+          </a:fillRef>
+          <a:effectRef idx="0">
+            <a:schemeClr val="accent1"/>
+          </a:effectRef>
+          <a:fontRef idx="minor">
+            <a:schemeClr val="lt1"/>
+          </a:fontRef>
+        </p:style>
+        <p:txBody>
+          <a:bodyPr rtlCol="0" anchor="ctr"/>
+          <a:lstStyle/>
+          <a:p>
+            <a:pPr algn="ctr"/>
+            <a:r>
+              <a:rPr lang="de-DE" dirty="0" err="1">
+                <a:solidFill>
+                  <a:schemeClr val="tx1"/>
+                </a:solidFill>
+              </a:rPr>
+              <a:t>WBEMConnection</a:t>
+            </a:r>
+            <a:br>
+              <a:rPr lang="de-DE" dirty="0">
+                <a:solidFill>
+                  <a:schemeClr val="tx1"/>
+                </a:solidFill>
+              </a:rPr>
+            </a:br>
+            <a:r>
+              <a:rPr lang="de-DE" dirty="0">
+                <a:solidFill>
+                  <a:schemeClr val="tx1"/>
+                </a:solidFill>
+              </a:rPr>
+              <a:t>(all </a:t>
+            </a:r>
+            <a:r>
+              <a:rPr lang="de-DE" dirty="0" err="1">
+                <a:solidFill>
+                  <a:schemeClr val="tx1"/>
+                </a:solidFill>
+              </a:rPr>
+              <a:t>client</a:t>
+            </a:r>
+            <a:r>
+              <a:rPr lang="de-DE" dirty="0">
+                <a:solidFill>
+                  <a:schemeClr val="tx1"/>
+                </a:solidFill>
+              </a:rPr>
+              <a:t> </a:t>
+            </a:r>
+            <a:r>
+              <a:rPr lang="de-DE" dirty="0" err="1">
+                <a:solidFill>
+                  <a:schemeClr val="tx1"/>
+                </a:solidFill>
+              </a:rPr>
+              <a:t>ops</a:t>
+            </a:r>
+            <a:r>
+              <a:rPr lang="de-DE" dirty="0">
+                <a:solidFill>
+                  <a:schemeClr val="tx1"/>
+                </a:solidFill>
+              </a:rPr>
+              <a:t> </a:t>
+            </a:r>
+            <a:r>
+              <a:rPr lang="de-DE" dirty="0" err="1">
+                <a:solidFill>
+                  <a:schemeClr val="tx1"/>
+                </a:solidFill>
+              </a:rPr>
+              <a:t>with</a:t>
+            </a:r>
+            <a:r>
+              <a:rPr lang="de-DE" dirty="0">
+                <a:solidFill>
+                  <a:schemeClr val="tx1"/>
+                </a:solidFill>
+              </a:rPr>
+              <a:t> </a:t>
+            </a:r>
+            <a:r>
+              <a:rPr lang="de-DE" dirty="0" err="1">
+                <a:solidFill>
+                  <a:schemeClr val="tx1"/>
+                </a:solidFill>
+              </a:rPr>
+              <a:t>full</a:t>
+            </a:r>
+            <a:r>
+              <a:rPr lang="de-DE" dirty="0">
+                <a:solidFill>
+                  <a:schemeClr val="tx1"/>
+                </a:solidFill>
+              </a:rPr>
+              <a:t> </a:t>
+            </a:r>
+            <a:r>
+              <a:rPr lang="de-DE" dirty="0" err="1">
+                <a:solidFill>
+                  <a:schemeClr val="tx1"/>
+                </a:solidFill>
+              </a:rPr>
+              <a:t>set</a:t>
+            </a:r>
+            <a:r>
+              <a:rPr lang="de-DE" dirty="0">
+                <a:solidFill>
+                  <a:schemeClr val="tx1"/>
+                </a:solidFill>
+              </a:rPr>
+              <a:t> </a:t>
+            </a:r>
+            <a:r>
+              <a:rPr lang="de-DE" dirty="0" err="1">
+                <a:solidFill>
+                  <a:schemeClr val="tx1"/>
+                </a:solidFill>
+              </a:rPr>
+              <a:t>of</a:t>
+            </a:r>
+            <a:r>
+              <a:rPr lang="de-DE" dirty="0">
+                <a:solidFill>
+                  <a:schemeClr val="tx1"/>
+                </a:solidFill>
+              </a:rPr>
+              <a:t> </a:t>
+            </a:r>
+            <a:r>
+              <a:rPr lang="de-DE" dirty="0" err="1">
+                <a:solidFill>
+                  <a:schemeClr val="tx1"/>
+                </a:solidFill>
+              </a:rPr>
+              <a:t>params</a:t>
+            </a:r>
+            <a:r>
+              <a:rPr lang="de-DE" dirty="0">
+                <a:solidFill>
+                  <a:schemeClr val="tx1"/>
+                </a:solidFill>
+              </a:rPr>
+              <a:t>)</a:t>
+            </a:r>
+          </a:p>
+        </p:txBody>
+      </p:sp>
+      <p:sp>
+        <p:nvSpPr>
+          <p:cNvPr id="15" name="Rectangle 14">
+            <a:extLst>
+              <a:ext uri="{FF2B5EF4-FFF2-40B4-BE49-F238E27FC236}">
+                <a16:creationId xmlns:a16="http://schemas.microsoft.com/office/drawing/2014/main" id="{A057BE2B-17E5-084E-8C4B-6480E198591E}"/>
+              </a:ext>
+            </a:extLst>
+          </p:cNvPr>
+          <p:cNvSpPr/>
+          <p:nvPr/>
+        </p:nvSpPr>
+        <p:spPr>
+          <a:xfrm>
+            <a:off x="6187857" y="1427962"/>
+            <a:ext cx="2632256" cy="648222"/>
+          </a:xfrm>
+          <a:prstGeom prst="rect">
+            <a:avLst/>
+          </a:prstGeom>
+          <a:noFill/>
+          <a:effectLst/>
+        </p:spPr>
+        <p:style>
+          <a:lnRef idx="2">
+            <a:schemeClr val="accent1">
+              <a:shade val="50000"/>
+            </a:schemeClr>
+          </a:lnRef>
+          <a:fillRef idx="1">
+            <a:schemeClr val="accent1"/>
+          </a:fillRef>
+          <a:effectRef idx="0">
+            <a:schemeClr val="accent1"/>
+          </a:effectRef>
+          <a:fontRef idx="minor">
+            <a:schemeClr val="lt1"/>
+          </a:fontRef>
+        </p:style>
+        <p:txBody>
+          <a:bodyPr rtlCol="0" anchor="ctr"/>
+          <a:lstStyle/>
+          <a:p>
+            <a:pPr algn="ctr"/>
+            <a:r>
+              <a:rPr lang="de-DE" dirty="0">
+                <a:solidFill>
+                  <a:schemeClr val="tx1"/>
+                </a:solidFill>
+              </a:rPr>
+              <a:t>Mock backend</a:t>
+            </a:r>
+          </a:p>
+        </p:txBody>
+      </p:sp>
+      <p:sp>
+        <p:nvSpPr>
+          <p:cNvPr id="16" name="Rectangle 15">
+            <a:extLst>
+              <a:ext uri="{FF2B5EF4-FFF2-40B4-BE49-F238E27FC236}">
+                <a16:creationId xmlns:a16="http://schemas.microsoft.com/office/drawing/2014/main" id="{E4B69B15-35EA-E243-99EF-789DCCC91779}"/>
+              </a:ext>
+            </a:extLst>
+          </p:cNvPr>
+          <p:cNvSpPr/>
+          <p:nvPr/>
+        </p:nvSpPr>
+        <p:spPr>
+          <a:xfrm>
+            <a:off x="8860448" y="1427962"/>
+            <a:ext cx="2914017" cy="648222"/>
+          </a:xfrm>
+          <a:prstGeom prst="rect">
+            <a:avLst/>
+          </a:prstGeom>
+          <a:noFill/>
+          <a:effectLst/>
+        </p:spPr>
+        <p:style>
+          <a:lnRef idx="2">
+            <a:schemeClr val="accent1">
+              <a:shade val="50000"/>
+            </a:schemeClr>
+          </a:lnRef>
+          <a:fillRef idx="1">
+            <a:schemeClr val="accent1"/>
+          </a:fillRef>
+          <a:effectRef idx="0">
+            <a:schemeClr val="accent1"/>
+          </a:effectRef>
+          <a:fontRef idx="minor">
+            <a:schemeClr val="lt1"/>
+          </a:fontRef>
+        </p:style>
+        <p:txBody>
+          <a:bodyPr rtlCol="0" anchor="ctr"/>
+          <a:lstStyle/>
+          <a:p>
+            <a:pPr algn="ctr"/>
+            <a:r>
+              <a:rPr lang="de-DE" dirty="0">
+                <a:solidFill>
+                  <a:schemeClr val="tx1"/>
+                </a:solidFill>
+              </a:rPr>
+              <a:t>CIM-XML</a:t>
+            </a:r>
+            <a:br>
+              <a:rPr lang="de-DE" dirty="0">
+                <a:solidFill>
+                  <a:schemeClr val="tx1"/>
+                </a:solidFill>
+              </a:rPr>
+            </a:br>
+            <a:r>
+              <a:rPr lang="de-DE" dirty="0">
+                <a:solidFill>
+                  <a:schemeClr val="tx1"/>
+                </a:solidFill>
+              </a:rPr>
+              <a:t>backend</a:t>
+            </a:r>
+          </a:p>
+        </p:txBody>
+      </p:sp>
+      <p:sp>
+        <p:nvSpPr>
+          <p:cNvPr id="17" name="Rectangle 16">
+            <a:extLst>
+              <a:ext uri="{FF2B5EF4-FFF2-40B4-BE49-F238E27FC236}">
+                <a16:creationId xmlns:a16="http://schemas.microsoft.com/office/drawing/2014/main" id="{DDF28FBC-65E9-484D-B1B4-3E0A3A504640}"/>
+              </a:ext>
+            </a:extLst>
+          </p:cNvPr>
+          <p:cNvSpPr/>
+          <p:nvPr/>
+        </p:nvSpPr>
+        <p:spPr>
+          <a:xfrm>
+            <a:off x="10472286" y="4019785"/>
+            <a:ext cx="1302179" cy="648222"/>
+          </a:xfrm>
+          <a:prstGeom prst="rect">
+            <a:avLst/>
+          </a:prstGeom>
+          <a:noFill/>
+          <a:effectLst/>
+        </p:spPr>
+        <p:style>
+          <a:lnRef idx="2">
+            <a:schemeClr val="accent1">
+              <a:shade val="50000"/>
+            </a:schemeClr>
+          </a:lnRef>
+          <a:fillRef idx="1">
+            <a:schemeClr val="accent1"/>
+          </a:fillRef>
+          <a:effectRef idx="0">
+            <a:schemeClr val="accent1"/>
+          </a:effectRef>
+          <a:fontRef idx="minor">
+            <a:schemeClr val="lt1"/>
+          </a:fontRef>
+        </p:style>
+        <p:txBody>
+          <a:bodyPr rtlCol="0" anchor="ctr"/>
+          <a:lstStyle/>
+          <a:p>
+            <a:pPr algn="ctr"/>
+            <a:r>
+              <a:rPr lang="de-DE" dirty="0">
+                <a:solidFill>
+                  <a:schemeClr val="accent1"/>
+                </a:solidFill>
+              </a:rPr>
+              <a:t>Providers</a:t>
+            </a:r>
+          </a:p>
+        </p:txBody>
+      </p:sp>
+      <p:sp>
+        <p:nvSpPr>
+          <p:cNvPr id="18" name="Rectangle 17">
+            <a:extLst>
+              <a:ext uri="{FF2B5EF4-FFF2-40B4-BE49-F238E27FC236}">
+                <a16:creationId xmlns:a16="http://schemas.microsoft.com/office/drawing/2014/main" id="{6CE3D860-7E45-B748-BC46-5280BCFE07EB}"/>
+              </a:ext>
+            </a:extLst>
+          </p:cNvPr>
+          <p:cNvSpPr/>
+          <p:nvPr/>
+        </p:nvSpPr>
+        <p:spPr>
+          <a:xfrm>
+            <a:off x="8860447" y="2891356"/>
+            <a:ext cx="2914017" cy="1020585"/>
+          </a:xfrm>
+          <a:prstGeom prst="rect">
+            <a:avLst/>
+          </a:prstGeom>
+          <a:noFill/>
+          <a:effectLst/>
+        </p:spPr>
+        <p:style>
+          <a:lnRef idx="2">
+            <a:schemeClr val="accent1">
+              <a:shade val="50000"/>
+            </a:schemeClr>
+          </a:lnRef>
+          <a:fillRef idx="1">
+            <a:schemeClr val="accent1"/>
+          </a:fillRef>
+          <a:effectRef idx="0">
+            <a:schemeClr val="accent1"/>
+          </a:effectRef>
+          <a:fontRef idx="minor">
+            <a:schemeClr val="lt1"/>
+          </a:fontRef>
+        </p:style>
+        <p:txBody>
+          <a:bodyPr rtlCol="0" anchor="ctr"/>
+          <a:lstStyle/>
+          <a:p>
+            <a:pPr algn="ctr"/>
+            <a:r>
+              <a:rPr lang="de-DE" dirty="0">
+                <a:solidFill>
+                  <a:schemeClr val="accent1"/>
+                </a:solidFill>
+              </a:rPr>
+              <a:t>Provider </a:t>
+            </a:r>
+            <a:r>
+              <a:rPr lang="de-DE" dirty="0" err="1">
+                <a:solidFill>
+                  <a:schemeClr val="accent1"/>
+                </a:solidFill>
+              </a:rPr>
+              <a:t>interface</a:t>
+            </a:r>
+            <a:br>
+              <a:rPr lang="de-DE" dirty="0">
+                <a:solidFill>
+                  <a:schemeClr val="accent1"/>
+                </a:solidFill>
+              </a:rPr>
+            </a:br>
+            <a:r>
+              <a:rPr lang="de-DE" dirty="0">
+                <a:solidFill>
+                  <a:schemeClr val="accent1"/>
+                </a:solidFill>
+              </a:rPr>
+              <a:t>(</a:t>
+            </a:r>
+            <a:r>
+              <a:rPr lang="de-DE" dirty="0" err="1">
+                <a:solidFill>
+                  <a:schemeClr val="accent1"/>
+                </a:solidFill>
+              </a:rPr>
+              <a:t>provider</a:t>
+            </a:r>
+            <a:r>
+              <a:rPr lang="de-DE" dirty="0">
+                <a:solidFill>
+                  <a:schemeClr val="accent1"/>
+                </a:solidFill>
+              </a:rPr>
+              <a:t> </a:t>
+            </a:r>
+            <a:r>
+              <a:rPr lang="de-DE" dirty="0" err="1">
+                <a:solidFill>
+                  <a:schemeClr val="accent1"/>
+                </a:solidFill>
+              </a:rPr>
+              <a:t>ops</a:t>
+            </a:r>
+            <a:r>
+              <a:rPr lang="de-DE" dirty="0">
+                <a:solidFill>
+                  <a:schemeClr val="accent1"/>
+                </a:solidFill>
+              </a:rPr>
+              <a:t>)</a:t>
+            </a:r>
+          </a:p>
+        </p:txBody>
+      </p:sp>
+      <p:sp>
+        <p:nvSpPr>
+          <p:cNvPr id="19" name="Rectangle 18">
+            <a:extLst>
+              <a:ext uri="{FF2B5EF4-FFF2-40B4-BE49-F238E27FC236}">
+                <a16:creationId xmlns:a16="http://schemas.microsoft.com/office/drawing/2014/main" id="{79729382-82CD-5844-9F4A-D31818CF06D5}"/>
+              </a:ext>
+            </a:extLst>
+          </p:cNvPr>
+          <p:cNvSpPr/>
+          <p:nvPr/>
+        </p:nvSpPr>
+        <p:spPr>
+          <a:xfrm>
+            <a:off x="8869294" y="4029506"/>
+            <a:ext cx="1453415" cy="648222"/>
+          </a:xfrm>
+          <a:prstGeom prst="rect">
+            <a:avLst/>
+          </a:prstGeom>
+          <a:noFill/>
+          <a:effectLst/>
+        </p:spPr>
+        <p:style>
+          <a:lnRef idx="2">
+            <a:schemeClr val="accent1">
+              <a:shade val="50000"/>
+            </a:schemeClr>
+          </a:lnRef>
+          <a:fillRef idx="1">
+            <a:schemeClr val="accent1"/>
+          </a:fillRef>
+          <a:effectRef idx="0">
+            <a:schemeClr val="accent1"/>
+          </a:effectRef>
+          <a:fontRef idx="minor">
+            <a:schemeClr val="lt1"/>
+          </a:fontRef>
+        </p:style>
+        <p:txBody>
+          <a:bodyPr rtlCol="0" anchor="ctr"/>
+          <a:lstStyle/>
+          <a:p>
+            <a:pPr algn="ctr"/>
+            <a:r>
+              <a:rPr lang="de-DE" dirty="0">
+                <a:solidFill>
+                  <a:schemeClr val="accent1"/>
+                </a:solidFill>
+              </a:rPr>
+              <a:t>Default Provider</a:t>
+            </a:r>
+          </a:p>
+        </p:txBody>
+      </p:sp>
+      <p:sp>
+        <p:nvSpPr>
+          <p:cNvPr id="2" name="TextBox 1">
+            <a:extLst>
+              <a:ext uri="{FF2B5EF4-FFF2-40B4-BE49-F238E27FC236}">
+                <a16:creationId xmlns:a16="http://schemas.microsoft.com/office/drawing/2014/main" id="{8345DD3B-9097-0449-B9D8-7B90CD693D86}"/>
+              </a:ext>
+            </a:extLst>
+          </p:cNvPr>
+          <p:cNvSpPr txBox="1"/>
+          <p:nvPr/>
+        </p:nvSpPr>
+        <p:spPr>
+          <a:xfrm>
+            <a:off x="417535" y="405360"/>
+            <a:ext cx="5076005" cy="369332"/>
+          </a:xfrm>
+          <a:prstGeom prst="rect">
+            <a:avLst/>
+          </a:prstGeom>
+          <a:noFill/>
+        </p:spPr>
+        <p:txBody>
+          <a:bodyPr wrap="none" rtlCol="0">
+            <a:spAutoFit/>
+          </a:bodyPr>
+          <a:lstStyle/>
+          <a:p>
+            <a:r>
+              <a:rPr lang="de-DE" dirty="0"/>
+              <a:t>Ideal structure 2, for the futureKA/UPATES, Jan 2020</a:t>
+            </a:r>
+          </a:p>
+        </p:txBody>
+      </p:sp>
+      <p:sp>
+        <p:nvSpPr>
+          <p:cNvPr id="21" name="TextBox 20">
+            <a:extLst>
+              <a:ext uri="{FF2B5EF4-FFF2-40B4-BE49-F238E27FC236}">
+                <a16:creationId xmlns:a16="http://schemas.microsoft.com/office/drawing/2014/main" id="{2DE660BE-B767-484E-8F82-DD30A6872804}"/>
+              </a:ext>
+            </a:extLst>
+          </p:cNvPr>
+          <p:cNvSpPr txBox="1"/>
+          <p:nvPr/>
+        </p:nvSpPr>
+        <p:spPr>
+          <a:xfrm>
+            <a:off x="249469" y="1046306"/>
+            <a:ext cx="3636732" cy="2585323"/>
+          </a:xfrm>
+          <a:prstGeom prst="rect">
+            <a:avLst/>
+          </a:prstGeom>
+          <a:noFill/>
+        </p:spPr>
+        <p:txBody>
+          <a:bodyPr wrap="square" rtlCol="0">
+            <a:spAutoFit/>
+          </a:bodyPr>
+          <a:lstStyle/>
+          <a:p>
+            <a:r>
+              <a:rPr lang="de-DE" dirty="0" err="1"/>
+              <a:t>Two</a:t>
+            </a:r>
+            <a:r>
+              <a:rPr lang="de-DE" dirty="0"/>
+              <a:t> </a:t>
+            </a:r>
+            <a:r>
+              <a:rPr lang="de-DE" dirty="0" err="1"/>
+              <a:t>approaches</a:t>
+            </a:r>
+            <a:r>
+              <a:rPr lang="de-DE" dirty="0"/>
+              <a:t> </a:t>
+            </a:r>
+            <a:r>
+              <a:rPr lang="de-DE" dirty="0" err="1"/>
+              <a:t>for</a:t>
+            </a:r>
+            <a:r>
+              <a:rPr lang="de-DE" dirty="0"/>
+              <a:t> MOF </a:t>
+            </a:r>
+            <a:r>
+              <a:rPr lang="de-DE" dirty="0" err="1"/>
+              <a:t>compile</a:t>
+            </a:r>
+            <a:r>
+              <a:rPr lang="de-DE" dirty="0"/>
+              <a:t>:</a:t>
+            </a:r>
+          </a:p>
+          <a:p>
+            <a:pPr marL="342900" indent="-342900">
+              <a:buAutoNum type="arabicPeriod"/>
+            </a:pPr>
+            <a:r>
+              <a:rPr lang="de-DE" dirty="0" err="1"/>
+              <a:t>With</a:t>
+            </a:r>
+            <a:r>
+              <a:rPr lang="de-DE" dirty="0"/>
+              <a:t> </a:t>
+            </a:r>
+            <a:r>
+              <a:rPr lang="de-DE" dirty="0" err="1"/>
+              <a:t>rollback</a:t>
+            </a:r>
+            <a:r>
+              <a:rPr lang="de-DE" dirty="0"/>
+              <a:t> </a:t>
+            </a:r>
+            <a:r>
+              <a:rPr lang="de-DE" dirty="0" err="1"/>
+              <a:t>support</a:t>
+            </a:r>
+            <a:r>
+              <a:rPr lang="de-DE" dirty="0"/>
+              <a:t> (</a:t>
+            </a:r>
+            <a:r>
+              <a:rPr lang="de-DE" dirty="0" err="1"/>
+              <a:t>and</a:t>
+            </a:r>
+            <a:r>
+              <a:rPr lang="de-DE" dirty="0"/>
+              <a:t> </a:t>
+            </a:r>
+            <a:r>
+              <a:rPr lang="de-DE" dirty="0" err="1"/>
+              <a:t>create</a:t>
+            </a:r>
+            <a:r>
+              <a:rPr lang="de-DE" dirty="0"/>
+              <a:t> on </a:t>
+            </a:r>
+            <a:r>
+              <a:rPr lang="de-DE" dirty="0" err="1"/>
+              <a:t>existing</a:t>
+            </a:r>
+            <a:r>
+              <a:rPr lang="de-DE" dirty="0"/>
+              <a:t> </a:t>
+            </a:r>
+            <a:r>
+              <a:rPr lang="de-DE" dirty="0" err="1"/>
+              <a:t>object</a:t>
+            </a:r>
+            <a:r>
+              <a:rPr lang="de-DE" dirty="0"/>
+              <a:t> </a:t>
+            </a:r>
+            <a:r>
+              <a:rPr lang="de-DE" dirty="0" err="1"/>
+              <a:t>fails</a:t>
+            </a:r>
+            <a:r>
+              <a:rPr lang="de-DE" dirty="0"/>
+              <a:t>)</a:t>
+            </a:r>
+          </a:p>
+          <a:p>
+            <a:pPr marL="342900" indent="-342900">
+              <a:buAutoNum type="arabicPeriod"/>
+            </a:pPr>
+            <a:r>
+              <a:rPr lang="de-DE" dirty="0" err="1"/>
+              <a:t>With</a:t>
+            </a:r>
+            <a:r>
+              <a:rPr lang="de-DE" dirty="0"/>
+              <a:t> </a:t>
+            </a:r>
+            <a:r>
+              <a:rPr lang="de-DE" dirty="0" err="1"/>
+              <a:t>modify</a:t>
+            </a:r>
+            <a:r>
+              <a:rPr lang="de-DE" dirty="0"/>
+              <a:t> </a:t>
+            </a:r>
+            <a:r>
+              <a:rPr lang="de-DE" dirty="0" err="1"/>
+              <a:t>when</a:t>
+            </a:r>
+            <a:r>
+              <a:rPr lang="de-DE" dirty="0"/>
+              <a:t> an </a:t>
+            </a:r>
+            <a:r>
+              <a:rPr lang="de-DE" dirty="0" err="1"/>
+              <a:t>object</a:t>
+            </a:r>
+            <a:r>
+              <a:rPr lang="de-DE" dirty="0"/>
+              <a:t> </a:t>
+            </a:r>
+            <a:r>
+              <a:rPr lang="de-DE" dirty="0" err="1"/>
+              <a:t>to</a:t>
+            </a:r>
+            <a:r>
+              <a:rPr lang="de-DE" dirty="0"/>
+              <a:t> </a:t>
+            </a:r>
+            <a:r>
+              <a:rPr lang="de-DE" dirty="0" err="1"/>
+              <a:t>be</a:t>
+            </a:r>
+            <a:r>
+              <a:rPr lang="de-DE" dirty="0"/>
+              <a:t> </a:t>
+            </a:r>
+            <a:r>
+              <a:rPr lang="de-DE" dirty="0" err="1"/>
+              <a:t>created</a:t>
+            </a:r>
+            <a:r>
+              <a:rPr lang="de-DE" dirty="0"/>
+              <a:t> </a:t>
+            </a:r>
+            <a:r>
+              <a:rPr lang="de-DE" dirty="0" err="1"/>
+              <a:t>already</a:t>
+            </a:r>
+            <a:r>
+              <a:rPr lang="de-DE" dirty="0"/>
+              <a:t> </a:t>
+            </a:r>
+            <a:r>
+              <a:rPr lang="de-DE" dirty="0" err="1"/>
+              <a:t>exists</a:t>
+            </a:r>
+            <a:endParaRPr lang="de-DE" dirty="0"/>
+          </a:p>
+          <a:p>
+            <a:r>
+              <a:rPr lang="de-DE" dirty="0"/>
+              <a:t>TODO(Karl): </a:t>
+            </a:r>
+            <a:r>
+              <a:rPr lang="de-DE" dirty="0" err="1"/>
+              <a:t>Figure</a:t>
+            </a:r>
+            <a:r>
+              <a:rPr lang="de-DE" dirty="0"/>
+              <a:t> out </a:t>
+            </a:r>
+            <a:r>
+              <a:rPr lang="de-DE" dirty="0" err="1"/>
+              <a:t>whether</a:t>
+            </a:r>
+            <a:r>
+              <a:rPr lang="de-DE" dirty="0"/>
+              <a:t> </a:t>
+            </a:r>
+            <a:r>
+              <a:rPr lang="de-DE" dirty="0" err="1"/>
+              <a:t>approach</a:t>
+            </a:r>
+            <a:r>
+              <a:rPr lang="de-DE" dirty="0"/>
+              <a:t> 2 </a:t>
+            </a:r>
+            <a:r>
+              <a:rPr lang="de-DE" dirty="0" err="1"/>
+              <a:t>is</a:t>
+            </a:r>
+            <a:r>
+              <a:rPr lang="de-DE" dirty="0"/>
+              <a:t> </a:t>
+            </a:r>
+            <a:r>
+              <a:rPr lang="de-DE" dirty="0" err="1"/>
+              <a:t>feasible</a:t>
+            </a:r>
+            <a:endParaRPr lang="de-DE" dirty="0"/>
+          </a:p>
+          <a:p>
+            <a:r>
+              <a:rPr lang="de-DE" dirty="0"/>
+              <a:t>TODO(Karl): Determine what the OP schema upgrade tool does2</a:t>
+            </a:r>
+          </a:p>
+        </p:txBody>
+      </p:sp>
+      <p:sp>
+        <p:nvSpPr>
+          <p:cNvPr id="3" name="Speech Bubble: Rectangle with Corners Rounded 2">
+            <a:extLst>
+              <a:ext uri="{FF2B5EF4-FFF2-40B4-BE49-F238E27FC236}">
+                <a16:creationId xmlns:a16="http://schemas.microsoft.com/office/drawing/2014/main" id="{AF5E3CBB-F30D-42BC-8036-C236DDD5B493}"/>
+              </a:ext>
+            </a:extLst>
+          </p:cNvPr>
+          <p:cNvSpPr/>
+          <p:nvPr/>
+        </p:nvSpPr>
+        <p:spPr>
+          <a:xfrm>
+            <a:off x="9394256" y="4880008"/>
+            <a:ext cx="1453415" cy="612648"/>
+          </a:xfrm>
+          <a:prstGeom prst="wedgeRoundRectCallout">
+            <a:avLst>
+              <a:gd name="adj1" fmla="val -26445"/>
+              <a:gd name="adj2" fmla="val -82041"/>
+              <a:gd name="adj3" fmla="val 16667"/>
+            </a:avLst>
+          </a:prstGeom>
+          <a:solidFill>
+            <a:srgbClr val="FFFF00"/>
+          </a:solidFill>
+        </p:spPr>
+        <p:style>
+          <a:lnRef idx="2">
+            <a:schemeClr val="accent1">
+              <a:shade val="50000"/>
+            </a:schemeClr>
+          </a:lnRef>
+          <a:fillRef idx="1">
+            <a:schemeClr val="accent1"/>
+          </a:fillRef>
+          <a:effectRef idx="0">
+            <a:schemeClr val="accent1"/>
+          </a:effectRef>
+          <a:fontRef idx="minor">
+            <a:schemeClr val="lt1"/>
+          </a:fontRef>
+        </p:style>
+        <p:txBody>
+          <a:bodyPr rtlCol="0" anchor="ctr"/>
+          <a:lstStyle/>
+          <a:p>
+            <a:pPr algn="ctr"/>
+            <a:r>
+              <a:rPr lang="en-US" sz="1000" dirty="0">
+                <a:solidFill>
+                  <a:schemeClr val="tx1">
+                    <a:lumMod val="95000"/>
+                    <a:lumOff val="5000"/>
+                  </a:schemeClr>
+                </a:solidFill>
+              </a:rPr>
+              <a:t>What is Default Provider?</a:t>
+            </a:r>
+          </a:p>
+        </p:txBody>
+      </p:sp>
+    </p:spTree>
+    <p:extLst>
+      <p:ext uri="{BB962C8B-B14F-4D97-AF65-F5344CB8AC3E}">
+        <p14:creationId xmlns:p14="http://schemas.microsoft.com/office/powerpoint/2010/main" val="1234788647"/>
+      </p:ext>
+    </p:extLst>
+  </p:cSld>
+  <p:clrMapOvr>
+    <a:masterClrMapping/>
+  </p:clrMapOvr>
+</p:sld>
+</file>
+
+<file path=ppt/slides/slide7.xml><?xml version="1.0" encoding="utf-8"?>
+<p:sld xmlns:a="http://schemas.openxmlformats.org/drawingml/2006/main" xmlns:r="http://schemas.openxmlformats.org/officeDocument/2006/relationships" xmlns:p="http://schemas.openxmlformats.org/presentationml/2006/main">
+  <p:cSld>
+    <p:spTree>
+      <p:nvGrpSpPr>
+        <p:cNvPr id="1" name=""/>
+        <p:cNvGrpSpPr/>
+        <p:nvPr/>
+      </p:nvGrpSpPr>
+      <p:grpSpPr>
+        <a:xfrm>
+          <a:off x="0" y="0"/>
+          <a:ext cx="0" cy="0"/>
+          <a:chOff x="0" y="0"/>
+          <a:chExt cx="0" cy="0"/>
+        </a:xfrm>
+      </p:grpSpPr>
+      <p:sp>
+        <p:nvSpPr>
+          <p:cNvPr id="4" name="Rectangle 3">
+            <a:extLst>
+              <a:ext uri="{FF2B5EF4-FFF2-40B4-BE49-F238E27FC236}">
+                <a16:creationId xmlns:a16="http://schemas.microsoft.com/office/drawing/2014/main" id="{2AB3E63E-5425-FC4F-A422-60F31BB2BE73}"/>
               </a:ext>
             </a:extLst>
           </p:cNvPr>
@@ -9965,7 +11805,7 @@
           <p:cNvPr id="8" name="Rectangle 7">
             <a:extLst>
               <a:ext uri="{FF2B5EF4-FFF2-40B4-BE49-F238E27FC236}">
-                <a16:creationId xmlns:a16="http://schemas.microsoft.com/office/drawing/2014/main" xmlns="" id="{150A4C05-8B6E-6A4E-BFEC-AF5CE8B39836}"/>
+                <a16:creationId xmlns:a16="http://schemas.microsoft.com/office/drawing/2014/main" id="{150A4C05-8B6E-6A4E-BFEC-AF5CE8B39836}"/>
               </a:ext>
             </a:extLst>
           </p:cNvPr>
@@ -10012,14 +11852,6 @@
               </a:rPr>
               <a:t>MOFWBEMConnection</a:t>
             </a:r>
-            <a:r>
-              <a:rPr lang="de-DE" dirty="0">
-                <a:solidFill>
-                  <a:schemeClr val="tx1"/>
-                </a:solidFill>
-              </a:rPr>
-              <a:t/>
-            </a:r>
             <a:br>
               <a:rPr lang="de-DE" dirty="0">
                 <a:solidFill>
@@ -10136,7 +11968,7 @@
           <p:cNvPr id="11" name="Rectangle 10">
             <a:extLst>
               <a:ext uri="{FF2B5EF4-FFF2-40B4-BE49-F238E27FC236}">
-                <a16:creationId xmlns:a16="http://schemas.microsoft.com/office/drawing/2014/main" xmlns="" id="{73BAEA8C-FAA6-BF44-AA22-9D6655B4FB0D}"/>
+                <a16:creationId xmlns:a16="http://schemas.microsoft.com/office/drawing/2014/main" id="{73BAEA8C-FAA6-BF44-AA22-9D6655B4FB0D}"/>
               </a:ext>
             </a:extLst>
           </p:cNvPr>
@@ -10191,7 +12023,7 @@
           <p:cNvPr id="14" name="Rectangle 13">
             <a:extLst>
               <a:ext uri="{FF2B5EF4-FFF2-40B4-BE49-F238E27FC236}">
-                <a16:creationId xmlns:a16="http://schemas.microsoft.com/office/drawing/2014/main" xmlns="" id="{14E44039-9867-0340-94E2-0316C60EE38A}"/>
+                <a16:creationId xmlns:a16="http://schemas.microsoft.com/office/drawing/2014/main" id="{14E44039-9867-0340-94E2-0316C60EE38A}"/>
               </a:ext>
             </a:extLst>
           </p:cNvPr>
@@ -10238,14 +12070,6 @@
               </a:rPr>
               <a:t>WBEMConnection</a:t>
             </a:r>
-            <a:r>
-              <a:rPr lang="de-DE" dirty="0">
-                <a:solidFill>
-                  <a:schemeClr val="tx1"/>
-                </a:solidFill>
-              </a:rPr>
-              <a:t/>
-            </a:r>
             <a:br>
               <a:rPr lang="de-DE" dirty="0">
                 <a:solidFill>
@@ -10381,7 +12205,7 @@
           <p:cNvPr id="2" name="TextBox 1">
             <a:extLst>
               <a:ext uri="{FF2B5EF4-FFF2-40B4-BE49-F238E27FC236}">
-                <a16:creationId xmlns:a16="http://schemas.microsoft.com/office/drawing/2014/main" xmlns="" id="{8345DD3B-9097-0449-B9D8-7B90CD693D86}"/>
+                <a16:creationId xmlns:a16="http://schemas.microsoft.com/office/drawing/2014/main" id="{8345DD3B-9097-0449-B9D8-7B90CD693D86}"/>
               </a:ext>
             </a:extLst>
           </p:cNvPr>
@@ -10425,7 +12249,7 @@
           <p:cNvPr id="21" name="Rectangle 20">
             <a:extLst>
               <a:ext uri="{FF2B5EF4-FFF2-40B4-BE49-F238E27FC236}">
-                <a16:creationId xmlns:a16="http://schemas.microsoft.com/office/drawing/2014/main" xmlns="" id="{356B45EF-ED44-FA43-82AB-7A2DB23DED8F}"/>
+                <a16:creationId xmlns:a16="http://schemas.microsoft.com/office/drawing/2014/main" id="{356B45EF-ED44-FA43-82AB-7A2DB23DED8F}"/>
               </a:ext>
             </a:extLst>
           </p:cNvPr>
@@ -10472,14 +12296,6 @@
               </a:rPr>
               <a:t>FakedWBEMConnection</a:t>
             </a:r>
-            <a:r>
-              <a:rPr lang="de-DE" dirty="0">
-                <a:solidFill>
-                  <a:schemeClr val="tx1"/>
-                </a:solidFill>
-              </a:rPr>
-              <a:t/>
-            </a:r>
             <a:br>
               <a:rPr lang="de-DE" dirty="0">
                 <a:solidFill>
@@ -10623,7 +12439,7 @@
           <p:cNvPr id="23" name="Rectangle 22">
             <a:extLst>
               <a:ext uri="{FF2B5EF4-FFF2-40B4-BE49-F238E27FC236}">
-                <a16:creationId xmlns:a16="http://schemas.microsoft.com/office/drawing/2014/main" xmlns="" id="{55D649CF-B3C2-9C4D-8F34-991217CF4BB5}"/>
+                <a16:creationId xmlns:a16="http://schemas.microsoft.com/office/drawing/2014/main" id="{55D649CF-B3C2-9C4D-8F34-991217CF4BB5}"/>
               </a:ext>
             </a:extLst>
           </p:cNvPr>
@@ -10691,7 +12507,7 @@
           <p:cNvPr id="24" name="Rectangle 23">
             <a:extLst>
               <a:ext uri="{FF2B5EF4-FFF2-40B4-BE49-F238E27FC236}">
-                <a16:creationId xmlns:a16="http://schemas.microsoft.com/office/drawing/2014/main" xmlns="" id="{03858562-F013-1A4C-9BDD-81F7E4A2FBD3}"/>
+                <a16:creationId xmlns:a16="http://schemas.microsoft.com/office/drawing/2014/main" id="{03858562-F013-1A4C-9BDD-81F7E4A2FBD3}"/>
               </a:ext>
             </a:extLst>
           </p:cNvPr>
@@ -10831,7 +12647,7 @@
           <p:cNvPr id="25" name="Rectangle 24">
             <a:extLst>
               <a:ext uri="{FF2B5EF4-FFF2-40B4-BE49-F238E27FC236}">
-                <a16:creationId xmlns:a16="http://schemas.microsoft.com/office/drawing/2014/main" xmlns="" id="{DE8C6C1B-6E50-0647-9F2D-94FFBD7BC62A}"/>
+                <a16:creationId xmlns:a16="http://schemas.microsoft.com/office/drawing/2014/main" id="{DE8C6C1B-6E50-0647-9F2D-94FFBD7BC62A}"/>
               </a:ext>
             </a:extLst>
           </p:cNvPr>
@@ -10878,14 +12694,6 @@
               </a:rPr>
               <a:t>WBEMConnection</a:t>
             </a:r>
-            <a:r>
-              <a:rPr lang="de-DE" dirty="0">
-                <a:solidFill>
-                  <a:schemeClr val="tx1"/>
-                </a:solidFill>
-              </a:rPr>
-              <a:t/>
-            </a:r>
             <a:br>
               <a:rPr lang="de-DE" dirty="0">
                 <a:solidFill>
@@ -11044,7 +12852,7 @@
           <p:cNvPr id="26" name="TextBox 25">
             <a:extLst>
               <a:ext uri="{FF2B5EF4-FFF2-40B4-BE49-F238E27FC236}">
-                <a16:creationId xmlns:a16="http://schemas.microsoft.com/office/drawing/2014/main" xmlns="" id="{C503D2BF-3347-B044-804A-AD99472C5CD0}"/>
+                <a16:creationId xmlns:a16="http://schemas.microsoft.com/office/drawing/2014/main" id="{C503D2BF-3347-B044-804A-AD99472C5CD0}"/>
               </a:ext>
             </a:extLst>
           </p:cNvPr>
@@ -11155,6 +12963,1609 @@
     <p:extLst>
       <p:ext uri="{BB962C8B-B14F-4D97-AF65-F5344CB8AC3E}">
         <p14:creationId xmlns:p14="http://schemas.microsoft.com/office/powerpoint/2010/main" val="1199700036"/>
+      </p:ext>
+    </p:extLst>
+  </p:cSld>
+  <p:clrMapOvr>
+    <a:masterClrMapping/>
+  </p:clrMapOvr>
+</p:sld>
+</file>
+
+<file path=ppt/slides/slide8.xml><?xml version="1.0" encoding="utf-8"?>
+<p:sld xmlns:a="http://schemas.openxmlformats.org/drawingml/2006/main" xmlns:r="http://schemas.openxmlformats.org/officeDocument/2006/relationships" xmlns:p="http://schemas.openxmlformats.org/presentationml/2006/main">
+  <p:cSld>
+    <p:spTree>
+      <p:nvGrpSpPr>
+        <p:cNvPr id="1" name=""/>
+        <p:cNvGrpSpPr/>
+        <p:nvPr/>
+      </p:nvGrpSpPr>
+      <p:grpSpPr>
+        <a:xfrm>
+          <a:off x="0" y="0"/>
+          <a:ext cx="0" cy="0"/>
+          <a:chOff x="0" y="0"/>
+          <a:chExt cx="0" cy="0"/>
+        </a:xfrm>
+      </p:grpSpPr>
+      <p:sp>
+        <p:nvSpPr>
+          <p:cNvPr id="2" name="Rectangle 1">
+            <a:extLst>
+              <a:ext uri="{FF2B5EF4-FFF2-40B4-BE49-F238E27FC236}">
+                <a16:creationId xmlns:a16="http://schemas.microsoft.com/office/drawing/2014/main" id="{BE352671-A964-4918-B559-18C6BE5DA022}"/>
+              </a:ext>
+            </a:extLst>
+          </p:cNvPr>
+          <p:cNvSpPr/>
+          <p:nvPr/>
+        </p:nvSpPr>
+        <p:spPr>
+          <a:xfrm>
+            <a:off x="5971908" y="5773749"/>
+            <a:ext cx="5212647" cy="977153"/>
+          </a:xfrm>
+          <a:prstGeom prst="rect">
+            <a:avLst/>
+          </a:prstGeom>
+          <a:noFill/>
+        </p:spPr>
+        <p:style>
+          <a:lnRef idx="2">
+            <a:schemeClr val="accent1">
+              <a:shade val="50000"/>
+            </a:schemeClr>
+          </a:lnRef>
+          <a:fillRef idx="1">
+            <a:schemeClr val="accent1"/>
+          </a:fillRef>
+          <a:effectRef idx="0">
+            <a:schemeClr val="accent1"/>
+          </a:effectRef>
+          <a:fontRef idx="minor">
+            <a:schemeClr val="lt1"/>
+          </a:fontRef>
+        </p:style>
+        <p:txBody>
+          <a:bodyPr rtlCol="0" anchor="ctr"/>
+          <a:lstStyle/>
+          <a:p>
+            <a:pPr lvl="0" algn="ctr"/>
+            <a:r>
+              <a:rPr lang="en-US" dirty="0">
+                <a:solidFill>
+                  <a:schemeClr val="tx1">
+                    <a:lumMod val="95000"/>
+                    <a:lumOff val="5000"/>
+                  </a:schemeClr>
+                </a:solidFill>
+              </a:rPr>
+              <a:t>Repository Data store</a:t>
+            </a:r>
+          </a:p>
+          <a:p>
+            <a:pPr lvl="0"/>
+            <a:r>
+              <a:rPr lang="en-US" dirty="0">
+                <a:solidFill>
+                  <a:prstClr val="black"/>
+                </a:solidFill>
+              </a:rPr>
+              <a:t>Implements a physical store including common methods to get and store data.</a:t>
+            </a:r>
+          </a:p>
+        </p:txBody>
+      </p:sp>
+      <p:sp>
+        <p:nvSpPr>
+          <p:cNvPr id="4" name="Rectangle 3">
+            <a:extLst>
+              <a:ext uri="{FF2B5EF4-FFF2-40B4-BE49-F238E27FC236}">
+                <a16:creationId xmlns:a16="http://schemas.microsoft.com/office/drawing/2014/main" id="{A02DF70A-4D59-4921-96EC-99676DEE9F37}"/>
+              </a:ext>
+            </a:extLst>
+          </p:cNvPr>
+          <p:cNvSpPr/>
+          <p:nvPr/>
+        </p:nvSpPr>
+        <p:spPr>
+          <a:xfrm>
+            <a:off x="5971908" y="3714278"/>
+            <a:ext cx="5134040" cy="977153"/>
+          </a:xfrm>
+          <a:prstGeom prst="rect">
+            <a:avLst/>
+          </a:prstGeom>
+          <a:noFill/>
+        </p:spPr>
+        <p:style>
+          <a:lnRef idx="2">
+            <a:schemeClr val="accent1">
+              <a:shade val="50000"/>
+            </a:schemeClr>
+          </a:lnRef>
+          <a:fillRef idx="1">
+            <a:schemeClr val="accent1"/>
+          </a:fillRef>
+          <a:effectRef idx="0">
+            <a:schemeClr val="accent1"/>
+          </a:effectRef>
+          <a:fontRef idx="minor">
+            <a:schemeClr val="lt1"/>
+          </a:fontRef>
+        </p:style>
+        <p:txBody>
+          <a:bodyPr rot="0" spcFirstLastPara="0" vertOverflow="overflow" horzOverflow="overflow" vert="horz" wrap="square" lIns="91440" tIns="45720" rIns="91440" bIns="45720" numCol="1" spcCol="0" rtlCol="0" fromWordArt="0" anchor="ctr" anchorCtr="0" forceAA="0" compatLnSpc="1">
+            <a:prstTxWarp prst="textNoShape">
+              <a:avLst/>
+            </a:prstTxWarp>
+            <a:noAutofit/>
+          </a:bodyPr>
+          <a:lstStyle/>
+          <a:p>
+            <a:pPr algn="ctr"/>
+            <a:r>
+              <a:rPr lang="en-US" dirty="0">
+                <a:solidFill>
+                  <a:schemeClr val="tx1">
+                    <a:lumMod val="95000"/>
+                    <a:lumOff val="5000"/>
+                  </a:schemeClr>
+                </a:solidFill>
+              </a:rPr>
+              <a:t>WBEM Server Repository</a:t>
+            </a:r>
+          </a:p>
+          <a:p>
+            <a:pPr algn="ctr"/>
+            <a:r>
+              <a:rPr lang="en-US" dirty="0">
+                <a:solidFill>
+                  <a:schemeClr val="tx1">
+                    <a:lumMod val="95000"/>
+                    <a:lumOff val="5000"/>
+                  </a:schemeClr>
+                </a:solidFill>
+              </a:rPr>
+              <a:t>Implements repository responder for all </a:t>
+            </a:r>
+            <a:r>
+              <a:rPr lang="en-US" dirty="0" err="1">
+                <a:solidFill>
+                  <a:schemeClr val="tx1">
+                    <a:lumMod val="95000"/>
+                    <a:lumOff val="5000"/>
+                  </a:schemeClr>
+                </a:solidFill>
+              </a:rPr>
+              <a:t>cim_operations</a:t>
+            </a:r>
+            <a:r>
+              <a:rPr lang="en-US" dirty="0">
+                <a:solidFill>
+                  <a:schemeClr val="tx1">
+                    <a:lumMod val="95000"/>
+                    <a:lumOff val="5000"/>
+                  </a:schemeClr>
+                </a:solidFill>
+              </a:rPr>
+              <a:t>. This generates response data for each </a:t>
+            </a:r>
+            <a:r>
+              <a:rPr lang="en-US" dirty="0" err="1">
+                <a:solidFill>
+                  <a:schemeClr val="tx1">
+                    <a:lumMod val="95000"/>
+                    <a:lumOff val="5000"/>
+                  </a:schemeClr>
+                </a:solidFill>
+              </a:rPr>
+              <a:t>CIM_Operation</a:t>
+            </a:r>
+            <a:r>
+              <a:rPr lang="en-US" dirty="0">
+                <a:solidFill>
+                  <a:schemeClr val="tx1">
+                    <a:lumMod val="95000"/>
+                    <a:lumOff val="5000"/>
+                  </a:schemeClr>
+                </a:solidFill>
+              </a:rPr>
+              <a:t> from Data Store</a:t>
+            </a:r>
+          </a:p>
+        </p:txBody>
+      </p:sp>
+      <p:sp>
+        <p:nvSpPr>
+          <p:cNvPr id="5" name="Rectangle 4">
+            <a:extLst>
+              <a:ext uri="{FF2B5EF4-FFF2-40B4-BE49-F238E27FC236}">
+                <a16:creationId xmlns:a16="http://schemas.microsoft.com/office/drawing/2014/main" id="{305E8715-D7DD-4DE6-B417-8BE29214F814}"/>
+              </a:ext>
+            </a:extLst>
+          </p:cNvPr>
+          <p:cNvSpPr/>
+          <p:nvPr/>
+        </p:nvSpPr>
+        <p:spPr>
+          <a:xfrm>
+            <a:off x="738739" y="2143907"/>
+            <a:ext cx="7263865" cy="1299031"/>
+          </a:xfrm>
+          <a:prstGeom prst="rect">
+            <a:avLst/>
+          </a:prstGeom>
+          <a:noFill/>
+        </p:spPr>
+        <p:style>
+          <a:lnRef idx="2">
+            <a:schemeClr val="accent1">
+              <a:shade val="50000"/>
+            </a:schemeClr>
+          </a:lnRef>
+          <a:fillRef idx="1">
+            <a:schemeClr val="accent1"/>
+          </a:fillRef>
+          <a:effectRef idx="0">
+            <a:schemeClr val="accent1"/>
+          </a:effectRef>
+          <a:fontRef idx="minor">
+            <a:schemeClr val="lt1"/>
+          </a:fontRef>
+        </p:style>
+        <p:txBody>
+          <a:bodyPr rot="0" spcFirstLastPara="0" vertOverflow="overflow" horzOverflow="overflow" vert="horz" wrap="square" lIns="91440" tIns="45720" rIns="91440" bIns="45720" numCol="1" spcCol="0" rtlCol="0" fromWordArt="0" anchor="ctr" anchorCtr="0" forceAA="0" compatLnSpc="1">
+            <a:prstTxWarp prst="textNoShape">
+              <a:avLst/>
+            </a:prstTxWarp>
+            <a:noAutofit/>
+          </a:bodyPr>
+          <a:lstStyle/>
+          <a:p>
+            <a:pPr algn="ctr"/>
+            <a:r>
+              <a:rPr lang="en-US" dirty="0">
+                <a:solidFill>
+                  <a:schemeClr val="tx1">
+                    <a:lumMod val="95000"/>
+                    <a:lumOff val="5000"/>
+                  </a:schemeClr>
+                </a:solidFill>
+              </a:rPr>
+              <a:t>WBEM Server Layer ( The CIMOM) – This is </a:t>
+            </a:r>
+            <a:r>
+              <a:rPr lang="en-US" dirty="0" err="1">
+                <a:solidFill>
+                  <a:schemeClr val="tx1">
+                    <a:lumMod val="95000"/>
+                    <a:lumOff val="5000"/>
+                  </a:schemeClr>
+                </a:solidFill>
+              </a:rPr>
+              <a:t>FakeWBEMConnection</a:t>
+            </a:r>
+            <a:endParaRPr lang="en-US" dirty="0">
+              <a:solidFill>
+                <a:schemeClr val="tx1">
+                  <a:lumMod val="95000"/>
+                  <a:lumOff val="5000"/>
+                </a:schemeClr>
+              </a:solidFill>
+            </a:endParaRPr>
+          </a:p>
+          <a:p>
+            <a:pPr algn="ctr"/>
+            <a:r>
+              <a:rPr lang="en-US" dirty="0">
+                <a:solidFill>
+                  <a:schemeClr val="tx1">
+                    <a:lumMod val="95000"/>
+                    <a:lumOff val="5000"/>
+                  </a:schemeClr>
+                </a:solidFill>
+              </a:rPr>
+              <a:t>It implements Mechanism to route to repository or providers</a:t>
+            </a:r>
+          </a:p>
+        </p:txBody>
+      </p:sp>
+      <p:sp>
+        <p:nvSpPr>
+          <p:cNvPr id="6" name="Rectangle 5">
+            <a:extLst>
+              <a:ext uri="{FF2B5EF4-FFF2-40B4-BE49-F238E27FC236}">
+                <a16:creationId xmlns:a16="http://schemas.microsoft.com/office/drawing/2014/main" id="{339A7F88-AA0C-4B14-B467-5AEFF91A2661}"/>
+              </a:ext>
+            </a:extLst>
+          </p:cNvPr>
+          <p:cNvSpPr/>
+          <p:nvPr/>
+        </p:nvSpPr>
+        <p:spPr>
+          <a:xfrm>
+            <a:off x="441960" y="3763046"/>
+            <a:ext cx="3177139" cy="731521"/>
+          </a:xfrm>
+          <a:prstGeom prst="rect">
+            <a:avLst/>
+          </a:prstGeom>
+          <a:noFill/>
+        </p:spPr>
+        <p:style>
+          <a:lnRef idx="2">
+            <a:schemeClr val="accent1">
+              <a:shade val="50000"/>
+            </a:schemeClr>
+          </a:lnRef>
+          <a:fillRef idx="1">
+            <a:schemeClr val="accent1"/>
+          </a:fillRef>
+          <a:effectRef idx="0">
+            <a:schemeClr val="accent1"/>
+          </a:effectRef>
+          <a:fontRef idx="minor">
+            <a:schemeClr val="lt1"/>
+          </a:fontRef>
+        </p:style>
+        <p:txBody>
+          <a:bodyPr rot="0" spcFirstLastPara="0" vertOverflow="overflow" horzOverflow="overflow" vert="horz" wrap="square" lIns="91440" tIns="45720" rIns="91440" bIns="45720" numCol="1" spcCol="0" rtlCol="0" fromWordArt="0" anchor="ctr" anchorCtr="0" forceAA="0" compatLnSpc="1">
+            <a:prstTxWarp prst="textNoShape">
+              <a:avLst/>
+            </a:prstTxWarp>
+            <a:noAutofit/>
+          </a:bodyPr>
+          <a:lstStyle/>
+          <a:p>
+            <a:pPr algn="ctr"/>
+            <a:r>
+              <a:rPr lang="en-US" dirty="0">
+                <a:solidFill>
+                  <a:schemeClr val="tx1">
+                    <a:lumMod val="95000"/>
+                    <a:lumOff val="5000"/>
+                  </a:schemeClr>
+                </a:solidFill>
+              </a:rPr>
+              <a:t>WBEM Server Provider Interface</a:t>
+            </a:r>
+          </a:p>
+          <a:p>
+            <a:pPr algn="ctr"/>
+            <a:r>
+              <a:rPr lang="en-US" dirty="0">
+                <a:solidFill>
+                  <a:schemeClr val="tx1">
+                    <a:lumMod val="95000"/>
+                    <a:lumOff val="5000"/>
+                  </a:schemeClr>
+                </a:solidFill>
+              </a:rPr>
+              <a:t>(Manager and API)</a:t>
+            </a:r>
+          </a:p>
+        </p:txBody>
+      </p:sp>
+      <p:sp>
+        <p:nvSpPr>
+          <p:cNvPr id="7" name="Rectangle 6">
+            <a:extLst>
+              <a:ext uri="{FF2B5EF4-FFF2-40B4-BE49-F238E27FC236}">
+                <a16:creationId xmlns:a16="http://schemas.microsoft.com/office/drawing/2014/main" id="{26CD451D-64E4-4C74-A57D-60377D94A96E}"/>
+              </a:ext>
+            </a:extLst>
+          </p:cNvPr>
+          <p:cNvSpPr/>
+          <p:nvPr/>
+        </p:nvSpPr>
+        <p:spPr>
+          <a:xfrm>
+            <a:off x="441960" y="4784089"/>
+            <a:ext cx="1753403" cy="977153"/>
+          </a:xfrm>
+          <a:prstGeom prst="rect">
+            <a:avLst/>
+          </a:prstGeom>
+          <a:noFill/>
+        </p:spPr>
+        <p:style>
+          <a:lnRef idx="2">
+            <a:schemeClr val="accent1">
+              <a:shade val="50000"/>
+            </a:schemeClr>
+          </a:lnRef>
+          <a:fillRef idx="1">
+            <a:schemeClr val="accent1"/>
+          </a:fillRef>
+          <a:effectRef idx="0">
+            <a:schemeClr val="accent1"/>
+          </a:effectRef>
+          <a:fontRef idx="minor">
+            <a:schemeClr val="lt1"/>
+          </a:fontRef>
+        </p:style>
+        <p:txBody>
+          <a:bodyPr rot="0" spcFirstLastPara="0" vertOverflow="overflow" horzOverflow="overflow" vert="horz" wrap="square" lIns="91440" tIns="45720" rIns="91440" bIns="45720" numCol="1" spcCol="0" rtlCol="0" fromWordArt="0" anchor="ctr" anchorCtr="0" forceAA="0" compatLnSpc="1">
+            <a:prstTxWarp prst="textNoShape">
+              <a:avLst/>
+            </a:prstTxWarp>
+            <a:noAutofit/>
+          </a:bodyPr>
+          <a:lstStyle/>
+          <a:p>
+            <a:pPr algn="ctr"/>
+            <a:r>
+              <a:rPr lang="en-US" dirty="0">
+                <a:solidFill>
+                  <a:schemeClr val="tx1">
+                    <a:lumMod val="95000"/>
+                    <a:lumOff val="5000"/>
+                  </a:schemeClr>
+                </a:solidFill>
+              </a:rPr>
+              <a:t>WBEM Server </a:t>
+            </a:r>
+          </a:p>
+          <a:p>
+            <a:pPr algn="ctr"/>
+            <a:r>
+              <a:rPr lang="en-US" dirty="0">
+                <a:solidFill>
+                  <a:schemeClr val="tx1">
+                    <a:lumMod val="95000"/>
+                    <a:lumOff val="5000"/>
+                  </a:schemeClr>
+                </a:solidFill>
+              </a:rPr>
+              <a:t>Provider</a:t>
+            </a:r>
+          </a:p>
+        </p:txBody>
+      </p:sp>
+      <p:sp>
+        <p:nvSpPr>
+          <p:cNvPr id="8" name="Rectangle 7">
+            <a:extLst>
+              <a:ext uri="{FF2B5EF4-FFF2-40B4-BE49-F238E27FC236}">
+                <a16:creationId xmlns:a16="http://schemas.microsoft.com/office/drawing/2014/main" id="{D8759C7A-9E90-4F35-9741-9F0263C5AA24}"/>
+              </a:ext>
+            </a:extLst>
+          </p:cNvPr>
+          <p:cNvSpPr/>
+          <p:nvPr/>
+        </p:nvSpPr>
+        <p:spPr>
+          <a:xfrm>
+            <a:off x="1941094" y="5416809"/>
+            <a:ext cx="1753403" cy="977153"/>
+          </a:xfrm>
+          <a:prstGeom prst="rect">
+            <a:avLst/>
+          </a:prstGeom>
+          <a:noFill/>
+        </p:spPr>
+        <p:style>
+          <a:lnRef idx="2">
+            <a:schemeClr val="accent1">
+              <a:shade val="50000"/>
+            </a:schemeClr>
+          </a:lnRef>
+          <a:fillRef idx="1">
+            <a:schemeClr val="accent1"/>
+          </a:fillRef>
+          <a:effectRef idx="0">
+            <a:schemeClr val="accent1"/>
+          </a:effectRef>
+          <a:fontRef idx="minor">
+            <a:schemeClr val="lt1"/>
+          </a:fontRef>
+        </p:style>
+        <p:txBody>
+          <a:bodyPr rot="0" spcFirstLastPara="0" vertOverflow="overflow" horzOverflow="overflow" vert="horz" wrap="square" lIns="91440" tIns="45720" rIns="91440" bIns="45720" numCol="1" spcCol="0" rtlCol="0" fromWordArt="0" anchor="ctr" anchorCtr="0" forceAA="0" compatLnSpc="1">
+            <a:prstTxWarp prst="textNoShape">
+              <a:avLst/>
+            </a:prstTxWarp>
+            <a:noAutofit/>
+          </a:bodyPr>
+          <a:lstStyle/>
+          <a:p>
+            <a:pPr algn="ctr"/>
+            <a:r>
+              <a:rPr lang="en-US" dirty="0">
+                <a:solidFill>
+                  <a:schemeClr val="tx1">
+                    <a:lumMod val="95000"/>
+                    <a:lumOff val="5000"/>
+                  </a:schemeClr>
+                </a:solidFill>
+              </a:rPr>
+              <a:t>WBEM Server </a:t>
+            </a:r>
+          </a:p>
+          <a:p>
+            <a:pPr algn="ctr"/>
+            <a:r>
+              <a:rPr lang="en-US" dirty="0">
+                <a:solidFill>
+                  <a:schemeClr val="tx1">
+                    <a:lumMod val="95000"/>
+                    <a:lumOff val="5000"/>
+                  </a:schemeClr>
+                </a:solidFill>
+              </a:rPr>
+              <a:t>Provider</a:t>
+            </a:r>
+          </a:p>
+        </p:txBody>
+      </p:sp>
+      <p:sp>
+        <p:nvSpPr>
+          <p:cNvPr id="9" name="Rectangle 8">
+            <a:extLst>
+              <a:ext uri="{FF2B5EF4-FFF2-40B4-BE49-F238E27FC236}">
+                <a16:creationId xmlns:a16="http://schemas.microsoft.com/office/drawing/2014/main" id="{9B84118E-A4F3-4540-AFE4-7C706535B88A}"/>
+              </a:ext>
+            </a:extLst>
+          </p:cNvPr>
+          <p:cNvSpPr/>
+          <p:nvPr/>
+        </p:nvSpPr>
+        <p:spPr>
+          <a:xfrm>
+            <a:off x="8826366" y="1683730"/>
+            <a:ext cx="3291839" cy="1925383"/>
+          </a:xfrm>
+          <a:prstGeom prst="rect">
+            <a:avLst/>
+          </a:prstGeom>
+          <a:noFill/>
+        </p:spPr>
+        <p:style>
+          <a:lnRef idx="2">
+            <a:schemeClr val="accent1">
+              <a:shade val="50000"/>
+            </a:schemeClr>
+          </a:lnRef>
+          <a:fillRef idx="1">
+            <a:schemeClr val="accent1"/>
+          </a:fillRef>
+          <a:effectRef idx="0">
+            <a:schemeClr val="accent1"/>
+          </a:effectRef>
+          <a:fontRef idx="minor">
+            <a:schemeClr val="lt1"/>
+          </a:fontRef>
+        </p:style>
+        <p:txBody>
+          <a:bodyPr rot="0" spcFirstLastPara="0" vertOverflow="overflow" horzOverflow="overflow" vert="horz" wrap="square" lIns="91440" tIns="45720" rIns="91440" bIns="45720" numCol="1" spcCol="0" rtlCol="0" fromWordArt="0" anchor="ctr" anchorCtr="0" forceAA="0" compatLnSpc="1">
+            <a:prstTxWarp prst="textNoShape">
+              <a:avLst/>
+            </a:prstTxWarp>
+            <a:noAutofit/>
+          </a:bodyPr>
+          <a:lstStyle/>
+          <a:p>
+            <a:pPr algn="ctr"/>
+            <a:r>
+              <a:rPr lang="en-US" dirty="0">
+                <a:solidFill>
+                  <a:schemeClr val="tx1">
+                    <a:lumMod val="95000"/>
+                    <a:lumOff val="5000"/>
+                  </a:schemeClr>
+                </a:solidFill>
+              </a:rPr>
+              <a:t>Mocker, Started by </a:t>
+            </a:r>
+          </a:p>
+          <a:p>
+            <a:pPr algn="ctr"/>
+            <a:r>
+              <a:rPr lang="en-US" dirty="0" err="1">
+                <a:solidFill>
+                  <a:schemeClr val="tx1">
+                    <a:lumMod val="95000"/>
+                    <a:lumOff val="5000"/>
+                  </a:schemeClr>
+                </a:solidFill>
+              </a:rPr>
+              <a:t>FakeWbemconnection</a:t>
+            </a:r>
+            <a:r>
+              <a:rPr lang="en-US" dirty="0">
+                <a:solidFill>
+                  <a:schemeClr val="tx1">
+                    <a:lumMod val="95000"/>
+                    <a:lumOff val="5000"/>
+                  </a:schemeClr>
+                </a:solidFill>
+              </a:rPr>
+              <a:t> __</a:t>
+            </a:r>
+            <a:r>
+              <a:rPr lang="en-US" dirty="0" err="1">
+                <a:solidFill>
+                  <a:schemeClr val="tx1">
+                    <a:lumMod val="95000"/>
+                    <a:lumOff val="5000"/>
+                  </a:schemeClr>
+                </a:solidFill>
+              </a:rPr>
+              <a:t>init</a:t>
+            </a:r>
+            <a:r>
+              <a:rPr lang="en-US" dirty="0">
+                <a:solidFill>
+                  <a:schemeClr val="tx1">
+                    <a:lumMod val="95000"/>
+                    <a:lumOff val="5000"/>
+                  </a:schemeClr>
+                </a:solidFill>
+              </a:rPr>
+              <a:t>__</a:t>
+            </a:r>
+          </a:p>
+          <a:p>
+            <a:pPr algn="ctr"/>
+            <a:r>
+              <a:rPr lang="en-US" dirty="0">
+                <a:solidFill>
+                  <a:schemeClr val="tx1">
+                    <a:lumMod val="95000"/>
+                    <a:lumOff val="5000"/>
+                  </a:schemeClr>
+                </a:solidFill>
+              </a:rPr>
+              <a:t>Catch calls from </a:t>
+            </a:r>
+            <a:r>
+              <a:rPr lang="en-US" dirty="0" err="1">
+                <a:solidFill>
+                  <a:schemeClr val="tx1">
+                    <a:lumMod val="95000"/>
+                    <a:lumOff val="5000"/>
+                  </a:schemeClr>
+                </a:solidFill>
+              </a:rPr>
+              <a:t>MethodCall</a:t>
+            </a:r>
+            <a:r>
+              <a:rPr lang="en-US" dirty="0">
+                <a:solidFill>
+                  <a:schemeClr val="tx1">
+                    <a:lumMod val="95000"/>
+                    <a:lumOff val="5000"/>
+                  </a:schemeClr>
+                </a:solidFill>
+              </a:rPr>
+              <a:t> and</a:t>
+            </a:r>
+          </a:p>
+          <a:p>
+            <a:pPr algn="ctr"/>
+            <a:r>
+              <a:rPr lang="en-US" dirty="0" err="1">
+                <a:solidFill>
+                  <a:schemeClr val="tx1">
+                    <a:lumMod val="95000"/>
+                    <a:lumOff val="5000"/>
+                  </a:schemeClr>
+                </a:solidFill>
+              </a:rPr>
+              <a:t>Imethod</a:t>
+            </a:r>
+            <a:r>
+              <a:rPr lang="en-US" dirty="0">
+                <a:solidFill>
+                  <a:schemeClr val="tx1">
+                    <a:lumMod val="95000"/>
+                    <a:lumOff val="5000"/>
+                  </a:schemeClr>
+                </a:solidFill>
+              </a:rPr>
+              <a:t> call. Map to CIMOM Interface. Map returns back to </a:t>
+            </a:r>
+            <a:r>
+              <a:rPr lang="en-US" dirty="0" err="1">
+                <a:solidFill>
+                  <a:schemeClr val="tx1">
+                    <a:lumMod val="95000"/>
+                    <a:lumOff val="5000"/>
+                  </a:schemeClr>
+                </a:solidFill>
+              </a:rPr>
+              <a:t>MethodCall</a:t>
+            </a:r>
+            <a:r>
+              <a:rPr lang="en-US" dirty="0">
+                <a:solidFill>
+                  <a:schemeClr val="tx1">
+                    <a:lumMod val="95000"/>
+                    <a:lumOff val="5000"/>
+                  </a:schemeClr>
+                </a:solidFill>
+              </a:rPr>
+              <a:t> and </a:t>
+            </a:r>
+            <a:r>
+              <a:rPr lang="en-US" dirty="0" err="1">
+                <a:solidFill>
+                  <a:schemeClr val="tx1">
+                    <a:lumMod val="95000"/>
+                    <a:lumOff val="5000"/>
+                  </a:schemeClr>
+                </a:solidFill>
+              </a:rPr>
+              <a:t>IMethodCall</a:t>
+            </a:r>
+            <a:r>
+              <a:rPr lang="en-US" dirty="0">
+                <a:solidFill>
+                  <a:schemeClr val="tx1">
+                    <a:lumMod val="95000"/>
+                    <a:lumOff val="5000"/>
+                  </a:schemeClr>
+                </a:solidFill>
+              </a:rPr>
+              <a:t> responses</a:t>
+            </a:r>
+          </a:p>
+        </p:txBody>
+      </p:sp>
+      <p:sp>
+        <p:nvSpPr>
+          <p:cNvPr id="10" name="TextBox 9">
+            <a:extLst>
+              <a:ext uri="{FF2B5EF4-FFF2-40B4-BE49-F238E27FC236}">
+                <a16:creationId xmlns:a16="http://schemas.microsoft.com/office/drawing/2014/main" id="{E11063AD-0AB4-4CB3-86BA-F6BEB178BB0E}"/>
+              </a:ext>
+            </a:extLst>
+          </p:cNvPr>
+          <p:cNvSpPr txBox="1"/>
+          <p:nvPr/>
+        </p:nvSpPr>
+        <p:spPr>
+          <a:xfrm>
+            <a:off x="1164657" y="375385"/>
+            <a:ext cx="7962885" cy="369332"/>
+          </a:xfrm>
+          <a:prstGeom prst="rect">
+            <a:avLst/>
+          </a:prstGeom>
+          <a:noFill/>
+        </p:spPr>
+        <p:txBody>
+          <a:bodyPr wrap="none" rtlCol="0">
+            <a:spAutoFit/>
+          </a:bodyPr>
+          <a:lstStyle/>
+          <a:p>
+            <a:r>
+              <a:rPr lang="en-US" dirty="0"/>
+              <a:t>Another possible structure for the complete mocker as a set of classes, KS Jan 2020</a:t>
+            </a:r>
+          </a:p>
+        </p:txBody>
+      </p:sp>
+      <p:sp>
+        <p:nvSpPr>
+          <p:cNvPr id="11" name="Rectangle 10">
+            <a:extLst>
+              <a:ext uri="{FF2B5EF4-FFF2-40B4-BE49-F238E27FC236}">
+                <a16:creationId xmlns:a16="http://schemas.microsoft.com/office/drawing/2014/main" id="{C5A79D51-A340-4599-B922-891676DA3637}"/>
+              </a:ext>
+            </a:extLst>
+          </p:cNvPr>
+          <p:cNvSpPr/>
+          <p:nvPr/>
+        </p:nvSpPr>
+        <p:spPr>
+          <a:xfrm>
+            <a:off x="9865893" y="549989"/>
+            <a:ext cx="2145633" cy="977153"/>
+          </a:xfrm>
+          <a:prstGeom prst="rect">
+            <a:avLst/>
+          </a:prstGeom>
+          <a:noFill/>
+        </p:spPr>
+        <p:style>
+          <a:lnRef idx="2">
+            <a:schemeClr val="accent1">
+              <a:shade val="50000"/>
+            </a:schemeClr>
+          </a:lnRef>
+          <a:fillRef idx="1">
+            <a:schemeClr val="accent1"/>
+          </a:fillRef>
+          <a:effectRef idx="0">
+            <a:schemeClr val="accent1"/>
+          </a:effectRef>
+          <a:fontRef idx="minor">
+            <a:schemeClr val="lt1"/>
+          </a:fontRef>
+        </p:style>
+        <p:txBody>
+          <a:bodyPr rot="0" spcFirstLastPara="0" vertOverflow="overflow" horzOverflow="overflow" vert="horz" wrap="square" lIns="91440" tIns="45720" rIns="91440" bIns="45720" numCol="1" spcCol="0" rtlCol="0" fromWordArt="0" anchor="ctr" anchorCtr="0" forceAA="0" compatLnSpc="1">
+            <a:prstTxWarp prst="textNoShape">
+              <a:avLst/>
+            </a:prstTxWarp>
+            <a:noAutofit/>
+          </a:bodyPr>
+          <a:lstStyle/>
+          <a:p>
+            <a:pPr algn="ctr"/>
+            <a:r>
+              <a:rPr lang="en-US" dirty="0" err="1">
+                <a:solidFill>
+                  <a:schemeClr val="tx1">
+                    <a:lumMod val="95000"/>
+                    <a:lumOff val="5000"/>
+                  </a:schemeClr>
+                </a:solidFill>
+              </a:rPr>
+              <a:t>WBEMConnection</a:t>
+            </a:r>
+            <a:endParaRPr lang="en-US" dirty="0">
+              <a:solidFill>
+                <a:schemeClr val="tx1">
+                  <a:lumMod val="95000"/>
+                  <a:lumOff val="5000"/>
+                </a:schemeClr>
+              </a:solidFill>
+            </a:endParaRPr>
+          </a:p>
+          <a:p>
+            <a:pPr algn="ctr"/>
+            <a:r>
+              <a:rPr lang="en-US" dirty="0" err="1">
+                <a:solidFill>
+                  <a:schemeClr val="tx1">
+                    <a:lumMod val="95000"/>
+                    <a:lumOff val="5000"/>
+                  </a:schemeClr>
+                </a:solidFill>
+              </a:rPr>
+              <a:t>MethodCall</a:t>
+            </a:r>
+            <a:r>
+              <a:rPr lang="en-US" dirty="0">
+                <a:solidFill>
+                  <a:schemeClr val="tx1">
+                    <a:lumMod val="95000"/>
+                    <a:lumOff val="5000"/>
+                  </a:schemeClr>
+                </a:solidFill>
+              </a:rPr>
+              <a:t> and </a:t>
+            </a:r>
+            <a:r>
+              <a:rPr lang="en-US" dirty="0" err="1">
+                <a:solidFill>
+                  <a:schemeClr val="tx1">
+                    <a:lumMod val="95000"/>
+                    <a:lumOff val="5000"/>
+                  </a:schemeClr>
+                </a:solidFill>
+              </a:rPr>
+              <a:t>IMethodCall</a:t>
+            </a:r>
+            <a:endParaRPr lang="en-US" dirty="0">
+              <a:solidFill>
+                <a:schemeClr val="tx1">
+                  <a:lumMod val="95000"/>
+                  <a:lumOff val="5000"/>
+                </a:schemeClr>
+              </a:solidFill>
+            </a:endParaRPr>
+          </a:p>
+          <a:p>
+            <a:pPr algn="ctr"/>
+            <a:endParaRPr lang="en-US" dirty="0">
+              <a:solidFill>
+                <a:schemeClr val="tx1">
+                  <a:lumMod val="95000"/>
+                  <a:lumOff val="5000"/>
+                </a:schemeClr>
+              </a:solidFill>
+            </a:endParaRPr>
+          </a:p>
+        </p:txBody>
+      </p:sp>
+      <p:cxnSp>
+        <p:nvCxnSpPr>
+          <p:cNvPr id="13" name="Straight Arrow Connector 12">
+            <a:extLst>
+              <a:ext uri="{FF2B5EF4-FFF2-40B4-BE49-F238E27FC236}">
+                <a16:creationId xmlns:a16="http://schemas.microsoft.com/office/drawing/2014/main" id="{3129DA6D-A2BC-4FA5-932E-8E3405DBDA12}"/>
+              </a:ext>
+            </a:extLst>
+          </p:cNvPr>
+          <p:cNvCxnSpPr/>
+          <p:nvPr/>
+        </p:nvCxnSpPr>
+        <p:spPr>
+          <a:xfrm>
+            <a:off x="8002604" y="2329048"/>
+            <a:ext cx="823762" cy="0"/>
+          </a:xfrm>
+          <a:prstGeom prst="straightConnector1">
+            <a:avLst/>
+          </a:prstGeom>
+          <a:ln>
+            <a:tailEnd type="triangle"/>
+          </a:ln>
+        </p:spPr>
+        <p:style>
+          <a:lnRef idx="1">
+            <a:schemeClr val="accent1"/>
+          </a:lnRef>
+          <a:fillRef idx="0">
+            <a:schemeClr val="accent1"/>
+          </a:fillRef>
+          <a:effectRef idx="0">
+            <a:schemeClr val="accent1"/>
+          </a:effectRef>
+          <a:fontRef idx="minor">
+            <a:schemeClr val="tx1"/>
+          </a:fontRef>
+        </p:style>
+      </p:cxnSp>
+      <p:sp>
+        <p:nvSpPr>
+          <p:cNvPr id="14" name="TextBox 13">
+            <a:extLst>
+              <a:ext uri="{FF2B5EF4-FFF2-40B4-BE49-F238E27FC236}">
+                <a16:creationId xmlns:a16="http://schemas.microsoft.com/office/drawing/2014/main" id="{910EDFA5-228A-4F85-A424-49B5DF349FFC}"/>
+              </a:ext>
+            </a:extLst>
+          </p:cNvPr>
+          <p:cNvSpPr txBox="1"/>
+          <p:nvPr/>
+        </p:nvSpPr>
+        <p:spPr>
+          <a:xfrm>
+            <a:off x="8162223" y="2252312"/>
+            <a:ext cx="546945" cy="253916"/>
+          </a:xfrm>
+          <a:prstGeom prst="rect">
+            <a:avLst/>
+          </a:prstGeom>
+          <a:noFill/>
+        </p:spPr>
+        <p:txBody>
+          <a:bodyPr wrap="none" rtlCol="0">
+            <a:spAutoFit/>
+          </a:bodyPr>
+          <a:lstStyle/>
+          <a:p>
+            <a:r>
+              <a:rPr lang="en-US" sz="1050" dirty="0"/>
+              <a:t>Create</a:t>
+            </a:r>
+          </a:p>
+        </p:txBody>
+      </p:sp>
+      <p:cxnSp>
+        <p:nvCxnSpPr>
+          <p:cNvPr id="16" name="Straight Arrow Connector 15">
+            <a:extLst>
+              <a:ext uri="{FF2B5EF4-FFF2-40B4-BE49-F238E27FC236}">
+                <a16:creationId xmlns:a16="http://schemas.microsoft.com/office/drawing/2014/main" id="{1D46E456-56C7-48BB-A385-35D55E548706}"/>
+              </a:ext>
+            </a:extLst>
+          </p:cNvPr>
+          <p:cNvCxnSpPr/>
+          <p:nvPr/>
+        </p:nvCxnSpPr>
+        <p:spPr>
+          <a:xfrm flipH="1">
+            <a:off x="8002604" y="2868328"/>
+            <a:ext cx="823762" cy="0"/>
+          </a:xfrm>
+          <a:prstGeom prst="straightConnector1">
+            <a:avLst/>
+          </a:prstGeom>
+          <a:ln>
+            <a:tailEnd type="triangle"/>
+          </a:ln>
+        </p:spPr>
+        <p:style>
+          <a:lnRef idx="1">
+            <a:schemeClr val="accent1"/>
+          </a:lnRef>
+          <a:fillRef idx="0">
+            <a:schemeClr val="accent1"/>
+          </a:fillRef>
+          <a:effectRef idx="0">
+            <a:schemeClr val="accent1"/>
+          </a:effectRef>
+          <a:fontRef idx="minor">
+            <a:schemeClr val="tx1"/>
+          </a:fontRef>
+        </p:style>
+      </p:cxnSp>
+      <p:cxnSp>
+        <p:nvCxnSpPr>
+          <p:cNvPr id="18" name="Straight Arrow Connector 17">
+            <a:extLst>
+              <a:ext uri="{FF2B5EF4-FFF2-40B4-BE49-F238E27FC236}">
+                <a16:creationId xmlns:a16="http://schemas.microsoft.com/office/drawing/2014/main" id="{34C37C5D-4C0F-4A42-8FE9-B5EAE8E7ED1C}"/>
+              </a:ext>
+            </a:extLst>
+          </p:cNvPr>
+          <p:cNvCxnSpPr/>
+          <p:nvPr/>
+        </p:nvCxnSpPr>
+        <p:spPr>
+          <a:xfrm>
+            <a:off x="8002604" y="3234088"/>
+            <a:ext cx="823762" cy="0"/>
+          </a:xfrm>
+          <a:prstGeom prst="straightConnector1">
+            <a:avLst/>
+          </a:prstGeom>
+          <a:ln>
+            <a:tailEnd type="triangle"/>
+          </a:ln>
+        </p:spPr>
+        <p:style>
+          <a:lnRef idx="1">
+            <a:schemeClr val="accent1"/>
+          </a:lnRef>
+          <a:fillRef idx="0">
+            <a:schemeClr val="accent1"/>
+          </a:fillRef>
+          <a:effectRef idx="0">
+            <a:schemeClr val="accent1"/>
+          </a:effectRef>
+          <a:fontRef idx="minor">
+            <a:schemeClr val="tx1"/>
+          </a:fontRef>
+        </p:style>
+      </p:cxnSp>
+      <p:sp>
+        <p:nvSpPr>
+          <p:cNvPr id="19" name="TextBox 18">
+            <a:extLst>
+              <a:ext uri="{FF2B5EF4-FFF2-40B4-BE49-F238E27FC236}">
+                <a16:creationId xmlns:a16="http://schemas.microsoft.com/office/drawing/2014/main" id="{575DBC46-F6A5-4D72-B567-64554701560B}"/>
+              </a:ext>
+            </a:extLst>
+          </p:cNvPr>
+          <p:cNvSpPr txBox="1"/>
+          <p:nvPr/>
+        </p:nvSpPr>
+        <p:spPr>
+          <a:xfrm>
+            <a:off x="8078866" y="2686977"/>
+            <a:ext cx="713657" cy="400110"/>
+          </a:xfrm>
+          <a:prstGeom prst="rect">
+            <a:avLst/>
+          </a:prstGeom>
+          <a:noFill/>
+        </p:spPr>
+        <p:txBody>
+          <a:bodyPr wrap="none" rtlCol="0">
+            <a:spAutoFit/>
+          </a:bodyPr>
+          <a:lstStyle/>
+          <a:p>
+            <a:r>
+              <a:rPr lang="en-US" sz="1000" dirty="0"/>
+              <a:t>Operation</a:t>
+            </a:r>
+          </a:p>
+          <a:p>
+            <a:r>
+              <a:rPr lang="en-US" sz="1000" dirty="0"/>
+              <a:t>Call</a:t>
+            </a:r>
+          </a:p>
+        </p:txBody>
+      </p:sp>
+      <p:sp>
+        <p:nvSpPr>
+          <p:cNvPr id="20" name="TextBox 19">
+            <a:extLst>
+              <a:ext uri="{FF2B5EF4-FFF2-40B4-BE49-F238E27FC236}">
+                <a16:creationId xmlns:a16="http://schemas.microsoft.com/office/drawing/2014/main" id="{5698BD22-6F10-4D94-A143-76181CF4BE22}"/>
+              </a:ext>
+            </a:extLst>
+          </p:cNvPr>
+          <p:cNvSpPr txBox="1"/>
+          <p:nvPr/>
+        </p:nvSpPr>
+        <p:spPr>
+          <a:xfrm>
+            <a:off x="8028462" y="3045507"/>
+            <a:ext cx="739305" cy="415498"/>
+          </a:xfrm>
+          <a:prstGeom prst="rect">
+            <a:avLst/>
+          </a:prstGeom>
+          <a:noFill/>
+        </p:spPr>
+        <p:txBody>
+          <a:bodyPr wrap="none" rtlCol="0">
+            <a:spAutoFit/>
+          </a:bodyPr>
+          <a:lstStyle/>
+          <a:p>
+            <a:r>
+              <a:rPr lang="en-US" sz="1050" dirty="0"/>
+              <a:t>Operation</a:t>
+            </a:r>
+          </a:p>
+          <a:p>
+            <a:r>
+              <a:rPr lang="en-US" sz="1050" dirty="0"/>
+              <a:t>Response</a:t>
+            </a:r>
+          </a:p>
+        </p:txBody>
+      </p:sp>
+      <p:sp>
+        <p:nvSpPr>
+          <p:cNvPr id="22" name="Rectangle 21">
+            <a:extLst>
+              <a:ext uri="{FF2B5EF4-FFF2-40B4-BE49-F238E27FC236}">
+                <a16:creationId xmlns:a16="http://schemas.microsoft.com/office/drawing/2014/main" id="{421D8CCE-6451-489E-A8E6-4601B4C86366}"/>
+              </a:ext>
+            </a:extLst>
+          </p:cNvPr>
+          <p:cNvSpPr/>
+          <p:nvPr/>
+        </p:nvSpPr>
+        <p:spPr>
+          <a:xfrm>
+            <a:off x="1064392" y="873980"/>
+            <a:ext cx="1753403" cy="977153"/>
+          </a:xfrm>
+          <a:prstGeom prst="rect">
+            <a:avLst/>
+          </a:prstGeom>
+          <a:noFill/>
+        </p:spPr>
+        <p:style>
+          <a:lnRef idx="2">
+            <a:schemeClr val="accent1">
+              <a:shade val="50000"/>
+            </a:schemeClr>
+          </a:lnRef>
+          <a:fillRef idx="1">
+            <a:schemeClr val="accent1"/>
+          </a:fillRef>
+          <a:effectRef idx="0">
+            <a:schemeClr val="accent1"/>
+          </a:effectRef>
+          <a:fontRef idx="minor">
+            <a:schemeClr val="lt1"/>
+          </a:fontRef>
+        </p:style>
+        <p:txBody>
+          <a:bodyPr rot="0" spcFirstLastPara="0" vertOverflow="overflow" horzOverflow="overflow" vert="horz" wrap="square" lIns="91440" tIns="45720" rIns="91440" bIns="45720" numCol="1" spcCol="0" rtlCol="0" fromWordArt="0" anchor="ctr" anchorCtr="0" forceAA="0" compatLnSpc="1">
+            <a:prstTxWarp prst="textNoShape">
+              <a:avLst/>
+            </a:prstTxWarp>
+            <a:noAutofit/>
+          </a:bodyPr>
+          <a:lstStyle/>
+          <a:p>
+            <a:pPr algn="ctr"/>
+            <a:r>
+              <a:rPr lang="en-US" dirty="0" err="1">
+                <a:solidFill>
+                  <a:schemeClr val="tx1">
+                    <a:lumMod val="95000"/>
+                    <a:lumOff val="5000"/>
+                  </a:schemeClr>
+                </a:solidFill>
+              </a:rPr>
+              <a:t>Mof</a:t>
+            </a:r>
+            <a:r>
+              <a:rPr lang="en-US" dirty="0">
+                <a:solidFill>
+                  <a:schemeClr val="tx1">
+                    <a:lumMod val="95000"/>
+                    <a:lumOff val="5000"/>
+                  </a:schemeClr>
+                </a:solidFill>
+              </a:rPr>
+              <a:t> compiler remote</a:t>
+            </a:r>
+          </a:p>
+        </p:txBody>
+      </p:sp>
+      <p:sp>
+        <p:nvSpPr>
+          <p:cNvPr id="23" name="Rectangle 22">
+            <a:extLst>
+              <a:ext uri="{FF2B5EF4-FFF2-40B4-BE49-F238E27FC236}">
+                <a16:creationId xmlns:a16="http://schemas.microsoft.com/office/drawing/2014/main" id="{DF91F271-5F05-4C90-85AE-FC0BD9BB34E7}"/>
+              </a:ext>
+            </a:extLst>
+          </p:cNvPr>
+          <p:cNvSpPr/>
+          <p:nvPr/>
+        </p:nvSpPr>
+        <p:spPr>
+          <a:xfrm>
+            <a:off x="3918802" y="3609113"/>
+            <a:ext cx="1753403" cy="977153"/>
+          </a:xfrm>
+          <a:prstGeom prst="rect">
+            <a:avLst/>
+          </a:prstGeom>
+          <a:noFill/>
+        </p:spPr>
+        <p:style>
+          <a:lnRef idx="2">
+            <a:schemeClr val="accent1">
+              <a:shade val="50000"/>
+            </a:schemeClr>
+          </a:lnRef>
+          <a:fillRef idx="1">
+            <a:schemeClr val="accent1"/>
+          </a:fillRef>
+          <a:effectRef idx="0">
+            <a:schemeClr val="accent1"/>
+          </a:effectRef>
+          <a:fontRef idx="minor">
+            <a:schemeClr val="lt1"/>
+          </a:fontRef>
+        </p:style>
+        <p:txBody>
+          <a:bodyPr rot="0" spcFirstLastPara="0" vertOverflow="overflow" horzOverflow="overflow" vert="horz" wrap="square" lIns="91440" tIns="45720" rIns="91440" bIns="45720" numCol="1" spcCol="0" rtlCol="0" fromWordArt="0" anchor="ctr" anchorCtr="0" forceAA="0" compatLnSpc="1">
+            <a:prstTxWarp prst="textNoShape">
+              <a:avLst/>
+            </a:prstTxWarp>
+            <a:noAutofit/>
+          </a:bodyPr>
+          <a:lstStyle/>
+          <a:p>
+            <a:pPr algn="ctr"/>
+            <a:r>
+              <a:rPr lang="en-US" dirty="0" err="1">
+                <a:solidFill>
+                  <a:schemeClr val="tx1">
+                    <a:lumMod val="95000"/>
+                    <a:lumOff val="5000"/>
+                  </a:schemeClr>
+                </a:solidFill>
+              </a:rPr>
+              <a:t>Mof</a:t>
+            </a:r>
+            <a:r>
+              <a:rPr lang="en-US" dirty="0">
+                <a:solidFill>
+                  <a:schemeClr val="tx1">
+                    <a:lumMod val="95000"/>
+                    <a:lumOff val="5000"/>
+                  </a:schemeClr>
+                </a:solidFill>
+              </a:rPr>
+              <a:t> compiler local</a:t>
+            </a:r>
+          </a:p>
+        </p:txBody>
+      </p:sp>
+      <p:cxnSp>
+        <p:nvCxnSpPr>
+          <p:cNvPr id="25" name="Straight Arrow Connector 24">
+            <a:extLst>
+              <a:ext uri="{FF2B5EF4-FFF2-40B4-BE49-F238E27FC236}">
+                <a16:creationId xmlns:a16="http://schemas.microsoft.com/office/drawing/2014/main" id="{A72B498B-9101-448B-A8F1-D3F4ABE0F86D}"/>
+              </a:ext>
+            </a:extLst>
+          </p:cNvPr>
+          <p:cNvCxnSpPr>
+            <a:stCxn id="23" idx="3"/>
+            <a:endCxn id="4" idx="1"/>
+          </p:cNvCxnSpPr>
+          <p:nvPr/>
+        </p:nvCxnSpPr>
+        <p:spPr>
+          <a:xfrm>
+            <a:off x="5672205" y="4097690"/>
+            <a:ext cx="299703" cy="105165"/>
+          </a:xfrm>
+          <a:prstGeom prst="straightConnector1">
+            <a:avLst/>
+          </a:prstGeom>
+          <a:ln>
+            <a:tailEnd type="triangle"/>
+          </a:ln>
+        </p:spPr>
+        <p:style>
+          <a:lnRef idx="1">
+            <a:schemeClr val="accent1"/>
+          </a:lnRef>
+          <a:fillRef idx="0">
+            <a:schemeClr val="accent1"/>
+          </a:fillRef>
+          <a:effectRef idx="0">
+            <a:schemeClr val="accent1"/>
+          </a:effectRef>
+          <a:fontRef idx="minor">
+            <a:schemeClr val="tx1"/>
+          </a:fontRef>
+        </p:style>
+      </p:cxnSp>
+      <p:sp>
+        <p:nvSpPr>
+          <p:cNvPr id="26" name="Speech Bubble: Rectangle with Corners Rounded 25">
+            <a:extLst>
+              <a:ext uri="{FF2B5EF4-FFF2-40B4-BE49-F238E27FC236}">
+                <a16:creationId xmlns:a16="http://schemas.microsoft.com/office/drawing/2014/main" id="{2E3CD956-9301-453B-B88A-B43FD91751F7}"/>
+              </a:ext>
+            </a:extLst>
+          </p:cNvPr>
+          <p:cNvSpPr/>
+          <p:nvPr/>
+        </p:nvSpPr>
+        <p:spPr>
+          <a:xfrm>
+            <a:off x="4795502" y="4891249"/>
+            <a:ext cx="4030863" cy="734391"/>
+          </a:xfrm>
+          <a:prstGeom prst="wedgeRoundRectCallout">
+            <a:avLst>
+              <a:gd name="adj1" fmla="val -24261"/>
+              <a:gd name="adj2" fmla="val -149862"/>
+              <a:gd name="adj3" fmla="val 16667"/>
+            </a:avLst>
+          </a:prstGeom>
+          <a:solidFill>
+            <a:schemeClr val="accent4">
+              <a:lumMod val="20000"/>
+              <a:lumOff val="80000"/>
+            </a:schemeClr>
+          </a:solidFill>
+        </p:spPr>
+        <p:style>
+          <a:lnRef idx="2">
+            <a:schemeClr val="accent1">
+              <a:shade val="50000"/>
+            </a:schemeClr>
+          </a:lnRef>
+          <a:fillRef idx="1">
+            <a:schemeClr val="accent1"/>
+          </a:fillRef>
+          <a:effectRef idx="0">
+            <a:schemeClr val="accent1"/>
+          </a:effectRef>
+          <a:fontRef idx="minor">
+            <a:schemeClr val="lt1"/>
+          </a:fontRef>
+        </p:style>
+        <p:txBody>
+          <a:bodyPr rtlCol="0" anchor="ctr"/>
+          <a:lstStyle/>
+          <a:p>
+            <a:pPr algn="ctr"/>
+            <a:r>
+              <a:rPr lang="en-US" dirty="0">
+                <a:solidFill>
+                  <a:schemeClr val="tx1">
+                    <a:lumMod val="95000"/>
+                    <a:lumOff val="5000"/>
+                  </a:schemeClr>
+                </a:solidFill>
+              </a:rPr>
+              <a:t>Not sure APIs are exactly the same</a:t>
+            </a:r>
+          </a:p>
+          <a:p>
+            <a:pPr algn="ctr"/>
+            <a:r>
+              <a:rPr lang="en-US" dirty="0">
+                <a:solidFill>
+                  <a:schemeClr val="tx1">
+                    <a:lumMod val="95000"/>
+                    <a:lumOff val="5000"/>
+                  </a:schemeClr>
+                </a:solidFill>
+              </a:rPr>
+              <a:t>Between </a:t>
+            </a:r>
+            <a:r>
+              <a:rPr lang="en-US" dirty="0" err="1">
+                <a:solidFill>
+                  <a:schemeClr val="tx1">
+                    <a:lumMod val="95000"/>
+                    <a:lumOff val="5000"/>
+                  </a:schemeClr>
+                </a:solidFill>
+              </a:rPr>
+              <a:t>Baseconnection</a:t>
+            </a:r>
+            <a:r>
+              <a:rPr lang="en-US" dirty="0">
+                <a:solidFill>
+                  <a:schemeClr val="tx1">
+                    <a:lumMod val="95000"/>
+                    <a:lumOff val="5000"/>
+                  </a:schemeClr>
+                </a:solidFill>
+              </a:rPr>
+              <a:t> and server repo, i.e. namespace definition.</a:t>
+            </a:r>
+          </a:p>
+        </p:txBody>
+      </p:sp>
+    </p:spTree>
+    <p:extLst>
+      <p:ext uri="{BB962C8B-B14F-4D97-AF65-F5344CB8AC3E}">
+        <p14:creationId xmlns:p14="http://schemas.microsoft.com/office/powerpoint/2010/main" val="2106709461"/>
+      </p:ext>
+    </p:extLst>
+  </p:cSld>
+  <p:clrMapOvr>
+    <a:masterClrMapping/>
+  </p:clrMapOvr>
+</p:sld>
+</file>
+
+<file path=ppt/slides/slide9.xml><?xml version="1.0" encoding="utf-8"?>
+<p:sld xmlns:a="http://schemas.openxmlformats.org/drawingml/2006/main" xmlns:r="http://schemas.openxmlformats.org/officeDocument/2006/relationships" xmlns:p="http://schemas.openxmlformats.org/presentationml/2006/main">
+  <p:cSld>
+    <p:spTree>
+      <p:nvGrpSpPr>
+        <p:cNvPr id="1" name=""/>
+        <p:cNvGrpSpPr/>
+        <p:nvPr/>
+      </p:nvGrpSpPr>
+      <p:grpSpPr>
+        <a:xfrm>
+          <a:off x="0" y="0"/>
+          <a:ext cx="0" cy="0"/>
+          <a:chOff x="0" y="0"/>
+          <a:chExt cx="0" cy="0"/>
+        </a:xfrm>
+      </p:grpSpPr>
+      <p:sp>
+        <p:nvSpPr>
+          <p:cNvPr id="3" name="Title 2">
+            <a:extLst>
+              <a:ext uri="{FF2B5EF4-FFF2-40B4-BE49-F238E27FC236}">
+                <a16:creationId xmlns:a16="http://schemas.microsoft.com/office/drawing/2014/main" id="{ABD62D49-B6AE-4AEC-8F27-3F199D274CC4}"/>
+              </a:ext>
+            </a:extLst>
+          </p:cNvPr>
+          <p:cNvSpPr>
+            <a:spLocks noGrp="1"/>
+          </p:cNvSpPr>
+          <p:nvPr>
+            <p:ph type="title"/>
+          </p:nvPr>
+        </p:nvSpPr>
+        <p:spPr/>
+        <p:txBody>
+          <a:bodyPr/>
+          <a:lstStyle/>
+          <a:p>
+            <a:r>
+              <a:rPr lang="en-US" dirty="0"/>
+              <a:t>The CIMOM</a:t>
+            </a:r>
+          </a:p>
+        </p:txBody>
+      </p:sp>
+      <p:sp>
+        <p:nvSpPr>
+          <p:cNvPr id="4" name="Content Placeholder 3">
+            <a:extLst>
+              <a:ext uri="{FF2B5EF4-FFF2-40B4-BE49-F238E27FC236}">
+                <a16:creationId xmlns:a16="http://schemas.microsoft.com/office/drawing/2014/main" id="{322C99FA-A3DF-470C-9ED8-31434DA99CEC}"/>
+              </a:ext>
+            </a:extLst>
+          </p:cNvPr>
+          <p:cNvSpPr>
+            <a:spLocks noGrp="1"/>
+          </p:cNvSpPr>
+          <p:nvPr>
+            <p:ph idx="1"/>
+          </p:nvPr>
+        </p:nvSpPr>
+        <p:spPr/>
+        <p:txBody>
+          <a:bodyPr>
+            <a:normAutofit fontScale="92500"/>
+          </a:bodyPr>
+          <a:lstStyle/>
+          <a:p>
+            <a:r>
+              <a:rPr lang="en-US" dirty="0"/>
+              <a:t>Accept all operations, </a:t>
+            </a:r>
+            <a:r>
+              <a:rPr lang="en-US" dirty="0" err="1"/>
+              <a:t>i.e</a:t>
+            </a:r>
+            <a:r>
+              <a:rPr lang="en-US" dirty="0"/>
+              <a:t> method to implement each of the operations defined in cim_operations.py</a:t>
+            </a:r>
+          </a:p>
+          <a:p>
+            <a:r>
+              <a:rPr lang="en-US" dirty="0"/>
+              <a:t>Route to next level, the Repository or specific providers</a:t>
+            </a:r>
+          </a:p>
+          <a:p>
+            <a:pPr lvl="1"/>
+            <a:r>
+              <a:rPr lang="en-US" dirty="0"/>
+              <a:t>No real processing at this level</a:t>
+            </a:r>
+          </a:p>
+          <a:p>
+            <a:r>
+              <a:rPr lang="en-US" dirty="0"/>
+              <a:t>Provide default implementation for some operations.</a:t>
+            </a:r>
+          </a:p>
+          <a:p>
+            <a:pPr lvl="1"/>
+            <a:r>
+              <a:rPr lang="en-US" dirty="0"/>
+              <a:t>Names operation instead of depending on each provider to implement</a:t>
+            </a:r>
+          </a:p>
+          <a:p>
+            <a:pPr lvl="1"/>
+            <a:r>
+              <a:rPr lang="en-US" dirty="0" err="1"/>
+              <a:t>Execquery</a:t>
+            </a:r>
+            <a:r>
+              <a:rPr lang="en-US" dirty="0"/>
+              <a:t> operation – Calls providers to get data</a:t>
+            </a:r>
+          </a:p>
+          <a:p>
+            <a:r>
+              <a:rPr lang="en-US" dirty="0"/>
+              <a:t>Interface should match </a:t>
+            </a:r>
+            <a:r>
+              <a:rPr lang="en-US" dirty="0" err="1"/>
+              <a:t>WBEMConnection</a:t>
+            </a:r>
+            <a:r>
+              <a:rPr lang="en-US" dirty="0"/>
+              <a:t> for each method for simplicity</a:t>
+            </a:r>
+          </a:p>
+          <a:p>
+            <a:r>
+              <a:rPr lang="en-US" dirty="0"/>
+              <a:t>Namespace management through namespace provider </a:t>
+            </a:r>
+            <a:r>
+              <a:rPr lang="en-US" dirty="0" err="1"/>
+              <a:t>CIM_Namespace</a:t>
+            </a:r>
+            <a:endParaRPr lang="en-US" dirty="0"/>
+          </a:p>
+          <a:p>
+            <a:pPr marL="457200" lvl="1" indent="0">
+              <a:buNone/>
+            </a:pPr>
+            <a:endParaRPr lang="en-US" dirty="0"/>
+          </a:p>
+        </p:txBody>
+      </p:sp>
+    </p:spTree>
+    <p:extLst>
+      <p:ext uri="{BB962C8B-B14F-4D97-AF65-F5344CB8AC3E}">
+        <p14:creationId xmlns:p14="http://schemas.microsoft.com/office/powerpoint/2010/main" val="634700404"/>
       </p:ext>
     </p:extLst>
   </p:cSld>
@@ -11453,7 +14864,7 @@
   <a:extraClrSchemeLst/>
   <a:extLst>
     <a:ext uri="{05A4C25C-085E-4340-85A3-A5531E510DB2}">
-      <thm15:themeFamily xmlns:thm15="http://schemas.microsoft.com/office/thememl/2012/main" xmlns="" name="Office Theme" id="{62F939B6-93AF-4DB8-9C6B-D6C7DFDC589F}" vid="{4A3C46E8-61CC-4603-A589-7422A47A8E4A}"/>
+      <thm15:themeFamily xmlns:thm15="http://schemas.microsoft.com/office/thememl/2012/main" name="Office Theme" id="{62F939B6-93AF-4DB8-9C6B-D6C7DFDC589F}" vid="{4A3C46E8-61CC-4603-A589-7422A47A8E4A}"/>
     </a:ext>
   </a:extLst>
 </a:theme>

--- a/design/RepositoryStructure.pptx
+++ b/design/RepositoryStructure.pptx
@@ -15,16 +15,18 @@
     <p:sldId id="258" r:id="rId9"/>
     <p:sldId id="262" r:id="rId10"/>
     <p:sldId id="257" r:id="rId11"/>
-    <p:sldId id="269" r:id="rId12"/>
-    <p:sldId id="271" r:id="rId13"/>
-    <p:sldId id="270" r:id="rId14"/>
-    <p:sldId id="272" r:id="rId15"/>
-    <p:sldId id="273" r:id="rId16"/>
-    <p:sldId id="264" r:id="rId17"/>
-    <p:sldId id="266" r:id="rId18"/>
-    <p:sldId id="265" r:id="rId19"/>
-    <p:sldId id="267" r:id="rId20"/>
-    <p:sldId id="275" r:id="rId21"/>
+    <p:sldId id="276" r:id="rId12"/>
+    <p:sldId id="277" r:id="rId13"/>
+    <p:sldId id="269" r:id="rId14"/>
+    <p:sldId id="271" r:id="rId15"/>
+    <p:sldId id="270" r:id="rId16"/>
+    <p:sldId id="272" r:id="rId17"/>
+    <p:sldId id="273" r:id="rId18"/>
+    <p:sldId id="264" r:id="rId19"/>
+    <p:sldId id="266" r:id="rId20"/>
+    <p:sldId id="265" r:id="rId21"/>
+    <p:sldId id="267" r:id="rId22"/>
+    <p:sldId id="275" r:id="rId23"/>
   </p:sldIdLst>
   <p:sldSz cx="12192000" cy="6858000"/>
   <p:notesSz cx="6858000" cy="9144000"/>
@@ -291,7 +293,7 @@
           <a:p>
             <a:fld id="{BCAF0A95-D8F2-F44A-ADA5-4A6276384FC8}" type="datetimeFigureOut">
               <a:rPr lang="de-DE" smtClean="0"/>
-              <a:t>27.02.2020</a:t>
+              <a:t>05.04.2020</a:t>
             </a:fld>
             <a:endParaRPr lang="de-DE"/>
           </a:p>
@@ -491,7 +493,7 @@
           <a:p>
             <a:fld id="{BCAF0A95-D8F2-F44A-ADA5-4A6276384FC8}" type="datetimeFigureOut">
               <a:rPr lang="de-DE" smtClean="0"/>
-              <a:t>27.02.2020</a:t>
+              <a:t>05.04.2020</a:t>
             </a:fld>
             <a:endParaRPr lang="de-DE"/>
           </a:p>
@@ -701,7 +703,7 @@
           <a:p>
             <a:fld id="{BCAF0A95-D8F2-F44A-ADA5-4A6276384FC8}" type="datetimeFigureOut">
               <a:rPr lang="de-DE" smtClean="0"/>
-              <a:t>27.02.2020</a:t>
+              <a:t>05.04.2020</a:t>
             </a:fld>
             <a:endParaRPr lang="de-DE"/>
           </a:p>
@@ -901,7 +903,7 @@
           <a:p>
             <a:fld id="{BCAF0A95-D8F2-F44A-ADA5-4A6276384FC8}" type="datetimeFigureOut">
               <a:rPr lang="de-DE" smtClean="0"/>
-              <a:t>27.02.2020</a:t>
+              <a:t>05.04.2020</a:t>
             </a:fld>
             <a:endParaRPr lang="de-DE"/>
           </a:p>
@@ -1177,7 +1179,7 @@
           <a:p>
             <a:fld id="{BCAF0A95-D8F2-F44A-ADA5-4A6276384FC8}" type="datetimeFigureOut">
               <a:rPr lang="de-DE" smtClean="0"/>
-              <a:t>27.02.2020</a:t>
+              <a:t>05.04.2020</a:t>
             </a:fld>
             <a:endParaRPr lang="de-DE"/>
           </a:p>
@@ -1445,7 +1447,7 @@
           <a:p>
             <a:fld id="{BCAF0A95-D8F2-F44A-ADA5-4A6276384FC8}" type="datetimeFigureOut">
               <a:rPr lang="de-DE" smtClean="0"/>
-              <a:t>27.02.2020</a:t>
+              <a:t>05.04.2020</a:t>
             </a:fld>
             <a:endParaRPr lang="de-DE"/>
           </a:p>
@@ -1860,7 +1862,7 @@
           <a:p>
             <a:fld id="{BCAF0A95-D8F2-F44A-ADA5-4A6276384FC8}" type="datetimeFigureOut">
               <a:rPr lang="de-DE" smtClean="0"/>
-              <a:t>27.02.2020</a:t>
+              <a:t>05.04.2020</a:t>
             </a:fld>
             <a:endParaRPr lang="de-DE"/>
           </a:p>
@@ -2002,7 +2004,7 @@
           <a:p>
             <a:fld id="{BCAF0A95-D8F2-F44A-ADA5-4A6276384FC8}" type="datetimeFigureOut">
               <a:rPr lang="de-DE" smtClean="0"/>
-              <a:t>27.02.2020</a:t>
+              <a:t>05.04.2020</a:t>
             </a:fld>
             <a:endParaRPr lang="de-DE"/>
           </a:p>
@@ -2115,7 +2117,7 @@
           <a:p>
             <a:fld id="{BCAF0A95-D8F2-F44A-ADA5-4A6276384FC8}" type="datetimeFigureOut">
               <a:rPr lang="de-DE" smtClean="0"/>
-              <a:t>27.02.2020</a:t>
+              <a:t>05.04.2020</a:t>
             </a:fld>
             <a:endParaRPr lang="de-DE"/>
           </a:p>
@@ -2428,7 +2430,7 @@
           <a:p>
             <a:fld id="{BCAF0A95-D8F2-F44A-ADA5-4A6276384FC8}" type="datetimeFigureOut">
               <a:rPr lang="de-DE" smtClean="0"/>
-              <a:t>27.02.2020</a:t>
+              <a:t>05.04.2020</a:t>
             </a:fld>
             <a:endParaRPr lang="de-DE"/>
           </a:p>
@@ -2717,7 +2719,7 @@
           <a:p>
             <a:fld id="{BCAF0A95-D8F2-F44A-ADA5-4A6276384FC8}" type="datetimeFigureOut">
               <a:rPr lang="de-DE" smtClean="0"/>
-              <a:t>27.02.2020</a:t>
+              <a:t>05.04.2020</a:t>
             </a:fld>
             <a:endParaRPr lang="de-DE"/>
           </a:p>
@@ -2960,7 +2962,7 @@
           <a:p>
             <a:fld id="{BCAF0A95-D8F2-F44A-ADA5-4A6276384FC8}" type="datetimeFigureOut">
               <a:rPr lang="de-DE" smtClean="0"/>
-              <a:t>27.02.2020</a:t>
+              <a:t>05.04.2020</a:t>
             </a:fld>
             <a:endParaRPr lang="de-DE"/>
           </a:p>
@@ -3492,8 +3494,8 @@
         </p:nvSpPr>
         <p:spPr>
           <a:xfrm>
-            <a:off x="2212927" y="4984360"/>
-            <a:ext cx="1642327" cy="648222"/>
+            <a:off x="1034127" y="4990877"/>
+            <a:ext cx="2240276" cy="648222"/>
           </a:xfrm>
           <a:prstGeom prst="rect">
             <a:avLst/>
@@ -3528,21 +3530,8 @@
                   <a:schemeClr val="accent1"/>
                 </a:solidFill>
               </a:rPr>
-              <a:t>In-memory </a:t>
-            </a:r>
-            <a:r>
-              <a:rPr lang="de-DE" dirty="0" err="1">
-                <a:solidFill>
-                  <a:schemeClr val="accent1"/>
-                </a:solidFill>
-              </a:rPr>
-              <a:t>repository</a:t>
-            </a:r>
-            <a:endParaRPr lang="de-DE" dirty="0">
-              <a:solidFill>
-                <a:schemeClr val="accent1"/>
-              </a:solidFill>
-            </a:endParaRPr>
+              <a:t>InMemoryRepository</a:t>
+            </a:r>
           </a:p>
         </p:txBody>
       </p:sp>
@@ -3596,37 +3585,8 @@
                   <a:schemeClr val="accent1"/>
                 </a:solidFill>
               </a:rPr>
-              <a:t>WBEM </a:t>
-            </a:r>
-            <a:r>
-              <a:rPr lang="de-DE" dirty="0" err="1">
-                <a:solidFill>
-                  <a:schemeClr val="accent1"/>
-                </a:solidFill>
-              </a:rPr>
-              <a:t>server</a:t>
-            </a:r>
-            <a:r>
-              <a:rPr lang="de-DE" dirty="0">
-                <a:solidFill>
-                  <a:schemeClr val="accent1"/>
-                </a:solidFill>
-              </a:rPr>
-              <a:t> </a:t>
-            </a:r>
-            <a:r>
-              <a:rPr lang="de-DE" dirty="0" err="1">
-                <a:solidFill>
-                  <a:schemeClr val="accent1"/>
-                </a:solidFill>
-              </a:rPr>
-              <a:t>adapter</a:t>
-            </a:r>
-            <a:endParaRPr lang="de-DE" dirty="0">
-              <a:solidFill>
-                <a:schemeClr val="accent1"/>
-              </a:solidFill>
-            </a:endParaRPr>
+              <a:t>WBEM server adapter</a:t>
+            </a:r>
           </a:p>
         </p:txBody>
       </p:sp>
@@ -3752,7 +3712,7 @@
         </p:nvSpPr>
         <p:spPr>
           <a:xfrm>
-            <a:off x="1667802" y="3810513"/>
+            <a:off x="1200430" y="3731491"/>
             <a:ext cx="1907670" cy="648222"/>
           </a:xfrm>
           <a:prstGeom prst="rect">
@@ -4125,7 +4085,7 @@
         </p:nvSpPr>
         <p:spPr>
           <a:xfrm>
-            <a:off x="6913379" y="3752700"/>
+            <a:off x="7250704" y="3746835"/>
             <a:ext cx="2748394" cy="797256"/>
           </a:xfrm>
           <a:prstGeom prst="rect">
@@ -4202,8 +4162,8 @@
         </p:nvSpPr>
         <p:spPr>
           <a:xfrm>
-            <a:off x="4027673" y="3734554"/>
-            <a:ext cx="2677363" cy="800139"/>
+            <a:off x="3667349" y="3734554"/>
+            <a:ext cx="3416845" cy="800139"/>
           </a:xfrm>
           <a:prstGeom prst="rect">
             <a:avLst/>
@@ -4483,8 +4443,8 @@
           </a:xfrm>
           <a:prstGeom prst="wedgeRoundRectCallout">
             <a:avLst>
-              <a:gd name="adj1" fmla="val -102166"/>
-              <a:gd name="adj2" fmla="val -256286"/>
+              <a:gd name="adj1" fmla="val -104257"/>
+              <a:gd name="adj2" fmla="val -249153"/>
               <a:gd name="adj3" fmla="val 16667"/>
             </a:avLst>
           </a:prstGeom>
@@ -4535,13 +4495,15 @@
               </a:ext>
             </a:extLst>
           </p:cNvPr>
-          <p:cNvCxnSpPr/>
+          <p:cNvCxnSpPr>
+            <a:cxnSpLocks/>
+          </p:cNvCxnSpPr>
           <p:nvPr/>
         </p:nvCxnSpPr>
         <p:spPr>
           <a:xfrm flipV="1">
-            <a:off x="3936372" y="2532559"/>
-            <a:ext cx="5902864" cy="8978"/>
+            <a:off x="1667802" y="2668176"/>
+            <a:ext cx="8203051" cy="36438"/>
           </a:xfrm>
           <a:prstGeom prst="line">
             <a:avLst/>
@@ -4581,7 +4543,7 @@
         </p:nvSpPr>
         <p:spPr>
           <a:xfrm>
-            <a:off x="4202089" y="2767944"/>
+            <a:off x="4202089" y="2892844"/>
             <a:ext cx="5005893" cy="674711"/>
           </a:xfrm>
           <a:prstGeom prst="wedgeRoundRectCallout">
@@ -4748,7 +4710,7 @@
         </p:nvCxnSpPr>
         <p:spPr>
           <a:xfrm flipV="1">
-            <a:off x="1667802" y="4680806"/>
+            <a:off x="1667802" y="4701059"/>
             <a:ext cx="5902864" cy="8978"/>
           </a:xfrm>
           <a:prstGeom prst="line">
@@ -4790,7 +4752,7 @@
         <p:spPr>
           <a:xfrm>
             <a:off x="81084" y="928633"/>
-            <a:ext cx="4287805" cy="1769951"/>
+            <a:ext cx="4287805" cy="1635529"/>
           </a:xfrm>
           <a:prstGeom prst="wedgeRoundRectCallout">
             <a:avLst>
@@ -5088,208 +5050,640 @@
       </p:grpSpPr>
       <p:sp>
         <p:nvSpPr>
-          <p:cNvPr id="2" name="Title 1">
-            <a:extLst>
-              <a:ext uri="{FF2B5EF4-FFF2-40B4-BE49-F238E27FC236}">
-                <a16:creationId xmlns:a16="http://schemas.microsoft.com/office/drawing/2014/main" id="{4BD94CAE-1505-4163-8404-9676EC90FC68}"/>
-              </a:ext>
-            </a:extLst>
-          </p:cNvPr>
-          <p:cNvSpPr>
-            <a:spLocks noGrp="1"/>
-          </p:cNvSpPr>
-          <p:nvPr>
-            <p:ph type="title"/>
-          </p:nvPr>
-        </p:nvSpPr>
-        <p:spPr/>
-        <p:txBody>
-          <a:bodyPr/>
-          <a:lstStyle/>
-          <a:p>
-            <a:r>
-              <a:rPr lang="en-US" dirty="0"/>
-              <a:t>Repository Interface</a:t>
-            </a:r>
-          </a:p>
-        </p:txBody>
-      </p:sp>
-      <p:sp>
-        <p:nvSpPr>
-          <p:cNvPr id="3" name="Content Placeholder 2">
-            <a:extLst>
-              <a:ext uri="{FF2B5EF4-FFF2-40B4-BE49-F238E27FC236}">
-                <a16:creationId xmlns:a16="http://schemas.microsoft.com/office/drawing/2014/main" id="{45BB996F-6AA9-40D5-A8C9-B9D9B93CCF03}"/>
-              </a:ext>
-            </a:extLst>
-          </p:cNvPr>
-          <p:cNvSpPr>
-            <a:spLocks noGrp="1"/>
-          </p:cNvSpPr>
-          <p:nvPr>
-            <p:ph idx="1"/>
-          </p:nvPr>
-        </p:nvSpPr>
-        <p:spPr/>
-        <p:txBody>
-          <a:bodyPr>
-            <a:normAutofit fontScale="55000" lnSpcReduction="20000"/>
-          </a:bodyPr>
-          <a:lstStyle/>
-          <a:p>
-            <a:r>
-              <a:rPr lang="en-US" dirty="0"/>
-              <a:t>Only simple operations on objects in the data store</a:t>
-            </a:r>
-          </a:p>
-          <a:p>
-            <a:r>
-              <a:rPr lang="en-US" dirty="0"/>
-              <a:t>Should not have internal knowledge of the data (i.e. </a:t>
-            </a:r>
-            <a:r>
-              <a:rPr lang="en-US" dirty="0" err="1"/>
-              <a:t>CIMClass</a:t>
-            </a:r>
-            <a:r>
-              <a:rPr lang="en-US" dirty="0"/>
-              <a:t>, etc.). Only object and name</a:t>
-            </a:r>
-          </a:p>
-          <a:p>
-            <a:r>
-              <a:rPr lang="en-US" dirty="0"/>
-              <a:t>Provide store for namespace names and for CIM classes, CIM instances, CIM qualifier declarations organized by namespace and each available as separate set of calls.</a:t>
-            </a:r>
-          </a:p>
-          <a:p>
-            <a:r>
-              <a:rPr lang="en-US" dirty="0"/>
-              <a:t>Provide methods to manage the namespaces:</a:t>
-            </a:r>
-          </a:p>
-          <a:p>
-            <a:pPr lvl="1"/>
-            <a:r>
-              <a:rPr lang="en-US" dirty="0"/>
-              <a:t>Create/remove namespaces</a:t>
-            </a:r>
-          </a:p>
-          <a:p>
-            <a:r>
-              <a:rPr lang="en-US" dirty="0"/>
-              <a:t>Provide access to the objects of each type by name where the name is case insensitive for the </a:t>
-            </a:r>
-            <a:r>
-              <a:rPr lang="en-US" dirty="0" err="1"/>
-              <a:t>CIMClasses</a:t>
-            </a:r>
-            <a:r>
-              <a:rPr lang="en-US" dirty="0"/>
-              <a:t>, CIM qualifiers but using </a:t>
-            </a:r>
-            <a:r>
-              <a:rPr lang="en-US" dirty="0" err="1"/>
-              <a:t>CIMInstanceName</a:t>
-            </a:r>
-            <a:r>
-              <a:rPr lang="en-US" dirty="0"/>
-              <a:t> for CIM instances.  Consider using the hash as a key for </a:t>
-            </a:r>
-            <a:r>
-              <a:rPr lang="en-US" dirty="0" err="1"/>
-              <a:t>CIMInstances</a:t>
-            </a:r>
-            <a:r>
-              <a:rPr lang="en-US" dirty="0"/>
-              <a:t>.</a:t>
-            </a:r>
-          </a:p>
-          <a:p>
-            <a:r>
-              <a:rPr lang="en-US" dirty="0"/>
-              <a:t>Organized the data for each type grouped by namespace</a:t>
-            </a:r>
-          </a:p>
-          <a:p>
-            <a:r>
-              <a:rPr lang="en-US" dirty="0"/>
-              <a:t>Provide methods to manage each of the data types separately within each namespace group</a:t>
-            </a:r>
-          </a:p>
-          <a:p>
-            <a:pPr lvl="1"/>
-            <a:r>
-              <a:rPr lang="en-US" dirty="0"/>
-              <a:t>Create object in a namespace</a:t>
-            </a:r>
-          </a:p>
-          <a:p>
-            <a:pPr lvl="1"/>
-            <a:r>
-              <a:rPr lang="en-US" dirty="0"/>
-              <a:t>Delete object in a namespace</a:t>
-            </a:r>
-          </a:p>
-          <a:p>
-            <a:pPr lvl="1"/>
-            <a:r>
-              <a:rPr lang="en-US" dirty="0"/>
-              <a:t>Update existing object in a namespace</a:t>
-            </a:r>
-          </a:p>
-          <a:p>
-            <a:pPr lvl="1"/>
-            <a:r>
-              <a:rPr lang="en-US" dirty="0"/>
-              <a:t>List objects in a namespace</a:t>
-            </a:r>
-          </a:p>
-          <a:p>
-            <a:r>
-              <a:rPr lang="en-US" dirty="0"/>
-              <a:t>Provide error handling through exceptions:</a:t>
-            </a:r>
-          </a:p>
-          <a:p>
-            <a:pPr lvl="1"/>
-            <a:r>
-              <a:rPr lang="en-US" dirty="0"/>
-              <a:t>Should not use </a:t>
-            </a:r>
-            <a:r>
-              <a:rPr lang="en-US" dirty="0" err="1"/>
-              <a:t>CIMError</a:t>
-            </a:r>
-            <a:r>
-              <a:rPr lang="en-US" dirty="0"/>
-              <a:t> as the exceptions but exceptions like </a:t>
-            </a:r>
-            <a:r>
-              <a:rPr lang="en-US" dirty="0" err="1"/>
-              <a:t>KeyError</a:t>
-            </a:r>
-            <a:r>
-              <a:rPr lang="en-US" dirty="0"/>
-              <a:t>, </a:t>
-            </a:r>
-            <a:r>
-              <a:rPr lang="en-US" dirty="0" err="1"/>
-              <a:t>ValueError</a:t>
-            </a:r>
-            <a:r>
-              <a:rPr lang="en-US" dirty="0"/>
-              <a:t>. Should we define some small error class. </a:t>
-            </a:r>
-          </a:p>
-        </p:txBody>
-      </p:sp>
-      <p:sp>
-        <p:nvSpPr>
-          <p:cNvPr id="4" name="TextBox 3">
-            <a:extLst>
-              <a:ext uri="{FF2B5EF4-FFF2-40B4-BE49-F238E27FC236}">
-                <a16:creationId xmlns:a16="http://schemas.microsoft.com/office/drawing/2014/main" id="{62B16FC6-80EE-4C74-96C2-67C85A565C93}"/>
+          <p:cNvPr id="8" name="Rectangle 7">
+            <a:extLst>
+              <a:ext uri="{FF2B5EF4-FFF2-40B4-BE49-F238E27FC236}">
+                <a16:creationId xmlns:a16="http://schemas.microsoft.com/office/drawing/2014/main" id="{150A4C05-8B6E-6A4E-BFEC-AF5CE8B39836}"/>
+              </a:ext>
+            </a:extLst>
+          </p:cNvPr>
+          <p:cNvSpPr/>
+          <p:nvPr/>
+        </p:nvSpPr>
+        <p:spPr>
+          <a:xfrm>
+            <a:off x="2019688" y="4894681"/>
+            <a:ext cx="2240276" cy="478909"/>
+          </a:xfrm>
+          <a:prstGeom prst="rect">
+            <a:avLst/>
+          </a:prstGeom>
+          <a:noFill/>
+          <a:effectLst/>
+        </p:spPr>
+        <p:style>
+          <a:lnRef idx="2">
+            <a:schemeClr val="accent1">
+              <a:shade val="50000"/>
+            </a:schemeClr>
+          </a:lnRef>
+          <a:fillRef idx="1">
+            <a:schemeClr val="accent1"/>
+          </a:fillRef>
+          <a:effectRef idx="0">
+            <a:schemeClr val="accent1"/>
+          </a:effectRef>
+          <a:fontRef idx="minor">
+            <a:schemeClr val="lt1"/>
+          </a:fontRef>
+        </p:style>
+        <p:txBody>
+          <a:bodyPr rtlCol="0" anchor="ctr"/>
+          <a:lstStyle/>
+          <a:p>
+            <a:pPr algn="ctr"/>
+            <a:r>
+              <a:rPr lang="de-DE" dirty="0">
+                <a:solidFill>
+                  <a:schemeClr val="accent1"/>
+                </a:solidFill>
+              </a:rPr>
+              <a:t>InmemoryRepository</a:t>
+            </a:r>
+          </a:p>
+        </p:txBody>
+      </p:sp>
+      <p:sp>
+        <p:nvSpPr>
+          <p:cNvPr id="10" name="Rectangle 9">
+            <a:extLst>
+              <a:ext uri="{FF2B5EF4-FFF2-40B4-BE49-F238E27FC236}">
+                <a16:creationId xmlns:a16="http://schemas.microsoft.com/office/drawing/2014/main" id="{9213071A-4AAE-DD4B-9E16-041E74964B6E}"/>
+              </a:ext>
+            </a:extLst>
+          </p:cNvPr>
+          <p:cNvSpPr/>
+          <p:nvPr/>
+        </p:nvSpPr>
+        <p:spPr>
+          <a:xfrm>
+            <a:off x="4503104" y="4894681"/>
+            <a:ext cx="2581090" cy="506106"/>
+          </a:xfrm>
+          <a:prstGeom prst="rect">
+            <a:avLst/>
+          </a:prstGeom>
+          <a:noFill/>
+          <a:effectLst/>
+        </p:spPr>
+        <p:style>
+          <a:lnRef idx="2">
+            <a:schemeClr val="accent1">
+              <a:shade val="50000"/>
+            </a:schemeClr>
+          </a:lnRef>
+          <a:fillRef idx="1">
+            <a:schemeClr val="accent1"/>
+          </a:fillRef>
+          <a:effectRef idx="0">
+            <a:schemeClr val="accent1"/>
+          </a:effectRef>
+          <a:fontRef idx="minor">
+            <a:schemeClr val="lt1"/>
+          </a:fontRef>
+        </p:style>
+        <p:txBody>
+          <a:bodyPr rtlCol="0" anchor="ctr"/>
+          <a:lstStyle/>
+          <a:p>
+            <a:pPr algn="ctr"/>
+            <a:r>
+              <a:rPr lang="de-DE" dirty="0">
+                <a:solidFill>
+                  <a:schemeClr val="accent1"/>
+                </a:solidFill>
+              </a:rPr>
+              <a:t>FileSystemRepository</a:t>
+            </a:r>
+          </a:p>
+        </p:txBody>
+      </p:sp>
+      <p:sp>
+        <p:nvSpPr>
+          <p:cNvPr id="11" name="Rectangle 10">
+            <a:extLst>
+              <a:ext uri="{FF2B5EF4-FFF2-40B4-BE49-F238E27FC236}">
+                <a16:creationId xmlns:a16="http://schemas.microsoft.com/office/drawing/2014/main" id="{73BAEA8C-FAA6-BF44-AA22-9D6655B4FB0D}"/>
+              </a:ext>
+            </a:extLst>
+          </p:cNvPr>
+          <p:cNvSpPr/>
+          <p:nvPr/>
+        </p:nvSpPr>
+        <p:spPr>
+          <a:xfrm>
+            <a:off x="8614391" y="234771"/>
+            <a:ext cx="1907670" cy="369332"/>
+          </a:xfrm>
+          <a:prstGeom prst="rect">
+            <a:avLst/>
+          </a:prstGeom>
+          <a:noFill/>
+          <a:effectLst/>
+        </p:spPr>
+        <p:style>
+          <a:lnRef idx="2">
+            <a:schemeClr val="accent1">
+              <a:shade val="50000"/>
+            </a:schemeClr>
+          </a:lnRef>
+          <a:fillRef idx="1">
+            <a:schemeClr val="accent1"/>
+          </a:fillRef>
+          <a:effectRef idx="0">
+            <a:schemeClr val="accent1"/>
+          </a:effectRef>
+          <a:fontRef idx="minor">
+            <a:schemeClr val="lt1"/>
+          </a:fontRef>
+        </p:style>
+        <p:txBody>
+          <a:bodyPr rtlCol="0" anchor="ctr"/>
+          <a:lstStyle/>
+          <a:p>
+            <a:pPr algn="ctr"/>
+            <a:r>
+              <a:rPr lang="de-DE" dirty="0">
+                <a:solidFill>
+                  <a:schemeClr val="tx1"/>
+                </a:solidFill>
+              </a:rPr>
+              <a:t>MOF Compiler</a:t>
+            </a:r>
+          </a:p>
+        </p:txBody>
+      </p:sp>
+      <p:sp>
+        <p:nvSpPr>
+          <p:cNvPr id="12" name="Rectangle 11">
+            <a:extLst>
+              <a:ext uri="{FF2B5EF4-FFF2-40B4-BE49-F238E27FC236}">
+                <a16:creationId xmlns:a16="http://schemas.microsoft.com/office/drawing/2014/main" id="{CB021D7A-F124-374A-9F9D-19D947DF5627}"/>
+              </a:ext>
+            </a:extLst>
+          </p:cNvPr>
+          <p:cNvSpPr/>
+          <p:nvPr/>
+        </p:nvSpPr>
+        <p:spPr>
+          <a:xfrm>
+            <a:off x="4806519" y="748959"/>
+            <a:ext cx="3150342" cy="1438813"/>
+          </a:xfrm>
+          <a:prstGeom prst="rect">
+            <a:avLst/>
+          </a:prstGeom>
+          <a:noFill/>
+          <a:effectLst/>
+        </p:spPr>
+        <p:style>
+          <a:lnRef idx="2">
+            <a:schemeClr val="accent1">
+              <a:shade val="50000"/>
+            </a:schemeClr>
+          </a:lnRef>
+          <a:fillRef idx="1">
+            <a:schemeClr val="accent1"/>
+          </a:fillRef>
+          <a:effectRef idx="0">
+            <a:schemeClr val="accent1"/>
+          </a:effectRef>
+          <a:fontRef idx="minor">
+            <a:schemeClr val="lt1"/>
+          </a:fontRef>
+        </p:style>
+        <p:txBody>
+          <a:bodyPr rtlCol="0" anchor="ctr"/>
+          <a:lstStyle/>
+          <a:p>
+            <a:pPr algn="ctr"/>
+            <a:r>
+              <a:rPr lang="de-DE" dirty="0">
+                <a:solidFill>
+                  <a:schemeClr val="tx1"/>
+                </a:solidFill>
+              </a:rPr>
+              <a:t>FakedWBEMConnection</a:t>
+            </a:r>
+          </a:p>
+          <a:p>
+            <a:pPr algn="ctr"/>
+            <a:r>
+              <a:rPr lang="de-DE" sz="1400" dirty="0">
+                <a:solidFill>
+                  <a:schemeClr val="tx1"/>
+                </a:solidFill>
+              </a:rPr>
+              <a:t>This class would select target repository, register providers, add objects, compile MOF, display repository define default namespace.</a:t>
+            </a:r>
+          </a:p>
+          <a:p>
+            <a:pPr algn="ctr"/>
+            <a:r>
+              <a:rPr lang="de-DE" sz="1400" dirty="0">
+                <a:solidFill>
+                  <a:schemeClr val="tx1"/>
+                </a:solidFill>
+              </a:rPr>
+              <a:t>Also mocks the server </a:t>
+            </a:r>
+          </a:p>
+        </p:txBody>
+      </p:sp>
+      <p:sp>
+        <p:nvSpPr>
+          <p:cNvPr id="14" name="Rectangle 13">
+            <a:extLst>
+              <a:ext uri="{FF2B5EF4-FFF2-40B4-BE49-F238E27FC236}">
+                <a16:creationId xmlns:a16="http://schemas.microsoft.com/office/drawing/2014/main" id="{14E44039-9867-0340-94E2-0316C60EE38A}"/>
+              </a:ext>
+            </a:extLst>
+          </p:cNvPr>
+          <p:cNvSpPr/>
+          <p:nvPr/>
+        </p:nvSpPr>
+        <p:spPr>
+          <a:xfrm>
+            <a:off x="8132122" y="907700"/>
+            <a:ext cx="3108960" cy="770307"/>
+          </a:xfrm>
+          <a:prstGeom prst="rect">
+            <a:avLst/>
+          </a:prstGeom>
+          <a:noFill/>
+          <a:effectLst/>
+        </p:spPr>
+        <p:style>
+          <a:lnRef idx="2">
+            <a:schemeClr val="accent1">
+              <a:shade val="50000"/>
+            </a:schemeClr>
+          </a:lnRef>
+          <a:fillRef idx="1">
+            <a:schemeClr val="accent1"/>
+          </a:fillRef>
+          <a:effectRef idx="0">
+            <a:schemeClr val="accent1"/>
+          </a:effectRef>
+          <a:fontRef idx="minor">
+            <a:schemeClr val="lt1"/>
+          </a:fontRef>
+        </p:style>
+        <p:txBody>
+          <a:bodyPr rtlCol="0" anchor="ctr"/>
+          <a:lstStyle/>
+          <a:p>
+            <a:pPr algn="ctr"/>
+            <a:r>
+              <a:rPr lang="de-DE" dirty="0" err="1">
+                <a:solidFill>
+                  <a:schemeClr val="tx1"/>
+                </a:solidFill>
+              </a:rPr>
+              <a:t>WBEMConnection</a:t>
+            </a:r>
+            <a:br>
+              <a:rPr lang="de-DE" dirty="0">
+                <a:solidFill>
+                  <a:schemeClr val="tx1"/>
+                </a:solidFill>
+              </a:rPr>
+            </a:br>
+            <a:r>
+              <a:rPr lang="de-DE" dirty="0">
+                <a:solidFill>
+                  <a:schemeClr val="tx1"/>
+                </a:solidFill>
+              </a:rPr>
+              <a:t>(all </a:t>
+            </a:r>
+            <a:r>
+              <a:rPr lang="de-DE" dirty="0" err="1">
+                <a:solidFill>
+                  <a:schemeClr val="tx1"/>
+                </a:solidFill>
+              </a:rPr>
+              <a:t>client</a:t>
+            </a:r>
+            <a:r>
+              <a:rPr lang="de-DE" dirty="0">
+                <a:solidFill>
+                  <a:schemeClr val="tx1"/>
+                </a:solidFill>
+              </a:rPr>
+              <a:t> </a:t>
+            </a:r>
+            <a:r>
+              <a:rPr lang="de-DE" dirty="0" err="1">
+                <a:solidFill>
+                  <a:schemeClr val="tx1"/>
+                </a:solidFill>
+              </a:rPr>
+              <a:t>ops</a:t>
+            </a:r>
+            <a:r>
+              <a:rPr lang="de-DE" dirty="0">
+                <a:solidFill>
+                  <a:schemeClr val="tx1"/>
+                </a:solidFill>
+              </a:rPr>
+              <a:t> </a:t>
+            </a:r>
+            <a:r>
+              <a:rPr lang="de-DE" dirty="0" err="1">
+                <a:solidFill>
+                  <a:schemeClr val="tx1"/>
+                </a:solidFill>
+              </a:rPr>
+              <a:t>with</a:t>
+            </a:r>
+            <a:r>
+              <a:rPr lang="de-DE" dirty="0">
+                <a:solidFill>
+                  <a:schemeClr val="tx1"/>
+                </a:solidFill>
+              </a:rPr>
+              <a:t> </a:t>
+            </a:r>
+            <a:r>
+              <a:rPr lang="de-DE" dirty="0" err="1">
+                <a:solidFill>
+                  <a:schemeClr val="tx1"/>
+                </a:solidFill>
+              </a:rPr>
+              <a:t>full</a:t>
+            </a:r>
+            <a:r>
+              <a:rPr lang="de-DE" dirty="0">
+                <a:solidFill>
+                  <a:schemeClr val="tx1"/>
+                </a:solidFill>
+              </a:rPr>
+              <a:t> </a:t>
+            </a:r>
+            <a:r>
+              <a:rPr lang="de-DE" dirty="0" err="1">
+                <a:solidFill>
+                  <a:schemeClr val="tx1"/>
+                </a:solidFill>
+              </a:rPr>
+              <a:t>set</a:t>
+            </a:r>
+            <a:r>
+              <a:rPr lang="de-DE" dirty="0">
+                <a:solidFill>
+                  <a:schemeClr val="tx1"/>
+                </a:solidFill>
+              </a:rPr>
+              <a:t> </a:t>
+            </a:r>
+            <a:r>
+              <a:rPr lang="de-DE" dirty="0" err="1">
+                <a:solidFill>
+                  <a:schemeClr val="tx1"/>
+                </a:solidFill>
+              </a:rPr>
+              <a:t>of</a:t>
+            </a:r>
+            <a:r>
+              <a:rPr lang="de-DE" dirty="0">
+                <a:solidFill>
+                  <a:schemeClr val="tx1"/>
+                </a:solidFill>
+              </a:rPr>
+              <a:t> </a:t>
+            </a:r>
+            <a:r>
+              <a:rPr lang="de-DE" dirty="0" err="1">
+                <a:solidFill>
+                  <a:schemeClr val="tx1"/>
+                </a:solidFill>
+              </a:rPr>
+              <a:t>params</a:t>
+            </a:r>
+            <a:r>
+              <a:rPr lang="de-DE" dirty="0">
+                <a:solidFill>
+                  <a:schemeClr val="tx1"/>
+                </a:solidFill>
+              </a:rPr>
+              <a:t>)</a:t>
+            </a:r>
+          </a:p>
+        </p:txBody>
+      </p:sp>
+      <p:sp>
+        <p:nvSpPr>
+          <p:cNvPr id="16" name="Rectangle 15">
+            <a:extLst>
+              <a:ext uri="{FF2B5EF4-FFF2-40B4-BE49-F238E27FC236}">
+                <a16:creationId xmlns:a16="http://schemas.microsoft.com/office/drawing/2014/main" id="{E4B69B15-35EA-E243-99EF-789DCCC91779}"/>
+              </a:ext>
+            </a:extLst>
+          </p:cNvPr>
+          <p:cNvSpPr/>
+          <p:nvPr/>
+        </p:nvSpPr>
+        <p:spPr>
+          <a:xfrm>
+            <a:off x="9106164" y="1810816"/>
+            <a:ext cx="1160877" cy="349888"/>
+          </a:xfrm>
+          <a:prstGeom prst="rect">
+            <a:avLst/>
+          </a:prstGeom>
+          <a:noFill/>
+          <a:effectLst/>
+        </p:spPr>
+        <p:style>
+          <a:lnRef idx="2">
+            <a:schemeClr val="accent1">
+              <a:shade val="50000"/>
+            </a:schemeClr>
+          </a:lnRef>
+          <a:fillRef idx="1">
+            <a:schemeClr val="accent1"/>
+          </a:fillRef>
+          <a:effectRef idx="0">
+            <a:schemeClr val="accent1"/>
+          </a:effectRef>
+          <a:fontRef idx="minor">
+            <a:schemeClr val="lt1"/>
+          </a:fontRef>
+        </p:style>
+        <p:txBody>
+          <a:bodyPr rtlCol="0" anchor="ctr"/>
+          <a:lstStyle/>
+          <a:p>
+            <a:pPr algn="ctr"/>
+            <a:r>
+              <a:rPr lang="de-DE" dirty="0">
+                <a:solidFill>
+                  <a:schemeClr val="tx1"/>
+                </a:solidFill>
+              </a:rPr>
+              <a:t>CIM-XML</a:t>
+            </a:r>
+          </a:p>
+        </p:txBody>
+      </p:sp>
+      <p:sp>
+        <p:nvSpPr>
+          <p:cNvPr id="17" name="Rectangle 16">
+            <a:extLst>
+              <a:ext uri="{FF2B5EF4-FFF2-40B4-BE49-F238E27FC236}">
+                <a16:creationId xmlns:a16="http://schemas.microsoft.com/office/drawing/2014/main" id="{DDF28FBC-65E9-484D-B1B4-3E0A3A504640}"/>
+              </a:ext>
+            </a:extLst>
+          </p:cNvPr>
+          <p:cNvSpPr/>
+          <p:nvPr/>
+        </p:nvSpPr>
+        <p:spPr>
+          <a:xfrm>
+            <a:off x="5226517" y="3796561"/>
+            <a:ext cx="3465760" cy="909532"/>
+          </a:xfrm>
+          <a:prstGeom prst="rect">
+            <a:avLst/>
+          </a:prstGeom>
+          <a:noFill/>
+          <a:effectLst/>
+        </p:spPr>
+        <p:style>
+          <a:lnRef idx="2">
+            <a:schemeClr val="accent1">
+              <a:shade val="50000"/>
+            </a:schemeClr>
+          </a:lnRef>
+          <a:fillRef idx="1">
+            <a:schemeClr val="accent1"/>
+          </a:fillRef>
+          <a:effectRef idx="0">
+            <a:schemeClr val="accent1"/>
+          </a:effectRef>
+          <a:fontRef idx="minor">
+            <a:schemeClr val="lt1"/>
+          </a:fontRef>
+        </p:style>
+        <p:txBody>
+          <a:bodyPr rtlCol="0" anchor="ctr"/>
+          <a:lstStyle/>
+          <a:p>
+            <a:pPr algn="ctr"/>
+            <a:r>
+              <a:rPr lang="de-DE" dirty="0">
+                <a:solidFill>
+                  <a:schemeClr val="accent1"/>
+                </a:solidFill>
+              </a:rPr>
+              <a:t>Other Providers</a:t>
+            </a:r>
+          </a:p>
+          <a:p>
+            <a:pPr algn="ctr"/>
+            <a:r>
+              <a:rPr lang="de-DE" sz="1400" dirty="0">
+                <a:solidFill>
+                  <a:schemeClr val="accent1"/>
+                </a:solidFill>
+              </a:rPr>
+              <a:t>Handle specific instances</a:t>
+            </a:r>
+          </a:p>
+          <a:p>
+            <a:pPr algn="ctr"/>
+            <a:r>
+              <a:rPr lang="de-DE" sz="1400" dirty="0">
+                <a:solidFill>
+                  <a:schemeClr val="accent1"/>
+                </a:solidFill>
+              </a:rPr>
+              <a:t>Requires registration mechanism</a:t>
+            </a:r>
+          </a:p>
+          <a:p>
+            <a:pPr algn="ctr"/>
+            <a:endParaRPr lang="de-DE" sz="1400" dirty="0">
+              <a:solidFill>
+                <a:schemeClr val="accent1"/>
+              </a:solidFill>
+            </a:endParaRPr>
+          </a:p>
+        </p:txBody>
+      </p:sp>
+      <p:sp>
+        <p:nvSpPr>
+          <p:cNvPr id="19" name="Rectangle 18">
+            <a:extLst>
+              <a:ext uri="{FF2B5EF4-FFF2-40B4-BE49-F238E27FC236}">
+                <a16:creationId xmlns:a16="http://schemas.microsoft.com/office/drawing/2014/main" id="{79729382-82CD-5844-9F4A-D31818CF06D5}"/>
+              </a:ext>
+            </a:extLst>
+          </p:cNvPr>
+          <p:cNvSpPr/>
+          <p:nvPr/>
+        </p:nvSpPr>
+        <p:spPr>
+          <a:xfrm>
+            <a:off x="4503104" y="2846082"/>
+            <a:ext cx="4189173" cy="852092"/>
+          </a:xfrm>
+          <a:prstGeom prst="rect">
+            <a:avLst/>
+          </a:prstGeom>
+          <a:noFill/>
+          <a:effectLst/>
+        </p:spPr>
+        <p:style>
+          <a:lnRef idx="2">
+            <a:schemeClr val="accent1">
+              <a:shade val="50000"/>
+            </a:schemeClr>
+          </a:lnRef>
+          <a:fillRef idx="1">
+            <a:schemeClr val="accent1"/>
+          </a:fillRef>
+          <a:effectRef idx="0">
+            <a:schemeClr val="accent1"/>
+          </a:effectRef>
+          <a:fontRef idx="minor">
+            <a:schemeClr val="lt1"/>
+          </a:fontRef>
+        </p:style>
+        <p:txBody>
+          <a:bodyPr rtlCol="0" anchor="ctr"/>
+          <a:lstStyle/>
+          <a:p>
+            <a:pPr algn="ctr"/>
+            <a:r>
+              <a:rPr lang="de-DE" dirty="0">
+                <a:solidFill>
+                  <a:schemeClr val="accent1"/>
+                </a:solidFill>
+              </a:rPr>
+              <a:t>BaseInstanceProvider </a:t>
+            </a:r>
+          </a:p>
+          <a:p>
+            <a:pPr algn="ctr"/>
+            <a:r>
+              <a:rPr lang="de-DE" sz="1200" dirty="0">
+                <a:solidFill>
+                  <a:schemeClr val="accent1"/>
+                </a:solidFill>
+              </a:rPr>
+              <a:t>Provides default implementation for create, delete, modify invokemethod for other providers</a:t>
+            </a:r>
+          </a:p>
+        </p:txBody>
+      </p:sp>
+      <p:sp>
+        <p:nvSpPr>
+          <p:cNvPr id="2" name="TextBox 1">
+            <a:extLst>
+              <a:ext uri="{FF2B5EF4-FFF2-40B4-BE49-F238E27FC236}">
+                <a16:creationId xmlns:a16="http://schemas.microsoft.com/office/drawing/2014/main" id="{8345DD3B-9097-0449-B9D8-7B90CD693D86}"/>
               </a:ext>
             </a:extLst>
           </p:cNvPr>
@@ -5298,8 +5692,8 @@
         </p:nvSpPr>
         <p:spPr>
           <a:xfrm>
-            <a:off x="7869677" y="365125"/>
-            <a:ext cx="2645923" cy="369332"/>
+            <a:off x="527602" y="243887"/>
+            <a:ext cx="2350323" cy="369332"/>
           </a:xfrm>
           <a:prstGeom prst="rect">
             <a:avLst/>
@@ -5307,22 +5701,926 @@
           <a:noFill/>
         </p:spPr>
         <p:txBody>
-          <a:bodyPr wrap="square" rtlCol="0">
+          <a:bodyPr wrap="none" rtlCol="0">
             <a:spAutoFit/>
           </a:bodyPr>
           <a:lstStyle/>
           <a:p>
             <a:r>
-              <a:rPr lang="en-US" dirty="0"/>
-              <a:t>KS 10 Jan. 2020</a:t>
-            </a:r>
-          </a:p>
-        </p:txBody>
-      </p:sp>
+              <a:rPr lang="de-DE" dirty="0"/>
+              <a:t>Discussion 5 April 2020</a:t>
+            </a:r>
+          </a:p>
+        </p:txBody>
+      </p:sp>
+      <p:sp>
+        <p:nvSpPr>
+          <p:cNvPr id="7" name="TextBox 6">
+            <a:extLst>
+              <a:ext uri="{FF2B5EF4-FFF2-40B4-BE49-F238E27FC236}">
+                <a16:creationId xmlns:a16="http://schemas.microsoft.com/office/drawing/2014/main" id="{B0BEC749-D454-4F98-9EF5-48E3E99CE072}"/>
+              </a:ext>
+            </a:extLst>
+          </p:cNvPr>
+          <p:cNvSpPr txBox="1"/>
+          <p:nvPr/>
+        </p:nvSpPr>
+        <p:spPr>
+          <a:xfrm>
+            <a:off x="417535" y="5927158"/>
+            <a:ext cx="3690177" cy="830997"/>
+          </a:xfrm>
+          <a:prstGeom prst="rect">
+            <a:avLst/>
+          </a:prstGeom>
+          <a:noFill/>
+        </p:spPr>
+        <p:txBody>
+          <a:bodyPr wrap="none" rtlCol="0">
+            <a:spAutoFit/>
+          </a:bodyPr>
+          <a:lstStyle/>
+          <a:p>
+            <a:r>
+              <a:rPr lang="en-US" sz="1200" dirty="0"/>
+              <a:t>What will clients use the mocker for:</a:t>
+            </a:r>
+          </a:p>
+          <a:p>
+            <a:pPr marL="171450" indent="-171450">
+              <a:buFont typeface="Arial" panose="020B0604020202020204" pitchFamily="34" charset="0"/>
+              <a:buChar char="•"/>
+            </a:pPr>
+            <a:r>
+              <a:rPr lang="en-US" sz="1200" dirty="0"/>
+              <a:t>Test with absolutely known server data</a:t>
+            </a:r>
+          </a:p>
+          <a:p>
+            <a:pPr marL="171450" indent="-171450">
+              <a:buFont typeface="Arial" panose="020B0604020202020204" pitchFamily="34" charset="0"/>
+              <a:buChar char="•"/>
+            </a:pPr>
+            <a:r>
+              <a:rPr lang="en-US" sz="1200" dirty="0"/>
+              <a:t>Test error conditions that are hard to test with server.</a:t>
+            </a:r>
+          </a:p>
+          <a:p>
+            <a:pPr marL="171450" indent="-171450">
+              <a:buFont typeface="Arial" panose="020B0604020202020204" pitchFamily="34" charset="0"/>
+              <a:buChar char="•"/>
+            </a:pPr>
+            <a:r>
+              <a:rPr lang="en-US" sz="1200" dirty="0"/>
+              <a:t>Testing when the server does not exist.</a:t>
+            </a:r>
+          </a:p>
+        </p:txBody>
+      </p:sp>
+      <p:sp>
+        <p:nvSpPr>
+          <p:cNvPr id="13" name="TextBox 12">
+            <a:extLst>
+              <a:ext uri="{FF2B5EF4-FFF2-40B4-BE49-F238E27FC236}">
+                <a16:creationId xmlns:a16="http://schemas.microsoft.com/office/drawing/2014/main" id="{E5149622-CCBC-40F8-B126-3FA7B5027BD8}"/>
+              </a:ext>
+            </a:extLst>
+          </p:cNvPr>
+          <p:cNvSpPr txBox="1"/>
+          <p:nvPr/>
+        </p:nvSpPr>
+        <p:spPr>
+          <a:xfrm>
+            <a:off x="5549022" y="6007783"/>
+            <a:ext cx="2407839" cy="800219"/>
+          </a:xfrm>
+          <a:prstGeom prst="rect">
+            <a:avLst/>
+          </a:prstGeom>
+          <a:noFill/>
+        </p:spPr>
+        <p:txBody>
+          <a:bodyPr wrap="none" rtlCol="0">
+            <a:spAutoFit/>
+          </a:bodyPr>
+          <a:lstStyle/>
+          <a:p>
+            <a:r>
+              <a:rPr lang="en-US" sz="1400" dirty="0"/>
+              <a:t>Errors we need to account for</a:t>
+            </a:r>
+          </a:p>
+          <a:p>
+            <a:pPr marL="285750" indent="-285750">
+              <a:buFont typeface="Arial" panose="020B0604020202020204" pitchFamily="34" charset="0"/>
+              <a:buChar char="•"/>
+            </a:pPr>
+            <a:r>
+              <a:rPr lang="en-US" sz="1400" dirty="0"/>
+              <a:t>Instance level only</a:t>
+            </a:r>
+          </a:p>
+          <a:p>
+            <a:endParaRPr lang="en-US" dirty="0"/>
+          </a:p>
+        </p:txBody>
+      </p:sp>
+      <p:sp>
+        <p:nvSpPr>
+          <p:cNvPr id="23" name="Speech Bubble: Rectangle with Corners Rounded 22">
+            <a:extLst>
+              <a:ext uri="{FF2B5EF4-FFF2-40B4-BE49-F238E27FC236}">
+                <a16:creationId xmlns:a16="http://schemas.microsoft.com/office/drawing/2014/main" id="{AF5784C2-71FB-4F68-86C5-F57CF287E13E}"/>
+              </a:ext>
+            </a:extLst>
+          </p:cNvPr>
+          <p:cNvSpPr/>
+          <p:nvPr/>
+        </p:nvSpPr>
+        <p:spPr>
+          <a:xfrm>
+            <a:off x="10245684" y="2142186"/>
+            <a:ext cx="1841193" cy="674711"/>
+          </a:xfrm>
+          <a:prstGeom prst="wedgeRoundRectCallout">
+            <a:avLst>
+              <a:gd name="adj1" fmla="val -39342"/>
+              <a:gd name="adj2" fmla="val -120238"/>
+              <a:gd name="adj3" fmla="val 16667"/>
+            </a:avLst>
+          </a:prstGeom>
+          <a:solidFill>
+            <a:schemeClr val="accent4">
+              <a:lumMod val="20000"/>
+              <a:lumOff val="80000"/>
+            </a:schemeClr>
+          </a:solidFill>
+        </p:spPr>
+        <p:style>
+          <a:lnRef idx="2">
+            <a:schemeClr val="accent1">
+              <a:shade val="50000"/>
+            </a:schemeClr>
+          </a:lnRef>
+          <a:fillRef idx="1">
+            <a:schemeClr val="accent1"/>
+          </a:fillRef>
+          <a:effectRef idx="0">
+            <a:schemeClr val="accent1"/>
+          </a:effectRef>
+          <a:fontRef idx="minor">
+            <a:schemeClr val="lt1"/>
+          </a:fontRef>
+        </p:style>
+        <p:txBody>
+          <a:bodyPr rtlCol="0" anchor="ctr"/>
+          <a:lstStyle/>
+          <a:p>
+            <a:r>
+              <a:rPr lang="en-US" sz="1100" dirty="0">
+                <a:solidFill>
+                  <a:schemeClr val="tx1"/>
+                </a:solidFill>
+              </a:rPr>
+              <a:t>These become one class with routing based on URL schema (mock://)</a:t>
+            </a:r>
+          </a:p>
+        </p:txBody>
+      </p:sp>
+      <p:sp>
+        <p:nvSpPr>
+          <p:cNvPr id="28" name="Speech Bubble: Rectangle with Corners Rounded 27">
+            <a:extLst>
+              <a:ext uri="{FF2B5EF4-FFF2-40B4-BE49-F238E27FC236}">
+                <a16:creationId xmlns:a16="http://schemas.microsoft.com/office/drawing/2014/main" id="{0534F57F-09B7-4F02-A356-C544E91D9755}"/>
+              </a:ext>
+            </a:extLst>
+          </p:cNvPr>
+          <p:cNvSpPr/>
+          <p:nvPr/>
+        </p:nvSpPr>
+        <p:spPr>
+          <a:xfrm>
+            <a:off x="7956861" y="4925157"/>
+            <a:ext cx="3962410" cy="1273512"/>
+          </a:xfrm>
+          <a:prstGeom prst="wedgeRoundRectCallout">
+            <a:avLst>
+              <a:gd name="adj1" fmla="val -59548"/>
+              <a:gd name="adj2" fmla="val -68211"/>
+              <a:gd name="adj3" fmla="val 16667"/>
+            </a:avLst>
+          </a:prstGeom>
+          <a:solidFill>
+            <a:schemeClr val="accent4">
+              <a:lumMod val="20000"/>
+              <a:lumOff val="80000"/>
+            </a:schemeClr>
+          </a:solidFill>
+        </p:spPr>
+        <p:style>
+          <a:lnRef idx="2">
+            <a:schemeClr val="accent1">
+              <a:shade val="50000"/>
+            </a:schemeClr>
+          </a:lnRef>
+          <a:fillRef idx="1">
+            <a:schemeClr val="accent1"/>
+          </a:fillRef>
+          <a:effectRef idx="0">
+            <a:schemeClr val="accent1"/>
+          </a:effectRef>
+          <a:fontRef idx="minor">
+            <a:schemeClr val="lt1"/>
+          </a:fontRef>
+        </p:style>
+        <p:txBody>
+          <a:bodyPr rtlCol="0" anchor="ctr"/>
+          <a:lstStyle/>
+          <a:p>
+            <a:pPr algn="ctr"/>
+            <a:r>
+              <a:rPr lang="de-DE" sz="1100" dirty="0">
+                <a:solidFill>
+                  <a:schemeClr val="tx1"/>
+                </a:solidFill>
+              </a:rPr>
+              <a:t>Repository interface (BaseRepository)</a:t>
+            </a:r>
+            <a:br>
+              <a:rPr lang="de-DE" sz="1100" dirty="0">
+                <a:solidFill>
+                  <a:schemeClr val="tx1"/>
+                </a:solidFill>
+              </a:rPr>
+            </a:br>
+            <a:r>
+              <a:rPr lang="de-DE" sz="1100" dirty="0">
+                <a:solidFill>
+                  <a:schemeClr val="tx1"/>
+                </a:solidFill>
+              </a:rPr>
+              <a:t>(repository ops = a set of methods are in effect CRUD methods to create, modify, get, delete and enumerate the objects based on their names and object type). The  names used in these methods are the CIMClass name string for CIM classes, the CIMInstanceName for Cim instances, and the qualifier name for CIM qualifier declaractions</a:t>
+            </a:r>
+          </a:p>
+        </p:txBody>
+      </p:sp>
+      <p:cxnSp>
+        <p:nvCxnSpPr>
+          <p:cNvPr id="29" name="Straight Connector 28">
+            <a:extLst>
+              <a:ext uri="{FF2B5EF4-FFF2-40B4-BE49-F238E27FC236}">
+                <a16:creationId xmlns:a16="http://schemas.microsoft.com/office/drawing/2014/main" id="{EE57FDCB-154D-4A08-B115-55E2305126F1}"/>
+              </a:ext>
+            </a:extLst>
+          </p:cNvPr>
+          <p:cNvCxnSpPr>
+            <a:cxnSpLocks/>
+          </p:cNvCxnSpPr>
+          <p:nvPr/>
+        </p:nvCxnSpPr>
+        <p:spPr>
+          <a:xfrm>
+            <a:off x="1657111" y="4815789"/>
+            <a:ext cx="8331296" cy="8163"/>
+          </a:xfrm>
+          <a:prstGeom prst="line">
+            <a:avLst/>
+          </a:prstGeom>
+          <a:ln w="28575">
+            <a:solidFill>
+              <a:srgbClr val="FF0000"/>
+            </a:solidFill>
+          </a:ln>
+        </p:spPr>
+        <p:style>
+          <a:lnRef idx="1">
+            <a:schemeClr val="accent1"/>
+          </a:lnRef>
+          <a:fillRef idx="0">
+            <a:schemeClr val="accent1"/>
+          </a:fillRef>
+          <a:effectRef idx="0">
+            <a:schemeClr val="accent1"/>
+          </a:effectRef>
+          <a:fontRef idx="minor">
+            <a:schemeClr val="tx1"/>
+          </a:fontRef>
+        </p:style>
+      </p:cxnSp>
+      <p:sp>
+        <p:nvSpPr>
+          <p:cNvPr id="31" name="Speech Bubble: Rectangle with Corners Rounded 30">
+            <a:extLst>
+              <a:ext uri="{FF2B5EF4-FFF2-40B4-BE49-F238E27FC236}">
+                <a16:creationId xmlns:a16="http://schemas.microsoft.com/office/drawing/2014/main" id="{42B5020E-4A29-45AC-8989-7D4AE4CF4FC8}"/>
+              </a:ext>
+            </a:extLst>
+          </p:cNvPr>
+          <p:cNvSpPr/>
+          <p:nvPr/>
+        </p:nvSpPr>
+        <p:spPr>
+          <a:xfrm>
+            <a:off x="294993" y="658670"/>
+            <a:ext cx="3964971" cy="1659494"/>
+          </a:xfrm>
+          <a:prstGeom prst="wedgeRoundRectCallout">
+            <a:avLst>
+              <a:gd name="adj1" fmla="val 63340"/>
+              <a:gd name="adj2" fmla="val -8888"/>
+              <a:gd name="adj3" fmla="val 16667"/>
+            </a:avLst>
+          </a:prstGeom>
+          <a:solidFill>
+            <a:schemeClr val="accent4">
+              <a:lumMod val="20000"/>
+              <a:lumOff val="80000"/>
+            </a:schemeClr>
+          </a:solidFill>
+        </p:spPr>
+        <p:style>
+          <a:lnRef idx="2">
+            <a:schemeClr val="accent1">
+              <a:shade val="50000"/>
+            </a:schemeClr>
+          </a:lnRef>
+          <a:fillRef idx="1">
+            <a:schemeClr val="accent1"/>
+          </a:fillRef>
+          <a:effectRef idx="0">
+            <a:schemeClr val="accent1"/>
+          </a:effectRef>
+          <a:fontRef idx="minor">
+            <a:schemeClr val="lt1"/>
+          </a:fontRef>
+        </p:style>
+        <p:txBody>
+          <a:bodyPr rtlCol="0" anchor="ctr"/>
+          <a:lstStyle/>
+          <a:p>
+            <a:r>
+              <a:rPr lang="en-US" sz="1100" dirty="0">
+                <a:solidFill>
+                  <a:schemeClr val="tx1"/>
+                </a:solidFill>
+              </a:rPr>
+              <a:t>Two pieces of info creates MOCKCIMOM:</a:t>
+            </a:r>
+          </a:p>
+          <a:p>
+            <a:pPr marL="171450" indent="-171450">
+              <a:buFont typeface="Arial" panose="020B0604020202020204" pitchFamily="34" charset="0"/>
+              <a:buChar char="•"/>
+            </a:pPr>
+            <a:r>
+              <a:rPr lang="en-US" sz="1100" dirty="0">
+                <a:solidFill>
+                  <a:schemeClr val="tx1"/>
+                </a:solidFill>
+              </a:rPr>
+              <a:t>Defines Repo type</a:t>
+            </a:r>
+          </a:p>
+          <a:p>
+            <a:pPr marL="171450" indent="-171450">
+              <a:buFont typeface="Arial" panose="020B0604020202020204" pitchFamily="34" charset="0"/>
+              <a:buChar char="•"/>
+            </a:pPr>
+            <a:r>
+              <a:rPr lang="en-US" sz="1100" dirty="0">
+                <a:solidFill>
+                  <a:schemeClr val="tx1"/>
+                </a:solidFill>
+              </a:rPr>
+              <a:t>Provider registration definitions:</a:t>
+            </a:r>
+          </a:p>
+          <a:p>
+            <a:pPr marL="171450" indent="-171450">
+              <a:buFont typeface="Arial" panose="020B0604020202020204" pitchFamily="34" charset="0"/>
+              <a:buChar char="•"/>
+            </a:pPr>
+            <a:r>
+              <a:rPr lang="en-US" sz="1100" dirty="0">
+                <a:solidFill>
+                  <a:schemeClr val="tx1"/>
+                </a:solidFill>
+              </a:rPr>
+              <a:t>Need name to definition mechanism for </a:t>
+            </a:r>
+            <a:r>
+              <a:rPr lang="en-US" sz="1100" dirty="0" err="1">
+                <a:solidFill>
+                  <a:schemeClr val="tx1"/>
+                </a:solidFill>
+              </a:rPr>
+              <a:t>iding</a:t>
+            </a:r>
+            <a:r>
+              <a:rPr lang="en-US" sz="1100" dirty="0">
+                <a:solidFill>
+                  <a:schemeClr val="tx1"/>
+                </a:solidFill>
+              </a:rPr>
+              <a:t> </a:t>
+            </a:r>
+            <a:r>
+              <a:rPr lang="en-US" sz="1100" dirty="0" err="1">
+                <a:solidFill>
+                  <a:schemeClr val="tx1"/>
+                </a:solidFill>
+              </a:rPr>
+              <a:t>mockcimom</a:t>
+            </a:r>
+            <a:r>
+              <a:rPr lang="en-US" sz="1100" dirty="0">
+                <a:solidFill>
+                  <a:schemeClr val="tx1"/>
+                </a:solidFill>
+              </a:rPr>
+              <a:t>.</a:t>
+            </a:r>
+          </a:p>
+          <a:p>
+            <a:r>
+              <a:rPr lang="en-US" sz="1100" dirty="0">
+                <a:solidFill>
+                  <a:schemeClr val="tx1"/>
+                </a:solidFill>
+              </a:rPr>
+              <a:t>Once created it is used to:</a:t>
+            </a:r>
+          </a:p>
+          <a:p>
+            <a:pPr marL="171450" indent="-171450">
+              <a:buFont typeface="Arial" panose="020B0604020202020204" pitchFamily="34" charset="0"/>
+              <a:buChar char="•"/>
+            </a:pPr>
+            <a:r>
+              <a:rPr lang="en-US" sz="1100" dirty="0" err="1">
+                <a:solidFill>
+                  <a:schemeClr val="tx1"/>
+                </a:solidFill>
+              </a:rPr>
+              <a:t>WBEMConnection</a:t>
+            </a:r>
+            <a:r>
+              <a:rPr lang="en-US" sz="1100" dirty="0">
+                <a:solidFill>
+                  <a:schemeClr val="tx1"/>
+                </a:solidFill>
+              </a:rPr>
+              <a:t> to load data into MOCKCIMOM</a:t>
+            </a:r>
+          </a:p>
+          <a:p>
+            <a:pPr marL="171450" indent="-171450">
+              <a:buFont typeface="Arial" panose="020B0604020202020204" pitchFamily="34" charset="0"/>
+              <a:buChar char="•"/>
+            </a:pPr>
+            <a:r>
+              <a:rPr lang="en-US" sz="1100" dirty="0" err="1">
+                <a:solidFill>
+                  <a:schemeClr val="tx1"/>
+                </a:solidFill>
+              </a:rPr>
+              <a:t>MOFCompiler</a:t>
+            </a:r>
+            <a:r>
+              <a:rPr lang="en-US" sz="1100" dirty="0">
+                <a:solidFill>
+                  <a:schemeClr val="tx1"/>
+                </a:solidFill>
+              </a:rPr>
+              <a:t> to load (specify </a:t>
+            </a:r>
+            <a:r>
+              <a:rPr lang="en-US" sz="1100" dirty="0" err="1">
+                <a:solidFill>
+                  <a:schemeClr val="tx1"/>
+                </a:solidFill>
+              </a:rPr>
+              <a:t>mockurl</a:t>
+            </a:r>
+            <a:endParaRPr lang="en-US" sz="1100" dirty="0">
+              <a:solidFill>
+                <a:schemeClr val="tx1"/>
+              </a:solidFill>
+            </a:endParaRPr>
+          </a:p>
+          <a:p>
+            <a:pPr marL="171450" indent="-171450">
+              <a:buFont typeface="Arial" panose="020B0604020202020204" pitchFamily="34" charset="0"/>
+              <a:buChar char="•"/>
+            </a:pPr>
+            <a:r>
+              <a:rPr lang="en-US" sz="1100" dirty="0">
+                <a:solidFill>
+                  <a:schemeClr val="tx1"/>
+                </a:solidFill>
+              </a:rPr>
+              <a:t>Think in process</a:t>
+            </a:r>
+          </a:p>
+          <a:p>
+            <a:pPr marL="171450" indent="-171450">
+              <a:buFont typeface="Arial" panose="020B0604020202020204" pitchFamily="34" charset="0"/>
+              <a:buChar char="•"/>
+            </a:pPr>
+            <a:r>
+              <a:rPr lang="en-US" sz="1100" dirty="0">
+                <a:solidFill>
+                  <a:schemeClr val="tx1"/>
+                </a:solidFill>
+              </a:rPr>
+              <a:t>How to do compiler as std part of struct</a:t>
+            </a:r>
+          </a:p>
+          <a:p>
+            <a:pPr marL="171450" indent="-171450">
+              <a:buFont typeface="Arial" panose="020B0604020202020204" pitchFamily="34" charset="0"/>
+              <a:buChar char="•"/>
+            </a:pPr>
+            <a:endParaRPr lang="en-US" sz="1100" dirty="0">
+              <a:solidFill>
+                <a:schemeClr val="tx1"/>
+              </a:solidFill>
+            </a:endParaRPr>
+          </a:p>
+        </p:txBody>
+      </p:sp>
+      <p:sp>
+        <p:nvSpPr>
+          <p:cNvPr id="25" name="Rectangle 24">
+            <a:extLst>
+              <a:ext uri="{FF2B5EF4-FFF2-40B4-BE49-F238E27FC236}">
+                <a16:creationId xmlns:a16="http://schemas.microsoft.com/office/drawing/2014/main" id="{D76CD5D8-5157-480D-9D33-687A1B4D49F7}"/>
+              </a:ext>
+            </a:extLst>
+          </p:cNvPr>
+          <p:cNvSpPr/>
+          <p:nvPr/>
+        </p:nvSpPr>
+        <p:spPr>
+          <a:xfrm>
+            <a:off x="294994" y="2808355"/>
+            <a:ext cx="3874406" cy="1055490"/>
+          </a:xfrm>
+          <a:prstGeom prst="rect">
+            <a:avLst/>
+          </a:prstGeom>
+          <a:noFill/>
+          <a:effectLst/>
+        </p:spPr>
+        <p:style>
+          <a:lnRef idx="2">
+            <a:schemeClr val="accent1">
+              <a:shade val="50000"/>
+            </a:schemeClr>
+          </a:lnRef>
+          <a:fillRef idx="1">
+            <a:schemeClr val="accent1"/>
+          </a:fillRef>
+          <a:effectRef idx="0">
+            <a:schemeClr val="accent1"/>
+          </a:effectRef>
+          <a:fontRef idx="minor">
+            <a:schemeClr val="lt1"/>
+          </a:fontRef>
+        </p:style>
+        <p:txBody>
+          <a:bodyPr rtlCol="0" anchor="ctr"/>
+          <a:lstStyle/>
+          <a:p>
+            <a:pPr algn="ctr"/>
+            <a:r>
+              <a:rPr lang="de-DE" dirty="0">
+                <a:solidFill>
+                  <a:schemeClr val="accent1"/>
+                </a:solidFill>
+              </a:rPr>
+              <a:t>MainProvider</a:t>
+            </a:r>
+          </a:p>
+          <a:p>
+            <a:pPr algn="ctr"/>
+            <a:r>
+              <a:rPr lang="de-DE" sz="1200" dirty="0">
+                <a:solidFill>
+                  <a:schemeClr val="accent1"/>
+                </a:solidFill>
+              </a:rPr>
+              <a:t>Handles all class, qualifier declaration instance enum and all association operations</a:t>
+            </a:r>
+          </a:p>
+        </p:txBody>
+      </p:sp>
+      <p:sp>
+        <p:nvSpPr>
+          <p:cNvPr id="32" name="Speech Bubble: Rectangle with Corners Rounded 31">
+            <a:extLst>
+              <a:ext uri="{FF2B5EF4-FFF2-40B4-BE49-F238E27FC236}">
+                <a16:creationId xmlns:a16="http://schemas.microsoft.com/office/drawing/2014/main" id="{32023E7D-F3A8-4D0C-B55C-B382AC845938}"/>
+              </a:ext>
+            </a:extLst>
+          </p:cNvPr>
+          <p:cNvSpPr/>
+          <p:nvPr/>
+        </p:nvSpPr>
+        <p:spPr>
+          <a:xfrm>
+            <a:off x="9878526" y="3548362"/>
+            <a:ext cx="2040745" cy="1055489"/>
+          </a:xfrm>
+          <a:prstGeom prst="wedgeRoundRectCallout">
+            <a:avLst>
+              <a:gd name="adj1" fmla="val -113144"/>
+              <a:gd name="adj2" fmla="val -20901"/>
+              <a:gd name="adj3" fmla="val 16667"/>
+            </a:avLst>
+          </a:prstGeom>
+          <a:solidFill>
+            <a:schemeClr val="accent4">
+              <a:lumMod val="20000"/>
+              <a:lumOff val="80000"/>
+            </a:schemeClr>
+          </a:solidFill>
+        </p:spPr>
+        <p:style>
+          <a:lnRef idx="2">
+            <a:schemeClr val="accent1">
+              <a:shade val="50000"/>
+            </a:schemeClr>
+          </a:lnRef>
+          <a:fillRef idx="1">
+            <a:schemeClr val="accent1"/>
+          </a:fillRef>
+          <a:effectRef idx="0">
+            <a:schemeClr val="accent1"/>
+          </a:effectRef>
+          <a:fontRef idx="minor">
+            <a:schemeClr val="lt1"/>
+          </a:fontRef>
+        </p:style>
+        <p:txBody>
+          <a:bodyPr rtlCol="0" anchor="ctr"/>
+          <a:lstStyle/>
+          <a:p>
+            <a:r>
+              <a:rPr lang="en-US" sz="1100" dirty="0">
+                <a:solidFill>
+                  <a:schemeClr val="tx1"/>
+                </a:solidFill>
+              </a:rPr>
+              <a:t>Subclass </a:t>
+            </a:r>
+            <a:r>
+              <a:rPr lang="en-US" sz="1100" dirty="0" err="1">
+                <a:solidFill>
+                  <a:schemeClr val="tx1"/>
+                </a:solidFill>
+              </a:rPr>
+              <a:t>BaseInstanceProvider</a:t>
+            </a:r>
+            <a:endParaRPr lang="en-US" sz="1100" dirty="0">
+              <a:solidFill>
+                <a:schemeClr val="tx1"/>
+              </a:solidFill>
+            </a:endParaRPr>
+          </a:p>
+          <a:p>
+            <a:r>
+              <a:rPr lang="en-US" sz="1100" dirty="0">
+                <a:solidFill>
+                  <a:schemeClr val="tx1"/>
+                </a:solidFill>
+              </a:rPr>
+              <a:t>Simple. Inst. Providers do create, delete, modify </a:t>
+            </a:r>
+            <a:r>
+              <a:rPr lang="en-US" sz="1100" dirty="0" err="1">
+                <a:solidFill>
+                  <a:schemeClr val="tx1"/>
+                </a:solidFill>
+              </a:rPr>
+              <a:t>invokemethod</a:t>
+            </a:r>
+            <a:r>
+              <a:rPr lang="en-US" sz="1100" dirty="0">
+                <a:solidFill>
+                  <a:schemeClr val="tx1"/>
+                </a:solidFill>
+              </a:rPr>
+              <a:t> and always use the repository.</a:t>
+            </a:r>
+          </a:p>
+        </p:txBody>
+      </p:sp>
+      <p:cxnSp>
+        <p:nvCxnSpPr>
+          <p:cNvPr id="37" name="Straight Arrow Connector 36">
+            <a:extLst>
+              <a:ext uri="{FF2B5EF4-FFF2-40B4-BE49-F238E27FC236}">
+                <a16:creationId xmlns:a16="http://schemas.microsoft.com/office/drawing/2014/main" id="{B7FAA196-D655-4C4A-A0EE-1527313FA31B}"/>
+              </a:ext>
+            </a:extLst>
+          </p:cNvPr>
+          <p:cNvCxnSpPr/>
+          <p:nvPr/>
+        </p:nvCxnSpPr>
+        <p:spPr>
+          <a:xfrm flipH="1">
+            <a:off x="3426594" y="2187772"/>
+            <a:ext cx="2122428" cy="620583"/>
+          </a:xfrm>
+          <a:prstGeom prst="straightConnector1">
+            <a:avLst/>
+          </a:prstGeom>
+          <a:ln>
+            <a:tailEnd type="triangle"/>
+          </a:ln>
+        </p:spPr>
+        <p:style>
+          <a:lnRef idx="1">
+            <a:schemeClr val="accent1"/>
+          </a:lnRef>
+          <a:fillRef idx="0">
+            <a:schemeClr val="accent1"/>
+          </a:fillRef>
+          <a:effectRef idx="0">
+            <a:schemeClr val="accent1"/>
+          </a:effectRef>
+          <a:fontRef idx="minor">
+            <a:schemeClr val="tx1"/>
+          </a:fontRef>
+        </p:style>
+      </p:cxnSp>
+      <p:cxnSp>
+        <p:nvCxnSpPr>
+          <p:cNvPr id="39" name="Straight Arrow Connector 38">
+            <a:extLst>
+              <a:ext uri="{FF2B5EF4-FFF2-40B4-BE49-F238E27FC236}">
+                <a16:creationId xmlns:a16="http://schemas.microsoft.com/office/drawing/2014/main" id="{AEE343A2-E45D-40D5-BC8C-8E8F9B0CE8DE}"/>
+              </a:ext>
+            </a:extLst>
+          </p:cNvPr>
+          <p:cNvCxnSpPr>
+            <a:cxnSpLocks/>
+          </p:cNvCxnSpPr>
+          <p:nvPr/>
+        </p:nvCxnSpPr>
+        <p:spPr>
+          <a:xfrm flipH="1">
+            <a:off x="5804034" y="2187772"/>
+            <a:ext cx="192505" cy="620583"/>
+          </a:xfrm>
+          <a:prstGeom prst="straightConnector1">
+            <a:avLst/>
+          </a:prstGeom>
+          <a:ln>
+            <a:tailEnd type="triangle"/>
+          </a:ln>
+        </p:spPr>
+        <p:style>
+          <a:lnRef idx="1">
+            <a:schemeClr val="accent1"/>
+          </a:lnRef>
+          <a:fillRef idx="0">
+            <a:schemeClr val="accent1"/>
+          </a:fillRef>
+          <a:effectRef idx="0">
+            <a:schemeClr val="accent1"/>
+          </a:effectRef>
+          <a:fontRef idx="minor">
+            <a:schemeClr val="tx1"/>
+          </a:fontRef>
+        </p:style>
+      </p:cxnSp>
+      <p:cxnSp>
+        <p:nvCxnSpPr>
+          <p:cNvPr id="42" name="Straight Arrow Connector 41">
+            <a:extLst>
+              <a:ext uri="{FF2B5EF4-FFF2-40B4-BE49-F238E27FC236}">
+                <a16:creationId xmlns:a16="http://schemas.microsoft.com/office/drawing/2014/main" id="{F741E4DF-D753-446A-87BF-1C306BF096FC}"/>
+              </a:ext>
+            </a:extLst>
+          </p:cNvPr>
+          <p:cNvCxnSpPr>
+            <a:cxnSpLocks/>
+          </p:cNvCxnSpPr>
+          <p:nvPr/>
+        </p:nvCxnSpPr>
+        <p:spPr>
+          <a:xfrm>
+            <a:off x="2791326" y="3901571"/>
+            <a:ext cx="192506" cy="922381"/>
+          </a:xfrm>
+          <a:prstGeom prst="straightConnector1">
+            <a:avLst/>
+          </a:prstGeom>
+          <a:ln>
+            <a:tailEnd type="triangle"/>
+          </a:ln>
+        </p:spPr>
+        <p:style>
+          <a:lnRef idx="1">
+            <a:schemeClr val="accent1"/>
+          </a:lnRef>
+          <a:fillRef idx="0">
+            <a:schemeClr val="accent1"/>
+          </a:fillRef>
+          <a:effectRef idx="0">
+            <a:schemeClr val="accent1"/>
+          </a:effectRef>
+          <a:fontRef idx="minor">
+            <a:schemeClr val="tx1"/>
+          </a:fontRef>
+        </p:style>
+      </p:cxnSp>
+      <p:cxnSp>
+        <p:nvCxnSpPr>
+          <p:cNvPr id="44" name="Straight Arrow Connector 43">
+            <a:extLst>
+              <a:ext uri="{FF2B5EF4-FFF2-40B4-BE49-F238E27FC236}">
+                <a16:creationId xmlns:a16="http://schemas.microsoft.com/office/drawing/2014/main" id="{F9603B37-26AA-49AB-A362-509AB90999AA}"/>
+              </a:ext>
+            </a:extLst>
+          </p:cNvPr>
+          <p:cNvCxnSpPr/>
+          <p:nvPr/>
+        </p:nvCxnSpPr>
+        <p:spPr>
+          <a:xfrm flipH="1">
+            <a:off x="4259964" y="3698174"/>
+            <a:ext cx="546555" cy="1112929"/>
+          </a:xfrm>
+          <a:prstGeom prst="straightConnector1">
+            <a:avLst/>
+          </a:prstGeom>
+          <a:ln>
+            <a:tailEnd type="triangle"/>
+          </a:ln>
+        </p:spPr>
+        <p:style>
+          <a:lnRef idx="1">
+            <a:schemeClr val="accent1"/>
+          </a:lnRef>
+          <a:fillRef idx="0">
+            <a:schemeClr val="accent1"/>
+          </a:fillRef>
+          <a:effectRef idx="0">
+            <a:schemeClr val="accent1"/>
+          </a:effectRef>
+          <a:fontRef idx="minor">
+            <a:schemeClr val="tx1"/>
+          </a:fontRef>
+        </p:style>
+      </p:cxnSp>
+      <p:cxnSp>
+        <p:nvCxnSpPr>
+          <p:cNvPr id="47" name="Straight Arrow Connector 46">
+            <a:extLst>
+              <a:ext uri="{FF2B5EF4-FFF2-40B4-BE49-F238E27FC236}">
+                <a16:creationId xmlns:a16="http://schemas.microsoft.com/office/drawing/2014/main" id="{416B7CCB-704F-44DB-939F-5481A23C86BE}"/>
+              </a:ext>
+            </a:extLst>
+          </p:cNvPr>
+          <p:cNvCxnSpPr/>
+          <p:nvPr/>
+        </p:nvCxnSpPr>
+        <p:spPr>
+          <a:xfrm>
+            <a:off x="6096000" y="4706093"/>
+            <a:ext cx="0" cy="105010"/>
+          </a:xfrm>
+          <a:prstGeom prst="straightConnector1">
+            <a:avLst/>
+          </a:prstGeom>
+          <a:ln>
+            <a:tailEnd type="triangle"/>
+          </a:ln>
+        </p:spPr>
+        <p:style>
+          <a:lnRef idx="1">
+            <a:schemeClr val="accent1"/>
+          </a:lnRef>
+          <a:fillRef idx="0">
+            <a:schemeClr val="accent1"/>
+          </a:fillRef>
+          <a:effectRef idx="0">
+            <a:schemeClr val="accent1"/>
+          </a:effectRef>
+          <a:fontRef idx="minor">
+            <a:schemeClr val="tx1"/>
+          </a:fontRef>
+        </p:style>
+      </p:cxnSp>
     </p:spTree>
     <p:extLst>
       <p:ext uri="{BB962C8B-B14F-4D97-AF65-F5344CB8AC3E}">
-        <p14:creationId xmlns:p14="http://schemas.microsoft.com/office/powerpoint/2010/main" val="17203203"/>
+        <p14:creationId xmlns:p14="http://schemas.microsoft.com/office/powerpoint/2010/main" val="439583596"/>
       </p:ext>
     </p:extLst>
   </p:cSld>
@@ -5354,7 +6652,7 @@
           <p:cNvPr id="2" name="Title 1">
             <a:extLst>
               <a:ext uri="{FF2B5EF4-FFF2-40B4-BE49-F238E27FC236}">
-                <a16:creationId xmlns:a16="http://schemas.microsoft.com/office/drawing/2014/main" id="{4496F551-68AF-40DB-ACC7-061BEA4283A7}"/>
+                <a16:creationId xmlns:a16="http://schemas.microsoft.com/office/drawing/2014/main" id="{1200F159-39BA-450F-B0C4-1E9264E49E12}"/>
               </a:ext>
             </a:extLst>
           </p:cNvPr>
@@ -5372,7 +6670,7 @@
           <a:p>
             <a:r>
               <a:rPr lang="en-US" dirty="0"/>
-              <a:t>Repository API - Namespaces</a:t>
+              <a:t>Providers and Registration</a:t>
             </a:r>
           </a:p>
         </p:txBody>
@@ -5382,7 +6680,7 @@
           <p:cNvPr id="3" name="Content Placeholder 2">
             <a:extLst>
               <a:ext uri="{FF2B5EF4-FFF2-40B4-BE49-F238E27FC236}">
-                <a16:creationId xmlns:a16="http://schemas.microsoft.com/office/drawing/2014/main" id="{685110F1-010F-4CC2-8C04-5F2CC0F0E998}"/>
+                <a16:creationId xmlns:a16="http://schemas.microsoft.com/office/drawing/2014/main" id="{7C1254D7-4FD1-4EDD-82CB-E9CF067E58BC}"/>
               </a:ext>
             </a:extLst>
           </p:cNvPr>
@@ -5393,46 +6691,146 @@
             <p:ph idx="1"/>
           </p:nvPr>
         </p:nvSpPr>
-        <p:spPr/>
-        <p:txBody>
-          <a:bodyPr/>
-          <a:lstStyle/>
-          <a:p>
-            <a:r>
-              <a:rPr lang="en-US" dirty="0"/>
-              <a:t>Assumes that there is no extra information required for namespaces than the name.</a:t>
-            </a:r>
-          </a:p>
-          <a:p>
+        <p:spPr>
+          <a:xfrm>
+            <a:off x="838200" y="1330036"/>
+            <a:ext cx="10515600" cy="4846927"/>
+          </a:xfrm>
+        </p:spPr>
+        <p:txBody>
+          <a:bodyPr>
+            <a:normAutofit fontScale="70000" lnSpcReduction="20000"/>
+          </a:bodyPr>
+          <a:lstStyle/>
+          <a:p>
+            <a:r>
+              <a:rPr lang="en-US" dirty="0"/>
+              <a:t>Provider goals are to:</a:t>
+            </a:r>
+          </a:p>
+          <a:p>
+            <a:pPr lvl="1"/>
+            <a:r>
+              <a:rPr lang="en-US" dirty="0"/>
+              <a:t>Allow extra processing on create of instances and delete of instances (ex. Getting with only partial instance path and completing the path)</a:t>
+            </a:r>
+          </a:p>
+          <a:p>
+            <a:pPr lvl="1"/>
+            <a:r>
+              <a:rPr lang="en-US" dirty="0"/>
+              <a:t>Handling processing of </a:t>
+            </a:r>
             <a:r>
               <a:rPr lang="en-US" dirty="0" err="1"/>
-              <a:t>add_namespace</a:t>
-            </a:r>
-            <a:r>
-              <a:rPr lang="en-US" dirty="0"/>
-              <a:t>(name)</a:t>
-            </a:r>
-          </a:p>
-          <a:p>
+              <a:t>InvokedMethodsAll</a:t>
+            </a:r>
+            <a:r>
+              <a:rPr lang="en-US" dirty="0"/>
+              <a:t> providers are subclasses of </a:t>
+            </a:r>
             <a:r>
               <a:rPr lang="en-US" dirty="0" err="1"/>
-              <a:t>remove_namespace</a:t>
-            </a:r>
-            <a:r>
-              <a:rPr lang="en-US" dirty="0"/>
-              <a:t>(name)</a:t>
-            </a:r>
-          </a:p>
-          <a:p>
-            <a:r>
-              <a:rPr lang="en-US" dirty="0"/>
-              <a:t>list-namespaces()</a:t>
-            </a:r>
-          </a:p>
-          <a:p>
-            <a:r>
-              <a:rPr lang="en-US" dirty="0"/>
-              <a:t>NOTE: The handling of the </a:t>
+              <a:t>BaseInstanceProvider</a:t>
+            </a:r>
+            <a:endParaRPr lang="en-US" dirty="0"/>
+          </a:p>
+          <a:p>
+            <a:r>
+              <a:rPr lang="en-US" dirty="0"/>
+              <a:t>All providers are subclasses of </a:t>
+            </a:r>
+            <a:r>
+              <a:rPr lang="en-US" dirty="0" err="1"/>
+              <a:t>BaseInstanceProvider</a:t>
+            </a:r>
+            <a:endParaRPr lang="en-US" dirty="0"/>
+          </a:p>
+          <a:p>
+            <a:r>
+              <a:rPr lang="en-US" dirty="0"/>
+              <a:t>Only one provider type.</a:t>
+            </a:r>
+          </a:p>
+          <a:p>
+            <a:pPr lvl="1"/>
+            <a:r>
+              <a:rPr lang="en-US" dirty="0" err="1"/>
+              <a:t>Instanceprovider</a:t>
+            </a:r>
+            <a:r>
+              <a:rPr lang="en-US" dirty="0"/>
+              <a:t> – Registered provider only handles </a:t>
+            </a:r>
+            <a:r>
+              <a:rPr lang="en-US" dirty="0" err="1"/>
+              <a:t>CreateInstance</a:t>
+            </a:r>
+            <a:r>
+              <a:rPr lang="en-US" dirty="0"/>
+              <a:t> </a:t>
+            </a:r>
+            <a:r>
+              <a:rPr lang="en-US" dirty="0" err="1"/>
+              <a:t>DeleteInstance</a:t>
+            </a:r>
+            <a:r>
+              <a:rPr lang="en-US" dirty="0"/>
+              <a:t>, </a:t>
+            </a:r>
+            <a:r>
+              <a:rPr lang="en-US" dirty="0" err="1"/>
+              <a:t>InvokeMethod</a:t>
+            </a:r>
+            <a:endParaRPr lang="en-US" dirty="0"/>
+          </a:p>
+          <a:p>
+            <a:r>
+              <a:rPr lang="en-US" dirty="0"/>
+              <a:t>These are mock providers and keep their data in the common repository</a:t>
+            </a:r>
+          </a:p>
+          <a:p>
+            <a:pPr lvl="1"/>
+            <a:r>
+              <a:rPr lang="en-US" dirty="0"/>
+              <a:t>Thus </a:t>
+            </a:r>
+            <a:r>
+              <a:rPr lang="en-US" dirty="0" err="1"/>
+              <a:t>EnumerateInstances</a:t>
+            </a:r>
+            <a:r>
+              <a:rPr lang="en-US" dirty="0"/>
+              <a:t> and association operations are handled by </a:t>
+            </a:r>
+            <a:r>
+              <a:rPr lang="en-US" dirty="0" err="1"/>
+              <a:t>BaseInstanceProvider</a:t>
+            </a:r>
+            <a:endParaRPr lang="en-US" dirty="0"/>
+          </a:p>
+          <a:p>
+            <a:r>
+              <a:rPr lang="en-US" dirty="0"/>
+              <a:t>Provider registration is only identification of the subclass that is the name of the class being serviced by the provider.</a:t>
+            </a:r>
+          </a:p>
+          <a:p>
+            <a:r>
+              <a:rPr lang="en-US" dirty="0"/>
+              <a:t>Methods defined are attached to the registration. Thus only registered providers support processing </a:t>
+            </a:r>
+            <a:r>
+              <a:rPr lang="en-US" dirty="0" err="1"/>
+              <a:t>InvokeMethod</a:t>
+            </a:r>
+            <a:endParaRPr lang="en-US" dirty="0"/>
+          </a:p>
+          <a:p>
+            <a:r>
+              <a:rPr lang="en-US" dirty="0"/>
+              <a:t>First example should be </a:t>
             </a:r>
             <a:r>
               <a:rPr lang="en-US" dirty="0" err="1"/>
@@ -5440,7 +6838,22 @@
             </a:r>
             <a:r>
               <a:rPr lang="en-US" dirty="0"/>
-              <a:t> class and its instances is in the Provider layer</a:t>
+              <a:t> which should be considered an internal provider (i.e. always there.)</a:t>
+            </a:r>
+          </a:p>
+          <a:p>
+            <a:pPr lvl="1"/>
+            <a:r>
+              <a:rPr lang="en-US" dirty="0"/>
+              <a:t>Does that mean we can remove add/remove namespace from </a:t>
+            </a:r>
+            <a:r>
+              <a:rPr lang="en-US" dirty="0" err="1"/>
+              <a:t>Faked_WBEMConnection</a:t>
+            </a:r>
+            <a:r>
+              <a:rPr lang="en-US" dirty="0"/>
+              <a:t> and use instance from client to create namespaces? </a:t>
             </a:r>
           </a:p>
         </p:txBody>
@@ -5448,7 +6861,7 @@
     </p:spTree>
     <p:extLst>
       <p:ext uri="{BB962C8B-B14F-4D97-AF65-F5344CB8AC3E}">
-        <p14:creationId xmlns:p14="http://schemas.microsoft.com/office/powerpoint/2010/main" val="765758710"/>
+        <p14:creationId xmlns:p14="http://schemas.microsoft.com/office/powerpoint/2010/main" val="231059737"/>
       </p:ext>
     </p:extLst>
   </p:cSld>
@@ -5480,6 +6893,395 @@
           <p:cNvPr id="2" name="Title 1">
             <a:extLst>
               <a:ext uri="{FF2B5EF4-FFF2-40B4-BE49-F238E27FC236}">
+                <a16:creationId xmlns:a16="http://schemas.microsoft.com/office/drawing/2014/main" id="{4BD94CAE-1505-4163-8404-9676EC90FC68}"/>
+              </a:ext>
+            </a:extLst>
+          </p:cNvPr>
+          <p:cNvSpPr>
+            <a:spLocks noGrp="1"/>
+          </p:cNvSpPr>
+          <p:nvPr>
+            <p:ph type="title"/>
+          </p:nvPr>
+        </p:nvSpPr>
+        <p:spPr/>
+        <p:txBody>
+          <a:bodyPr/>
+          <a:lstStyle/>
+          <a:p>
+            <a:r>
+              <a:rPr lang="en-US" dirty="0"/>
+              <a:t>Repository Interface</a:t>
+            </a:r>
+          </a:p>
+        </p:txBody>
+      </p:sp>
+      <p:sp>
+        <p:nvSpPr>
+          <p:cNvPr id="3" name="Content Placeholder 2">
+            <a:extLst>
+              <a:ext uri="{FF2B5EF4-FFF2-40B4-BE49-F238E27FC236}">
+                <a16:creationId xmlns:a16="http://schemas.microsoft.com/office/drawing/2014/main" id="{45BB996F-6AA9-40D5-A8C9-B9D9B93CCF03}"/>
+              </a:ext>
+            </a:extLst>
+          </p:cNvPr>
+          <p:cNvSpPr>
+            <a:spLocks noGrp="1"/>
+          </p:cNvSpPr>
+          <p:nvPr>
+            <p:ph idx="1"/>
+          </p:nvPr>
+        </p:nvSpPr>
+        <p:spPr/>
+        <p:txBody>
+          <a:bodyPr>
+            <a:normAutofit fontScale="55000" lnSpcReduction="20000"/>
+          </a:bodyPr>
+          <a:lstStyle/>
+          <a:p>
+            <a:r>
+              <a:rPr lang="en-US" dirty="0"/>
+              <a:t>Only simple operations on objects in the data store</a:t>
+            </a:r>
+          </a:p>
+          <a:p>
+            <a:r>
+              <a:rPr lang="en-US" dirty="0"/>
+              <a:t>Should not have internal knowledge of the data (i.e. </a:t>
+            </a:r>
+            <a:r>
+              <a:rPr lang="en-US" dirty="0" err="1"/>
+              <a:t>CIMClass</a:t>
+            </a:r>
+            <a:r>
+              <a:rPr lang="en-US" dirty="0"/>
+              <a:t>, etc.). Only object and name</a:t>
+            </a:r>
+          </a:p>
+          <a:p>
+            <a:r>
+              <a:rPr lang="en-US" dirty="0"/>
+              <a:t>Provide store for namespace names and for CIM classes, CIM instances, CIM qualifier declarations organized by namespace and each available as separate set of calls.</a:t>
+            </a:r>
+          </a:p>
+          <a:p>
+            <a:r>
+              <a:rPr lang="en-US" dirty="0"/>
+              <a:t>Provide methods to manage the namespaces:</a:t>
+            </a:r>
+          </a:p>
+          <a:p>
+            <a:pPr lvl="1"/>
+            <a:r>
+              <a:rPr lang="en-US" dirty="0"/>
+              <a:t>Create/remove namespaces</a:t>
+            </a:r>
+          </a:p>
+          <a:p>
+            <a:r>
+              <a:rPr lang="en-US" dirty="0"/>
+              <a:t>Provide access to the objects of each type by name where the name is case insensitive for the </a:t>
+            </a:r>
+            <a:r>
+              <a:rPr lang="en-US" dirty="0" err="1"/>
+              <a:t>CIMClasses</a:t>
+            </a:r>
+            <a:r>
+              <a:rPr lang="en-US" dirty="0"/>
+              <a:t>, CIM qualifiers but using </a:t>
+            </a:r>
+            <a:r>
+              <a:rPr lang="en-US" dirty="0" err="1"/>
+              <a:t>CIMInstanceName</a:t>
+            </a:r>
+            <a:r>
+              <a:rPr lang="en-US" dirty="0"/>
+              <a:t> for CIM instances.  Consider using the hash as a key for </a:t>
+            </a:r>
+            <a:r>
+              <a:rPr lang="en-US" dirty="0" err="1"/>
+              <a:t>CIMInstances</a:t>
+            </a:r>
+            <a:r>
+              <a:rPr lang="en-US" dirty="0"/>
+              <a:t>.</a:t>
+            </a:r>
+          </a:p>
+          <a:p>
+            <a:r>
+              <a:rPr lang="en-US" dirty="0"/>
+              <a:t>Organized the data for each type grouped by namespace</a:t>
+            </a:r>
+          </a:p>
+          <a:p>
+            <a:r>
+              <a:rPr lang="en-US" dirty="0"/>
+              <a:t>Provide methods to manage each of the data types separately within each namespace group</a:t>
+            </a:r>
+          </a:p>
+          <a:p>
+            <a:pPr lvl="1"/>
+            <a:r>
+              <a:rPr lang="en-US" dirty="0"/>
+              <a:t>Create object in a namespace</a:t>
+            </a:r>
+          </a:p>
+          <a:p>
+            <a:pPr lvl="1"/>
+            <a:r>
+              <a:rPr lang="en-US" dirty="0"/>
+              <a:t>Delete object in a namespace</a:t>
+            </a:r>
+          </a:p>
+          <a:p>
+            <a:pPr lvl="1"/>
+            <a:r>
+              <a:rPr lang="en-US" dirty="0"/>
+              <a:t>Update existing object in a namespace</a:t>
+            </a:r>
+          </a:p>
+          <a:p>
+            <a:pPr lvl="1"/>
+            <a:r>
+              <a:rPr lang="en-US" dirty="0"/>
+              <a:t>List objects in a namespace</a:t>
+            </a:r>
+          </a:p>
+          <a:p>
+            <a:r>
+              <a:rPr lang="en-US" dirty="0"/>
+              <a:t>Provide error handling through exceptions:</a:t>
+            </a:r>
+          </a:p>
+          <a:p>
+            <a:pPr lvl="1"/>
+            <a:r>
+              <a:rPr lang="en-US" dirty="0"/>
+              <a:t>Should not use </a:t>
+            </a:r>
+            <a:r>
+              <a:rPr lang="en-US" dirty="0" err="1"/>
+              <a:t>CIMError</a:t>
+            </a:r>
+            <a:r>
+              <a:rPr lang="en-US" dirty="0"/>
+              <a:t> as the exceptions but exceptions like </a:t>
+            </a:r>
+            <a:r>
+              <a:rPr lang="en-US" dirty="0" err="1"/>
+              <a:t>KeyError</a:t>
+            </a:r>
+            <a:r>
+              <a:rPr lang="en-US" dirty="0"/>
+              <a:t>, </a:t>
+            </a:r>
+            <a:r>
+              <a:rPr lang="en-US" dirty="0" err="1"/>
+              <a:t>ValueError</a:t>
+            </a:r>
+            <a:r>
+              <a:rPr lang="en-US" dirty="0"/>
+              <a:t>. Should we define some small error class. </a:t>
+            </a:r>
+          </a:p>
+        </p:txBody>
+      </p:sp>
+      <p:sp>
+        <p:nvSpPr>
+          <p:cNvPr id="4" name="TextBox 3">
+            <a:extLst>
+              <a:ext uri="{FF2B5EF4-FFF2-40B4-BE49-F238E27FC236}">
+                <a16:creationId xmlns:a16="http://schemas.microsoft.com/office/drawing/2014/main" id="{62B16FC6-80EE-4C74-96C2-67C85A565C93}"/>
+              </a:ext>
+            </a:extLst>
+          </p:cNvPr>
+          <p:cNvSpPr txBox="1"/>
+          <p:nvPr/>
+        </p:nvSpPr>
+        <p:spPr>
+          <a:xfrm>
+            <a:off x="7869677" y="365125"/>
+            <a:ext cx="2645923" cy="369332"/>
+          </a:xfrm>
+          <a:prstGeom prst="rect">
+            <a:avLst/>
+          </a:prstGeom>
+          <a:noFill/>
+        </p:spPr>
+        <p:txBody>
+          <a:bodyPr wrap="square" rtlCol="0">
+            <a:spAutoFit/>
+          </a:bodyPr>
+          <a:lstStyle/>
+          <a:p>
+            <a:r>
+              <a:rPr lang="en-US" dirty="0"/>
+              <a:t>KS 10 Jan. 2020</a:t>
+            </a:r>
+          </a:p>
+        </p:txBody>
+      </p:sp>
+    </p:spTree>
+    <p:extLst>
+      <p:ext uri="{BB962C8B-B14F-4D97-AF65-F5344CB8AC3E}">
+        <p14:creationId xmlns:p14="http://schemas.microsoft.com/office/powerpoint/2010/main" val="17203203"/>
+      </p:ext>
+    </p:extLst>
+  </p:cSld>
+  <p:clrMapOvr>
+    <a:masterClrMapping/>
+  </p:clrMapOvr>
+</p:sld>
+</file>
+
+<file path=ppt/slides/slide14.xml><?xml version="1.0" encoding="utf-8"?>
+<p:sld xmlns:a="http://schemas.openxmlformats.org/drawingml/2006/main" xmlns:r="http://schemas.openxmlformats.org/officeDocument/2006/relationships" xmlns:p="http://schemas.openxmlformats.org/presentationml/2006/main">
+  <p:cSld>
+    <p:spTree>
+      <p:nvGrpSpPr>
+        <p:cNvPr id="1" name=""/>
+        <p:cNvGrpSpPr/>
+        <p:nvPr/>
+      </p:nvGrpSpPr>
+      <p:grpSpPr>
+        <a:xfrm>
+          <a:off x="0" y="0"/>
+          <a:ext cx="0" cy="0"/>
+          <a:chOff x="0" y="0"/>
+          <a:chExt cx="0" cy="0"/>
+        </a:xfrm>
+      </p:grpSpPr>
+      <p:sp>
+        <p:nvSpPr>
+          <p:cNvPr id="2" name="Title 1">
+            <a:extLst>
+              <a:ext uri="{FF2B5EF4-FFF2-40B4-BE49-F238E27FC236}">
+                <a16:creationId xmlns:a16="http://schemas.microsoft.com/office/drawing/2014/main" id="{4496F551-68AF-40DB-ACC7-061BEA4283A7}"/>
+              </a:ext>
+            </a:extLst>
+          </p:cNvPr>
+          <p:cNvSpPr>
+            <a:spLocks noGrp="1"/>
+          </p:cNvSpPr>
+          <p:nvPr>
+            <p:ph type="title"/>
+          </p:nvPr>
+        </p:nvSpPr>
+        <p:spPr/>
+        <p:txBody>
+          <a:bodyPr/>
+          <a:lstStyle/>
+          <a:p>
+            <a:r>
+              <a:rPr lang="en-US" dirty="0"/>
+              <a:t>Repository API - Namespaces</a:t>
+            </a:r>
+          </a:p>
+        </p:txBody>
+      </p:sp>
+      <p:sp>
+        <p:nvSpPr>
+          <p:cNvPr id="3" name="Content Placeholder 2">
+            <a:extLst>
+              <a:ext uri="{FF2B5EF4-FFF2-40B4-BE49-F238E27FC236}">
+                <a16:creationId xmlns:a16="http://schemas.microsoft.com/office/drawing/2014/main" id="{685110F1-010F-4CC2-8C04-5F2CC0F0E998}"/>
+              </a:ext>
+            </a:extLst>
+          </p:cNvPr>
+          <p:cNvSpPr>
+            <a:spLocks noGrp="1"/>
+          </p:cNvSpPr>
+          <p:nvPr>
+            <p:ph idx="1"/>
+          </p:nvPr>
+        </p:nvSpPr>
+        <p:spPr/>
+        <p:txBody>
+          <a:bodyPr/>
+          <a:lstStyle/>
+          <a:p>
+            <a:r>
+              <a:rPr lang="en-US" dirty="0"/>
+              <a:t>Assumes that there is no extra information required for namespaces than the name.</a:t>
+            </a:r>
+          </a:p>
+          <a:p>
+            <a:r>
+              <a:rPr lang="en-US" dirty="0" err="1"/>
+              <a:t>add_namespace</a:t>
+            </a:r>
+            <a:r>
+              <a:rPr lang="en-US" dirty="0"/>
+              <a:t>(name)</a:t>
+            </a:r>
+          </a:p>
+          <a:p>
+            <a:r>
+              <a:rPr lang="en-US" dirty="0" err="1"/>
+              <a:t>remove_namespace</a:t>
+            </a:r>
+            <a:r>
+              <a:rPr lang="en-US" dirty="0"/>
+              <a:t>(name)</a:t>
+            </a:r>
+          </a:p>
+          <a:p>
+            <a:r>
+              <a:rPr lang="en-US" dirty="0"/>
+              <a:t>list-namespaces()</a:t>
+            </a:r>
+          </a:p>
+          <a:p>
+            <a:r>
+              <a:rPr lang="en-US" dirty="0"/>
+              <a:t>NOTE: The handling of the </a:t>
+            </a:r>
+            <a:r>
+              <a:rPr lang="en-US" dirty="0" err="1"/>
+              <a:t>CIM_Namespace</a:t>
+            </a:r>
+            <a:r>
+              <a:rPr lang="en-US" dirty="0"/>
+              <a:t> class and its instances is in the Provider layer</a:t>
+            </a:r>
+          </a:p>
+        </p:txBody>
+      </p:sp>
+    </p:spTree>
+    <p:extLst>
+      <p:ext uri="{BB962C8B-B14F-4D97-AF65-F5344CB8AC3E}">
+        <p14:creationId xmlns:p14="http://schemas.microsoft.com/office/powerpoint/2010/main" val="765758710"/>
+      </p:ext>
+    </p:extLst>
+  </p:cSld>
+  <p:clrMapOvr>
+    <a:masterClrMapping/>
+  </p:clrMapOvr>
+</p:sld>
+</file>
+
+<file path=ppt/slides/slide15.xml><?xml version="1.0" encoding="utf-8"?>
+<p:sld xmlns:a="http://schemas.openxmlformats.org/drawingml/2006/main" xmlns:r="http://schemas.openxmlformats.org/officeDocument/2006/relationships" xmlns:p="http://schemas.openxmlformats.org/presentationml/2006/main">
+  <p:cSld>
+    <p:spTree>
+      <p:nvGrpSpPr>
+        <p:cNvPr id="1" name=""/>
+        <p:cNvGrpSpPr/>
+        <p:nvPr/>
+      </p:nvGrpSpPr>
+      <p:grpSpPr>
+        <a:xfrm>
+          <a:off x="0" y="0"/>
+          <a:ext cx="0" cy="0"/>
+          <a:chOff x="0" y="0"/>
+          <a:chExt cx="0" cy="0"/>
+        </a:xfrm>
+      </p:grpSpPr>
+      <p:sp>
+        <p:nvSpPr>
+          <p:cNvPr id="2" name="Title 1">
+            <a:extLst>
+              <a:ext uri="{FF2B5EF4-FFF2-40B4-BE49-F238E27FC236}">
                 <a16:creationId xmlns:a16="http://schemas.microsoft.com/office/drawing/2014/main" id="{286099BB-8E55-4C1C-A144-FE4FCFDD8CEB}"/>
               </a:ext>
             </a:extLst>
@@ -5881,731 +7683,6 @@
 </p:sld>
 </file>
 
-<file path=ppt/slides/slide14.xml><?xml version="1.0" encoding="utf-8"?>
-<p:sld xmlns:a="http://schemas.openxmlformats.org/drawingml/2006/main" xmlns:r="http://schemas.openxmlformats.org/officeDocument/2006/relationships" xmlns:p="http://schemas.openxmlformats.org/presentationml/2006/main">
-  <p:cSld>
-    <p:spTree>
-      <p:nvGrpSpPr>
-        <p:cNvPr id="1" name=""/>
-        <p:cNvGrpSpPr/>
-        <p:nvPr/>
-      </p:nvGrpSpPr>
-      <p:grpSpPr>
-        <a:xfrm>
-          <a:off x="0" y="0"/>
-          <a:ext cx="0" cy="0"/>
-          <a:chOff x="0" y="0"/>
-          <a:chExt cx="0" cy="0"/>
-        </a:xfrm>
-      </p:grpSpPr>
-      <p:sp>
-        <p:nvSpPr>
-          <p:cNvPr id="2" name="Title 1">
-            <a:extLst>
-              <a:ext uri="{FF2B5EF4-FFF2-40B4-BE49-F238E27FC236}">
-                <a16:creationId xmlns:a16="http://schemas.microsoft.com/office/drawing/2014/main" id="{316ACB32-13A7-44DD-82E8-1E8CBF5B9734}"/>
-              </a:ext>
-            </a:extLst>
-          </p:cNvPr>
-          <p:cNvSpPr>
-            <a:spLocks noGrp="1"/>
-          </p:cNvSpPr>
-          <p:nvPr>
-            <p:ph type="title"/>
-          </p:nvPr>
-        </p:nvSpPr>
-        <p:spPr/>
-        <p:txBody>
-          <a:bodyPr/>
-          <a:lstStyle/>
-          <a:p>
-            <a:r>
-              <a:rPr lang="en-US" dirty="0"/>
-              <a:t>Repository API </a:t>
-            </a:r>
-            <a:r>
-              <a:rPr lang="en-US" dirty="0" err="1"/>
-              <a:t>cont</a:t>
-            </a:r>
-            <a:r>
-              <a:rPr lang="en-US" dirty="0"/>
-              <a:t> – The methods</a:t>
-            </a:r>
-          </a:p>
-        </p:txBody>
-      </p:sp>
-      <p:sp>
-        <p:nvSpPr>
-          <p:cNvPr id="3" name="Content Placeholder 2">
-            <a:extLst>
-              <a:ext uri="{FF2B5EF4-FFF2-40B4-BE49-F238E27FC236}">
-                <a16:creationId xmlns:a16="http://schemas.microsoft.com/office/drawing/2014/main" id="{1A663AFD-87F4-46B4-A6ED-1115CE2B2FC1}"/>
-              </a:ext>
-            </a:extLst>
-          </p:cNvPr>
-          <p:cNvSpPr>
-            <a:spLocks noGrp="1"/>
-          </p:cNvSpPr>
-          <p:nvPr>
-            <p:ph idx="1"/>
-          </p:nvPr>
-        </p:nvSpPr>
-        <p:spPr/>
-        <p:txBody>
-          <a:bodyPr>
-            <a:normAutofit fontScale="85000" lnSpcReduction="20000"/>
-          </a:bodyPr>
-          <a:lstStyle/>
-          <a:p>
-            <a:r>
-              <a:rPr lang="en-US" dirty="0"/>
-              <a:t>For each data type the following are logical </a:t>
-            </a:r>
-            <a:r>
-              <a:rPr lang="en-US" dirty="0" err="1"/>
-              <a:t>apis</a:t>
-            </a:r>
-            <a:r>
-              <a:rPr lang="en-US" dirty="0"/>
-              <a:t>.</a:t>
-            </a:r>
-          </a:p>
-          <a:p>
-            <a:pPr lvl="1"/>
-            <a:r>
-              <a:rPr lang="en-US" dirty="0"/>
-              <a:t>&lt;</a:t>
-            </a:r>
-            <a:r>
-              <a:rPr lang="en-US" dirty="0" err="1"/>
-              <a:t>repo_handle</a:t>
-            </a:r>
-            <a:r>
-              <a:rPr lang="en-US" dirty="0"/>
-              <a:t>&gt;.create(name, data)</a:t>
-            </a:r>
-          </a:p>
-          <a:p>
-            <a:pPr lvl="2"/>
-            <a:r>
-              <a:rPr lang="en-US" dirty="0"/>
-              <a:t>Adds data to repository unless that name already exists</a:t>
-            </a:r>
-          </a:p>
-          <a:p>
-            <a:pPr lvl="1"/>
-            <a:r>
-              <a:rPr lang="en-US" dirty="0"/>
-              <a:t>&lt;</a:t>
-            </a:r>
-            <a:r>
-              <a:rPr lang="en-US" dirty="0" err="1"/>
-              <a:t>repo_handle</a:t>
-            </a:r>
-            <a:r>
-              <a:rPr lang="en-US" dirty="0"/>
-              <a:t>&gt;. delete(name)</a:t>
-            </a:r>
-          </a:p>
-          <a:p>
-            <a:pPr lvl="2"/>
-            <a:r>
-              <a:rPr lang="en-US" dirty="0"/>
-              <a:t>Deletes object from repository if that name exists</a:t>
-            </a:r>
-          </a:p>
-          <a:p>
-            <a:pPr lvl="1"/>
-            <a:r>
-              <a:rPr lang="en-US" dirty="0"/>
-              <a:t>&lt;</a:t>
-            </a:r>
-            <a:r>
-              <a:rPr lang="en-US" dirty="0" err="1"/>
-              <a:t>repo_handle</a:t>
-            </a:r>
-            <a:r>
-              <a:rPr lang="en-US" dirty="0"/>
-              <a:t>&gt;. update(name, data)</a:t>
-            </a:r>
-          </a:p>
-          <a:p>
-            <a:pPr lvl="2"/>
-            <a:r>
-              <a:rPr lang="en-US" dirty="0"/>
-              <a:t>Replaces the existing object with name in repository with data</a:t>
-            </a:r>
-          </a:p>
-          <a:p>
-            <a:pPr lvl="1"/>
-            <a:r>
-              <a:rPr lang="en-US" dirty="0"/>
-              <a:t>&lt;</a:t>
-            </a:r>
-            <a:r>
-              <a:rPr lang="en-US" dirty="0" err="1"/>
-              <a:t>repo_handle</a:t>
-            </a:r>
-            <a:r>
-              <a:rPr lang="en-US" dirty="0"/>
-              <a:t>&gt;.get(name)</a:t>
-            </a:r>
-          </a:p>
-          <a:p>
-            <a:pPr lvl="2"/>
-            <a:r>
-              <a:rPr lang="en-US" dirty="0"/>
-              <a:t>Returns object with name from repository if it exists.</a:t>
-            </a:r>
-          </a:p>
-          <a:p>
-            <a:pPr lvl="1"/>
-            <a:r>
-              <a:rPr lang="en-US" dirty="0"/>
-              <a:t>&lt;</a:t>
-            </a:r>
-            <a:r>
-              <a:rPr lang="en-US" dirty="0" err="1"/>
-              <a:t>repo_handle</a:t>
-            </a:r>
-            <a:r>
-              <a:rPr lang="en-US" dirty="0"/>
-              <a:t>&gt;.names()</a:t>
-            </a:r>
-          </a:p>
-          <a:p>
-            <a:pPr lvl="2"/>
-            <a:r>
-              <a:rPr lang="en-US" dirty="0"/>
-              <a:t>Returns list of names of the objects in the store</a:t>
-            </a:r>
-          </a:p>
-          <a:p>
-            <a:pPr lvl="1"/>
-            <a:r>
-              <a:rPr lang="en-US" dirty="0"/>
-              <a:t>&lt;</a:t>
-            </a:r>
-            <a:r>
-              <a:rPr lang="en-US" dirty="0" err="1"/>
-              <a:t>repo_handle</a:t>
-            </a:r>
-            <a:r>
-              <a:rPr lang="en-US" dirty="0"/>
-              <a:t>&gt;.</a:t>
-            </a:r>
-            <a:r>
-              <a:rPr lang="en-US" dirty="0" err="1"/>
-              <a:t>iter</a:t>
-            </a:r>
-            <a:r>
-              <a:rPr lang="en-US" dirty="0"/>
-              <a:t>()</a:t>
-            </a:r>
-          </a:p>
-          <a:p>
-            <a:pPr lvl="2"/>
-            <a:r>
-              <a:rPr lang="en-US" dirty="0"/>
-              <a:t>Returns iterator so that objects of type defined by </a:t>
-            </a:r>
-            <a:r>
-              <a:rPr lang="en-US" dirty="0" err="1"/>
-              <a:t>repo_handle</a:t>
-            </a:r>
-            <a:r>
-              <a:rPr lang="en-US" dirty="0"/>
-              <a:t> can be iterated</a:t>
-            </a:r>
-          </a:p>
-          <a:p>
-            <a:pPr lvl="1"/>
-            <a:r>
-              <a:rPr lang="en-US" dirty="0"/>
-              <a:t>&lt;</a:t>
-            </a:r>
-            <a:r>
-              <a:rPr lang="en-US" dirty="0" err="1"/>
-              <a:t>repo_handle</a:t>
-            </a:r>
-            <a:r>
-              <a:rPr lang="en-US" dirty="0"/>
-              <a:t>&gt;.exists(name)</a:t>
-            </a:r>
-          </a:p>
-          <a:p>
-            <a:pPr lvl="2"/>
-            <a:r>
-              <a:rPr lang="en-US" dirty="0"/>
-              <a:t>Tests if object with name exists in repository. Returns Boolean</a:t>
-            </a:r>
-          </a:p>
-          <a:p>
-            <a:pPr lvl="1"/>
-            <a:r>
-              <a:rPr lang="en-US" dirty="0"/>
-              <a:t>TODO always insure that changing the returned object does not change the repository.</a:t>
-            </a:r>
-          </a:p>
-        </p:txBody>
-      </p:sp>
-    </p:spTree>
-    <p:extLst>
-      <p:ext uri="{BB962C8B-B14F-4D97-AF65-F5344CB8AC3E}">
-        <p14:creationId xmlns:p14="http://schemas.microsoft.com/office/powerpoint/2010/main" val="1871341080"/>
-      </p:ext>
-    </p:extLst>
-  </p:cSld>
-  <p:clrMapOvr>
-    <a:masterClrMapping/>
-  </p:clrMapOvr>
-</p:sld>
-</file>
-
-<file path=ppt/slides/slide15.xml><?xml version="1.0" encoding="utf-8"?>
-<p:sld xmlns:a="http://schemas.openxmlformats.org/drawingml/2006/main" xmlns:r="http://schemas.openxmlformats.org/officeDocument/2006/relationships" xmlns:p="http://schemas.openxmlformats.org/presentationml/2006/main">
-  <p:cSld>
-    <p:spTree>
-      <p:nvGrpSpPr>
-        <p:cNvPr id="1" name=""/>
-        <p:cNvGrpSpPr/>
-        <p:nvPr/>
-      </p:nvGrpSpPr>
-      <p:grpSpPr>
-        <a:xfrm>
-          <a:off x="0" y="0"/>
-          <a:ext cx="0" cy="0"/>
-          <a:chOff x="0" y="0"/>
-          <a:chExt cx="0" cy="0"/>
-        </a:xfrm>
-      </p:grpSpPr>
-      <p:sp>
-        <p:nvSpPr>
-          <p:cNvPr id="2" name="Title 1">
-            <a:extLst>
-              <a:ext uri="{FF2B5EF4-FFF2-40B4-BE49-F238E27FC236}">
-                <a16:creationId xmlns:a16="http://schemas.microsoft.com/office/drawing/2014/main" id="{493C0F06-D426-4448-A81B-14ED34CD64E7}"/>
-              </a:ext>
-            </a:extLst>
-          </p:cNvPr>
-          <p:cNvSpPr>
-            <a:spLocks noGrp="1"/>
-          </p:cNvSpPr>
-          <p:nvPr>
-            <p:ph type="title"/>
-          </p:nvPr>
-        </p:nvSpPr>
-        <p:spPr/>
-        <p:txBody>
-          <a:bodyPr/>
-          <a:lstStyle/>
-          <a:p>
-            <a:r>
-              <a:rPr lang="en-US" dirty="0"/>
-              <a:t>API Usage example</a:t>
-            </a:r>
-          </a:p>
-        </p:txBody>
-      </p:sp>
-      <p:sp>
-        <p:nvSpPr>
-          <p:cNvPr id="4" name="TextBox 3">
-            <a:extLst>
-              <a:ext uri="{FF2B5EF4-FFF2-40B4-BE49-F238E27FC236}">
-                <a16:creationId xmlns:a16="http://schemas.microsoft.com/office/drawing/2014/main" id="{05725FDD-1667-41B7-9EC7-74168EA93A73}"/>
-              </a:ext>
-            </a:extLst>
-          </p:cNvPr>
-          <p:cNvSpPr txBox="1"/>
-          <p:nvPr/>
-        </p:nvSpPr>
-        <p:spPr>
-          <a:xfrm>
-            <a:off x="1094874" y="1690688"/>
-            <a:ext cx="8456161" cy="3970318"/>
-          </a:xfrm>
-          <a:prstGeom prst="rect">
-            <a:avLst/>
-          </a:prstGeom>
-          <a:noFill/>
-        </p:spPr>
-        <p:txBody>
-          <a:bodyPr wrap="none" rtlCol="0">
-            <a:spAutoFit/>
-          </a:bodyPr>
-          <a:lstStyle/>
-          <a:p>
-            <a:r>
-              <a:rPr lang="en-US" b="1" dirty="0">
-                <a:latin typeface="Courier New" panose="02070309020205020404" pitchFamily="49" charset="0"/>
-                <a:cs typeface="Courier New" panose="02070309020205020404" pitchFamily="49" charset="0"/>
-              </a:rPr>
-              <a:t># </a:t>
-            </a:r>
-            <a:r>
-              <a:rPr lang="en-US" b="1" dirty="0" err="1">
-                <a:latin typeface="Courier New" panose="02070309020205020404" pitchFamily="49" charset="0"/>
-                <a:cs typeface="Courier New" panose="02070309020205020404" pitchFamily="49" charset="0"/>
-              </a:rPr>
-              <a:t>GetClass</a:t>
-            </a:r>
-            <a:r>
-              <a:rPr lang="en-US" b="1" dirty="0">
-                <a:latin typeface="Courier New" panose="02070309020205020404" pitchFamily="49" charset="0"/>
-                <a:cs typeface="Courier New" panose="02070309020205020404" pitchFamily="49" charset="0"/>
-              </a:rPr>
-              <a:t> request processing example</a:t>
-            </a:r>
-          </a:p>
-          <a:p>
-            <a:endParaRPr lang="en-US" b="1" dirty="0">
-              <a:latin typeface="Courier New" panose="02070309020205020404" pitchFamily="49" charset="0"/>
-              <a:cs typeface="Courier New" panose="02070309020205020404" pitchFamily="49" charset="0"/>
-            </a:endParaRPr>
-          </a:p>
-          <a:p>
-            <a:r>
-              <a:rPr lang="en-US" b="1" dirty="0">
-                <a:latin typeface="Courier New" panose="02070309020205020404" pitchFamily="49" charset="0"/>
-                <a:cs typeface="Courier New" panose="02070309020205020404" pitchFamily="49" charset="0"/>
-              </a:rPr>
-              <a:t>def </a:t>
-            </a:r>
-            <a:r>
-              <a:rPr lang="en-US" b="1" dirty="0" err="1">
-                <a:latin typeface="Courier New" panose="02070309020205020404" pitchFamily="49" charset="0"/>
-                <a:cs typeface="Courier New" panose="02070309020205020404" pitchFamily="49" charset="0"/>
-              </a:rPr>
-              <a:t>GetClass</a:t>
-            </a:r>
-            <a:r>
-              <a:rPr lang="en-US" b="1" dirty="0">
-                <a:latin typeface="Courier New" panose="02070309020205020404" pitchFamily="49" charset="0"/>
-                <a:cs typeface="Courier New" panose="02070309020205020404" pitchFamily="49" charset="0"/>
-              </a:rPr>
-              <a:t>(namespace, **params)</a:t>
-            </a:r>
-          </a:p>
-          <a:p>
-            <a:r>
-              <a:rPr lang="en-US" b="1" dirty="0">
-                <a:latin typeface="Courier New" panose="02070309020205020404" pitchFamily="49" charset="0"/>
-                <a:cs typeface="Courier New" panose="02070309020205020404" pitchFamily="49" charset="0"/>
-              </a:rPr>
-              <a:t>    # namespace exceptions handled in the this call</a:t>
-            </a:r>
-          </a:p>
-          <a:p>
-            <a:r>
-              <a:rPr lang="en-US" b="1" dirty="0">
-                <a:latin typeface="Courier New" panose="02070309020205020404" pitchFamily="49" charset="0"/>
-                <a:cs typeface="Courier New" panose="02070309020205020404" pitchFamily="49" charset="0"/>
-              </a:rPr>
-              <a:t>    </a:t>
-            </a:r>
-            <a:r>
-              <a:rPr lang="en-US" b="1" dirty="0" err="1">
-                <a:latin typeface="Courier New" panose="02070309020205020404" pitchFamily="49" charset="0"/>
-                <a:cs typeface="Courier New" panose="02070309020205020404" pitchFamily="49" charset="0"/>
-              </a:rPr>
-              <a:t>class_repo</a:t>
-            </a:r>
-            <a:r>
-              <a:rPr lang="en-US" b="1" dirty="0">
-                <a:latin typeface="Courier New" panose="02070309020205020404" pitchFamily="49" charset="0"/>
-                <a:cs typeface="Courier New" panose="02070309020205020404" pitchFamily="49" charset="0"/>
-              </a:rPr>
-              <a:t> = </a:t>
-            </a:r>
-            <a:r>
-              <a:rPr lang="en-US" b="1" dirty="0" err="1">
-                <a:latin typeface="Courier New" panose="02070309020205020404" pitchFamily="49" charset="0"/>
-                <a:cs typeface="Courier New" panose="02070309020205020404" pitchFamily="49" charset="0"/>
-              </a:rPr>
-              <a:t>self.get_class_repo</a:t>
-            </a:r>
-            <a:r>
-              <a:rPr lang="en-US" b="1" dirty="0">
-                <a:latin typeface="Courier New" panose="02070309020205020404" pitchFamily="49" charset="0"/>
-                <a:cs typeface="Courier New" panose="02070309020205020404" pitchFamily="49" charset="0"/>
-              </a:rPr>
-              <a:t>(namespace)</a:t>
-            </a:r>
-          </a:p>
-          <a:p>
-            <a:r>
-              <a:rPr lang="en-US" b="1" dirty="0">
-                <a:latin typeface="Courier New" panose="02070309020205020404" pitchFamily="49" charset="0"/>
-                <a:cs typeface="Courier New" panose="02070309020205020404" pitchFamily="49" charset="0"/>
-              </a:rPr>
-              <a:t>    </a:t>
-            </a:r>
-            <a:r>
-              <a:rPr lang="en-US" b="1" dirty="0" err="1">
-                <a:latin typeface="Courier New" panose="02070309020205020404" pitchFamily="49" charset="0"/>
-                <a:cs typeface="Courier New" panose="02070309020205020404" pitchFamily="49" charset="0"/>
-              </a:rPr>
-              <a:t>classname</a:t>
-            </a:r>
-            <a:r>
-              <a:rPr lang="en-US" b="1" dirty="0">
-                <a:latin typeface="Courier New" panose="02070309020205020404" pitchFamily="49" charset="0"/>
-                <a:cs typeface="Courier New" panose="02070309020205020404" pitchFamily="49" charset="0"/>
-              </a:rPr>
-              <a:t> = params[‘</a:t>
-            </a:r>
-            <a:r>
-              <a:rPr lang="en-US" b="1" dirty="0" err="1">
-                <a:latin typeface="Courier New" panose="02070309020205020404" pitchFamily="49" charset="0"/>
-                <a:cs typeface="Courier New" panose="02070309020205020404" pitchFamily="49" charset="0"/>
-              </a:rPr>
-              <a:t>Classname</a:t>
-            </a:r>
-            <a:r>
-              <a:rPr lang="en-US" b="1" dirty="0">
-                <a:latin typeface="Courier New" panose="02070309020205020404" pitchFamily="49" charset="0"/>
-                <a:cs typeface="Courier New" panose="02070309020205020404" pitchFamily="49" charset="0"/>
-              </a:rPr>
-              <a:t>’].</a:t>
-            </a:r>
-            <a:r>
-              <a:rPr lang="en-US" b="1" dirty="0" err="1">
-                <a:latin typeface="Courier New" panose="02070309020205020404" pitchFamily="49" charset="0"/>
-                <a:cs typeface="Courier New" panose="02070309020205020404" pitchFamily="49" charset="0"/>
-              </a:rPr>
-              <a:t>classname</a:t>
-            </a:r>
-            <a:endParaRPr lang="en-US" b="1" dirty="0">
-              <a:latin typeface="Courier New" panose="02070309020205020404" pitchFamily="49" charset="0"/>
-              <a:cs typeface="Courier New" panose="02070309020205020404" pitchFamily="49" charset="0"/>
-            </a:endParaRPr>
-          </a:p>
-          <a:p>
-            <a:r>
-              <a:rPr lang="en-US" b="1" dirty="0">
-                <a:latin typeface="Courier New" panose="02070309020205020404" pitchFamily="49" charset="0"/>
-                <a:cs typeface="Courier New" panose="02070309020205020404" pitchFamily="49" charset="0"/>
-              </a:rPr>
-              <a:t>    try:</a:t>
-            </a:r>
-          </a:p>
-          <a:p>
-            <a:r>
-              <a:rPr lang="en-US" b="1" dirty="0">
-                <a:latin typeface="Courier New" panose="02070309020205020404" pitchFamily="49" charset="0"/>
-                <a:cs typeface="Courier New" panose="02070309020205020404" pitchFamily="49" charset="0"/>
-              </a:rPr>
-              <a:t>	</a:t>
-            </a:r>
-            <a:r>
-              <a:rPr lang="en-US" b="1" dirty="0" err="1">
-                <a:latin typeface="Courier New" panose="02070309020205020404" pitchFamily="49" charset="0"/>
-                <a:cs typeface="Courier New" panose="02070309020205020404" pitchFamily="49" charset="0"/>
-              </a:rPr>
-              <a:t>klass</a:t>
-            </a:r>
-            <a:r>
-              <a:rPr lang="en-US" b="1" dirty="0">
-                <a:latin typeface="Courier New" panose="02070309020205020404" pitchFamily="49" charset="0"/>
-                <a:cs typeface="Courier New" panose="02070309020205020404" pitchFamily="49" charset="0"/>
-              </a:rPr>
-              <a:t> = </a:t>
-            </a:r>
-            <a:r>
-              <a:rPr lang="en-US" b="1" dirty="0" err="1">
-                <a:latin typeface="Courier New" panose="02070309020205020404" pitchFamily="49" charset="0"/>
-                <a:cs typeface="Courier New" panose="02070309020205020404" pitchFamily="49" charset="0"/>
-              </a:rPr>
-              <a:t>class_repo.get</a:t>
-            </a:r>
-            <a:r>
-              <a:rPr lang="en-US" b="1" dirty="0">
-                <a:latin typeface="Courier New" panose="02070309020205020404" pitchFamily="49" charset="0"/>
-                <a:cs typeface="Courier New" panose="02070309020205020404" pitchFamily="49" charset="0"/>
-              </a:rPr>
-              <a:t>(</a:t>
-            </a:r>
-            <a:r>
-              <a:rPr lang="en-US" b="1" dirty="0" err="1">
-                <a:latin typeface="Courier New" panose="02070309020205020404" pitchFamily="49" charset="0"/>
-                <a:cs typeface="Courier New" panose="02070309020205020404" pitchFamily="49" charset="0"/>
-              </a:rPr>
-              <a:t>classname</a:t>
-            </a:r>
-            <a:r>
-              <a:rPr lang="en-US" b="1" dirty="0">
-                <a:latin typeface="Courier New" panose="02070309020205020404" pitchFamily="49" charset="0"/>
-                <a:cs typeface="Courier New" panose="02070309020205020404" pitchFamily="49" charset="0"/>
-              </a:rPr>
-              <a:t>)</a:t>
-            </a:r>
-          </a:p>
-          <a:p>
-            <a:r>
-              <a:rPr lang="en-US" b="1" dirty="0">
-                <a:latin typeface="Courier New" panose="02070309020205020404" pitchFamily="49" charset="0"/>
-                <a:cs typeface="Courier New" panose="02070309020205020404" pitchFamily="49" charset="0"/>
-              </a:rPr>
-              <a:t>    exception </a:t>
-            </a:r>
-            <a:r>
-              <a:rPr lang="en-US" b="1" dirty="0" err="1">
-                <a:latin typeface="Courier New" panose="02070309020205020404" pitchFamily="49" charset="0"/>
-                <a:cs typeface="Courier New" panose="02070309020205020404" pitchFamily="49" charset="0"/>
-              </a:rPr>
-              <a:t>KeyError</a:t>
-            </a:r>
-            <a:r>
-              <a:rPr lang="en-US" b="1" dirty="0">
-                <a:latin typeface="Courier New" panose="02070309020205020404" pitchFamily="49" charset="0"/>
-                <a:cs typeface="Courier New" panose="02070309020205020404" pitchFamily="49" charset="0"/>
-              </a:rPr>
-              <a:t>:</a:t>
-            </a:r>
-          </a:p>
-          <a:p>
-            <a:r>
-              <a:rPr lang="en-US" b="1" dirty="0">
-                <a:latin typeface="Courier New" panose="02070309020205020404" pitchFamily="49" charset="0"/>
-                <a:cs typeface="Courier New" panose="02070309020205020404" pitchFamily="49" charset="0"/>
-              </a:rPr>
-              <a:t>       </a:t>
-            </a:r>
-            <a:r>
-              <a:rPr lang="en-US" b="1" dirty="0" err="1">
-                <a:latin typeface="Courier New" panose="02070309020205020404" pitchFamily="49" charset="0"/>
-                <a:cs typeface="Courier New" panose="02070309020205020404" pitchFamily="49" charset="0"/>
-              </a:rPr>
-              <a:t>CIMError</a:t>
-            </a:r>
-            <a:r>
-              <a:rPr lang="en-US" b="1" dirty="0">
-                <a:latin typeface="Courier New" panose="02070309020205020404" pitchFamily="49" charset="0"/>
-                <a:cs typeface="Courier New" panose="02070309020205020404" pitchFamily="49" charset="0"/>
-              </a:rPr>
-              <a:t> …</a:t>
-            </a:r>
-          </a:p>
-          <a:p>
-            <a:r>
-              <a:rPr lang="en-US" b="1" dirty="0">
-                <a:latin typeface="Courier New" panose="02070309020205020404" pitchFamily="49" charset="0"/>
-                <a:cs typeface="Courier New" panose="02070309020205020404" pitchFamily="49" charset="0"/>
-              </a:rPr>
-              <a:t>    … process </a:t>
-            </a:r>
-            <a:r>
-              <a:rPr lang="en-US" b="1" dirty="0" err="1">
-                <a:latin typeface="Courier New" panose="02070309020205020404" pitchFamily="49" charset="0"/>
-                <a:cs typeface="Courier New" panose="02070309020205020404" pitchFamily="49" charset="0"/>
-              </a:rPr>
-              <a:t>Klass</a:t>
-            </a:r>
-            <a:r>
-              <a:rPr lang="en-US" b="1" dirty="0">
-                <a:latin typeface="Courier New" panose="02070309020205020404" pitchFamily="49" charset="0"/>
-                <a:cs typeface="Courier New" panose="02070309020205020404" pitchFamily="49" charset="0"/>
-              </a:rPr>
-              <a:t> per options defined in </a:t>
-            </a:r>
-            <a:r>
-              <a:rPr lang="en-US" b="1" dirty="0" err="1">
-                <a:latin typeface="Courier New" panose="02070309020205020404" pitchFamily="49" charset="0"/>
-                <a:cs typeface="Courier New" panose="02070309020205020404" pitchFamily="49" charset="0"/>
-              </a:rPr>
-              <a:t>args</a:t>
-            </a:r>
-            <a:r>
-              <a:rPr lang="en-US" b="1" dirty="0">
-                <a:latin typeface="Courier New" panose="02070309020205020404" pitchFamily="49" charset="0"/>
-                <a:cs typeface="Courier New" panose="02070309020205020404" pitchFamily="49" charset="0"/>
-              </a:rPr>
-              <a:t> and </a:t>
-            </a:r>
-            <a:r>
-              <a:rPr lang="en-US" b="1" dirty="0" err="1">
-                <a:latin typeface="Courier New" panose="02070309020205020404" pitchFamily="49" charset="0"/>
-                <a:cs typeface="Courier New" panose="02070309020205020404" pitchFamily="49" charset="0"/>
-              </a:rPr>
-              <a:t>kwargs</a:t>
-            </a:r>
-            <a:endParaRPr lang="en-US" b="1" dirty="0">
-              <a:latin typeface="Courier New" panose="02070309020205020404" pitchFamily="49" charset="0"/>
-              <a:cs typeface="Courier New" panose="02070309020205020404" pitchFamily="49" charset="0"/>
-            </a:endParaRPr>
-          </a:p>
-          <a:p>
-            <a:r>
-              <a:rPr lang="en-US" b="1" dirty="0">
-                <a:latin typeface="Courier New" panose="02070309020205020404" pitchFamily="49" charset="0"/>
-                <a:cs typeface="Courier New" panose="02070309020205020404" pitchFamily="49" charset="0"/>
-              </a:rPr>
-              <a:t>    return </a:t>
-            </a:r>
-            <a:r>
-              <a:rPr lang="en-US" b="1" dirty="0" err="1">
-                <a:latin typeface="Courier New" panose="02070309020205020404" pitchFamily="49" charset="0"/>
-                <a:cs typeface="Courier New" panose="02070309020205020404" pitchFamily="49" charset="0"/>
-              </a:rPr>
-              <a:t>klass</a:t>
-            </a:r>
-            <a:r>
-              <a:rPr lang="en-US" b="1" dirty="0">
-                <a:latin typeface="Courier New" panose="02070309020205020404" pitchFamily="49" charset="0"/>
-                <a:cs typeface="Courier New" panose="02070309020205020404" pitchFamily="49" charset="0"/>
-              </a:rPr>
-              <a:t> (In mocker we first map for </a:t>
-            </a:r>
-            <a:r>
-              <a:rPr lang="en-US" b="1" dirty="0" err="1">
-                <a:latin typeface="Courier New" panose="02070309020205020404" pitchFamily="49" charset="0"/>
-                <a:cs typeface="Courier New" panose="02070309020205020404" pitchFamily="49" charset="0"/>
-              </a:rPr>
-              <a:t>imethodcall</a:t>
-            </a:r>
-            <a:r>
-              <a:rPr lang="en-US" b="1" dirty="0">
-                <a:latin typeface="Courier New" panose="02070309020205020404" pitchFamily="49" charset="0"/>
-                <a:cs typeface="Courier New" panose="02070309020205020404" pitchFamily="49" charset="0"/>
-              </a:rPr>
-              <a:t> </a:t>
-            </a:r>
-            <a:r>
-              <a:rPr lang="en-US" b="1" dirty="0" err="1">
-                <a:latin typeface="Courier New" panose="02070309020205020404" pitchFamily="49" charset="0"/>
-                <a:cs typeface="Courier New" panose="02070309020205020404" pitchFamily="49" charset="0"/>
-              </a:rPr>
-              <a:t>rtn</a:t>
-            </a:r>
-            <a:endParaRPr lang="en-US" b="1" dirty="0">
-              <a:latin typeface="Courier New" panose="02070309020205020404" pitchFamily="49" charset="0"/>
-              <a:cs typeface="Courier New" panose="02070309020205020404" pitchFamily="49" charset="0"/>
-            </a:endParaRPr>
-          </a:p>
-          <a:p>
-            <a:endParaRPr lang="en-US" dirty="0">
-              <a:latin typeface="Courier New" panose="02070309020205020404" pitchFamily="49" charset="0"/>
-              <a:cs typeface="Courier New" panose="02070309020205020404" pitchFamily="49" charset="0"/>
-            </a:endParaRPr>
-          </a:p>
-          <a:p>
-            <a:endParaRPr lang="en-US" dirty="0"/>
-          </a:p>
-        </p:txBody>
-      </p:sp>
-    </p:spTree>
-    <p:extLst>
-      <p:ext uri="{BB962C8B-B14F-4D97-AF65-F5344CB8AC3E}">
-        <p14:creationId xmlns:p14="http://schemas.microsoft.com/office/powerpoint/2010/main" val="391586259"/>
-      </p:ext>
-    </p:extLst>
-  </p:cSld>
-  <p:clrMapOvr>
-    <a:masterClrMapping/>
-  </p:clrMapOvr>
-</p:sld>
-</file>
-
 <file path=ppt/slides/slide16.xml><?xml version="1.0" encoding="utf-8"?>
 <p:sld xmlns:a="http://schemas.openxmlformats.org/drawingml/2006/main" xmlns:r="http://schemas.openxmlformats.org/officeDocument/2006/relationships" xmlns:p="http://schemas.openxmlformats.org/presentationml/2006/main">
   <p:cSld>
@@ -6625,10 +7702,10 @@
       </p:grpSpPr>
       <p:sp>
         <p:nvSpPr>
-          <p:cNvPr id="3" name="Title 2">
-            <a:extLst>
-              <a:ext uri="{FF2B5EF4-FFF2-40B4-BE49-F238E27FC236}">
-                <a16:creationId xmlns:a16="http://schemas.microsoft.com/office/drawing/2014/main" id="{ABD62D49-B6AE-4AEC-8F27-3F199D274CC4}"/>
+          <p:cNvPr id="2" name="Title 1">
+            <a:extLst>
+              <a:ext uri="{FF2B5EF4-FFF2-40B4-BE49-F238E27FC236}">
+                <a16:creationId xmlns:a16="http://schemas.microsoft.com/office/drawing/2014/main" id="{316ACB32-13A7-44DD-82E8-1E8CBF5B9734}"/>
               </a:ext>
             </a:extLst>
           </p:cNvPr>
@@ -6646,17 +7723,25 @@
           <a:p>
             <a:r>
               <a:rPr lang="en-US" dirty="0"/>
-              <a:t>The CIMOM</a:t>
-            </a:r>
-          </a:p>
-        </p:txBody>
-      </p:sp>
-      <p:sp>
-        <p:nvSpPr>
-          <p:cNvPr id="4" name="Content Placeholder 3">
-            <a:extLst>
-              <a:ext uri="{FF2B5EF4-FFF2-40B4-BE49-F238E27FC236}">
-                <a16:creationId xmlns:a16="http://schemas.microsoft.com/office/drawing/2014/main" id="{322C99FA-A3DF-470C-9ED8-31434DA99CEC}"/>
+              <a:t>Repository API </a:t>
+            </a:r>
+            <a:r>
+              <a:rPr lang="en-US" dirty="0" err="1"/>
+              <a:t>cont</a:t>
+            </a:r>
+            <a:r>
+              <a:rPr lang="en-US" dirty="0"/>
+              <a:t> – The methods</a:t>
+            </a:r>
+          </a:p>
+        </p:txBody>
+      </p:sp>
+      <p:sp>
+        <p:nvSpPr>
+          <p:cNvPr id="3" name="Content Placeholder 2">
+            <a:extLst>
+              <a:ext uri="{FF2B5EF4-FFF2-40B4-BE49-F238E27FC236}">
+                <a16:creationId xmlns:a16="http://schemas.microsoft.com/office/drawing/2014/main" id="{1A663AFD-87F4-46B4-A6ED-1115CE2B2FC1}"/>
               </a:ext>
             </a:extLst>
           </p:cNvPr>
@@ -6670,124 +7755,206 @@
         <p:spPr/>
         <p:txBody>
           <a:bodyPr>
-            <a:normAutofit fontScale="92500"/>
+            <a:normAutofit fontScale="85000" lnSpcReduction="20000"/>
           </a:bodyPr>
           <a:lstStyle/>
           <a:p>
             <a:r>
               <a:rPr lang="en-US" dirty="0"/>
-              <a:t>Accept all operations, </a:t>
+              <a:t>For each data type the following are logical </a:t>
             </a:r>
             <a:r>
               <a:rPr lang="en-US" dirty="0" err="1"/>
-              <a:t>i.e</a:t>
-            </a:r>
-            <a:r>
-              <a:rPr lang="en-US" dirty="0"/>
-              <a:t> method to implement each of the operations defined in cim_operations.py</a:t>
-            </a:r>
-          </a:p>
-          <a:p>
-            <a:r>
-              <a:rPr lang="en-US" dirty="0"/>
-              <a:t>Route to next level, the Repository or specific providers</a:t>
+              <a:t>apis</a:t>
+            </a:r>
+            <a:r>
+              <a:rPr lang="en-US" dirty="0"/>
+              <a:t>.</a:t>
             </a:r>
           </a:p>
           <a:p>
             <a:pPr lvl="1"/>
             <a:r>
               <a:rPr lang="en-US" dirty="0"/>
-              <a:t>No real processing at this level</a:t>
-            </a:r>
-          </a:p>
-          <a:p>
-            <a:r>
-              <a:rPr lang="en-US" dirty="0"/>
-              <a:t>Provide default implementation for some operations.</a:t>
+              <a:t>&lt;</a:t>
+            </a:r>
+            <a:r>
+              <a:rPr lang="en-US" dirty="0" err="1"/>
+              <a:t>object_store</a:t>
+            </a:r>
+            <a:r>
+              <a:rPr lang="en-US" dirty="0"/>
+              <a:t>&gt;.create(name, data)</a:t>
+            </a:r>
+          </a:p>
+          <a:p>
+            <a:pPr lvl="2"/>
+            <a:r>
+              <a:rPr lang="en-US" dirty="0"/>
+              <a:t>Adds data to repository unless that name already exists</a:t>
             </a:r>
           </a:p>
           <a:p>
             <a:pPr lvl="1"/>
             <a:r>
               <a:rPr lang="en-US" dirty="0"/>
-              <a:t>Names operation instead of depending on each provider to implement</a:t>
+              <a:t>&lt; </a:t>
+            </a:r>
+            <a:r>
+              <a:rPr lang="en-US" dirty="0" err="1"/>
+              <a:t>object_store</a:t>
+            </a:r>
+            <a:r>
+              <a:rPr lang="en-US" dirty="0"/>
+              <a:t> &gt;. delete(name)</a:t>
+            </a:r>
+          </a:p>
+          <a:p>
+            <a:pPr lvl="2"/>
+            <a:r>
+              <a:rPr lang="en-US" dirty="0"/>
+              <a:t>Deletes object from repository if that name exists</a:t>
             </a:r>
           </a:p>
           <a:p>
             <a:pPr lvl="1"/>
             <a:r>
+              <a:rPr lang="en-US" dirty="0"/>
+              <a:t>&lt; </a:t>
+            </a:r>
+            <a:r>
               <a:rPr lang="en-US" dirty="0" err="1"/>
-              <a:t>Execquery</a:t>
-            </a:r>
-            <a:r>
-              <a:rPr lang="en-US" dirty="0"/>
-              <a:t> operation – Calls providers to get data</a:t>
-            </a:r>
-          </a:p>
-          <a:p>
-            <a:r>
-              <a:rPr lang="en-US" dirty="0"/>
-              <a:t>Interface should match </a:t>
+              <a:t>object_store</a:t>
+            </a:r>
+            <a:r>
+              <a:rPr lang="en-US" dirty="0"/>
+              <a:t> &gt;. update(name, data)</a:t>
+            </a:r>
+          </a:p>
+          <a:p>
+            <a:pPr lvl="2"/>
+            <a:r>
+              <a:rPr lang="en-US" dirty="0"/>
+              <a:t>Replaces the existing object with name in repository with data</a:t>
+            </a:r>
+          </a:p>
+          <a:p>
+            <a:pPr lvl="1"/>
+            <a:r>
+              <a:rPr lang="en-US" dirty="0"/>
+              <a:t>&lt; </a:t>
             </a:r>
             <a:r>
               <a:rPr lang="en-US" dirty="0" err="1"/>
-              <a:t>WBEMConnection</a:t>
-            </a:r>
-            <a:r>
-              <a:rPr lang="en-US" dirty="0"/>
-              <a:t> for each method for simplicity</a:t>
-            </a:r>
-          </a:p>
-          <a:p>
-            <a:r>
-              <a:rPr lang="en-US" dirty="0"/>
-              <a:t>Namespace management through namespace provider </a:t>
+              <a:t>object_store</a:t>
+            </a:r>
+            <a:r>
+              <a:rPr lang="en-US" dirty="0"/>
+              <a:t> &gt;.get(name)</a:t>
+            </a:r>
+          </a:p>
+          <a:p>
+            <a:pPr lvl="2"/>
+            <a:r>
+              <a:rPr lang="en-US" dirty="0"/>
+              <a:t>Returns object with name from repository if it exists.</a:t>
+            </a:r>
+          </a:p>
+          <a:p>
+            <a:pPr lvl="1"/>
+            <a:r>
+              <a:rPr lang="en-US" dirty="0"/>
+              <a:t>&lt; </a:t>
             </a:r>
             <a:r>
               <a:rPr lang="en-US" dirty="0" err="1"/>
-              <a:t>CIM_Namespace</a:t>
-            </a:r>
-            <a:endParaRPr lang="en-US" dirty="0"/>
-          </a:p>
-          <a:p>
-            <a:pPr marL="457200" lvl="1" indent="0">
-              <a:buNone/>
-            </a:pPr>
-            <a:endParaRPr lang="en-US" dirty="0"/>
-          </a:p>
-        </p:txBody>
-      </p:sp>
-      <p:sp>
-        <p:nvSpPr>
-          <p:cNvPr id="2" name="TextBox 1">
-            <a:extLst>
-              <a:ext uri="{FF2B5EF4-FFF2-40B4-BE49-F238E27FC236}">
-                <a16:creationId xmlns:a16="http://schemas.microsoft.com/office/drawing/2014/main" id="{2EB5767E-46A0-426A-88CD-547A92661715}"/>
-              </a:ext>
-            </a:extLst>
-          </p:cNvPr>
-          <p:cNvSpPr txBox="1"/>
-          <p:nvPr/>
-        </p:nvSpPr>
-        <p:spPr>
-          <a:xfrm>
-            <a:off x="7869677" y="365125"/>
-            <a:ext cx="2645923" cy="369332"/>
-          </a:xfrm>
-          <a:prstGeom prst="rect">
-            <a:avLst/>
-          </a:prstGeom>
-          <a:noFill/>
-        </p:spPr>
-        <p:txBody>
-          <a:bodyPr wrap="square" rtlCol="0">
-            <a:spAutoFit/>
-          </a:bodyPr>
-          <a:lstStyle/>
-          <a:p>
-            <a:r>
-              <a:rPr lang="en-US" dirty="0"/>
-              <a:t>KS 10 Jan. 2020</a:t>
+              <a:t>object_store</a:t>
+            </a:r>
+            <a:r>
+              <a:rPr lang="en-US" dirty="0"/>
+              <a:t> &gt;.names()</a:t>
+            </a:r>
+          </a:p>
+          <a:p>
+            <a:pPr lvl="2"/>
+            <a:r>
+              <a:rPr lang="en-US" dirty="0"/>
+              <a:t>Returns list of names of the objects in the store</a:t>
+            </a:r>
+          </a:p>
+          <a:p>
+            <a:pPr lvl="1"/>
+            <a:r>
+              <a:rPr lang="en-US" dirty="0"/>
+              <a:t>&lt; </a:t>
+            </a:r>
+            <a:r>
+              <a:rPr lang="en-US" dirty="0" err="1"/>
+              <a:t>object_store</a:t>
+            </a:r>
+            <a:r>
+              <a:rPr lang="en-US" dirty="0"/>
+              <a:t> &gt;.</a:t>
+            </a:r>
+            <a:r>
+              <a:rPr lang="en-US" dirty="0" err="1"/>
+              <a:t>iter_name</a:t>
+            </a:r>
+            <a:r>
+              <a:rPr lang="en-US" dirty="0"/>
+              <a:t>()  &amp; .</a:t>
+            </a:r>
+            <a:r>
+              <a:rPr lang="en-US" dirty="0" err="1"/>
+              <a:t>iter_value</a:t>
+            </a:r>
+            <a:r>
+              <a:rPr lang="en-US" dirty="0"/>
+              <a:t>()</a:t>
+            </a:r>
+          </a:p>
+          <a:p>
+            <a:pPr lvl="2"/>
+            <a:r>
+              <a:rPr lang="en-US" dirty="0"/>
+              <a:t>Returns iterator so that objects of type defined by </a:t>
+            </a:r>
+            <a:r>
+              <a:rPr lang="en-US" dirty="0" err="1"/>
+              <a:t>repo_handle</a:t>
+            </a:r>
+            <a:r>
+              <a:rPr lang="en-US" dirty="0"/>
+              <a:t> can be iterated</a:t>
+            </a:r>
+          </a:p>
+          <a:p>
+            <a:pPr lvl="1"/>
+            <a:r>
+              <a:rPr lang="en-US" dirty="0"/>
+              <a:t>&lt; </a:t>
+            </a:r>
+            <a:r>
+              <a:rPr lang="en-US" dirty="0" err="1"/>
+              <a:t>object_store</a:t>
+            </a:r>
+            <a:r>
+              <a:rPr lang="en-US" dirty="0"/>
+              <a:t> &gt;.exists(name)</a:t>
+            </a:r>
+          </a:p>
+          <a:p>
+            <a:pPr lvl="2"/>
+            <a:r>
+              <a:rPr lang="en-US" dirty="0"/>
+              <a:t>Tests if object with name exists in repository. Returns Boolean</a:t>
+            </a:r>
+          </a:p>
+          <a:p>
+            <a:pPr lvl="1"/>
+            <a:r>
+              <a:rPr lang="en-US" dirty="0"/>
+              <a:t>TODO always insure that changing the returned object does not change the repository.</a:t>
             </a:r>
           </a:p>
         </p:txBody>
@@ -6795,7 +7962,7 @@
     </p:spTree>
     <p:extLst>
       <p:ext uri="{BB962C8B-B14F-4D97-AF65-F5344CB8AC3E}">
-        <p14:creationId xmlns:p14="http://schemas.microsoft.com/office/powerpoint/2010/main" val="634700404"/>
+        <p14:creationId xmlns:p14="http://schemas.microsoft.com/office/powerpoint/2010/main" val="1871341080"/>
       </p:ext>
     </p:extLst>
   </p:cSld>
@@ -6827,7 +7994,7 @@
           <p:cNvPr id="2" name="Title 1">
             <a:extLst>
               <a:ext uri="{FF2B5EF4-FFF2-40B4-BE49-F238E27FC236}">
-                <a16:creationId xmlns:a16="http://schemas.microsoft.com/office/drawing/2014/main" id="{E9D693F2-9D42-4C0C-8F49-051C2F635F2A}"/>
+                <a16:creationId xmlns:a16="http://schemas.microsoft.com/office/drawing/2014/main" id="{493C0F06-D426-4448-A81B-14ED34CD64E7}"/>
               </a:ext>
             </a:extLst>
           </p:cNvPr>
@@ -6845,67 +8012,7 @@
           <a:p>
             <a:r>
               <a:rPr lang="en-US" dirty="0"/>
-              <a:t>CIM Object Repository</a:t>
-            </a:r>
-          </a:p>
-        </p:txBody>
-      </p:sp>
-      <p:sp>
-        <p:nvSpPr>
-          <p:cNvPr id="3" name="Content Placeholder 2">
-            <a:extLst>
-              <a:ext uri="{FF2B5EF4-FFF2-40B4-BE49-F238E27FC236}">
-                <a16:creationId xmlns:a16="http://schemas.microsoft.com/office/drawing/2014/main" id="{074E7DBA-1F7F-4676-B237-FC42E94EB92C}"/>
-              </a:ext>
-            </a:extLst>
-          </p:cNvPr>
-          <p:cNvSpPr>
-            <a:spLocks noGrp="1"/>
-          </p:cNvSpPr>
-          <p:nvPr>
-            <p:ph idx="1"/>
-          </p:nvPr>
-        </p:nvSpPr>
-        <p:spPr/>
-        <p:txBody>
-          <a:bodyPr/>
-          <a:lstStyle/>
-          <a:p>
-            <a:r>
-              <a:rPr lang="en-US" dirty="0"/>
-              <a:t>Processing of received requests to generate responses based on data in the physical repository</a:t>
-            </a:r>
-          </a:p>
-          <a:p>
-            <a:r>
-              <a:rPr lang="en-US" dirty="0"/>
-              <a:t>Handles:</a:t>
-            </a:r>
-          </a:p>
-          <a:p>
-            <a:pPr lvl="1"/>
-            <a:r>
-              <a:rPr lang="en-US" dirty="0"/>
-              <a:t>All of the CIM Operations</a:t>
-            </a:r>
-          </a:p>
-          <a:p>
-            <a:pPr lvl="1"/>
-            <a:r>
-              <a:rPr lang="en-US" dirty="0"/>
-              <a:t>Namespace creation, deletion, enumeration</a:t>
-            </a:r>
-          </a:p>
-          <a:p>
-            <a:r>
-              <a:rPr lang="en-US" dirty="0"/>
-              <a:t>Operation requests are same API as cim_operations.py</a:t>
-            </a:r>
-          </a:p>
-          <a:p>
-            <a:r>
-              <a:rPr lang="en-US" dirty="0"/>
-              <a:t>Operation responses are same return data as cim_operations.py</a:t>
+              <a:t>API Usage example</a:t>
             </a:r>
           </a:p>
         </p:txBody>
@@ -6915,7 +8022,7 @@
           <p:cNvPr id="4" name="TextBox 3">
             <a:extLst>
               <a:ext uri="{FF2B5EF4-FFF2-40B4-BE49-F238E27FC236}">
-                <a16:creationId xmlns:a16="http://schemas.microsoft.com/office/drawing/2014/main" id="{6E89C492-CBB7-46A3-8438-443BA0A0F3EF}"/>
+                <a16:creationId xmlns:a16="http://schemas.microsoft.com/office/drawing/2014/main" id="{05725FDD-1667-41B7-9EC7-74168EA93A73}"/>
               </a:ext>
             </a:extLst>
           </p:cNvPr>
@@ -6924,8 +8031,8 @@
         </p:nvSpPr>
         <p:spPr>
           <a:xfrm>
-            <a:off x="7869677" y="365125"/>
-            <a:ext cx="2645923" cy="369332"/>
+            <a:off x="1094874" y="1690688"/>
+            <a:ext cx="8456161" cy="3970318"/>
           </a:xfrm>
           <a:prstGeom prst="rect">
             <a:avLst/>
@@ -6933,22 +8040,373 @@
           <a:noFill/>
         </p:spPr>
         <p:txBody>
-          <a:bodyPr wrap="square" rtlCol="0">
+          <a:bodyPr wrap="none" rtlCol="0">
             <a:spAutoFit/>
           </a:bodyPr>
           <a:lstStyle/>
           <a:p>
             <a:r>
-              <a:rPr lang="en-US" dirty="0"/>
-              <a:t>KS 10 Jan. 2020</a:t>
-            </a:r>
+              <a:rPr lang="en-US" b="1" dirty="0">
+                <a:latin typeface="Courier New" panose="02070309020205020404" pitchFamily="49" charset="0"/>
+                <a:cs typeface="Courier New" panose="02070309020205020404" pitchFamily="49" charset="0"/>
+              </a:rPr>
+              <a:t># </a:t>
+            </a:r>
+            <a:r>
+              <a:rPr lang="en-US" b="1" dirty="0" err="1">
+                <a:latin typeface="Courier New" panose="02070309020205020404" pitchFamily="49" charset="0"/>
+                <a:cs typeface="Courier New" panose="02070309020205020404" pitchFamily="49" charset="0"/>
+              </a:rPr>
+              <a:t>GetClass</a:t>
+            </a:r>
+            <a:r>
+              <a:rPr lang="en-US" b="1" dirty="0">
+                <a:latin typeface="Courier New" panose="02070309020205020404" pitchFamily="49" charset="0"/>
+                <a:cs typeface="Courier New" panose="02070309020205020404" pitchFamily="49" charset="0"/>
+              </a:rPr>
+              <a:t> request processing example</a:t>
+            </a:r>
+          </a:p>
+          <a:p>
+            <a:endParaRPr lang="en-US" b="1" dirty="0">
+              <a:latin typeface="Courier New" panose="02070309020205020404" pitchFamily="49" charset="0"/>
+              <a:cs typeface="Courier New" panose="02070309020205020404" pitchFamily="49" charset="0"/>
+            </a:endParaRPr>
+          </a:p>
+          <a:p>
+            <a:r>
+              <a:rPr lang="en-US" b="1" dirty="0">
+                <a:latin typeface="Courier New" panose="02070309020205020404" pitchFamily="49" charset="0"/>
+                <a:cs typeface="Courier New" panose="02070309020205020404" pitchFamily="49" charset="0"/>
+              </a:rPr>
+              <a:t>def </a:t>
+            </a:r>
+            <a:r>
+              <a:rPr lang="en-US" b="1" dirty="0" err="1">
+                <a:latin typeface="Courier New" panose="02070309020205020404" pitchFamily="49" charset="0"/>
+                <a:cs typeface="Courier New" panose="02070309020205020404" pitchFamily="49" charset="0"/>
+              </a:rPr>
+              <a:t>GetClass</a:t>
+            </a:r>
+            <a:r>
+              <a:rPr lang="en-US" b="1" dirty="0">
+                <a:latin typeface="Courier New" panose="02070309020205020404" pitchFamily="49" charset="0"/>
+                <a:cs typeface="Courier New" panose="02070309020205020404" pitchFamily="49" charset="0"/>
+              </a:rPr>
+              <a:t>(namespace, **params)</a:t>
+            </a:r>
+          </a:p>
+          <a:p>
+            <a:r>
+              <a:rPr lang="en-US" b="1" dirty="0">
+                <a:latin typeface="Courier New" panose="02070309020205020404" pitchFamily="49" charset="0"/>
+                <a:cs typeface="Courier New" panose="02070309020205020404" pitchFamily="49" charset="0"/>
+              </a:rPr>
+              <a:t>    # namespace exceptions handled in the this call</a:t>
+            </a:r>
+          </a:p>
+          <a:p>
+            <a:r>
+              <a:rPr lang="en-US" b="1" dirty="0">
+                <a:latin typeface="Courier New" panose="02070309020205020404" pitchFamily="49" charset="0"/>
+                <a:cs typeface="Courier New" panose="02070309020205020404" pitchFamily="49" charset="0"/>
+              </a:rPr>
+              <a:t>    </a:t>
+            </a:r>
+            <a:r>
+              <a:rPr lang="en-US" b="1" dirty="0" err="1">
+                <a:latin typeface="Courier New" panose="02070309020205020404" pitchFamily="49" charset="0"/>
+                <a:cs typeface="Courier New" panose="02070309020205020404" pitchFamily="49" charset="0"/>
+              </a:rPr>
+              <a:t>class_repo</a:t>
+            </a:r>
+            <a:r>
+              <a:rPr lang="en-US" b="1" dirty="0">
+                <a:latin typeface="Courier New" panose="02070309020205020404" pitchFamily="49" charset="0"/>
+                <a:cs typeface="Courier New" panose="02070309020205020404" pitchFamily="49" charset="0"/>
+              </a:rPr>
+              <a:t> = </a:t>
+            </a:r>
+            <a:r>
+              <a:rPr lang="en-US" b="1" dirty="0" err="1">
+                <a:latin typeface="Courier New" panose="02070309020205020404" pitchFamily="49" charset="0"/>
+                <a:cs typeface="Courier New" panose="02070309020205020404" pitchFamily="49" charset="0"/>
+              </a:rPr>
+              <a:t>self.get_class_repo</a:t>
+            </a:r>
+            <a:r>
+              <a:rPr lang="en-US" b="1" dirty="0">
+                <a:latin typeface="Courier New" panose="02070309020205020404" pitchFamily="49" charset="0"/>
+                <a:cs typeface="Courier New" panose="02070309020205020404" pitchFamily="49" charset="0"/>
+              </a:rPr>
+              <a:t>(namespace)</a:t>
+            </a:r>
+          </a:p>
+          <a:p>
+            <a:r>
+              <a:rPr lang="en-US" b="1" dirty="0">
+                <a:latin typeface="Courier New" panose="02070309020205020404" pitchFamily="49" charset="0"/>
+                <a:cs typeface="Courier New" panose="02070309020205020404" pitchFamily="49" charset="0"/>
+              </a:rPr>
+              <a:t>    </a:t>
+            </a:r>
+            <a:r>
+              <a:rPr lang="en-US" b="1" dirty="0" err="1">
+                <a:latin typeface="Courier New" panose="02070309020205020404" pitchFamily="49" charset="0"/>
+                <a:cs typeface="Courier New" panose="02070309020205020404" pitchFamily="49" charset="0"/>
+              </a:rPr>
+              <a:t>classname</a:t>
+            </a:r>
+            <a:r>
+              <a:rPr lang="en-US" b="1" dirty="0">
+                <a:latin typeface="Courier New" panose="02070309020205020404" pitchFamily="49" charset="0"/>
+                <a:cs typeface="Courier New" panose="02070309020205020404" pitchFamily="49" charset="0"/>
+              </a:rPr>
+              <a:t> = params[‘</a:t>
+            </a:r>
+            <a:r>
+              <a:rPr lang="en-US" b="1" dirty="0" err="1">
+                <a:latin typeface="Courier New" panose="02070309020205020404" pitchFamily="49" charset="0"/>
+                <a:cs typeface="Courier New" panose="02070309020205020404" pitchFamily="49" charset="0"/>
+              </a:rPr>
+              <a:t>Classname</a:t>
+            </a:r>
+            <a:r>
+              <a:rPr lang="en-US" b="1" dirty="0">
+                <a:latin typeface="Courier New" panose="02070309020205020404" pitchFamily="49" charset="0"/>
+                <a:cs typeface="Courier New" panose="02070309020205020404" pitchFamily="49" charset="0"/>
+              </a:rPr>
+              <a:t>’].</a:t>
+            </a:r>
+            <a:r>
+              <a:rPr lang="en-US" b="1" dirty="0" err="1">
+                <a:latin typeface="Courier New" panose="02070309020205020404" pitchFamily="49" charset="0"/>
+                <a:cs typeface="Courier New" panose="02070309020205020404" pitchFamily="49" charset="0"/>
+              </a:rPr>
+              <a:t>classname</a:t>
+            </a:r>
+            <a:endParaRPr lang="en-US" b="1" dirty="0">
+              <a:latin typeface="Courier New" panose="02070309020205020404" pitchFamily="49" charset="0"/>
+              <a:cs typeface="Courier New" panose="02070309020205020404" pitchFamily="49" charset="0"/>
+            </a:endParaRPr>
+          </a:p>
+          <a:p>
+            <a:r>
+              <a:rPr lang="en-US" b="1" dirty="0">
+                <a:latin typeface="Courier New" panose="02070309020205020404" pitchFamily="49" charset="0"/>
+                <a:cs typeface="Courier New" panose="02070309020205020404" pitchFamily="49" charset="0"/>
+              </a:rPr>
+              <a:t>    try:</a:t>
+            </a:r>
+          </a:p>
+          <a:p>
+            <a:r>
+              <a:rPr lang="en-US" b="1" dirty="0">
+                <a:latin typeface="Courier New" panose="02070309020205020404" pitchFamily="49" charset="0"/>
+                <a:cs typeface="Courier New" panose="02070309020205020404" pitchFamily="49" charset="0"/>
+              </a:rPr>
+              <a:t>	</a:t>
+            </a:r>
+            <a:r>
+              <a:rPr lang="en-US" b="1" dirty="0" err="1">
+                <a:latin typeface="Courier New" panose="02070309020205020404" pitchFamily="49" charset="0"/>
+                <a:cs typeface="Courier New" panose="02070309020205020404" pitchFamily="49" charset="0"/>
+              </a:rPr>
+              <a:t>klass</a:t>
+            </a:r>
+            <a:r>
+              <a:rPr lang="en-US" b="1" dirty="0">
+                <a:latin typeface="Courier New" panose="02070309020205020404" pitchFamily="49" charset="0"/>
+                <a:cs typeface="Courier New" panose="02070309020205020404" pitchFamily="49" charset="0"/>
+              </a:rPr>
+              <a:t> = </a:t>
+            </a:r>
+            <a:r>
+              <a:rPr lang="en-US" b="1" dirty="0" err="1">
+                <a:latin typeface="Courier New" panose="02070309020205020404" pitchFamily="49" charset="0"/>
+                <a:cs typeface="Courier New" panose="02070309020205020404" pitchFamily="49" charset="0"/>
+              </a:rPr>
+              <a:t>class_repo.get</a:t>
+            </a:r>
+            <a:r>
+              <a:rPr lang="en-US" b="1" dirty="0">
+                <a:latin typeface="Courier New" panose="02070309020205020404" pitchFamily="49" charset="0"/>
+                <a:cs typeface="Courier New" panose="02070309020205020404" pitchFamily="49" charset="0"/>
+              </a:rPr>
+              <a:t>(</a:t>
+            </a:r>
+            <a:r>
+              <a:rPr lang="en-US" b="1" dirty="0" err="1">
+                <a:latin typeface="Courier New" panose="02070309020205020404" pitchFamily="49" charset="0"/>
+                <a:cs typeface="Courier New" panose="02070309020205020404" pitchFamily="49" charset="0"/>
+              </a:rPr>
+              <a:t>classname</a:t>
+            </a:r>
+            <a:r>
+              <a:rPr lang="en-US" b="1" dirty="0">
+                <a:latin typeface="Courier New" panose="02070309020205020404" pitchFamily="49" charset="0"/>
+                <a:cs typeface="Courier New" panose="02070309020205020404" pitchFamily="49" charset="0"/>
+              </a:rPr>
+              <a:t>)</a:t>
+            </a:r>
+          </a:p>
+          <a:p>
+            <a:r>
+              <a:rPr lang="en-US" b="1" dirty="0">
+                <a:latin typeface="Courier New" panose="02070309020205020404" pitchFamily="49" charset="0"/>
+                <a:cs typeface="Courier New" panose="02070309020205020404" pitchFamily="49" charset="0"/>
+              </a:rPr>
+              <a:t>    exception </a:t>
+            </a:r>
+            <a:r>
+              <a:rPr lang="en-US" b="1" dirty="0" err="1">
+                <a:latin typeface="Courier New" panose="02070309020205020404" pitchFamily="49" charset="0"/>
+                <a:cs typeface="Courier New" panose="02070309020205020404" pitchFamily="49" charset="0"/>
+              </a:rPr>
+              <a:t>KeyError</a:t>
+            </a:r>
+            <a:r>
+              <a:rPr lang="en-US" b="1" dirty="0">
+                <a:latin typeface="Courier New" panose="02070309020205020404" pitchFamily="49" charset="0"/>
+                <a:cs typeface="Courier New" panose="02070309020205020404" pitchFamily="49" charset="0"/>
+              </a:rPr>
+              <a:t>:</a:t>
+            </a:r>
+          </a:p>
+          <a:p>
+            <a:r>
+              <a:rPr lang="en-US" b="1" dirty="0">
+                <a:latin typeface="Courier New" panose="02070309020205020404" pitchFamily="49" charset="0"/>
+                <a:cs typeface="Courier New" panose="02070309020205020404" pitchFamily="49" charset="0"/>
+              </a:rPr>
+              <a:t>       </a:t>
+            </a:r>
+            <a:r>
+              <a:rPr lang="en-US" b="1" dirty="0" err="1">
+                <a:latin typeface="Courier New" panose="02070309020205020404" pitchFamily="49" charset="0"/>
+                <a:cs typeface="Courier New" panose="02070309020205020404" pitchFamily="49" charset="0"/>
+              </a:rPr>
+              <a:t>CIMError</a:t>
+            </a:r>
+            <a:r>
+              <a:rPr lang="en-US" b="1" dirty="0">
+                <a:latin typeface="Courier New" panose="02070309020205020404" pitchFamily="49" charset="0"/>
+                <a:cs typeface="Courier New" panose="02070309020205020404" pitchFamily="49" charset="0"/>
+              </a:rPr>
+              <a:t> …</a:t>
+            </a:r>
+          </a:p>
+          <a:p>
+            <a:r>
+              <a:rPr lang="en-US" b="1" dirty="0">
+                <a:latin typeface="Courier New" panose="02070309020205020404" pitchFamily="49" charset="0"/>
+                <a:cs typeface="Courier New" panose="02070309020205020404" pitchFamily="49" charset="0"/>
+              </a:rPr>
+              <a:t>    … process </a:t>
+            </a:r>
+            <a:r>
+              <a:rPr lang="en-US" b="1" dirty="0" err="1">
+                <a:latin typeface="Courier New" panose="02070309020205020404" pitchFamily="49" charset="0"/>
+                <a:cs typeface="Courier New" panose="02070309020205020404" pitchFamily="49" charset="0"/>
+              </a:rPr>
+              <a:t>Klass</a:t>
+            </a:r>
+            <a:r>
+              <a:rPr lang="en-US" b="1" dirty="0">
+                <a:latin typeface="Courier New" panose="02070309020205020404" pitchFamily="49" charset="0"/>
+                <a:cs typeface="Courier New" panose="02070309020205020404" pitchFamily="49" charset="0"/>
+              </a:rPr>
+              <a:t> per options defined in </a:t>
+            </a:r>
+            <a:r>
+              <a:rPr lang="en-US" b="1" dirty="0" err="1">
+                <a:latin typeface="Courier New" panose="02070309020205020404" pitchFamily="49" charset="0"/>
+                <a:cs typeface="Courier New" panose="02070309020205020404" pitchFamily="49" charset="0"/>
+              </a:rPr>
+              <a:t>args</a:t>
+            </a:r>
+            <a:r>
+              <a:rPr lang="en-US" b="1" dirty="0">
+                <a:latin typeface="Courier New" panose="02070309020205020404" pitchFamily="49" charset="0"/>
+                <a:cs typeface="Courier New" panose="02070309020205020404" pitchFamily="49" charset="0"/>
+              </a:rPr>
+              <a:t> and </a:t>
+            </a:r>
+            <a:r>
+              <a:rPr lang="en-US" b="1" dirty="0" err="1">
+                <a:latin typeface="Courier New" panose="02070309020205020404" pitchFamily="49" charset="0"/>
+                <a:cs typeface="Courier New" panose="02070309020205020404" pitchFamily="49" charset="0"/>
+              </a:rPr>
+              <a:t>kwargs</a:t>
+            </a:r>
+            <a:endParaRPr lang="en-US" b="1" dirty="0">
+              <a:latin typeface="Courier New" panose="02070309020205020404" pitchFamily="49" charset="0"/>
+              <a:cs typeface="Courier New" panose="02070309020205020404" pitchFamily="49" charset="0"/>
+            </a:endParaRPr>
+          </a:p>
+          <a:p>
+            <a:r>
+              <a:rPr lang="en-US" b="1" dirty="0">
+                <a:latin typeface="Courier New" panose="02070309020205020404" pitchFamily="49" charset="0"/>
+                <a:cs typeface="Courier New" panose="02070309020205020404" pitchFamily="49" charset="0"/>
+              </a:rPr>
+              <a:t>    return </a:t>
+            </a:r>
+            <a:r>
+              <a:rPr lang="en-US" b="1" dirty="0" err="1">
+                <a:latin typeface="Courier New" panose="02070309020205020404" pitchFamily="49" charset="0"/>
+                <a:cs typeface="Courier New" panose="02070309020205020404" pitchFamily="49" charset="0"/>
+              </a:rPr>
+              <a:t>klass</a:t>
+            </a:r>
+            <a:r>
+              <a:rPr lang="en-US" b="1" dirty="0">
+                <a:latin typeface="Courier New" panose="02070309020205020404" pitchFamily="49" charset="0"/>
+                <a:cs typeface="Courier New" panose="02070309020205020404" pitchFamily="49" charset="0"/>
+              </a:rPr>
+              <a:t> (In mocker we first map for </a:t>
+            </a:r>
+            <a:r>
+              <a:rPr lang="en-US" b="1" dirty="0" err="1">
+                <a:latin typeface="Courier New" panose="02070309020205020404" pitchFamily="49" charset="0"/>
+                <a:cs typeface="Courier New" panose="02070309020205020404" pitchFamily="49" charset="0"/>
+              </a:rPr>
+              <a:t>imethodcall</a:t>
+            </a:r>
+            <a:r>
+              <a:rPr lang="en-US" b="1" dirty="0">
+                <a:latin typeface="Courier New" panose="02070309020205020404" pitchFamily="49" charset="0"/>
+                <a:cs typeface="Courier New" panose="02070309020205020404" pitchFamily="49" charset="0"/>
+              </a:rPr>
+              <a:t> </a:t>
+            </a:r>
+            <a:r>
+              <a:rPr lang="en-US" b="1" dirty="0" err="1">
+                <a:latin typeface="Courier New" panose="02070309020205020404" pitchFamily="49" charset="0"/>
+                <a:cs typeface="Courier New" panose="02070309020205020404" pitchFamily="49" charset="0"/>
+              </a:rPr>
+              <a:t>rtn</a:t>
+            </a:r>
+            <a:endParaRPr lang="en-US" b="1" dirty="0">
+              <a:latin typeface="Courier New" panose="02070309020205020404" pitchFamily="49" charset="0"/>
+              <a:cs typeface="Courier New" panose="02070309020205020404" pitchFamily="49" charset="0"/>
+            </a:endParaRPr>
+          </a:p>
+          <a:p>
+            <a:endParaRPr lang="en-US" dirty="0">
+              <a:latin typeface="Courier New" panose="02070309020205020404" pitchFamily="49" charset="0"/>
+              <a:cs typeface="Courier New" panose="02070309020205020404" pitchFamily="49" charset="0"/>
+            </a:endParaRPr>
+          </a:p>
+          <a:p>
+            <a:endParaRPr lang="en-US" dirty="0"/>
           </a:p>
         </p:txBody>
       </p:sp>
     </p:spTree>
     <p:extLst>
       <p:ext uri="{BB962C8B-B14F-4D97-AF65-F5344CB8AC3E}">
-        <p14:creationId xmlns:p14="http://schemas.microsoft.com/office/powerpoint/2010/main" val="3871019420"/>
+        <p14:creationId xmlns:p14="http://schemas.microsoft.com/office/powerpoint/2010/main" val="391586259"/>
       </p:ext>
     </p:extLst>
   </p:cSld>
@@ -6977,10 +8435,10 @@
       </p:grpSpPr>
       <p:sp>
         <p:nvSpPr>
-          <p:cNvPr id="2" name="Title 1">
-            <a:extLst>
-              <a:ext uri="{FF2B5EF4-FFF2-40B4-BE49-F238E27FC236}">
-                <a16:creationId xmlns:a16="http://schemas.microsoft.com/office/drawing/2014/main" id="{4DC47076-0CA2-40A9-8BBF-3CD9BCE03AF5}"/>
+          <p:cNvPr id="3" name="Title 2">
+            <a:extLst>
+              <a:ext uri="{FF2B5EF4-FFF2-40B4-BE49-F238E27FC236}">
+                <a16:creationId xmlns:a16="http://schemas.microsoft.com/office/drawing/2014/main" id="{ABD62D49-B6AE-4AEC-8F27-3F199D274CC4}"/>
               </a:ext>
             </a:extLst>
           </p:cNvPr>
@@ -6998,17 +8456,17 @@
           <a:p>
             <a:r>
               <a:rPr lang="en-US" dirty="0"/>
-              <a:t>Physical Repository Store</a:t>
-            </a:r>
-          </a:p>
-        </p:txBody>
-      </p:sp>
-      <p:sp>
-        <p:nvSpPr>
-          <p:cNvPr id="3" name="Content Placeholder 2">
-            <a:extLst>
-              <a:ext uri="{FF2B5EF4-FFF2-40B4-BE49-F238E27FC236}">
-                <a16:creationId xmlns:a16="http://schemas.microsoft.com/office/drawing/2014/main" id="{FCCE770E-7F85-4740-B497-08A623FDF734}"/>
+              <a:t>The CIMOM</a:t>
+            </a:r>
+          </a:p>
+        </p:txBody>
+      </p:sp>
+      <p:sp>
+        <p:nvSpPr>
+          <p:cNvPr id="4" name="Content Placeholder 3">
+            <a:extLst>
+              <a:ext uri="{FF2B5EF4-FFF2-40B4-BE49-F238E27FC236}">
+                <a16:creationId xmlns:a16="http://schemas.microsoft.com/office/drawing/2014/main" id="{322C99FA-A3DF-470C-9ED8-31434DA99CEC}"/>
               </a:ext>
             </a:extLst>
           </p:cNvPr>
@@ -7022,92 +8480,112 @@
         <p:spPr/>
         <p:txBody>
           <a:bodyPr>
-            <a:normAutofit fontScale="92500" lnSpcReduction="20000"/>
+            <a:normAutofit fontScale="92500"/>
           </a:bodyPr>
           <a:lstStyle/>
           <a:p>
             <a:r>
               <a:rPr lang="en-US" dirty="0"/>
-              <a:t>Implements the cim object store API:</a:t>
-            </a:r>
-          </a:p>
-          <a:p>
-            <a:r>
-              <a:rPr lang="en-US" dirty="0"/>
-              <a:t>Common API</a:t>
+              <a:t>Accept all operations, </a:t>
+            </a:r>
+            <a:r>
+              <a:rPr lang="en-US" dirty="0" err="1"/>
+              <a:t>i.e</a:t>
+            </a:r>
+            <a:r>
+              <a:rPr lang="en-US" dirty="0"/>
+              <a:t> method to implement each of the operations defined in cim_operations.py</a:t>
+            </a:r>
+          </a:p>
+          <a:p>
+            <a:r>
+              <a:rPr lang="en-US" dirty="0"/>
+              <a:t>Route to next level, the </a:t>
+            </a:r>
+            <a:r>
+              <a:rPr lang="en-US" dirty="0" err="1"/>
+              <a:t>DefaultProvider</a:t>
+            </a:r>
+            <a:r>
+              <a:rPr lang="en-US" dirty="0"/>
+              <a:t> or specific providers</a:t>
             </a:r>
           </a:p>
           <a:p>
             <a:pPr lvl="1"/>
             <a:r>
               <a:rPr lang="en-US" dirty="0"/>
-              <a:t>The repository is modeled as dictionaries with the class, qualifier declaration, instance dictionaries under namespace dictionaries. Note that all are </a:t>
+              <a:t>No real processing at this level</a:t>
+            </a:r>
+          </a:p>
+          <a:p>
+            <a:pPr lvl="1"/>
+            <a:r>
+              <a:rPr lang="en-US" dirty="0"/>
+              <a:t>This is handled in </a:t>
             </a:r>
             <a:r>
               <a:rPr lang="en-US" dirty="0" err="1"/>
-              <a:t>Nocase</a:t>
-            </a:r>
-            <a:r>
-              <a:rPr lang="en-US" dirty="0"/>
-              <a:t> except for instance</a:t>
+              <a:t>Faked_wbemconnection</a:t>
+            </a:r>
+            <a:endParaRPr lang="en-US" dirty="0"/>
+          </a:p>
+          <a:p>
+            <a:r>
+              <a:rPr lang="en-US" dirty="0"/>
+              <a:t>Provide default implementation for some operations.</a:t>
             </a:r>
           </a:p>
           <a:p>
             <a:pPr lvl="1"/>
             <a:r>
               <a:rPr lang="en-US" dirty="0"/>
-              <a:t>Dictionary API methods can be used to access the dictionary for the items of each CIM type within a namespace</a:t>
+              <a:t>Enum/</a:t>
+            </a:r>
+            <a:r>
+              <a:rPr lang="en-US" dirty="0" err="1"/>
+              <a:t>AssocNames</a:t>
+            </a:r>
+            <a:r>
+              <a:rPr lang="en-US" dirty="0"/>
+              <a:t> operation instead of depending on each provider to implement</a:t>
             </a:r>
           </a:p>
           <a:p>
             <a:pPr lvl="1"/>
             <a:r>
-              <a:rPr lang="en-US" dirty="0"/>
-              <a:t>Methods to add and delete namespaces.</a:t>
-            </a:r>
-          </a:p>
-          <a:p>
-            <a:pPr lvl="1"/>
-            <a:r>
-              <a:rPr lang="en-US" dirty="0"/>
-              <a:t>Methods to initiate and checkpoint store (possibly __</a:t>
-            </a:r>
-            <a:r>
               <a:rPr lang="en-US" dirty="0" err="1"/>
-              <a:t>init</a:t>
-            </a:r>
-            <a:r>
-              <a:rPr lang="en-US" dirty="0"/>
-              <a:t>__ and a checkpoint method</a:t>
-            </a:r>
-          </a:p>
-          <a:p>
-            <a:pPr lvl="1"/>
-            <a:r>
-              <a:rPr lang="en-US" dirty="0"/>
-              <a:t>Note that this works also for databases since python tools exist for many databases to map to dictionaries.  The only issue might be </a:t>
+              <a:t>Execquery</a:t>
+            </a:r>
+            <a:r>
+              <a:rPr lang="en-US" dirty="0"/>
+              <a:t> operation – Calls providers to get data</a:t>
+            </a:r>
+          </a:p>
+          <a:p>
+            <a:r>
+              <a:rPr lang="en-US" dirty="0"/>
+              <a:t>Interface should match </a:t>
             </a:r>
             <a:r>
               <a:rPr lang="en-US" dirty="0" err="1"/>
-              <a:t>Nocase</a:t>
-            </a:r>
-            <a:r>
-              <a:rPr lang="en-US" dirty="0"/>
-              <a:t>.</a:t>
-            </a:r>
-          </a:p>
-          <a:p>
-            <a:r>
-              <a:rPr lang="en-US" dirty="0"/>
-              <a:t>For each physical repository implementation:</a:t>
-            </a:r>
-          </a:p>
-          <a:p>
-            <a:pPr lvl="1"/>
-            <a:r>
-              <a:rPr lang="en-US" dirty="0"/>
-              <a:t>Definitions to store CIM objects organized by namespace and within each namespace by class, instance, qualifier declaration.</a:t>
-            </a:r>
+              <a:t>WBEMConnection</a:t>
+            </a:r>
+            <a:r>
+              <a:rPr lang="en-US" dirty="0"/>
+              <a:t> for each method for simplicity</a:t>
+            </a:r>
+          </a:p>
+          <a:p>
+            <a:r>
+              <a:rPr lang="en-US" dirty="0"/>
+              <a:t>Namespace management through namespace provider </a:t>
+            </a:r>
+            <a:r>
+              <a:rPr lang="en-US" dirty="0" err="1"/>
+              <a:t>CIM_Namespace</a:t>
+            </a:r>
+            <a:endParaRPr lang="en-US" dirty="0"/>
           </a:p>
           <a:p>
             <a:pPr marL="457200" lvl="1" indent="0">
@@ -7117,10 +8595,45 @@
           </a:p>
         </p:txBody>
       </p:sp>
+      <p:sp>
+        <p:nvSpPr>
+          <p:cNvPr id="2" name="TextBox 1">
+            <a:extLst>
+              <a:ext uri="{FF2B5EF4-FFF2-40B4-BE49-F238E27FC236}">
+                <a16:creationId xmlns:a16="http://schemas.microsoft.com/office/drawing/2014/main" id="{2EB5767E-46A0-426A-88CD-547A92661715}"/>
+              </a:ext>
+            </a:extLst>
+          </p:cNvPr>
+          <p:cNvSpPr txBox="1"/>
+          <p:nvPr/>
+        </p:nvSpPr>
+        <p:spPr>
+          <a:xfrm>
+            <a:off x="7869677" y="365125"/>
+            <a:ext cx="2645923" cy="369332"/>
+          </a:xfrm>
+          <a:prstGeom prst="rect">
+            <a:avLst/>
+          </a:prstGeom>
+          <a:noFill/>
+        </p:spPr>
+        <p:txBody>
+          <a:bodyPr wrap="square" rtlCol="0">
+            <a:spAutoFit/>
+          </a:bodyPr>
+          <a:lstStyle/>
+          <a:p>
+            <a:r>
+              <a:rPr lang="en-US" dirty="0"/>
+              <a:t>KS 10 Jan. 2020</a:t>
+            </a:r>
+          </a:p>
+        </p:txBody>
+      </p:sp>
     </p:spTree>
     <p:extLst>
       <p:ext uri="{BB962C8B-B14F-4D97-AF65-F5344CB8AC3E}">
-        <p14:creationId xmlns:p14="http://schemas.microsoft.com/office/powerpoint/2010/main" val="1059226333"/>
+        <p14:creationId xmlns:p14="http://schemas.microsoft.com/office/powerpoint/2010/main" val="634700404"/>
       </p:ext>
     </p:extLst>
   </p:cSld>
@@ -7152,7 +8665,7 @@
           <p:cNvPr id="2" name="Title 1">
             <a:extLst>
               <a:ext uri="{FF2B5EF4-FFF2-40B4-BE49-F238E27FC236}">
-                <a16:creationId xmlns:a16="http://schemas.microsoft.com/office/drawing/2014/main" id="{158CF82E-2BA9-4848-99C1-36F03F3E2C15}"/>
+                <a16:creationId xmlns:a16="http://schemas.microsoft.com/office/drawing/2014/main" id="{E9D693F2-9D42-4C0C-8F49-051C2F635F2A}"/>
               </a:ext>
             </a:extLst>
           </p:cNvPr>
@@ -7170,7 +8683,7 @@
           <a:p>
             <a:r>
               <a:rPr lang="en-US" dirty="0"/>
-              <a:t>Proposed steps</a:t>
+              <a:t>CIM Providers</a:t>
             </a:r>
           </a:p>
         </p:txBody>
@@ -7180,7 +8693,7 @@
           <p:cNvPr id="3" name="Content Placeholder 2">
             <a:extLst>
               <a:ext uri="{FF2B5EF4-FFF2-40B4-BE49-F238E27FC236}">
-                <a16:creationId xmlns:a16="http://schemas.microsoft.com/office/drawing/2014/main" id="{B870DD01-1685-44ED-804B-6A95B9E1B209}"/>
+                <a16:creationId xmlns:a16="http://schemas.microsoft.com/office/drawing/2014/main" id="{074E7DBA-1F7F-4676-B237-FC42E94EB92C}"/>
               </a:ext>
             </a:extLst>
           </p:cNvPr>
@@ -7199,18 +8712,8 @@
           <a:lstStyle/>
           <a:p>
             <a:r>
-              <a:rPr lang="en-US" dirty="0"/>
-              <a:t>Part1 – minor cleanup _ DONE</a:t>
-            </a:r>
-          </a:p>
-          <a:p>
-            <a:r>
-              <a:rPr lang="en-US" dirty="0"/>
-              <a:t>Part 2 – Separate physical store from _</a:t>
-            </a:r>
-            <a:r>
               <a:rPr lang="en-US" dirty="0" err="1"/>
-              <a:t>WBEMConnection</a:t>
+              <a:t>MainProvider</a:t>
             </a:r>
             <a:endParaRPr lang="en-US" dirty="0"/>
           </a:p>
@@ -7218,164 +8721,136 @@
             <a:pPr lvl="1"/>
             <a:r>
               <a:rPr lang="en-US" dirty="0"/>
-              <a:t>Methods that access store will use </a:t>
+              <a:t>All class and qualifier requests. These manage class and qualifier </a:t>
             </a:r>
             <a:r>
               <a:rPr lang="en-US" dirty="0" err="1"/>
-              <a:t>get_instance_repo</a:t>
-            </a:r>
-            <a:r>
-              <a:rPr lang="en-US" dirty="0"/>
-              <a:t>(), to access the dictionary representing that data.  This is same as today except for a couple of cases where we added things like a _</a:t>
-            </a:r>
+              <a:t>decl</a:t>
+            </a:r>
+            <a:r>
+              <a:rPr lang="en-US" dirty="0"/>
+              <a:t> data in the repository</a:t>
+            </a:r>
+          </a:p>
+          <a:p>
+            <a:pPr lvl="1"/>
+            <a:r>
+              <a:rPr lang="en-US" dirty="0"/>
+              <a:t>Also handle all Enumerate/Association instance requests</a:t>
+            </a:r>
+          </a:p>
+          <a:p>
             <a:r>
               <a:rPr lang="en-US" dirty="0" err="1"/>
-              <a:t>exists_class</a:t>
-            </a:r>
-            <a:r>
-              <a:rPr lang="en-US" dirty="0"/>
-              <a:t>() which can now become an </a:t>
-            </a:r>
+              <a:t>BaseInstanceProvider</a:t>
+            </a:r>
+            <a:endParaRPr lang="en-US" dirty="0"/>
+          </a:p>
+          <a:p>
+            <a:pPr lvl="1"/>
+            <a:r>
+              <a:rPr lang="en-US" dirty="0"/>
+              <a:t>Implements the Create, Delete instances. </a:t>
+            </a:r>
+          </a:p>
+          <a:p>
             <a:r>
               <a:rPr lang="en-US" dirty="0" err="1"/>
-              <a:t>iterable</a:t>
-            </a:r>
-            <a:r>
-              <a:rPr lang="en-US" dirty="0"/>
-              <a:t> “if </a:t>
+              <a:t>SpecificInstanceProviders</a:t>
+            </a:r>
+            <a:endParaRPr lang="en-US" dirty="0"/>
+          </a:p>
+          <a:p>
+            <a:pPr lvl="1"/>
+            <a:r>
+              <a:rPr lang="en-US" dirty="0"/>
+              <a:t>Subclass from </a:t>
             </a:r>
             <a:r>
               <a:rPr lang="en-US" dirty="0" err="1"/>
-              <a:t>classname</a:t>
-            </a:r>
-            <a:r>
-              <a:rPr lang="en-US" dirty="0"/>
-              <a:t> in </a:t>
+              <a:t>BaseInstanceProvider</a:t>
+            </a:r>
+            <a:endParaRPr lang="en-US" dirty="0"/>
+          </a:p>
+          <a:p>
+            <a:pPr lvl="1"/>
+            <a:r>
+              <a:rPr lang="en-US" dirty="0"/>
+              <a:t>Override specific methods of </a:t>
             </a:r>
             <a:r>
               <a:rPr lang="en-US" dirty="0" err="1"/>
-              <a:t>class_repo</a:t>
-            </a:r>
-            <a:r>
-              <a:rPr lang="en-US" dirty="0"/>
-              <a:t>”</a:t>
+              <a:t>BaseInstanceProvider</a:t>
+            </a:r>
+            <a:r>
+              <a:rPr lang="en-US" dirty="0"/>
+              <a:t> (ex. </a:t>
+            </a:r>
+            <a:r>
+              <a:rPr lang="en-US" dirty="0" err="1"/>
+              <a:t>Overide</a:t>
+            </a:r>
+            <a:r>
+              <a:rPr lang="en-US" dirty="0"/>
+              <a:t> </a:t>
+            </a:r>
+            <a:r>
+              <a:rPr lang="en-US" dirty="0" err="1"/>
+              <a:t>CreateInstance</a:t>
+            </a:r>
+            <a:r>
+              <a:rPr lang="en-US" dirty="0"/>
+              <a:t> to add processing to </a:t>
+            </a:r>
+            <a:r>
+              <a:rPr lang="en-US" dirty="0" err="1"/>
+              <a:t>CreateInstance</a:t>
+            </a:r>
+            <a:endParaRPr lang="en-US" dirty="0"/>
+          </a:p>
+          <a:p>
+            <a:r>
+              <a:rPr lang="en-US" dirty="0"/>
+              <a:t>All providers have interface similar to </a:t>
+            </a:r>
+            <a:r>
+              <a:rPr lang="en-US" dirty="0" err="1"/>
+              <a:t>WBEM_Connection</a:t>
+            </a:r>
+            <a:r>
+              <a:rPr lang="en-US" dirty="0"/>
+              <a:t> client interface except:</a:t>
             </a:r>
           </a:p>
           <a:p>
             <a:pPr lvl="1"/>
             <a:r>
               <a:rPr lang="en-US" dirty="0"/>
-              <a:t>This will create new files  _base_repository.py, _inmemoryrepository.py.</a:t>
+              <a:t>Namespace required argument for all operations</a:t>
             </a:r>
           </a:p>
           <a:p>
             <a:pPr lvl="1"/>
             <a:r>
-              <a:rPr lang="en-US" dirty="0"/>
-              <a:t>Note that for part 2 we will keep the compiler code that is in the _</a:t>
-            </a:r>
-            <a:r>
               <a:rPr lang="en-US" dirty="0" err="1"/>
-              <a:t>mockmofwbemconnection</a:t>
-            </a:r>
-            <a:r>
-              <a:rPr lang="en-US" dirty="0"/>
-              <a:t> in the </a:t>
+              <a:t>Classname</a:t>
+            </a:r>
+            <a:r>
+              <a:rPr lang="en-US" dirty="0"/>
+              <a:t> parameters passed as string and not </a:t>
             </a:r>
             <a:r>
               <a:rPr lang="en-US" dirty="0" err="1"/>
-              <a:t>inmemory_repository</a:t>
-            </a:r>
-            <a:r>
-              <a:rPr lang="en-US" dirty="0"/>
-              <a:t>.</a:t>
-            </a:r>
-          </a:p>
-          <a:p>
-            <a:r>
-              <a:rPr lang="en-US" dirty="0"/>
-              <a:t>Part 3</a:t>
-            </a:r>
+              <a:t>CIMClassName</a:t>
+            </a:r>
+            <a:endParaRPr lang="en-US" dirty="0"/>
           </a:p>
           <a:p>
             <a:pPr lvl="1"/>
             <a:r>
               <a:rPr lang="en-US" dirty="0"/>
-              <a:t>Separate the mock code from _</a:t>
-            </a:r>
-            <a:r>
-              <a:rPr lang="en-US" dirty="0" err="1"/>
-              <a:t>WBEMConnection</a:t>
-            </a:r>
-            <a:r>
-              <a:rPr lang="en-US" dirty="0"/>
-              <a:t> so that the methods in _</a:t>
-            </a:r>
-            <a:r>
-              <a:rPr lang="en-US" dirty="0" err="1"/>
-              <a:t>Wbemconnection</a:t>
-            </a:r>
-            <a:r>
-              <a:rPr lang="en-US" dirty="0"/>
-              <a:t> return the objects as defined in </a:t>
-            </a:r>
-            <a:r>
-              <a:rPr lang="en-US" dirty="0" err="1"/>
-              <a:t>cim_operations</a:t>
-            </a:r>
-            <a:r>
-              <a:rPr lang="en-US" dirty="0"/>
-              <a:t>.</a:t>
-            </a:r>
-          </a:p>
-          <a:p>
-            <a:pPr lvl="1"/>
-            <a:r>
-              <a:rPr lang="en-US" dirty="0"/>
-              <a:t>The mock wrapper methods </a:t>
-            </a:r>
-          </a:p>
-          <a:p>
-            <a:r>
-              <a:rPr lang="en-US" dirty="0"/>
-              <a:t>Part 4</a:t>
-            </a:r>
-          </a:p>
-          <a:p>
-            <a:pPr lvl="1"/>
-            <a:r>
-              <a:rPr lang="en-US" dirty="0"/>
-              <a:t>Move the compiler </a:t>
-            </a:r>
-            <a:r>
-              <a:rPr lang="en-US" dirty="0" err="1"/>
-              <a:t>GetClass</a:t>
-            </a:r>
-            <a:r>
-              <a:rPr lang="en-US" dirty="0"/>
-              <a:t>, etc. that is in _</a:t>
-            </a:r>
-            <a:r>
-              <a:rPr lang="en-US" dirty="0" err="1"/>
-              <a:t>mofwbemconnection</a:t>
-            </a:r>
-            <a:r>
-              <a:rPr lang="en-US" dirty="0"/>
-              <a:t> (now _</a:t>
-            </a:r>
-            <a:r>
-              <a:rPr lang="en-US" dirty="0" err="1"/>
-              <a:t>inmemory_repository</a:t>
-            </a:r>
-            <a:r>
-              <a:rPr lang="en-US" dirty="0"/>
-              <a:t>) up so that it calls the CIMOM methods in _</a:t>
-            </a:r>
-            <a:r>
-              <a:rPr lang="en-US" dirty="0" err="1"/>
-              <a:t>WBEMConnection</a:t>
-            </a:r>
-            <a:endParaRPr lang="en-US" dirty="0"/>
+              <a:t>Use of host and namespace in new instances is ignored.  </a:t>
+            </a:r>
           </a:p>
         </p:txBody>
       </p:sp>
@@ -7384,7 +8859,7 @@
           <p:cNvPr id="4" name="TextBox 3">
             <a:extLst>
               <a:ext uri="{FF2B5EF4-FFF2-40B4-BE49-F238E27FC236}">
-                <a16:creationId xmlns:a16="http://schemas.microsoft.com/office/drawing/2014/main" id="{0FBC3311-30FE-4C25-86F9-49B27748C640}"/>
+                <a16:creationId xmlns:a16="http://schemas.microsoft.com/office/drawing/2014/main" id="{6E89C492-CBB7-46A3-8438-443BA0A0F3EF}"/>
               </a:ext>
             </a:extLst>
           </p:cNvPr>
@@ -7417,7 +8892,7 @@
     </p:spTree>
     <p:extLst>
       <p:ext uri="{BB962C8B-B14F-4D97-AF65-F5344CB8AC3E}">
-        <p14:creationId xmlns:p14="http://schemas.microsoft.com/office/powerpoint/2010/main" val="2059114915"/>
+        <p14:creationId xmlns:p14="http://schemas.microsoft.com/office/powerpoint/2010/main" val="3871019420"/>
       </p:ext>
     </p:extLst>
   </p:cSld>
@@ -8383,7 +9858,7 @@
           <p:cNvPr id="2" name="Title 1">
             <a:extLst>
               <a:ext uri="{FF2B5EF4-FFF2-40B4-BE49-F238E27FC236}">
-                <a16:creationId xmlns:a16="http://schemas.microsoft.com/office/drawing/2014/main" id="{4C49E459-7B7B-496D-9106-132E5A52B33B}"/>
+                <a16:creationId xmlns:a16="http://schemas.microsoft.com/office/drawing/2014/main" id="{4DC47076-0CA2-40A9-8BBF-3CD9BCE03AF5}"/>
               </a:ext>
             </a:extLst>
           </p:cNvPr>
@@ -8401,6 +9876,514 @@
           <a:p>
             <a:r>
               <a:rPr lang="en-US" dirty="0"/>
+              <a:t>Physical Repository Store</a:t>
+            </a:r>
+          </a:p>
+        </p:txBody>
+      </p:sp>
+      <p:sp>
+        <p:nvSpPr>
+          <p:cNvPr id="3" name="Content Placeholder 2">
+            <a:extLst>
+              <a:ext uri="{FF2B5EF4-FFF2-40B4-BE49-F238E27FC236}">
+                <a16:creationId xmlns:a16="http://schemas.microsoft.com/office/drawing/2014/main" id="{FCCE770E-7F85-4740-B497-08A623FDF734}"/>
+              </a:ext>
+            </a:extLst>
+          </p:cNvPr>
+          <p:cNvSpPr>
+            <a:spLocks noGrp="1"/>
+          </p:cNvSpPr>
+          <p:nvPr>
+            <p:ph idx="1"/>
+          </p:nvPr>
+        </p:nvSpPr>
+        <p:spPr/>
+        <p:txBody>
+          <a:bodyPr>
+            <a:normAutofit fontScale="92500" lnSpcReduction="20000"/>
+          </a:bodyPr>
+          <a:lstStyle/>
+          <a:p>
+            <a:r>
+              <a:rPr lang="en-US" dirty="0"/>
+              <a:t>Implements the cim object store API:</a:t>
+            </a:r>
+          </a:p>
+          <a:p>
+            <a:r>
+              <a:rPr lang="en-US" dirty="0"/>
+              <a:t>Common API</a:t>
+            </a:r>
+          </a:p>
+          <a:p>
+            <a:pPr lvl="1"/>
+            <a:r>
+              <a:rPr lang="en-US" dirty="0"/>
+              <a:t>The repository is modeled as dictionaries with the class, qualifier declaration, instance dictionaries under namespace dictionaries. Note that all are </a:t>
+            </a:r>
+            <a:r>
+              <a:rPr lang="en-US" dirty="0" err="1"/>
+              <a:t>Nocase</a:t>
+            </a:r>
+            <a:r>
+              <a:rPr lang="en-US" dirty="0"/>
+              <a:t> except for instance</a:t>
+            </a:r>
+          </a:p>
+          <a:p>
+            <a:pPr lvl="1"/>
+            <a:r>
+              <a:rPr lang="en-US" dirty="0"/>
+              <a:t>Dictionary API methods can be used to access the dictionary for the items of each CIM type within a namespace</a:t>
+            </a:r>
+          </a:p>
+          <a:p>
+            <a:pPr lvl="1"/>
+            <a:r>
+              <a:rPr lang="en-US" dirty="0"/>
+              <a:t>Methods to add and delete namespaces.</a:t>
+            </a:r>
+          </a:p>
+          <a:p>
+            <a:pPr lvl="1"/>
+            <a:r>
+              <a:rPr lang="en-US" dirty="0"/>
+              <a:t>Methods to initiate and checkpoint store (possibly __</a:t>
+            </a:r>
+            <a:r>
+              <a:rPr lang="en-US" dirty="0" err="1"/>
+              <a:t>init</a:t>
+            </a:r>
+            <a:r>
+              <a:rPr lang="en-US" dirty="0"/>
+              <a:t>__ and a checkpoint method</a:t>
+            </a:r>
+          </a:p>
+          <a:p>
+            <a:pPr lvl="1"/>
+            <a:r>
+              <a:rPr lang="en-US" dirty="0"/>
+              <a:t>Note that this works also for databases since python tools exist for many databases to map to dictionaries.  The only issue might be </a:t>
+            </a:r>
+            <a:r>
+              <a:rPr lang="en-US" dirty="0" err="1"/>
+              <a:t>Nocase</a:t>
+            </a:r>
+            <a:r>
+              <a:rPr lang="en-US" dirty="0"/>
+              <a:t>.</a:t>
+            </a:r>
+          </a:p>
+          <a:p>
+            <a:r>
+              <a:rPr lang="en-US" dirty="0"/>
+              <a:t>For each physical repository implementation:</a:t>
+            </a:r>
+          </a:p>
+          <a:p>
+            <a:pPr lvl="1"/>
+            <a:r>
+              <a:rPr lang="en-US" dirty="0"/>
+              <a:t>Definitions to store CIM objects organized by namespace and within each namespace by class, instance, qualifier declaration.</a:t>
+            </a:r>
+          </a:p>
+          <a:p>
+            <a:pPr marL="457200" lvl="1" indent="0">
+              <a:buNone/>
+            </a:pPr>
+            <a:endParaRPr lang="en-US" dirty="0"/>
+          </a:p>
+        </p:txBody>
+      </p:sp>
+    </p:spTree>
+    <p:extLst>
+      <p:ext uri="{BB962C8B-B14F-4D97-AF65-F5344CB8AC3E}">
+        <p14:creationId xmlns:p14="http://schemas.microsoft.com/office/powerpoint/2010/main" val="1059226333"/>
+      </p:ext>
+    </p:extLst>
+  </p:cSld>
+  <p:clrMapOvr>
+    <a:masterClrMapping/>
+  </p:clrMapOvr>
+</p:sld>
+</file>
+
+<file path=ppt/slides/slide21.xml><?xml version="1.0" encoding="utf-8"?>
+<p:sld xmlns:a="http://schemas.openxmlformats.org/drawingml/2006/main" xmlns:r="http://schemas.openxmlformats.org/officeDocument/2006/relationships" xmlns:p="http://schemas.openxmlformats.org/presentationml/2006/main">
+  <p:cSld>
+    <p:spTree>
+      <p:nvGrpSpPr>
+        <p:cNvPr id="1" name=""/>
+        <p:cNvGrpSpPr/>
+        <p:nvPr/>
+      </p:nvGrpSpPr>
+      <p:grpSpPr>
+        <a:xfrm>
+          <a:off x="0" y="0"/>
+          <a:ext cx="0" cy="0"/>
+          <a:chOff x="0" y="0"/>
+          <a:chExt cx="0" cy="0"/>
+        </a:xfrm>
+      </p:grpSpPr>
+      <p:sp>
+        <p:nvSpPr>
+          <p:cNvPr id="2" name="Title 1">
+            <a:extLst>
+              <a:ext uri="{FF2B5EF4-FFF2-40B4-BE49-F238E27FC236}">
+                <a16:creationId xmlns:a16="http://schemas.microsoft.com/office/drawing/2014/main" id="{158CF82E-2BA9-4848-99C1-36F03F3E2C15}"/>
+              </a:ext>
+            </a:extLst>
+          </p:cNvPr>
+          <p:cNvSpPr>
+            <a:spLocks noGrp="1"/>
+          </p:cNvSpPr>
+          <p:nvPr>
+            <p:ph type="title"/>
+          </p:nvPr>
+        </p:nvSpPr>
+        <p:spPr/>
+        <p:txBody>
+          <a:bodyPr/>
+          <a:lstStyle/>
+          <a:p>
+            <a:r>
+              <a:rPr lang="en-US" dirty="0"/>
+              <a:t>Proposed steps</a:t>
+            </a:r>
+          </a:p>
+        </p:txBody>
+      </p:sp>
+      <p:sp>
+        <p:nvSpPr>
+          <p:cNvPr id="3" name="Content Placeholder 2">
+            <a:extLst>
+              <a:ext uri="{FF2B5EF4-FFF2-40B4-BE49-F238E27FC236}">
+                <a16:creationId xmlns:a16="http://schemas.microsoft.com/office/drawing/2014/main" id="{B870DD01-1685-44ED-804B-6A95B9E1B209}"/>
+              </a:ext>
+            </a:extLst>
+          </p:cNvPr>
+          <p:cNvSpPr>
+            <a:spLocks noGrp="1"/>
+          </p:cNvSpPr>
+          <p:nvPr>
+            <p:ph idx="1"/>
+          </p:nvPr>
+        </p:nvSpPr>
+        <p:spPr/>
+        <p:txBody>
+          <a:bodyPr>
+            <a:normAutofit fontScale="70000" lnSpcReduction="20000"/>
+          </a:bodyPr>
+          <a:lstStyle/>
+          <a:p>
+            <a:r>
+              <a:rPr lang="en-US" dirty="0"/>
+              <a:t>Part1 – minor cleanup _ DONE</a:t>
+            </a:r>
+          </a:p>
+          <a:p>
+            <a:r>
+              <a:rPr lang="en-US" dirty="0"/>
+              <a:t>Part 2 – Separate physical store from _</a:t>
+            </a:r>
+            <a:r>
+              <a:rPr lang="en-US" dirty="0" err="1"/>
+              <a:t>WBEMConnection</a:t>
+            </a:r>
+            <a:endParaRPr lang="en-US" dirty="0"/>
+          </a:p>
+          <a:p>
+            <a:pPr lvl="1"/>
+            <a:r>
+              <a:rPr lang="en-US" dirty="0"/>
+              <a:t>Methods that access store will use </a:t>
+            </a:r>
+            <a:r>
+              <a:rPr lang="en-US" dirty="0" err="1"/>
+              <a:t>get_instance_repo</a:t>
+            </a:r>
+            <a:r>
+              <a:rPr lang="en-US" dirty="0"/>
+              <a:t>(), to access the dictionary representing that data.  This is same as today except for a couple of cases where we added things like a _</a:t>
+            </a:r>
+            <a:r>
+              <a:rPr lang="en-US" dirty="0" err="1"/>
+              <a:t>exists_class</a:t>
+            </a:r>
+            <a:r>
+              <a:rPr lang="en-US" dirty="0"/>
+              <a:t>() which can now become an </a:t>
+            </a:r>
+            <a:r>
+              <a:rPr lang="en-US" dirty="0" err="1"/>
+              <a:t>iterable</a:t>
+            </a:r>
+            <a:r>
+              <a:rPr lang="en-US" dirty="0"/>
+              <a:t> “if </a:t>
+            </a:r>
+            <a:r>
+              <a:rPr lang="en-US" dirty="0" err="1"/>
+              <a:t>classname</a:t>
+            </a:r>
+            <a:r>
+              <a:rPr lang="en-US" dirty="0"/>
+              <a:t> in </a:t>
+            </a:r>
+            <a:r>
+              <a:rPr lang="en-US" dirty="0" err="1"/>
+              <a:t>class_repo</a:t>
+            </a:r>
+            <a:r>
+              <a:rPr lang="en-US" dirty="0"/>
+              <a:t>”</a:t>
+            </a:r>
+          </a:p>
+          <a:p>
+            <a:pPr lvl="1"/>
+            <a:r>
+              <a:rPr lang="en-US" dirty="0"/>
+              <a:t>This will create new files  _base_repository.py, _inmemoryrepository.py.</a:t>
+            </a:r>
+          </a:p>
+          <a:p>
+            <a:pPr lvl="1"/>
+            <a:r>
+              <a:rPr lang="en-US" dirty="0"/>
+              <a:t>Note that for part 2 we will keep the compiler code that is in the _</a:t>
+            </a:r>
+            <a:r>
+              <a:rPr lang="en-US" dirty="0" err="1"/>
+              <a:t>mockmofwbemconnection</a:t>
+            </a:r>
+            <a:r>
+              <a:rPr lang="en-US" dirty="0"/>
+              <a:t> in the </a:t>
+            </a:r>
+            <a:r>
+              <a:rPr lang="en-US" dirty="0" err="1"/>
+              <a:t>inmemory_repository</a:t>
+            </a:r>
+            <a:r>
+              <a:rPr lang="en-US" dirty="0"/>
+              <a:t>.</a:t>
+            </a:r>
+          </a:p>
+          <a:p>
+            <a:r>
+              <a:rPr lang="en-US" dirty="0"/>
+              <a:t>Part 3</a:t>
+            </a:r>
+          </a:p>
+          <a:p>
+            <a:pPr lvl="1"/>
+            <a:r>
+              <a:rPr lang="en-US" dirty="0"/>
+              <a:t>Separate the mock code from _</a:t>
+            </a:r>
+            <a:r>
+              <a:rPr lang="en-US" dirty="0" err="1"/>
+              <a:t>WBEMConnection</a:t>
+            </a:r>
+            <a:r>
+              <a:rPr lang="en-US" dirty="0"/>
+              <a:t> so that the methods in </a:t>
+            </a:r>
+            <a:r>
+              <a:rPr lang="en-US" dirty="0" err="1"/>
+              <a:t>MainProvider</a:t>
+            </a:r>
+            <a:r>
+              <a:rPr lang="en-US" dirty="0"/>
+              <a:t> and </a:t>
+            </a:r>
+            <a:r>
+              <a:rPr lang="en-US" dirty="0" err="1"/>
+              <a:t>BaseInstanceProvider</a:t>
+            </a:r>
+            <a:r>
+              <a:rPr lang="en-US" dirty="0"/>
+              <a:t> return the objects as defined in </a:t>
+            </a:r>
+            <a:r>
+              <a:rPr lang="en-US" dirty="0" err="1"/>
+              <a:t>cim_operations</a:t>
+            </a:r>
+            <a:r>
+              <a:rPr lang="en-US" dirty="0"/>
+              <a:t>.</a:t>
+            </a:r>
+          </a:p>
+          <a:p>
+            <a:pPr lvl="1"/>
+            <a:r>
+              <a:rPr lang="en-US" dirty="0"/>
+              <a:t>The </a:t>
+            </a:r>
+            <a:r>
+              <a:rPr lang="en-US" dirty="0" err="1"/>
+              <a:t>Fake_Wbemconnection</a:t>
+            </a:r>
+            <a:r>
+              <a:rPr lang="en-US" dirty="0"/>
+              <a:t> wraps the provider calls and response to satisfy the mock interface (_</a:t>
+            </a:r>
+            <a:r>
+              <a:rPr lang="en-US" dirty="0" err="1"/>
+              <a:t>imethodcall</a:t>
+            </a:r>
+            <a:r>
+              <a:rPr lang="en-US" dirty="0"/>
+              <a:t> request and response interface) </a:t>
+            </a:r>
+          </a:p>
+          <a:p>
+            <a:r>
+              <a:rPr lang="en-US" dirty="0"/>
+              <a:t>Part 4</a:t>
+            </a:r>
+          </a:p>
+          <a:p>
+            <a:pPr lvl="1"/>
+            <a:r>
+              <a:rPr lang="en-US" dirty="0"/>
+              <a:t>Since the MOF compiler uses an interface to the client, It must communicate through the </a:t>
+            </a:r>
+            <a:r>
+              <a:rPr lang="en-US" dirty="0" err="1"/>
+              <a:t>WBEMConnection</a:t>
+            </a:r>
+            <a:r>
+              <a:rPr lang="en-US" dirty="0"/>
+              <a:t> interface to the mocker.</a:t>
+            </a:r>
+          </a:p>
+          <a:p>
+            <a:pPr lvl="1"/>
+            <a:r>
+              <a:rPr lang="en-US" dirty="0"/>
+              <a:t>Move the compiler </a:t>
+            </a:r>
+            <a:r>
+              <a:rPr lang="en-US" dirty="0" err="1"/>
+              <a:t>GetClass</a:t>
+            </a:r>
+            <a:r>
+              <a:rPr lang="en-US" dirty="0"/>
+              <a:t>, etc. that is in _</a:t>
+            </a:r>
+            <a:r>
+              <a:rPr lang="en-US" dirty="0" err="1"/>
+              <a:t>mofwbemconnection</a:t>
+            </a:r>
+            <a:r>
+              <a:rPr lang="en-US" dirty="0"/>
+              <a:t> (now _</a:t>
+            </a:r>
+            <a:r>
+              <a:rPr lang="en-US" dirty="0" err="1"/>
+              <a:t>inmemory_repository</a:t>
+            </a:r>
+            <a:r>
+              <a:rPr lang="en-US" dirty="0"/>
+              <a:t>) up so that it calls the CIMOM methods in _</a:t>
+            </a:r>
+            <a:r>
+              <a:rPr lang="en-US" dirty="0" err="1"/>
+              <a:t>WBEMConnection</a:t>
+            </a:r>
+            <a:endParaRPr lang="en-US" dirty="0"/>
+          </a:p>
+        </p:txBody>
+      </p:sp>
+      <p:sp>
+        <p:nvSpPr>
+          <p:cNvPr id="4" name="TextBox 3">
+            <a:extLst>
+              <a:ext uri="{FF2B5EF4-FFF2-40B4-BE49-F238E27FC236}">
+                <a16:creationId xmlns:a16="http://schemas.microsoft.com/office/drawing/2014/main" id="{0FBC3311-30FE-4C25-86F9-49B27748C640}"/>
+              </a:ext>
+            </a:extLst>
+          </p:cNvPr>
+          <p:cNvSpPr txBox="1"/>
+          <p:nvPr/>
+        </p:nvSpPr>
+        <p:spPr>
+          <a:xfrm>
+            <a:off x="7869677" y="365125"/>
+            <a:ext cx="2645923" cy="369332"/>
+          </a:xfrm>
+          <a:prstGeom prst="rect">
+            <a:avLst/>
+          </a:prstGeom>
+          <a:noFill/>
+        </p:spPr>
+        <p:txBody>
+          <a:bodyPr wrap="square" rtlCol="0">
+            <a:spAutoFit/>
+          </a:bodyPr>
+          <a:lstStyle/>
+          <a:p>
+            <a:r>
+              <a:rPr lang="en-US" dirty="0"/>
+              <a:t>KS 10 Jan. 2020</a:t>
+            </a:r>
+          </a:p>
+        </p:txBody>
+      </p:sp>
+    </p:spTree>
+    <p:extLst>
+      <p:ext uri="{BB962C8B-B14F-4D97-AF65-F5344CB8AC3E}">
+        <p14:creationId xmlns:p14="http://schemas.microsoft.com/office/powerpoint/2010/main" val="2059114915"/>
+      </p:ext>
+    </p:extLst>
+  </p:cSld>
+  <p:clrMapOvr>
+    <a:masterClrMapping/>
+  </p:clrMapOvr>
+</p:sld>
+</file>
+
+<file path=ppt/slides/slide22.xml><?xml version="1.0" encoding="utf-8"?>
+<p:sld xmlns:a="http://schemas.openxmlformats.org/drawingml/2006/main" xmlns:r="http://schemas.openxmlformats.org/officeDocument/2006/relationships" xmlns:p="http://schemas.openxmlformats.org/presentationml/2006/main">
+  <p:cSld>
+    <p:spTree>
+      <p:nvGrpSpPr>
+        <p:cNvPr id="1" name=""/>
+        <p:cNvGrpSpPr/>
+        <p:nvPr/>
+      </p:nvGrpSpPr>
+      <p:grpSpPr>
+        <a:xfrm>
+          <a:off x="0" y="0"/>
+          <a:ext cx="0" cy="0"/>
+          <a:chOff x="0" y="0"/>
+          <a:chExt cx="0" cy="0"/>
+        </a:xfrm>
+      </p:grpSpPr>
+      <p:sp>
+        <p:nvSpPr>
+          <p:cNvPr id="2" name="Title 1">
+            <a:extLst>
+              <a:ext uri="{FF2B5EF4-FFF2-40B4-BE49-F238E27FC236}">
+                <a16:creationId xmlns:a16="http://schemas.microsoft.com/office/drawing/2014/main" id="{4C49E459-7B7B-496D-9106-132E5A52B33B}"/>
+              </a:ext>
+            </a:extLst>
+          </p:cNvPr>
+          <p:cNvSpPr>
+            <a:spLocks noGrp="1"/>
+          </p:cNvSpPr>
+          <p:nvPr>
+            <p:ph type="title"/>
+          </p:nvPr>
+        </p:nvSpPr>
+        <p:spPr/>
+        <p:txBody>
+          <a:bodyPr/>
+          <a:lstStyle/>
+          <a:p>
+            <a:r>
+              <a:rPr lang="en-US" dirty="0"/>
               <a:t>Proposed CIM Repository API</a:t>
             </a:r>
           </a:p>
@@ -8487,7 +10470,7 @@
             <a:pPr lvl="1"/>
             <a:r>
               <a:rPr lang="en-US" dirty="0" err="1"/>
-              <a:t>get_class_repo</a:t>
+              <a:t>get_class_datastore</a:t>
             </a:r>
             <a:r>
               <a:rPr lang="en-US" dirty="0"/>
@@ -8498,22 +10481,22 @@
             <a:pPr lvl="1"/>
             <a:r>
               <a:rPr lang="en-US" dirty="0" err="1"/>
-              <a:t>get_instance_repo</a:t>
-            </a:r>
-            <a:r>
-              <a:rPr lang="en-US" dirty="0"/>
-              <a:t>(namespace)</a:t>
+              <a:t>get_instance</a:t>
+            </a:r>
+            <a:r>
+              <a:rPr lang="en-US" dirty="0"/>
+              <a:t>_ datastore(namespace)</a:t>
             </a:r>
           </a:p>
           <a:p>
             <a:pPr lvl="1"/>
             <a:r>
               <a:rPr lang="en-US" dirty="0" err="1"/>
-              <a:t>get_qualifier_repo</a:t>
-            </a:r>
-            <a:r>
-              <a:rPr lang="en-US" dirty="0"/>
-              <a:t>(namespace</a:t>
+              <a:t>get_qualifier</a:t>
+            </a:r>
+            <a:r>
+              <a:rPr lang="en-US" dirty="0"/>
+              <a:t>_ datastore(namespace</a:t>
             </a:r>
           </a:p>
           <a:p>

--- a/design/RepositoryStructure.pptx
+++ b/design/RepositoryStructure.pptx
@@ -4,6 +4,9 @@
   <p:sldMasterIdLst>
     <p:sldMasterId id="2147483648" r:id="rId1"/>
   </p:sldMasterIdLst>
+  <p:notesMasterIdLst>
+    <p:notesMasterId r:id="rId24"/>
+  </p:notesMasterIdLst>
   <p:sldIdLst>
     <p:sldId id="274" r:id="rId2"/>
     <p:sldId id="256" r:id="rId3"/>
@@ -144,6 +147,355 @@
 </p:presentation>
 </file>
 
+<file path=ppt/notesMasters/notesMaster1.xml><?xml version="1.0" encoding="utf-8"?>
+<p:notesMaster xmlns:a="http://schemas.openxmlformats.org/drawingml/2006/main" xmlns:r="http://schemas.openxmlformats.org/officeDocument/2006/relationships" xmlns:p="http://schemas.openxmlformats.org/presentationml/2006/main">
+  <p:cSld>
+    <p:bg>
+      <p:bgRef idx="1001">
+        <a:schemeClr val="bg1"/>
+      </p:bgRef>
+    </p:bg>
+    <p:spTree>
+      <p:nvGrpSpPr>
+        <p:cNvPr id="1" name=""/>
+        <p:cNvGrpSpPr/>
+        <p:nvPr/>
+      </p:nvGrpSpPr>
+      <p:grpSpPr>
+        <a:xfrm>
+          <a:off x="0" y="0"/>
+          <a:ext cx="0" cy="0"/>
+          <a:chOff x="0" y="0"/>
+          <a:chExt cx="0" cy="0"/>
+        </a:xfrm>
+      </p:grpSpPr>
+      <p:sp>
+        <p:nvSpPr>
+          <p:cNvPr id="2" name="Header Placeholder 1"/>
+          <p:cNvSpPr>
+            <a:spLocks noGrp="1"/>
+          </p:cNvSpPr>
+          <p:nvPr>
+            <p:ph type="hdr" sz="quarter"/>
+          </p:nvPr>
+        </p:nvSpPr>
+        <p:spPr>
+          <a:xfrm>
+            <a:off x="0" y="0"/>
+            <a:ext cx="2971800" cy="458788"/>
+          </a:xfrm>
+          <a:prstGeom prst="rect">
+            <a:avLst/>
+          </a:prstGeom>
+        </p:spPr>
+        <p:txBody>
+          <a:bodyPr vert="horz" lIns="91440" tIns="45720" rIns="91440" bIns="45720" rtlCol="0"/>
+          <a:lstStyle>
+            <a:lvl1pPr algn="l">
+              <a:defRPr sz="1200"/>
+            </a:lvl1pPr>
+          </a:lstStyle>
+          <a:p>
+            <a:endParaRPr lang="en-US"/>
+          </a:p>
+        </p:txBody>
+      </p:sp>
+      <p:sp>
+        <p:nvSpPr>
+          <p:cNvPr id="3" name="Date Placeholder 2"/>
+          <p:cNvSpPr>
+            <a:spLocks noGrp="1"/>
+          </p:cNvSpPr>
+          <p:nvPr>
+            <p:ph type="dt" idx="1"/>
+          </p:nvPr>
+        </p:nvSpPr>
+        <p:spPr>
+          <a:xfrm>
+            <a:off x="3884613" y="0"/>
+            <a:ext cx="2971800" cy="458788"/>
+          </a:xfrm>
+          <a:prstGeom prst="rect">
+            <a:avLst/>
+          </a:prstGeom>
+        </p:spPr>
+        <p:txBody>
+          <a:bodyPr vert="horz" lIns="91440" tIns="45720" rIns="91440" bIns="45720" rtlCol="0"/>
+          <a:lstStyle>
+            <a:lvl1pPr algn="r">
+              <a:defRPr sz="1200"/>
+            </a:lvl1pPr>
+          </a:lstStyle>
+          <a:p>
+            <a:fld id="{C29F78B0-A34D-4E1F-90F0-EA59C04644F7}" type="datetimeFigureOut">
+              <a:rPr lang="en-US" smtClean="0"/>
+              <a:t>4/6/2020</a:t>
+            </a:fld>
+            <a:endParaRPr lang="en-US"/>
+          </a:p>
+        </p:txBody>
+      </p:sp>
+      <p:sp>
+        <p:nvSpPr>
+          <p:cNvPr id="4" name="Slide Image Placeholder 3"/>
+          <p:cNvSpPr>
+            <a:spLocks noGrp="1" noRot="1" noChangeAspect="1"/>
+          </p:cNvSpPr>
+          <p:nvPr>
+            <p:ph type="sldImg" idx="2"/>
+          </p:nvPr>
+        </p:nvSpPr>
+        <p:spPr>
+          <a:xfrm>
+            <a:off x="685800" y="1143000"/>
+            <a:ext cx="5486400" cy="3086100"/>
+          </a:xfrm>
+          <a:prstGeom prst="rect">
+            <a:avLst/>
+          </a:prstGeom>
+          <a:noFill/>
+          <a:ln w="12700">
+            <a:solidFill>
+              <a:prstClr val="black"/>
+            </a:solidFill>
+          </a:ln>
+        </p:spPr>
+        <p:txBody>
+          <a:bodyPr vert="horz" lIns="91440" tIns="45720" rIns="91440" bIns="45720" rtlCol="0" anchor="ctr"/>
+          <a:lstStyle/>
+          <a:p>
+            <a:endParaRPr lang="en-US"/>
+          </a:p>
+        </p:txBody>
+      </p:sp>
+      <p:sp>
+        <p:nvSpPr>
+          <p:cNvPr id="5" name="Notes Placeholder 4"/>
+          <p:cNvSpPr>
+            <a:spLocks noGrp="1"/>
+          </p:cNvSpPr>
+          <p:nvPr>
+            <p:ph type="body" sz="quarter" idx="3"/>
+          </p:nvPr>
+        </p:nvSpPr>
+        <p:spPr>
+          <a:xfrm>
+            <a:off x="685800" y="4400550"/>
+            <a:ext cx="5486400" cy="3600450"/>
+          </a:xfrm>
+          <a:prstGeom prst="rect">
+            <a:avLst/>
+          </a:prstGeom>
+        </p:spPr>
+        <p:txBody>
+          <a:bodyPr vert="horz" lIns="91440" tIns="45720" rIns="91440" bIns="45720" rtlCol="0"/>
+          <a:lstStyle/>
+          <a:p>
+            <a:pPr lvl="0"/>
+            <a:r>
+              <a:rPr lang="en-US"/>
+              <a:t>Click to edit Master text styles</a:t>
+            </a:r>
+          </a:p>
+          <a:p>
+            <a:pPr lvl="1"/>
+            <a:r>
+              <a:rPr lang="en-US"/>
+              <a:t>Second level</a:t>
+            </a:r>
+          </a:p>
+          <a:p>
+            <a:pPr lvl="2"/>
+            <a:r>
+              <a:rPr lang="en-US"/>
+              <a:t>Third level</a:t>
+            </a:r>
+          </a:p>
+          <a:p>
+            <a:pPr lvl="3"/>
+            <a:r>
+              <a:rPr lang="en-US"/>
+              <a:t>Fourth level</a:t>
+            </a:r>
+          </a:p>
+          <a:p>
+            <a:pPr lvl="4"/>
+            <a:r>
+              <a:rPr lang="en-US"/>
+              <a:t>Fifth level</a:t>
+            </a:r>
+          </a:p>
+        </p:txBody>
+      </p:sp>
+      <p:sp>
+        <p:nvSpPr>
+          <p:cNvPr id="6" name="Footer Placeholder 5"/>
+          <p:cNvSpPr>
+            <a:spLocks noGrp="1"/>
+          </p:cNvSpPr>
+          <p:nvPr>
+            <p:ph type="ftr" sz="quarter" idx="4"/>
+          </p:nvPr>
+        </p:nvSpPr>
+        <p:spPr>
+          <a:xfrm>
+            <a:off x="0" y="8685213"/>
+            <a:ext cx="2971800" cy="458787"/>
+          </a:xfrm>
+          <a:prstGeom prst="rect">
+            <a:avLst/>
+          </a:prstGeom>
+        </p:spPr>
+        <p:txBody>
+          <a:bodyPr vert="horz" lIns="91440" tIns="45720" rIns="91440" bIns="45720" rtlCol="0" anchor="b"/>
+          <a:lstStyle>
+            <a:lvl1pPr algn="l">
+              <a:defRPr sz="1200"/>
+            </a:lvl1pPr>
+          </a:lstStyle>
+          <a:p>
+            <a:endParaRPr lang="en-US"/>
+          </a:p>
+        </p:txBody>
+      </p:sp>
+      <p:sp>
+        <p:nvSpPr>
+          <p:cNvPr id="7" name="Slide Number Placeholder 6"/>
+          <p:cNvSpPr>
+            <a:spLocks noGrp="1"/>
+          </p:cNvSpPr>
+          <p:nvPr>
+            <p:ph type="sldNum" sz="quarter" idx="5"/>
+          </p:nvPr>
+        </p:nvSpPr>
+        <p:spPr>
+          <a:xfrm>
+            <a:off x="3884613" y="8685213"/>
+            <a:ext cx="2971800" cy="458787"/>
+          </a:xfrm>
+          <a:prstGeom prst="rect">
+            <a:avLst/>
+          </a:prstGeom>
+        </p:spPr>
+        <p:txBody>
+          <a:bodyPr vert="horz" lIns="91440" tIns="45720" rIns="91440" bIns="45720" rtlCol="0" anchor="b"/>
+          <a:lstStyle>
+            <a:lvl1pPr algn="r">
+              <a:defRPr sz="1200"/>
+            </a:lvl1pPr>
+          </a:lstStyle>
+          <a:p>
+            <a:fld id="{298F0EA5-9842-4083-B3A4-66437744046E}" type="slidenum">
+              <a:rPr lang="en-US" smtClean="0"/>
+              <a:t>‹#›</a:t>
+            </a:fld>
+            <a:endParaRPr lang="en-US"/>
+          </a:p>
+        </p:txBody>
+      </p:sp>
+    </p:spTree>
+    <p:extLst>
+      <p:ext uri="{BB962C8B-B14F-4D97-AF65-F5344CB8AC3E}">
+        <p14:creationId xmlns:p14="http://schemas.microsoft.com/office/powerpoint/2010/main" val="2666674290"/>
+      </p:ext>
+    </p:extLst>
+  </p:cSld>
+  <p:clrMap bg1="lt1" tx1="dk1" bg2="lt2" tx2="dk2" accent1="accent1" accent2="accent2" accent3="accent3" accent4="accent4" accent5="accent5" accent6="accent6" hlink="hlink" folHlink="folHlink"/>
+  <p:notesStyle>
+    <a:lvl1pPr marL="0" algn="l" defTabSz="914400" rtl="0" eaLnBrk="1" latinLnBrk="0" hangingPunct="1">
+      <a:defRPr sz="1200" kern="1200">
+        <a:solidFill>
+          <a:schemeClr val="tx1"/>
+        </a:solidFill>
+        <a:latin typeface="+mn-lt"/>
+        <a:ea typeface="+mn-ea"/>
+        <a:cs typeface="+mn-cs"/>
+      </a:defRPr>
+    </a:lvl1pPr>
+    <a:lvl2pPr marL="457200" algn="l" defTabSz="914400" rtl="0" eaLnBrk="1" latinLnBrk="0" hangingPunct="1">
+      <a:defRPr sz="1200" kern="1200">
+        <a:solidFill>
+          <a:schemeClr val="tx1"/>
+        </a:solidFill>
+        <a:latin typeface="+mn-lt"/>
+        <a:ea typeface="+mn-ea"/>
+        <a:cs typeface="+mn-cs"/>
+      </a:defRPr>
+    </a:lvl2pPr>
+    <a:lvl3pPr marL="914400" algn="l" defTabSz="914400" rtl="0" eaLnBrk="1" latinLnBrk="0" hangingPunct="1">
+      <a:defRPr sz="1200" kern="1200">
+        <a:solidFill>
+          <a:schemeClr val="tx1"/>
+        </a:solidFill>
+        <a:latin typeface="+mn-lt"/>
+        <a:ea typeface="+mn-ea"/>
+        <a:cs typeface="+mn-cs"/>
+      </a:defRPr>
+    </a:lvl3pPr>
+    <a:lvl4pPr marL="1371600" algn="l" defTabSz="914400" rtl="0" eaLnBrk="1" latinLnBrk="0" hangingPunct="1">
+      <a:defRPr sz="1200" kern="1200">
+        <a:solidFill>
+          <a:schemeClr val="tx1"/>
+        </a:solidFill>
+        <a:latin typeface="+mn-lt"/>
+        <a:ea typeface="+mn-ea"/>
+        <a:cs typeface="+mn-cs"/>
+      </a:defRPr>
+    </a:lvl4pPr>
+    <a:lvl5pPr marL="1828800" algn="l" defTabSz="914400" rtl="0" eaLnBrk="1" latinLnBrk="0" hangingPunct="1">
+      <a:defRPr sz="1200" kern="1200">
+        <a:solidFill>
+          <a:schemeClr val="tx1"/>
+        </a:solidFill>
+        <a:latin typeface="+mn-lt"/>
+        <a:ea typeface="+mn-ea"/>
+        <a:cs typeface="+mn-cs"/>
+      </a:defRPr>
+    </a:lvl5pPr>
+    <a:lvl6pPr marL="2286000" algn="l" defTabSz="914400" rtl="0" eaLnBrk="1" latinLnBrk="0" hangingPunct="1">
+      <a:defRPr sz="1200" kern="1200">
+        <a:solidFill>
+          <a:schemeClr val="tx1"/>
+        </a:solidFill>
+        <a:latin typeface="+mn-lt"/>
+        <a:ea typeface="+mn-ea"/>
+        <a:cs typeface="+mn-cs"/>
+      </a:defRPr>
+    </a:lvl6pPr>
+    <a:lvl7pPr marL="2743200" algn="l" defTabSz="914400" rtl="0" eaLnBrk="1" latinLnBrk="0" hangingPunct="1">
+      <a:defRPr sz="1200" kern="1200">
+        <a:solidFill>
+          <a:schemeClr val="tx1"/>
+        </a:solidFill>
+        <a:latin typeface="+mn-lt"/>
+        <a:ea typeface="+mn-ea"/>
+        <a:cs typeface="+mn-cs"/>
+      </a:defRPr>
+    </a:lvl7pPr>
+    <a:lvl8pPr marL="3200400" algn="l" defTabSz="914400" rtl="0" eaLnBrk="1" latinLnBrk="0" hangingPunct="1">
+      <a:defRPr sz="1200" kern="1200">
+        <a:solidFill>
+          <a:schemeClr val="tx1"/>
+        </a:solidFill>
+        <a:latin typeface="+mn-lt"/>
+        <a:ea typeface="+mn-ea"/>
+        <a:cs typeface="+mn-cs"/>
+      </a:defRPr>
+    </a:lvl8pPr>
+    <a:lvl9pPr marL="3657600" algn="l" defTabSz="914400" rtl="0" eaLnBrk="1" latinLnBrk="0" hangingPunct="1">
+      <a:defRPr sz="1200" kern="1200">
+        <a:solidFill>
+          <a:schemeClr val="tx1"/>
+        </a:solidFill>
+        <a:latin typeface="+mn-lt"/>
+        <a:ea typeface="+mn-ea"/>
+        <a:cs typeface="+mn-cs"/>
+      </a:defRPr>
+    </a:lvl9pPr>
+  </p:notesStyle>
+</p:notesMaster>
+</file>
+
 <file path=ppt/slideLayouts/slideLayout1.xml><?xml version="1.0" encoding="utf-8"?>
 <p:sldLayout xmlns:a="http://schemas.openxmlformats.org/drawingml/2006/main" xmlns:r="http://schemas.openxmlformats.org/officeDocument/2006/relationships" xmlns:p="http://schemas.openxmlformats.org/presentationml/2006/main" type="title" preserve="1">
   <p:cSld name="Title Slide">
@@ -291,9 +643,9 @@
           <a:bodyPr/>
           <a:lstStyle/>
           <a:p>
-            <a:fld id="{BCAF0A95-D8F2-F44A-ADA5-4A6276384FC8}" type="datetimeFigureOut">
+            <a:fld id="{15EF66EA-7CC5-477B-80F1-8AB2601F1F88}" type="datetime1">
               <a:rPr lang="de-DE" smtClean="0"/>
-              <a:t>05.04.2020</a:t>
+              <a:t>06.04.2020</a:t>
             </a:fld>
             <a:endParaRPr lang="de-DE"/>
           </a:p>
@@ -491,9 +843,9 @@
           <a:bodyPr/>
           <a:lstStyle/>
           <a:p>
-            <a:fld id="{BCAF0A95-D8F2-F44A-ADA5-4A6276384FC8}" type="datetimeFigureOut">
+            <a:fld id="{8094D0AD-818A-484C-988E-733D7CBF505E}" type="datetime1">
               <a:rPr lang="de-DE" smtClean="0"/>
-              <a:t>05.04.2020</a:t>
+              <a:t>06.04.2020</a:t>
             </a:fld>
             <a:endParaRPr lang="de-DE"/>
           </a:p>
@@ -701,9 +1053,9 @@
           <a:bodyPr/>
           <a:lstStyle/>
           <a:p>
-            <a:fld id="{BCAF0A95-D8F2-F44A-ADA5-4A6276384FC8}" type="datetimeFigureOut">
+            <a:fld id="{6A2CDEE2-3947-4BBE-A32B-315C6EE14044}" type="datetime1">
               <a:rPr lang="de-DE" smtClean="0"/>
-              <a:t>05.04.2020</a:t>
+              <a:t>06.04.2020</a:t>
             </a:fld>
             <a:endParaRPr lang="de-DE"/>
           </a:p>
@@ -901,9 +1253,9 @@
           <a:bodyPr/>
           <a:lstStyle/>
           <a:p>
-            <a:fld id="{BCAF0A95-D8F2-F44A-ADA5-4A6276384FC8}" type="datetimeFigureOut">
+            <a:fld id="{1678A154-33EF-426C-A151-2F0AD3EBCF76}" type="datetime1">
               <a:rPr lang="de-DE" smtClean="0"/>
-              <a:t>05.04.2020</a:t>
+              <a:t>06.04.2020</a:t>
             </a:fld>
             <a:endParaRPr lang="de-DE"/>
           </a:p>
@@ -1177,9 +1529,9 @@
           <a:bodyPr/>
           <a:lstStyle/>
           <a:p>
-            <a:fld id="{BCAF0A95-D8F2-F44A-ADA5-4A6276384FC8}" type="datetimeFigureOut">
+            <a:fld id="{CEB4F9E4-4360-499B-B36F-BA55A8609F7B}" type="datetime1">
               <a:rPr lang="de-DE" smtClean="0"/>
-              <a:t>05.04.2020</a:t>
+              <a:t>06.04.2020</a:t>
             </a:fld>
             <a:endParaRPr lang="de-DE"/>
           </a:p>
@@ -1445,9 +1797,9 @@
           <a:bodyPr/>
           <a:lstStyle/>
           <a:p>
-            <a:fld id="{BCAF0A95-D8F2-F44A-ADA5-4A6276384FC8}" type="datetimeFigureOut">
+            <a:fld id="{F7547C07-CFC3-4E8E-9E85-228C8B488CD1}" type="datetime1">
               <a:rPr lang="de-DE" smtClean="0"/>
-              <a:t>05.04.2020</a:t>
+              <a:t>06.04.2020</a:t>
             </a:fld>
             <a:endParaRPr lang="de-DE"/>
           </a:p>
@@ -1860,9 +2212,9 @@
           <a:bodyPr/>
           <a:lstStyle/>
           <a:p>
-            <a:fld id="{BCAF0A95-D8F2-F44A-ADA5-4A6276384FC8}" type="datetimeFigureOut">
+            <a:fld id="{2215A030-BE9E-4DE4-821A-774F8CE2C808}" type="datetime1">
               <a:rPr lang="de-DE" smtClean="0"/>
-              <a:t>05.04.2020</a:t>
+              <a:t>06.04.2020</a:t>
             </a:fld>
             <a:endParaRPr lang="de-DE"/>
           </a:p>
@@ -2002,9 +2354,9 @@
           <a:bodyPr/>
           <a:lstStyle/>
           <a:p>
-            <a:fld id="{BCAF0A95-D8F2-F44A-ADA5-4A6276384FC8}" type="datetimeFigureOut">
+            <a:fld id="{1A0D111F-BD68-4F89-8423-E603AA9DA81C}" type="datetime1">
               <a:rPr lang="de-DE" smtClean="0"/>
-              <a:t>05.04.2020</a:t>
+              <a:t>06.04.2020</a:t>
             </a:fld>
             <a:endParaRPr lang="de-DE"/>
           </a:p>
@@ -2115,9 +2467,9 @@
           <a:bodyPr/>
           <a:lstStyle/>
           <a:p>
-            <a:fld id="{BCAF0A95-D8F2-F44A-ADA5-4A6276384FC8}" type="datetimeFigureOut">
+            <a:fld id="{2C7F27B1-BBA1-4C27-8A2F-E01354487744}" type="datetime1">
               <a:rPr lang="de-DE" smtClean="0"/>
-              <a:t>05.04.2020</a:t>
+              <a:t>06.04.2020</a:t>
             </a:fld>
             <a:endParaRPr lang="de-DE"/>
           </a:p>
@@ -2428,9 +2780,9 @@
           <a:bodyPr/>
           <a:lstStyle/>
           <a:p>
-            <a:fld id="{BCAF0A95-D8F2-F44A-ADA5-4A6276384FC8}" type="datetimeFigureOut">
+            <a:fld id="{2DFEE806-30D6-4F43-9FE9-861479A06D54}" type="datetime1">
               <a:rPr lang="de-DE" smtClean="0"/>
-              <a:t>05.04.2020</a:t>
+              <a:t>06.04.2020</a:t>
             </a:fld>
             <a:endParaRPr lang="de-DE"/>
           </a:p>
@@ -2717,9 +3069,9 @@
           <a:bodyPr/>
           <a:lstStyle/>
           <a:p>
-            <a:fld id="{BCAF0A95-D8F2-F44A-ADA5-4A6276384FC8}" type="datetimeFigureOut">
+            <a:fld id="{A80003E5-ADE2-4F53-A13C-C278FC0E33C9}" type="datetime1">
               <a:rPr lang="de-DE" smtClean="0"/>
-              <a:t>05.04.2020</a:t>
+              <a:t>06.04.2020</a:t>
             </a:fld>
             <a:endParaRPr lang="de-DE"/>
           </a:p>
@@ -2960,9 +3312,9 @@
             </a:lvl1pPr>
           </a:lstStyle>
           <a:p>
-            <a:fld id="{BCAF0A95-D8F2-F44A-ADA5-4A6276384FC8}" type="datetimeFigureOut">
+            <a:fld id="{DA156BB2-7B28-4BCB-B93F-B194B319E782}" type="datetime1">
               <a:rPr lang="de-DE" smtClean="0"/>
-              <a:t>05.04.2020</a:t>
+              <a:t>06.04.2020</a:t>
             </a:fld>
             <a:endParaRPr lang="de-DE"/>
           </a:p>
@@ -3079,6 +3431,7 @@
     <p:sldLayoutId id="2147483658" r:id="rId10"/>
     <p:sldLayoutId id="2147483659" r:id="rId11"/>
   </p:sldLayoutIdLst>
+  <p:hf hdr="0" ftr="0"/>
   <p:txStyles>
     <p:titleStyle>
       <a:lvl1pPr algn="l" defTabSz="914400" rtl="0" eaLnBrk="1" latinLnBrk="0" hangingPunct="1">
@@ -3423,30 +3776,110 @@
             <p:ph type="subTitle" idx="1"/>
           </p:nvPr>
         </p:nvSpPr>
+        <p:spPr>
+          <a:xfrm>
+            <a:off x="1524000" y="3602038"/>
+            <a:ext cx="9144000" cy="2798762"/>
+          </a:xfrm>
+        </p:spPr>
+        <p:txBody>
+          <a:bodyPr>
+            <a:normAutofit/>
+          </a:bodyPr>
+          <a:lstStyle/>
+          <a:p>
+            <a:r>
+              <a:rPr lang="en-US" dirty="0"/>
+              <a:t>K. Schopmeyer, A. Maier</a:t>
+            </a:r>
+          </a:p>
+          <a:p>
+            <a:r>
+              <a:rPr lang="en-US" dirty="0"/>
+              <a:t>Original Jan 2020</a:t>
+            </a:r>
+          </a:p>
+          <a:p>
+            <a:r>
+              <a:rPr lang="en-US" dirty="0"/>
+              <a:t>Updated Discussion 15 Jan 2020</a:t>
+            </a:r>
+          </a:p>
+          <a:p>
+            <a:r>
+              <a:rPr lang="en-US" dirty="0"/>
+              <a:t>Update Feb 2020 to reflect design of data store and object store</a:t>
+            </a:r>
+          </a:p>
+          <a:p>
+            <a:r>
+              <a:rPr lang="en-US" dirty="0"/>
+              <a:t>Update 6 April 2020 to reflect design of providers. See page</a:t>
+            </a:r>
+          </a:p>
+          <a:p>
+            <a:endParaRPr lang="en-US" dirty="0"/>
+          </a:p>
+          <a:p>
+            <a:endParaRPr lang="en-US" dirty="0"/>
+          </a:p>
+        </p:txBody>
+      </p:sp>
+      <p:sp>
+        <p:nvSpPr>
+          <p:cNvPr id="4" name="Date Placeholder 3">
+            <a:extLst>
+              <a:ext uri="{FF2B5EF4-FFF2-40B4-BE49-F238E27FC236}">
+                <a16:creationId xmlns:a16="http://schemas.microsoft.com/office/drawing/2014/main" id="{41677750-C8D0-476E-9314-BEB7E21A2FB5}"/>
+              </a:ext>
+            </a:extLst>
+          </p:cNvPr>
+          <p:cNvSpPr>
+            <a:spLocks noGrp="1"/>
+          </p:cNvSpPr>
+          <p:nvPr>
+            <p:ph type="dt" sz="half" idx="10"/>
+          </p:nvPr>
+        </p:nvSpPr>
         <p:spPr/>
         <p:txBody>
           <a:bodyPr/>
           <a:lstStyle/>
           <a:p>
-            <a:r>
-              <a:rPr lang="en-US" dirty="0"/>
-              <a:t>K. Schopmeyer, A. Maier</a:t>
-            </a:r>
-          </a:p>
-          <a:p>
-            <a:r>
-              <a:rPr lang="en-US" dirty="0"/>
-              <a:t>Original Jan 2020</a:t>
-            </a:r>
-          </a:p>
-          <a:p>
-            <a:r>
-              <a:rPr lang="en-US" dirty="0"/>
-              <a:t>Updated Discussion 15 Jan 2020</a:t>
-            </a:r>
-          </a:p>
-          <a:p>
-            <a:endParaRPr lang="en-US" dirty="0"/>
+            <a:fld id="{78AD0F07-AB73-42FB-9EB9-C011C90D146D}" type="datetime1">
+              <a:rPr lang="de-DE" smtClean="0"/>
+              <a:t>06.04.2020</a:t>
+            </a:fld>
+            <a:endParaRPr lang="de-DE"/>
+          </a:p>
+        </p:txBody>
+      </p:sp>
+      <p:sp>
+        <p:nvSpPr>
+          <p:cNvPr id="5" name="Slide Number Placeholder 4">
+            <a:extLst>
+              <a:ext uri="{FF2B5EF4-FFF2-40B4-BE49-F238E27FC236}">
+                <a16:creationId xmlns:a16="http://schemas.microsoft.com/office/drawing/2014/main" id="{F5C0D5AC-AAED-4F1B-BAB9-AA649ECBB44B}"/>
+              </a:ext>
+            </a:extLst>
+          </p:cNvPr>
+          <p:cNvSpPr>
+            <a:spLocks noGrp="1"/>
+          </p:cNvSpPr>
+          <p:nvPr>
+            <p:ph type="sldNum" sz="quarter" idx="12"/>
+          </p:nvPr>
+        </p:nvSpPr>
+        <p:spPr/>
+        <p:txBody>
+          <a:bodyPr/>
+          <a:lstStyle/>
+          <a:p>
+            <a:fld id="{266A34EE-793E-EA45-A2C1-765A5FA2B1F8}" type="slidenum">
+              <a:rPr lang="de-DE" smtClean="0"/>
+              <a:t>1</a:t>
+            </a:fld>
+            <a:endParaRPr lang="de-DE"/>
           </a:p>
         </p:txBody>
       </p:sp>
@@ -5018,6 +5451,64 @@
           </a:fontRef>
         </p:style>
       </p:cxnSp>
+      <p:sp>
+        <p:nvSpPr>
+          <p:cNvPr id="3" name="Date Placeholder 2">
+            <a:extLst>
+              <a:ext uri="{FF2B5EF4-FFF2-40B4-BE49-F238E27FC236}">
+                <a16:creationId xmlns:a16="http://schemas.microsoft.com/office/drawing/2014/main" id="{383AF862-83BA-486F-9623-827681F3CF9B}"/>
+              </a:ext>
+            </a:extLst>
+          </p:cNvPr>
+          <p:cNvSpPr>
+            <a:spLocks noGrp="1"/>
+          </p:cNvSpPr>
+          <p:nvPr>
+            <p:ph type="dt" sz="half" idx="10"/>
+          </p:nvPr>
+        </p:nvSpPr>
+        <p:spPr/>
+        <p:txBody>
+          <a:bodyPr/>
+          <a:lstStyle/>
+          <a:p>
+            <a:fld id="{798672D8-65DF-499B-A842-51542A7E172D}" type="datetime1">
+              <a:rPr lang="de-DE" smtClean="0"/>
+              <a:t>06.04.2020</a:t>
+            </a:fld>
+            <a:endParaRPr lang="de-DE"/>
+          </a:p>
+        </p:txBody>
+      </p:sp>
+      <p:sp>
+        <p:nvSpPr>
+          <p:cNvPr id="4" name="Slide Number Placeholder 3">
+            <a:extLst>
+              <a:ext uri="{FF2B5EF4-FFF2-40B4-BE49-F238E27FC236}">
+                <a16:creationId xmlns:a16="http://schemas.microsoft.com/office/drawing/2014/main" id="{ED4F01C7-19DD-4130-BBCB-D4B202850302}"/>
+              </a:ext>
+            </a:extLst>
+          </p:cNvPr>
+          <p:cNvSpPr>
+            <a:spLocks noGrp="1"/>
+          </p:cNvSpPr>
+          <p:nvPr>
+            <p:ph type="sldNum" sz="quarter" idx="12"/>
+          </p:nvPr>
+        </p:nvSpPr>
+        <p:spPr/>
+        <p:txBody>
+          <a:bodyPr/>
+          <a:lstStyle/>
+          <a:p>
+            <a:fld id="{266A34EE-793E-EA45-A2C1-765A5FA2B1F8}" type="slidenum">
+              <a:rPr lang="de-DE" smtClean="0"/>
+              <a:t>10</a:t>
+            </a:fld>
+            <a:endParaRPr lang="de-DE"/>
+          </a:p>
+        </p:txBody>
+      </p:sp>
     </p:spTree>
     <p:extLst>
       <p:ext uri="{BB962C8B-B14F-4D97-AF65-F5344CB8AC3E}">
@@ -6617,6 +7108,64 @@
           </a:fontRef>
         </p:style>
       </p:cxnSp>
+      <p:sp>
+        <p:nvSpPr>
+          <p:cNvPr id="3" name="Date Placeholder 2">
+            <a:extLst>
+              <a:ext uri="{FF2B5EF4-FFF2-40B4-BE49-F238E27FC236}">
+                <a16:creationId xmlns:a16="http://schemas.microsoft.com/office/drawing/2014/main" id="{9F0FAA60-BC92-4089-8FF2-1114660F7B88}"/>
+              </a:ext>
+            </a:extLst>
+          </p:cNvPr>
+          <p:cNvSpPr>
+            <a:spLocks noGrp="1"/>
+          </p:cNvSpPr>
+          <p:nvPr>
+            <p:ph type="dt" sz="half" idx="10"/>
+          </p:nvPr>
+        </p:nvSpPr>
+        <p:spPr/>
+        <p:txBody>
+          <a:bodyPr/>
+          <a:lstStyle/>
+          <a:p>
+            <a:fld id="{8BA880BD-A575-42CB-9D5B-E3294FC391E7}" type="datetime1">
+              <a:rPr lang="de-DE" smtClean="0"/>
+              <a:t>06.04.2020</a:t>
+            </a:fld>
+            <a:endParaRPr lang="de-DE"/>
+          </a:p>
+        </p:txBody>
+      </p:sp>
+      <p:sp>
+        <p:nvSpPr>
+          <p:cNvPr id="4" name="Slide Number Placeholder 3">
+            <a:extLst>
+              <a:ext uri="{FF2B5EF4-FFF2-40B4-BE49-F238E27FC236}">
+                <a16:creationId xmlns:a16="http://schemas.microsoft.com/office/drawing/2014/main" id="{005C404F-24C5-4F84-AAE8-BDDE7ADC3AC8}"/>
+              </a:ext>
+            </a:extLst>
+          </p:cNvPr>
+          <p:cNvSpPr>
+            <a:spLocks noGrp="1"/>
+          </p:cNvSpPr>
+          <p:nvPr>
+            <p:ph type="sldNum" sz="quarter" idx="12"/>
+          </p:nvPr>
+        </p:nvSpPr>
+        <p:spPr/>
+        <p:txBody>
+          <a:bodyPr/>
+          <a:lstStyle/>
+          <a:p>
+            <a:fld id="{266A34EE-793E-EA45-A2C1-765A5FA2B1F8}" type="slidenum">
+              <a:rPr lang="de-DE" smtClean="0"/>
+              <a:t>11</a:t>
+            </a:fld>
+            <a:endParaRPr lang="de-DE"/>
+          </a:p>
+        </p:txBody>
+      </p:sp>
     </p:spTree>
     <p:extLst>
       <p:ext uri="{BB962C8B-B14F-4D97-AF65-F5344CB8AC3E}">
@@ -6858,6 +7407,64 @@
           </a:p>
         </p:txBody>
       </p:sp>
+      <p:sp>
+        <p:nvSpPr>
+          <p:cNvPr id="4" name="Date Placeholder 3">
+            <a:extLst>
+              <a:ext uri="{FF2B5EF4-FFF2-40B4-BE49-F238E27FC236}">
+                <a16:creationId xmlns:a16="http://schemas.microsoft.com/office/drawing/2014/main" id="{CD18B6C2-D7A7-41FA-A10C-E17AFE6FD8FC}"/>
+              </a:ext>
+            </a:extLst>
+          </p:cNvPr>
+          <p:cNvSpPr>
+            <a:spLocks noGrp="1"/>
+          </p:cNvSpPr>
+          <p:nvPr>
+            <p:ph type="dt" sz="half" idx="10"/>
+          </p:nvPr>
+        </p:nvSpPr>
+        <p:spPr/>
+        <p:txBody>
+          <a:bodyPr/>
+          <a:lstStyle/>
+          <a:p>
+            <a:fld id="{94E6E5F9-FA2C-486F-B41C-DBCB0089CD52}" type="datetime1">
+              <a:rPr lang="de-DE" smtClean="0"/>
+              <a:t>06.04.2020</a:t>
+            </a:fld>
+            <a:endParaRPr lang="de-DE"/>
+          </a:p>
+        </p:txBody>
+      </p:sp>
+      <p:sp>
+        <p:nvSpPr>
+          <p:cNvPr id="5" name="Slide Number Placeholder 4">
+            <a:extLst>
+              <a:ext uri="{FF2B5EF4-FFF2-40B4-BE49-F238E27FC236}">
+                <a16:creationId xmlns:a16="http://schemas.microsoft.com/office/drawing/2014/main" id="{7FCDBB4A-943D-4397-BCB4-4B8538BC99E0}"/>
+              </a:ext>
+            </a:extLst>
+          </p:cNvPr>
+          <p:cNvSpPr>
+            <a:spLocks noGrp="1"/>
+          </p:cNvSpPr>
+          <p:nvPr>
+            <p:ph type="sldNum" sz="quarter" idx="12"/>
+          </p:nvPr>
+        </p:nvSpPr>
+        <p:spPr/>
+        <p:txBody>
+          <a:bodyPr/>
+          <a:lstStyle/>
+          <a:p>
+            <a:fld id="{266A34EE-793E-EA45-A2C1-765A5FA2B1F8}" type="slidenum">
+              <a:rPr lang="de-DE" smtClean="0"/>
+              <a:t>12</a:t>
+            </a:fld>
+            <a:endParaRPr lang="de-DE"/>
+          </a:p>
+        </p:txBody>
+      </p:sp>
     </p:spTree>
     <p:extLst>
       <p:ext uri="{BB962C8B-B14F-4D97-AF65-F5344CB8AC3E}">
@@ -7121,6 +7728,64 @@
           </a:p>
         </p:txBody>
       </p:sp>
+      <p:sp>
+        <p:nvSpPr>
+          <p:cNvPr id="5" name="Date Placeholder 4">
+            <a:extLst>
+              <a:ext uri="{FF2B5EF4-FFF2-40B4-BE49-F238E27FC236}">
+                <a16:creationId xmlns:a16="http://schemas.microsoft.com/office/drawing/2014/main" id="{EC8EFCBD-1C9B-4D40-BFC0-846DB4523FF4}"/>
+              </a:ext>
+            </a:extLst>
+          </p:cNvPr>
+          <p:cNvSpPr>
+            <a:spLocks noGrp="1"/>
+          </p:cNvSpPr>
+          <p:nvPr>
+            <p:ph type="dt" sz="half" idx="10"/>
+          </p:nvPr>
+        </p:nvSpPr>
+        <p:spPr/>
+        <p:txBody>
+          <a:bodyPr/>
+          <a:lstStyle/>
+          <a:p>
+            <a:fld id="{85740ED1-8AA2-4092-B43C-438AE914F9A2}" type="datetime1">
+              <a:rPr lang="de-DE" smtClean="0"/>
+              <a:t>06.04.2020</a:t>
+            </a:fld>
+            <a:endParaRPr lang="de-DE"/>
+          </a:p>
+        </p:txBody>
+      </p:sp>
+      <p:sp>
+        <p:nvSpPr>
+          <p:cNvPr id="6" name="Slide Number Placeholder 5">
+            <a:extLst>
+              <a:ext uri="{FF2B5EF4-FFF2-40B4-BE49-F238E27FC236}">
+                <a16:creationId xmlns:a16="http://schemas.microsoft.com/office/drawing/2014/main" id="{8E95AC00-5C31-419A-9DF8-4B5AAF74BBD8}"/>
+              </a:ext>
+            </a:extLst>
+          </p:cNvPr>
+          <p:cNvSpPr>
+            <a:spLocks noGrp="1"/>
+          </p:cNvSpPr>
+          <p:nvPr>
+            <p:ph type="sldNum" sz="quarter" idx="12"/>
+          </p:nvPr>
+        </p:nvSpPr>
+        <p:spPr/>
+        <p:txBody>
+          <a:bodyPr/>
+          <a:lstStyle/>
+          <a:p>
+            <a:fld id="{266A34EE-793E-EA45-A2C1-765A5FA2B1F8}" type="slidenum">
+              <a:rPr lang="de-DE" smtClean="0"/>
+              <a:t>13</a:t>
+            </a:fld>
+            <a:endParaRPr lang="de-DE"/>
+          </a:p>
+        </p:txBody>
+      </p:sp>
     </p:spTree>
     <p:extLst>
       <p:ext uri="{BB962C8B-B14F-4D97-AF65-F5344CB8AC3E}">
@@ -7247,6 +7912,64 @@
           </a:p>
         </p:txBody>
       </p:sp>
+      <p:sp>
+        <p:nvSpPr>
+          <p:cNvPr id="4" name="Date Placeholder 3">
+            <a:extLst>
+              <a:ext uri="{FF2B5EF4-FFF2-40B4-BE49-F238E27FC236}">
+                <a16:creationId xmlns:a16="http://schemas.microsoft.com/office/drawing/2014/main" id="{98CDCF70-8B93-4BD3-94D5-F8F86D5FFFF5}"/>
+              </a:ext>
+            </a:extLst>
+          </p:cNvPr>
+          <p:cNvSpPr>
+            <a:spLocks noGrp="1"/>
+          </p:cNvSpPr>
+          <p:nvPr>
+            <p:ph type="dt" sz="half" idx="10"/>
+          </p:nvPr>
+        </p:nvSpPr>
+        <p:spPr/>
+        <p:txBody>
+          <a:bodyPr/>
+          <a:lstStyle/>
+          <a:p>
+            <a:fld id="{FAA3CCC0-E02E-4FC1-BAC8-67AF25AE7EDE}" type="datetime1">
+              <a:rPr lang="de-DE" smtClean="0"/>
+              <a:t>06.04.2020</a:t>
+            </a:fld>
+            <a:endParaRPr lang="de-DE"/>
+          </a:p>
+        </p:txBody>
+      </p:sp>
+      <p:sp>
+        <p:nvSpPr>
+          <p:cNvPr id="5" name="Slide Number Placeholder 4">
+            <a:extLst>
+              <a:ext uri="{FF2B5EF4-FFF2-40B4-BE49-F238E27FC236}">
+                <a16:creationId xmlns:a16="http://schemas.microsoft.com/office/drawing/2014/main" id="{A5D1CF48-18A4-4B53-849C-AF4DB845063F}"/>
+              </a:ext>
+            </a:extLst>
+          </p:cNvPr>
+          <p:cNvSpPr>
+            <a:spLocks noGrp="1"/>
+          </p:cNvSpPr>
+          <p:nvPr>
+            <p:ph type="sldNum" sz="quarter" idx="12"/>
+          </p:nvPr>
+        </p:nvSpPr>
+        <p:spPr/>
+        <p:txBody>
+          <a:bodyPr/>
+          <a:lstStyle/>
+          <a:p>
+            <a:fld id="{266A34EE-793E-EA45-A2C1-765A5FA2B1F8}" type="slidenum">
+              <a:rPr lang="de-DE" smtClean="0"/>
+              <a:t>14</a:t>
+            </a:fld>
+            <a:endParaRPr lang="de-DE"/>
+          </a:p>
+        </p:txBody>
+      </p:sp>
     </p:spTree>
     <p:extLst>
       <p:ext uri="{BB962C8B-B14F-4D97-AF65-F5344CB8AC3E}">
@@ -7670,6 +8393,64 @@
           </a:p>
         </p:txBody>
       </p:sp>
+      <p:sp>
+        <p:nvSpPr>
+          <p:cNvPr id="4" name="Date Placeholder 3">
+            <a:extLst>
+              <a:ext uri="{FF2B5EF4-FFF2-40B4-BE49-F238E27FC236}">
+                <a16:creationId xmlns:a16="http://schemas.microsoft.com/office/drawing/2014/main" id="{EFE08A5C-C53A-49DE-B30F-7CBFC195C296}"/>
+              </a:ext>
+            </a:extLst>
+          </p:cNvPr>
+          <p:cNvSpPr>
+            <a:spLocks noGrp="1"/>
+          </p:cNvSpPr>
+          <p:nvPr>
+            <p:ph type="dt" sz="half" idx="10"/>
+          </p:nvPr>
+        </p:nvSpPr>
+        <p:spPr/>
+        <p:txBody>
+          <a:bodyPr/>
+          <a:lstStyle/>
+          <a:p>
+            <a:fld id="{9AAF2DF6-6D7F-4302-BF40-84F958537A75}" type="datetime1">
+              <a:rPr lang="de-DE" smtClean="0"/>
+              <a:t>06.04.2020</a:t>
+            </a:fld>
+            <a:endParaRPr lang="de-DE"/>
+          </a:p>
+        </p:txBody>
+      </p:sp>
+      <p:sp>
+        <p:nvSpPr>
+          <p:cNvPr id="5" name="Slide Number Placeholder 4">
+            <a:extLst>
+              <a:ext uri="{FF2B5EF4-FFF2-40B4-BE49-F238E27FC236}">
+                <a16:creationId xmlns:a16="http://schemas.microsoft.com/office/drawing/2014/main" id="{3C9BEDBD-78C6-4DC4-9762-572826779454}"/>
+              </a:ext>
+            </a:extLst>
+          </p:cNvPr>
+          <p:cNvSpPr>
+            <a:spLocks noGrp="1"/>
+          </p:cNvSpPr>
+          <p:nvPr>
+            <p:ph type="sldNum" sz="quarter" idx="12"/>
+          </p:nvPr>
+        </p:nvSpPr>
+        <p:spPr/>
+        <p:txBody>
+          <a:bodyPr/>
+          <a:lstStyle/>
+          <a:p>
+            <a:fld id="{266A34EE-793E-EA45-A2C1-765A5FA2B1F8}" type="slidenum">
+              <a:rPr lang="de-DE" smtClean="0"/>
+              <a:t>15</a:t>
+            </a:fld>
+            <a:endParaRPr lang="de-DE"/>
+          </a:p>
+        </p:txBody>
+      </p:sp>
     </p:spTree>
     <p:extLst>
       <p:ext uri="{BB962C8B-B14F-4D97-AF65-F5344CB8AC3E}">
@@ -7959,6 +8740,64 @@
           </a:p>
         </p:txBody>
       </p:sp>
+      <p:sp>
+        <p:nvSpPr>
+          <p:cNvPr id="4" name="Date Placeholder 3">
+            <a:extLst>
+              <a:ext uri="{FF2B5EF4-FFF2-40B4-BE49-F238E27FC236}">
+                <a16:creationId xmlns:a16="http://schemas.microsoft.com/office/drawing/2014/main" id="{98A8C78F-D314-4B4A-8CAB-AE75FF47E192}"/>
+              </a:ext>
+            </a:extLst>
+          </p:cNvPr>
+          <p:cNvSpPr>
+            <a:spLocks noGrp="1"/>
+          </p:cNvSpPr>
+          <p:nvPr>
+            <p:ph type="dt" sz="half" idx="10"/>
+          </p:nvPr>
+        </p:nvSpPr>
+        <p:spPr/>
+        <p:txBody>
+          <a:bodyPr/>
+          <a:lstStyle/>
+          <a:p>
+            <a:fld id="{C626F4F1-8903-476E-BAA6-D8F2BAFA8AB3}" type="datetime1">
+              <a:rPr lang="de-DE" smtClean="0"/>
+              <a:t>06.04.2020</a:t>
+            </a:fld>
+            <a:endParaRPr lang="de-DE"/>
+          </a:p>
+        </p:txBody>
+      </p:sp>
+      <p:sp>
+        <p:nvSpPr>
+          <p:cNvPr id="5" name="Slide Number Placeholder 4">
+            <a:extLst>
+              <a:ext uri="{FF2B5EF4-FFF2-40B4-BE49-F238E27FC236}">
+                <a16:creationId xmlns:a16="http://schemas.microsoft.com/office/drawing/2014/main" id="{24C18CCF-5592-4227-B484-BA58F0571B77}"/>
+              </a:ext>
+            </a:extLst>
+          </p:cNvPr>
+          <p:cNvSpPr>
+            <a:spLocks noGrp="1"/>
+          </p:cNvSpPr>
+          <p:nvPr>
+            <p:ph type="sldNum" sz="quarter" idx="12"/>
+          </p:nvPr>
+        </p:nvSpPr>
+        <p:spPr/>
+        <p:txBody>
+          <a:bodyPr/>
+          <a:lstStyle/>
+          <a:p>
+            <a:fld id="{266A34EE-793E-EA45-A2C1-765A5FA2B1F8}" type="slidenum">
+              <a:rPr lang="de-DE" smtClean="0"/>
+              <a:t>16</a:t>
+            </a:fld>
+            <a:endParaRPr lang="de-DE"/>
+          </a:p>
+        </p:txBody>
+      </p:sp>
     </p:spTree>
     <p:extLst>
       <p:ext uri="{BB962C8B-B14F-4D97-AF65-F5344CB8AC3E}">
@@ -8403,6 +9242,64 @@
           </a:p>
         </p:txBody>
       </p:sp>
+      <p:sp>
+        <p:nvSpPr>
+          <p:cNvPr id="3" name="Date Placeholder 2">
+            <a:extLst>
+              <a:ext uri="{FF2B5EF4-FFF2-40B4-BE49-F238E27FC236}">
+                <a16:creationId xmlns:a16="http://schemas.microsoft.com/office/drawing/2014/main" id="{0F3DD97F-57BA-4ECF-B03E-17F37F2A9F8D}"/>
+              </a:ext>
+            </a:extLst>
+          </p:cNvPr>
+          <p:cNvSpPr>
+            <a:spLocks noGrp="1"/>
+          </p:cNvSpPr>
+          <p:nvPr>
+            <p:ph type="dt" sz="half" idx="10"/>
+          </p:nvPr>
+        </p:nvSpPr>
+        <p:spPr/>
+        <p:txBody>
+          <a:bodyPr/>
+          <a:lstStyle/>
+          <a:p>
+            <a:fld id="{F8E8CA9D-7C99-4CD8-BBEB-B81CE0B4E5CB}" type="datetime1">
+              <a:rPr lang="de-DE" smtClean="0"/>
+              <a:t>06.04.2020</a:t>
+            </a:fld>
+            <a:endParaRPr lang="de-DE"/>
+          </a:p>
+        </p:txBody>
+      </p:sp>
+      <p:sp>
+        <p:nvSpPr>
+          <p:cNvPr id="5" name="Slide Number Placeholder 4">
+            <a:extLst>
+              <a:ext uri="{FF2B5EF4-FFF2-40B4-BE49-F238E27FC236}">
+                <a16:creationId xmlns:a16="http://schemas.microsoft.com/office/drawing/2014/main" id="{64CED22A-D49F-4320-817B-C0B17BFB325A}"/>
+              </a:ext>
+            </a:extLst>
+          </p:cNvPr>
+          <p:cNvSpPr>
+            <a:spLocks noGrp="1"/>
+          </p:cNvSpPr>
+          <p:nvPr>
+            <p:ph type="sldNum" sz="quarter" idx="12"/>
+          </p:nvPr>
+        </p:nvSpPr>
+        <p:spPr/>
+        <p:txBody>
+          <a:bodyPr/>
+          <a:lstStyle/>
+          <a:p>
+            <a:fld id="{266A34EE-793E-EA45-A2C1-765A5FA2B1F8}" type="slidenum">
+              <a:rPr lang="de-DE" smtClean="0"/>
+              <a:t>17</a:t>
+            </a:fld>
+            <a:endParaRPr lang="de-DE"/>
+          </a:p>
+        </p:txBody>
+      </p:sp>
     </p:spTree>
     <p:extLst>
       <p:ext uri="{BB962C8B-B14F-4D97-AF65-F5344CB8AC3E}">
@@ -8630,6 +9527,64 @@
           </a:p>
         </p:txBody>
       </p:sp>
+      <p:sp>
+        <p:nvSpPr>
+          <p:cNvPr id="5" name="Date Placeholder 4">
+            <a:extLst>
+              <a:ext uri="{FF2B5EF4-FFF2-40B4-BE49-F238E27FC236}">
+                <a16:creationId xmlns:a16="http://schemas.microsoft.com/office/drawing/2014/main" id="{8162B632-01B8-47CF-94A1-BC4B19191257}"/>
+              </a:ext>
+            </a:extLst>
+          </p:cNvPr>
+          <p:cNvSpPr>
+            <a:spLocks noGrp="1"/>
+          </p:cNvSpPr>
+          <p:nvPr>
+            <p:ph type="dt" sz="half" idx="10"/>
+          </p:nvPr>
+        </p:nvSpPr>
+        <p:spPr/>
+        <p:txBody>
+          <a:bodyPr/>
+          <a:lstStyle/>
+          <a:p>
+            <a:fld id="{38351A54-3C04-4A7D-A7C6-1B9B9491F3FA}" type="datetime1">
+              <a:rPr lang="de-DE" smtClean="0"/>
+              <a:t>06.04.2020</a:t>
+            </a:fld>
+            <a:endParaRPr lang="de-DE"/>
+          </a:p>
+        </p:txBody>
+      </p:sp>
+      <p:sp>
+        <p:nvSpPr>
+          <p:cNvPr id="6" name="Slide Number Placeholder 5">
+            <a:extLst>
+              <a:ext uri="{FF2B5EF4-FFF2-40B4-BE49-F238E27FC236}">
+                <a16:creationId xmlns:a16="http://schemas.microsoft.com/office/drawing/2014/main" id="{71F43A0A-819B-4FEB-91EF-5C5719B8300C}"/>
+              </a:ext>
+            </a:extLst>
+          </p:cNvPr>
+          <p:cNvSpPr>
+            <a:spLocks noGrp="1"/>
+          </p:cNvSpPr>
+          <p:nvPr>
+            <p:ph type="sldNum" sz="quarter" idx="12"/>
+          </p:nvPr>
+        </p:nvSpPr>
+        <p:spPr/>
+        <p:txBody>
+          <a:bodyPr/>
+          <a:lstStyle/>
+          <a:p>
+            <a:fld id="{266A34EE-793E-EA45-A2C1-765A5FA2B1F8}" type="slidenum">
+              <a:rPr lang="de-DE" smtClean="0"/>
+              <a:t>18</a:t>
+            </a:fld>
+            <a:endParaRPr lang="de-DE"/>
+          </a:p>
+        </p:txBody>
+      </p:sp>
     </p:spTree>
     <p:extLst>
       <p:ext uri="{BB962C8B-B14F-4D97-AF65-F5344CB8AC3E}">
@@ -8889,6 +9844,64 @@
           </a:p>
         </p:txBody>
       </p:sp>
+      <p:sp>
+        <p:nvSpPr>
+          <p:cNvPr id="5" name="Date Placeholder 4">
+            <a:extLst>
+              <a:ext uri="{FF2B5EF4-FFF2-40B4-BE49-F238E27FC236}">
+                <a16:creationId xmlns:a16="http://schemas.microsoft.com/office/drawing/2014/main" id="{7CC18F55-C321-408D-B229-B1025ABDB4E1}"/>
+              </a:ext>
+            </a:extLst>
+          </p:cNvPr>
+          <p:cNvSpPr>
+            <a:spLocks noGrp="1"/>
+          </p:cNvSpPr>
+          <p:nvPr>
+            <p:ph type="dt" sz="half" idx="10"/>
+          </p:nvPr>
+        </p:nvSpPr>
+        <p:spPr/>
+        <p:txBody>
+          <a:bodyPr/>
+          <a:lstStyle/>
+          <a:p>
+            <a:fld id="{813B736A-4E39-4977-A524-D0A6922AA63C}" type="datetime1">
+              <a:rPr lang="de-DE" smtClean="0"/>
+              <a:t>06.04.2020</a:t>
+            </a:fld>
+            <a:endParaRPr lang="de-DE"/>
+          </a:p>
+        </p:txBody>
+      </p:sp>
+      <p:sp>
+        <p:nvSpPr>
+          <p:cNvPr id="6" name="Slide Number Placeholder 5">
+            <a:extLst>
+              <a:ext uri="{FF2B5EF4-FFF2-40B4-BE49-F238E27FC236}">
+                <a16:creationId xmlns:a16="http://schemas.microsoft.com/office/drawing/2014/main" id="{C3CC3386-4B70-43F9-9D9D-A15E802990DA}"/>
+              </a:ext>
+            </a:extLst>
+          </p:cNvPr>
+          <p:cNvSpPr>
+            <a:spLocks noGrp="1"/>
+          </p:cNvSpPr>
+          <p:nvPr>
+            <p:ph type="sldNum" sz="quarter" idx="12"/>
+          </p:nvPr>
+        </p:nvSpPr>
+        <p:spPr/>
+        <p:txBody>
+          <a:bodyPr/>
+          <a:lstStyle/>
+          <a:p>
+            <a:fld id="{266A34EE-793E-EA45-A2C1-765A5FA2B1F8}" type="slidenum">
+              <a:rPr lang="de-DE" smtClean="0"/>
+              <a:t>19</a:t>
+            </a:fld>
+            <a:endParaRPr lang="de-DE"/>
+          </a:p>
+        </p:txBody>
+      </p:sp>
     </p:spTree>
     <p:extLst>
       <p:ext uri="{BB962C8B-B14F-4D97-AF65-F5344CB8AC3E}">
@@ -9823,6 +10836,64 @@
           </a:p>
         </p:txBody>
       </p:sp>
+      <p:sp>
+        <p:nvSpPr>
+          <p:cNvPr id="2" name="Date Placeholder 1">
+            <a:extLst>
+              <a:ext uri="{FF2B5EF4-FFF2-40B4-BE49-F238E27FC236}">
+                <a16:creationId xmlns:a16="http://schemas.microsoft.com/office/drawing/2014/main" id="{7875D995-15DA-40D6-9D31-75AE7DCD72C1}"/>
+              </a:ext>
+            </a:extLst>
+          </p:cNvPr>
+          <p:cNvSpPr>
+            <a:spLocks noGrp="1"/>
+          </p:cNvSpPr>
+          <p:nvPr>
+            <p:ph type="dt" sz="half" idx="10"/>
+          </p:nvPr>
+        </p:nvSpPr>
+        <p:spPr/>
+        <p:txBody>
+          <a:bodyPr/>
+          <a:lstStyle/>
+          <a:p>
+            <a:fld id="{C90D6DFB-C1E8-440F-9CCD-E471E1166D94}" type="datetime1">
+              <a:rPr lang="de-DE" smtClean="0"/>
+              <a:t>06.04.2020</a:t>
+            </a:fld>
+            <a:endParaRPr lang="de-DE"/>
+          </a:p>
+        </p:txBody>
+      </p:sp>
+      <p:sp>
+        <p:nvSpPr>
+          <p:cNvPr id="3" name="Slide Number Placeholder 2">
+            <a:extLst>
+              <a:ext uri="{FF2B5EF4-FFF2-40B4-BE49-F238E27FC236}">
+                <a16:creationId xmlns:a16="http://schemas.microsoft.com/office/drawing/2014/main" id="{D0D3EFFA-FB3E-422F-9591-2B32DE4F5AF0}"/>
+              </a:ext>
+            </a:extLst>
+          </p:cNvPr>
+          <p:cNvSpPr>
+            <a:spLocks noGrp="1"/>
+          </p:cNvSpPr>
+          <p:nvPr>
+            <p:ph type="sldNum" sz="quarter" idx="12"/>
+          </p:nvPr>
+        </p:nvSpPr>
+        <p:spPr/>
+        <p:txBody>
+          <a:bodyPr/>
+          <a:lstStyle/>
+          <a:p>
+            <a:fld id="{266A34EE-793E-EA45-A2C1-765A5FA2B1F8}" type="slidenum">
+              <a:rPr lang="de-DE" smtClean="0"/>
+              <a:t>2</a:t>
+            </a:fld>
+            <a:endParaRPr lang="de-DE"/>
+          </a:p>
+        </p:txBody>
+      </p:sp>
     </p:spTree>
     <p:extLst>
       <p:ext uri="{BB962C8B-B14F-4D97-AF65-F5344CB8AC3E}">
@@ -9995,6 +11066,64 @@
           </a:p>
         </p:txBody>
       </p:sp>
+      <p:sp>
+        <p:nvSpPr>
+          <p:cNvPr id="4" name="Date Placeholder 3">
+            <a:extLst>
+              <a:ext uri="{FF2B5EF4-FFF2-40B4-BE49-F238E27FC236}">
+                <a16:creationId xmlns:a16="http://schemas.microsoft.com/office/drawing/2014/main" id="{FFDEC127-8DAE-42F2-BA50-AF3998F26B4C}"/>
+              </a:ext>
+            </a:extLst>
+          </p:cNvPr>
+          <p:cNvSpPr>
+            <a:spLocks noGrp="1"/>
+          </p:cNvSpPr>
+          <p:nvPr>
+            <p:ph type="dt" sz="half" idx="10"/>
+          </p:nvPr>
+        </p:nvSpPr>
+        <p:spPr/>
+        <p:txBody>
+          <a:bodyPr/>
+          <a:lstStyle/>
+          <a:p>
+            <a:fld id="{B15FDDEF-D3E5-4C66-8BF3-3F6A443F0E59}" type="datetime1">
+              <a:rPr lang="de-DE" smtClean="0"/>
+              <a:t>06.04.2020</a:t>
+            </a:fld>
+            <a:endParaRPr lang="de-DE"/>
+          </a:p>
+        </p:txBody>
+      </p:sp>
+      <p:sp>
+        <p:nvSpPr>
+          <p:cNvPr id="5" name="Slide Number Placeholder 4">
+            <a:extLst>
+              <a:ext uri="{FF2B5EF4-FFF2-40B4-BE49-F238E27FC236}">
+                <a16:creationId xmlns:a16="http://schemas.microsoft.com/office/drawing/2014/main" id="{67141AAE-75F9-4D6A-9658-E05B6B8F6BFA}"/>
+              </a:ext>
+            </a:extLst>
+          </p:cNvPr>
+          <p:cNvSpPr>
+            <a:spLocks noGrp="1"/>
+          </p:cNvSpPr>
+          <p:nvPr>
+            <p:ph type="sldNum" sz="quarter" idx="12"/>
+          </p:nvPr>
+        </p:nvSpPr>
+        <p:spPr/>
+        <p:txBody>
+          <a:bodyPr/>
+          <a:lstStyle/>
+          <a:p>
+            <a:fld id="{266A34EE-793E-EA45-A2C1-765A5FA2B1F8}" type="slidenum">
+              <a:rPr lang="de-DE" smtClean="0"/>
+              <a:t>20</a:t>
+            </a:fld>
+            <a:endParaRPr lang="de-DE"/>
+          </a:p>
+        </p:txBody>
+      </p:sp>
     </p:spTree>
     <p:extLst>
       <p:ext uri="{BB962C8B-B14F-4D97-AF65-F5344CB8AC3E}">
@@ -10331,6 +11460,64 @@
           </a:p>
         </p:txBody>
       </p:sp>
+      <p:sp>
+        <p:nvSpPr>
+          <p:cNvPr id="5" name="Date Placeholder 4">
+            <a:extLst>
+              <a:ext uri="{FF2B5EF4-FFF2-40B4-BE49-F238E27FC236}">
+                <a16:creationId xmlns:a16="http://schemas.microsoft.com/office/drawing/2014/main" id="{CA3A9B42-D82D-489C-AF83-161472A38F8B}"/>
+              </a:ext>
+            </a:extLst>
+          </p:cNvPr>
+          <p:cNvSpPr>
+            <a:spLocks noGrp="1"/>
+          </p:cNvSpPr>
+          <p:nvPr>
+            <p:ph type="dt" sz="half" idx="10"/>
+          </p:nvPr>
+        </p:nvSpPr>
+        <p:spPr/>
+        <p:txBody>
+          <a:bodyPr/>
+          <a:lstStyle/>
+          <a:p>
+            <a:fld id="{9E7666CD-D72D-4540-A656-A2A53E030B1A}" type="datetime1">
+              <a:rPr lang="de-DE" smtClean="0"/>
+              <a:t>06.04.2020</a:t>
+            </a:fld>
+            <a:endParaRPr lang="de-DE"/>
+          </a:p>
+        </p:txBody>
+      </p:sp>
+      <p:sp>
+        <p:nvSpPr>
+          <p:cNvPr id="6" name="Slide Number Placeholder 5">
+            <a:extLst>
+              <a:ext uri="{FF2B5EF4-FFF2-40B4-BE49-F238E27FC236}">
+                <a16:creationId xmlns:a16="http://schemas.microsoft.com/office/drawing/2014/main" id="{76018981-BA7C-47A6-91CF-07341BAE0A58}"/>
+              </a:ext>
+            </a:extLst>
+          </p:cNvPr>
+          <p:cNvSpPr>
+            <a:spLocks noGrp="1"/>
+          </p:cNvSpPr>
+          <p:nvPr>
+            <p:ph type="sldNum" sz="quarter" idx="12"/>
+          </p:nvPr>
+        </p:nvSpPr>
+        <p:spPr/>
+        <p:txBody>
+          <a:bodyPr/>
+          <a:lstStyle/>
+          <a:p>
+            <a:fld id="{266A34EE-793E-EA45-A2C1-765A5FA2B1F8}" type="slidenum">
+              <a:rPr lang="de-DE" smtClean="0"/>
+              <a:t>21</a:t>
+            </a:fld>
+            <a:endParaRPr lang="de-DE"/>
+          </a:p>
+        </p:txBody>
+      </p:sp>
     </p:spTree>
     <p:extLst>
       <p:ext uri="{BB962C8B-B14F-4D97-AF65-F5344CB8AC3E}">
@@ -10664,6 +11851,64 @@
           </a:p>
         </p:txBody>
       </p:sp>
+      <p:sp>
+        <p:nvSpPr>
+          <p:cNvPr id="6" name="Date Placeholder 5">
+            <a:extLst>
+              <a:ext uri="{FF2B5EF4-FFF2-40B4-BE49-F238E27FC236}">
+                <a16:creationId xmlns:a16="http://schemas.microsoft.com/office/drawing/2014/main" id="{A4FA227C-D220-4589-9634-AB9815EC6BF7}"/>
+              </a:ext>
+            </a:extLst>
+          </p:cNvPr>
+          <p:cNvSpPr>
+            <a:spLocks noGrp="1"/>
+          </p:cNvSpPr>
+          <p:nvPr>
+            <p:ph type="dt" sz="half" idx="10"/>
+          </p:nvPr>
+        </p:nvSpPr>
+        <p:spPr/>
+        <p:txBody>
+          <a:bodyPr/>
+          <a:lstStyle/>
+          <a:p>
+            <a:fld id="{D2588ADC-F69F-4499-AFB9-DEB63C1D6CCD}" type="datetime1">
+              <a:rPr lang="de-DE" smtClean="0"/>
+              <a:t>06.04.2020</a:t>
+            </a:fld>
+            <a:endParaRPr lang="de-DE"/>
+          </a:p>
+        </p:txBody>
+      </p:sp>
+      <p:sp>
+        <p:nvSpPr>
+          <p:cNvPr id="7" name="Slide Number Placeholder 6">
+            <a:extLst>
+              <a:ext uri="{FF2B5EF4-FFF2-40B4-BE49-F238E27FC236}">
+                <a16:creationId xmlns:a16="http://schemas.microsoft.com/office/drawing/2014/main" id="{9DF030B0-B68C-4CA5-A4F9-A5DA02BF30A5}"/>
+              </a:ext>
+            </a:extLst>
+          </p:cNvPr>
+          <p:cNvSpPr>
+            <a:spLocks noGrp="1"/>
+          </p:cNvSpPr>
+          <p:nvPr>
+            <p:ph type="sldNum" sz="quarter" idx="12"/>
+          </p:nvPr>
+        </p:nvSpPr>
+        <p:spPr/>
+        <p:txBody>
+          <a:bodyPr/>
+          <a:lstStyle/>
+          <a:p>
+            <a:fld id="{266A34EE-793E-EA45-A2C1-765A5FA2B1F8}" type="slidenum">
+              <a:rPr lang="de-DE" smtClean="0"/>
+              <a:t>22</a:t>
+            </a:fld>
+            <a:endParaRPr lang="de-DE"/>
+          </a:p>
+        </p:txBody>
+      </p:sp>
     </p:spTree>
     <p:extLst>
       <p:ext uri="{BB962C8B-B14F-4D97-AF65-F5344CB8AC3E}">
@@ -11799,6 +13044,64 @@
           </a:p>
         </p:txBody>
       </p:sp>
+      <p:sp>
+        <p:nvSpPr>
+          <p:cNvPr id="2" name="Date Placeholder 1">
+            <a:extLst>
+              <a:ext uri="{FF2B5EF4-FFF2-40B4-BE49-F238E27FC236}">
+                <a16:creationId xmlns:a16="http://schemas.microsoft.com/office/drawing/2014/main" id="{52818DEF-EFC7-4E71-80A1-623775813658}"/>
+              </a:ext>
+            </a:extLst>
+          </p:cNvPr>
+          <p:cNvSpPr>
+            <a:spLocks noGrp="1"/>
+          </p:cNvSpPr>
+          <p:nvPr>
+            <p:ph type="dt" sz="half" idx="10"/>
+          </p:nvPr>
+        </p:nvSpPr>
+        <p:spPr/>
+        <p:txBody>
+          <a:bodyPr/>
+          <a:lstStyle/>
+          <a:p>
+            <a:fld id="{58E90E32-198D-4FE4-BC05-6083D9D91C0E}" type="datetime1">
+              <a:rPr lang="de-DE" smtClean="0"/>
+              <a:t>06.04.2020</a:t>
+            </a:fld>
+            <a:endParaRPr lang="de-DE"/>
+          </a:p>
+        </p:txBody>
+      </p:sp>
+      <p:sp>
+        <p:nvSpPr>
+          <p:cNvPr id="5" name="Slide Number Placeholder 4">
+            <a:extLst>
+              <a:ext uri="{FF2B5EF4-FFF2-40B4-BE49-F238E27FC236}">
+                <a16:creationId xmlns:a16="http://schemas.microsoft.com/office/drawing/2014/main" id="{A67A12DA-C22B-41C4-996D-6CA47B00015F}"/>
+              </a:ext>
+            </a:extLst>
+          </p:cNvPr>
+          <p:cNvSpPr>
+            <a:spLocks noGrp="1"/>
+          </p:cNvSpPr>
+          <p:nvPr>
+            <p:ph type="sldNum" sz="quarter" idx="12"/>
+          </p:nvPr>
+        </p:nvSpPr>
+        <p:spPr/>
+        <p:txBody>
+          <a:bodyPr/>
+          <a:lstStyle/>
+          <a:p>
+            <a:fld id="{266A34EE-793E-EA45-A2C1-765A5FA2B1F8}" type="slidenum">
+              <a:rPr lang="de-DE" smtClean="0"/>
+              <a:t>3</a:t>
+            </a:fld>
+            <a:endParaRPr lang="de-DE"/>
+          </a:p>
+        </p:txBody>
+      </p:sp>
     </p:spTree>
     <p:extLst>
       <p:ext uri="{BB962C8B-B14F-4D97-AF65-F5344CB8AC3E}">
@@ -13019,6 +14322,64 @@
           </a:fontRef>
         </p:style>
       </p:cxnSp>
+      <p:sp>
+        <p:nvSpPr>
+          <p:cNvPr id="2" name="Date Placeholder 1">
+            <a:extLst>
+              <a:ext uri="{FF2B5EF4-FFF2-40B4-BE49-F238E27FC236}">
+                <a16:creationId xmlns:a16="http://schemas.microsoft.com/office/drawing/2014/main" id="{9620C3F7-1D76-4F02-A5B8-0CE1A45A9535}"/>
+              </a:ext>
+            </a:extLst>
+          </p:cNvPr>
+          <p:cNvSpPr>
+            <a:spLocks noGrp="1"/>
+          </p:cNvSpPr>
+          <p:nvPr>
+            <p:ph type="dt" sz="half" idx="10"/>
+          </p:nvPr>
+        </p:nvSpPr>
+        <p:spPr/>
+        <p:txBody>
+          <a:bodyPr/>
+          <a:lstStyle/>
+          <a:p>
+            <a:fld id="{4D30A999-A2B3-4F9D-952A-9DE7CCC90E47}" type="datetime1">
+              <a:rPr lang="de-DE" smtClean="0"/>
+              <a:t>06.04.2020</a:t>
+            </a:fld>
+            <a:endParaRPr lang="de-DE"/>
+          </a:p>
+        </p:txBody>
+      </p:sp>
+      <p:sp>
+        <p:nvSpPr>
+          <p:cNvPr id="5" name="Slide Number Placeholder 4">
+            <a:extLst>
+              <a:ext uri="{FF2B5EF4-FFF2-40B4-BE49-F238E27FC236}">
+                <a16:creationId xmlns:a16="http://schemas.microsoft.com/office/drawing/2014/main" id="{4B05827E-3735-4834-BEA9-88101E4ED67A}"/>
+              </a:ext>
+            </a:extLst>
+          </p:cNvPr>
+          <p:cNvSpPr>
+            <a:spLocks noGrp="1"/>
+          </p:cNvSpPr>
+          <p:nvPr>
+            <p:ph type="sldNum" sz="quarter" idx="12"/>
+          </p:nvPr>
+        </p:nvSpPr>
+        <p:spPr/>
+        <p:txBody>
+          <a:bodyPr/>
+          <a:lstStyle/>
+          <a:p>
+            <a:fld id="{266A34EE-793E-EA45-A2C1-765A5FA2B1F8}" type="slidenum">
+              <a:rPr lang="de-DE" smtClean="0"/>
+              <a:t>4</a:t>
+            </a:fld>
+            <a:endParaRPr lang="de-DE"/>
+          </a:p>
+        </p:txBody>
+      </p:sp>
     </p:spTree>
     <p:extLst>
       <p:ext uri="{BB962C8B-B14F-4D97-AF65-F5344CB8AC3E}">
@@ -14158,6 +15519,64 @@
           </a:p>
         </p:txBody>
       </p:sp>
+      <p:sp>
+        <p:nvSpPr>
+          <p:cNvPr id="2" name="Date Placeholder 1">
+            <a:extLst>
+              <a:ext uri="{FF2B5EF4-FFF2-40B4-BE49-F238E27FC236}">
+                <a16:creationId xmlns:a16="http://schemas.microsoft.com/office/drawing/2014/main" id="{8C447F3D-4B78-4F34-BDD8-BBA4FD1BF0E9}"/>
+              </a:ext>
+            </a:extLst>
+          </p:cNvPr>
+          <p:cNvSpPr>
+            <a:spLocks noGrp="1"/>
+          </p:cNvSpPr>
+          <p:nvPr>
+            <p:ph type="dt" sz="half" idx="10"/>
+          </p:nvPr>
+        </p:nvSpPr>
+        <p:spPr/>
+        <p:txBody>
+          <a:bodyPr/>
+          <a:lstStyle/>
+          <a:p>
+            <a:fld id="{F696BCA9-97EC-41BA-ACAB-A59AF750FD14}" type="datetime1">
+              <a:rPr lang="de-DE" smtClean="0"/>
+              <a:t>06.04.2020</a:t>
+            </a:fld>
+            <a:endParaRPr lang="de-DE"/>
+          </a:p>
+        </p:txBody>
+      </p:sp>
+      <p:sp>
+        <p:nvSpPr>
+          <p:cNvPr id="3" name="Slide Number Placeholder 2">
+            <a:extLst>
+              <a:ext uri="{FF2B5EF4-FFF2-40B4-BE49-F238E27FC236}">
+                <a16:creationId xmlns:a16="http://schemas.microsoft.com/office/drawing/2014/main" id="{75798039-DA7B-4F51-9781-6908F29767D0}"/>
+              </a:ext>
+            </a:extLst>
+          </p:cNvPr>
+          <p:cNvSpPr>
+            <a:spLocks noGrp="1"/>
+          </p:cNvSpPr>
+          <p:nvPr>
+            <p:ph type="sldNum" sz="quarter" idx="12"/>
+          </p:nvPr>
+        </p:nvSpPr>
+        <p:spPr/>
+        <p:txBody>
+          <a:bodyPr/>
+          <a:lstStyle/>
+          <a:p>
+            <a:fld id="{266A34EE-793E-EA45-A2C1-765A5FA2B1F8}" type="slidenum">
+              <a:rPr lang="de-DE" smtClean="0"/>
+              <a:t>5</a:t>
+            </a:fld>
+            <a:endParaRPr lang="de-DE"/>
+          </a:p>
+        </p:txBody>
+      </p:sp>
     </p:spTree>
     <p:extLst>
       <p:ext uri="{BB962C8B-B14F-4D97-AF65-F5344CB8AC3E}">
@@ -15758,6 +17177,64 @@
           </a:p>
         </p:txBody>
       </p:sp>
+      <p:sp>
+        <p:nvSpPr>
+          <p:cNvPr id="3" name="Date Placeholder 2">
+            <a:extLst>
+              <a:ext uri="{FF2B5EF4-FFF2-40B4-BE49-F238E27FC236}">
+                <a16:creationId xmlns:a16="http://schemas.microsoft.com/office/drawing/2014/main" id="{47934788-A9EF-42B8-BE88-5F9430A7F345}"/>
+              </a:ext>
+            </a:extLst>
+          </p:cNvPr>
+          <p:cNvSpPr>
+            <a:spLocks noGrp="1"/>
+          </p:cNvSpPr>
+          <p:nvPr>
+            <p:ph type="dt" sz="half" idx="10"/>
+          </p:nvPr>
+        </p:nvSpPr>
+        <p:spPr/>
+        <p:txBody>
+          <a:bodyPr/>
+          <a:lstStyle/>
+          <a:p>
+            <a:fld id="{A848C7AB-F83B-4FC6-9231-FA7F2809359C}" type="datetime1">
+              <a:rPr lang="de-DE" smtClean="0"/>
+              <a:t>06.04.2020</a:t>
+            </a:fld>
+            <a:endParaRPr lang="de-DE"/>
+          </a:p>
+        </p:txBody>
+      </p:sp>
+      <p:sp>
+        <p:nvSpPr>
+          <p:cNvPr id="5" name="Slide Number Placeholder 4">
+            <a:extLst>
+              <a:ext uri="{FF2B5EF4-FFF2-40B4-BE49-F238E27FC236}">
+                <a16:creationId xmlns:a16="http://schemas.microsoft.com/office/drawing/2014/main" id="{E03377BC-BEF8-4D03-A72F-AC597C4896F7}"/>
+              </a:ext>
+            </a:extLst>
+          </p:cNvPr>
+          <p:cNvSpPr>
+            <a:spLocks noGrp="1"/>
+          </p:cNvSpPr>
+          <p:nvPr>
+            <p:ph type="sldNum" sz="quarter" idx="12"/>
+          </p:nvPr>
+        </p:nvSpPr>
+        <p:spPr/>
+        <p:txBody>
+          <a:bodyPr/>
+          <a:lstStyle/>
+          <a:p>
+            <a:fld id="{266A34EE-793E-EA45-A2C1-765A5FA2B1F8}" type="slidenum">
+              <a:rPr lang="de-DE" smtClean="0"/>
+              <a:t>6</a:t>
+            </a:fld>
+            <a:endParaRPr lang="de-DE"/>
+          </a:p>
+        </p:txBody>
+      </p:sp>
     </p:spTree>
     <p:extLst>
       <p:ext uri="{BB962C8B-B14F-4D97-AF65-F5344CB8AC3E}">
@@ -17347,6 +18824,64 @@
           </a:p>
         </p:txBody>
       </p:sp>
+      <p:sp>
+        <p:nvSpPr>
+          <p:cNvPr id="5" name="Date Placeholder 4">
+            <a:extLst>
+              <a:ext uri="{FF2B5EF4-FFF2-40B4-BE49-F238E27FC236}">
+                <a16:creationId xmlns:a16="http://schemas.microsoft.com/office/drawing/2014/main" id="{23DEBEF9-9323-4EAB-9EC2-8978BE5A8DB4}"/>
+              </a:ext>
+            </a:extLst>
+          </p:cNvPr>
+          <p:cNvSpPr>
+            <a:spLocks noGrp="1"/>
+          </p:cNvSpPr>
+          <p:nvPr>
+            <p:ph type="dt" sz="half" idx="10"/>
+          </p:nvPr>
+        </p:nvSpPr>
+        <p:spPr/>
+        <p:txBody>
+          <a:bodyPr/>
+          <a:lstStyle/>
+          <a:p>
+            <a:fld id="{78389F4F-6C40-4F96-87B7-BED4E97E402E}" type="datetime1">
+              <a:rPr lang="de-DE" smtClean="0"/>
+              <a:t>06.04.2020</a:t>
+            </a:fld>
+            <a:endParaRPr lang="de-DE"/>
+          </a:p>
+        </p:txBody>
+      </p:sp>
+      <p:sp>
+        <p:nvSpPr>
+          <p:cNvPr id="6" name="Slide Number Placeholder 5">
+            <a:extLst>
+              <a:ext uri="{FF2B5EF4-FFF2-40B4-BE49-F238E27FC236}">
+                <a16:creationId xmlns:a16="http://schemas.microsoft.com/office/drawing/2014/main" id="{2D3EAC30-D0AE-46E4-B663-662175EBEC07}"/>
+              </a:ext>
+            </a:extLst>
+          </p:cNvPr>
+          <p:cNvSpPr>
+            <a:spLocks noGrp="1"/>
+          </p:cNvSpPr>
+          <p:nvPr>
+            <p:ph type="sldNum" sz="quarter" idx="12"/>
+          </p:nvPr>
+        </p:nvSpPr>
+        <p:spPr/>
+        <p:txBody>
+          <a:bodyPr/>
+          <a:lstStyle/>
+          <a:p>
+            <a:fld id="{266A34EE-793E-EA45-A2C1-765A5FA2B1F8}" type="slidenum">
+              <a:rPr lang="de-DE" smtClean="0"/>
+              <a:t>7</a:t>
+            </a:fld>
+            <a:endParaRPr lang="de-DE"/>
+          </a:p>
+        </p:txBody>
+      </p:sp>
     </p:spTree>
     <p:extLst>
       <p:ext uri="{BB962C8B-B14F-4D97-AF65-F5344CB8AC3E}">
@@ -18798,6 +20333,64 @@
           </a:p>
         </p:txBody>
       </p:sp>
+      <p:sp>
+        <p:nvSpPr>
+          <p:cNvPr id="3" name="Date Placeholder 2">
+            <a:extLst>
+              <a:ext uri="{FF2B5EF4-FFF2-40B4-BE49-F238E27FC236}">
+                <a16:creationId xmlns:a16="http://schemas.microsoft.com/office/drawing/2014/main" id="{5490DCFB-3B50-438B-9964-6CF9B83B7441}"/>
+              </a:ext>
+            </a:extLst>
+          </p:cNvPr>
+          <p:cNvSpPr>
+            <a:spLocks noGrp="1"/>
+          </p:cNvSpPr>
+          <p:nvPr>
+            <p:ph type="dt" sz="half" idx="10"/>
+          </p:nvPr>
+        </p:nvSpPr>
+        <p:spPr/>
+        <p:txBody>
+          <a:bodyPr/>
+          <a:lstStyle/>
+          <a:p>
+            <a:fld id="{BC6AA058-3889-4DB2-9948-474ED9D2A12D}" type="datetime1">
+              <a:rPr lang="de-DE" smtClean="0"/>
+              <a:t>06.04.2020</a:t>
+            </a:fld>
+            <a:endParaRPr lang="de-DE"/>
+          </a:p>
+        </p:txBody>
+      </p:sp>
+      <p:sp>
+        <p:nvSpPr>
+          <p:cNvPr id="5" name="Slide Number Placeholder 4">
+            <a:extLst>
+              <a:ext uri="{FF2B5EF4-FFF2-40B4-BE49-F238E27FC236}">
+                <a16:creationId xmlns:a16="http://schemas.microsoft.com/office/drawing/2014/main" id="{0161E838-557D-42A4-AC2C-DB91B29468DE}"/>
+              </a:ext>
+            </a:extLst>
+          </p:cNvPr>
+          <p:cNvSpPr>
+            <a:spLocks noGrp="1"/>
+          </p:cNvSpPr>
+          <p:nvPr>
+            <p:ph type="sldNum" sz="quarter" idx="12"/>
+          </p:nvPr>
+        </p:nvSpPr>
+        <p:spPr/>
+        <p:txBody>
+          <a:bodyPr/>
+          <a:lstStyle/>
+          <a:p>
+            <a:fld id="{266A34EE-793E-EA45-A2C1-765A5FA2B1F8}" type="slidenum">
+              <a:rPr lang="de-DE" smtClean="0"/>
+              <a:t>8</a:t>
+            </a:fld>
+            <a:endParaRPr lang="de-DE"/>
+          </a:p>
+        </p:txBody>
+      </p:sp>
     </p:spTree>
     <p:extLst>
       <p:ext uri="{BB962C8B-B14F-4D97-AF65-F5344CB8AC3E}">
@@ -20237,6 +21830,64 @@
               </a:rPr>
               <a:t> and server repo, i.e. namespace definition.</a:t>
             </a:r>
+          </a:p>
+        </p:txBody>
+      </p:sp>
+      <p:sp>
+        <p:nvSpPr>
+          <p:cNvPr id="3" name="Date Placeholder 2">
+            <a:extLst>
+              <a:ext uri="{FF2B5EF4-FFF2-40B4-BE49-F238E27FC236}">
+                <a16:creationId xmlns:a16="http://schemas.microsoft.com/office/drawing/2014/main" id="{09E6D522-F69F-4742-A076-5A73676EB6F7}"/>
+              </a:ext>
+            </a:extLst>
+          </p:cNvPr>
+          <p:cNvSpPr>
+            <a:spLocks noGrp="1"/>
+          </p:cNvSpPr>
+          <p:nvPr>
+            <p:ph type="dt" sz="half" idx="10"/>
+          </p:nvPr>
+        </p:nvSpPr>
+        <p:spPr/>
+        <p:txBody>
+          <a:bodyPr/>
+          <a:lstStyle/>
+          <a:p>
+            <a:fld id="{DB3A2185-C9E4-47F0-B338-5BAEE950952F}" type="datetime1">
+              <a:rPr lang="de-DE" smtClean="0"/>
+              <a:t>06.04.2020</a:t>
+            </a:fld>
+            <a:endParaRPr lang="de-DE"/>
+          </a:p>
+        </p:txBody>
+      </p:sp>
+      <p:sp>
+        <p:nvSpPr>
+          <p:cNvPr id="12" name="Slide Number Placeholder 11">
+            <a:extLst>
+              <a:ext uri="{FF2B5EF4-FFF2-40B4-BE49-F238E27FC236}">
+                <a16:creationId xmlns:a16="http://schemas.microsoft.com/office/drawing/2014/main" id="{7292FE54-B263-4D8E-B275-8560A264C0C7}"/>
+              </a:ext>
+            </a:extLst>
+          </p:cNvPr>
+          <p:cNvSpPr>
+            <a:spLocks noGrp="1"/>
+          </p:cNvSpPr>
+          <p:nvPr>
+            <p:ph type="sldNum" sz="quarter" idx="12"/>
+          </p:nvPr>
+        </p:nvSpPr>
+        <p:spPr/>
+        <p:txBody>
+          <a:bodyPr/>
+          <a:lstStyle/>
+          <a:p>
+            <a:fld id="{266A34EE-793E-EA45-A2C1-765A5FA2B1F8}" type="slidenum">
+              <a:rPr lang="de-DE" smtClean="0"/>
+              <a:t>9</a:t>
+            </a:fld>
+            <a:endParaRPr lang="de-DE"/>
           </a:p>
         </p:txBody>
       </p:sp>
@@ -20546,4 +22197,299 @@
     </a:ext>
   </a:extLst>
 </a:theme>
+</file>
+
+<file path=ppt/theme/theme2.xml><?xml version="1.0" encoding="utf-8"?>
+<a:theme xmlns:a="http://schemas.openxmlformats.org/drawingml/2006/main" name="Office Theme">
+  <a:themeElements>
+    <a:clrScheme name="Office">
+      <a:dk1>
+        <a:sysClr val="windowText" lastClr="000000"/>
+      </a:dk1>
+      <a:lt1>
+        <a:sysClr val="window" lastClr="FFFFFF"/>
+      </a:lt1>
+      <a:dk2>
+        <a:srgbClr val="44546A"/>
+      </a:dk2>
+      <a:lt2>
+        <a:srgbClr val="E7E6E6"/>
+      </a:lt2>
+      <a:accent1>
+        <a:srgbClr val="4472C4"/>
+      </a:accent1>
+      <a:accent2>
+        <a:srgbClr val="ED7D31"/>
+      </a:accent2>
+      <a:accent3>
+        <a:srgbClr val="A5A5A5"/>
+      </a:accent3>
+      <a:accent4>
+        <a:srgbClr val="FFC000"/>
+      </a:accent4>
+      <a:accent5>
+        <a:srgbClr val="5B9BD5"/>
+      </a:accent5>
+      <a:accent6>
+        <a:srgbClr val="70AD47"/>
+      </a:accent6>
+      <a:hlink>
+        <a:srgbClr val="0563C1"/>
+      </a:hlink>
+      <a:folHlink>
+        <a:srgbClr val="954F72"/>
+      </a:folHlink>
+    </a:clrScheme>
+    <a:fontScheme name="Office">
+      <a:majorFont>
+        <a:latin typeface="Calibri Light" panose="020F0302020204030204"/>
+        <a:ea typeface=""/>
+        <a:cs typeface=""/>
+        <a:font script="Jpan" typeface="游ゴシック Light"/>
+        <a:font script="Hang" typeface="맑은 고딕"/>
+        <a:font script="Hans" typeface="等线 Light"/>
+        <a:font script="Hant" typeface="新細明體"/>
+        <a:font script="Arab" typeface="Times New Roman"/>
+        <a:font script="Hebr" typeface="Times New Roman"/>
+        <a:font script="Thai" typeface="Angsana New"/>
+        <a:font script="Ethi" typeface="Nyala"/>
+        <a:font script="Beng" typeface="Vrinda"/>
+        <a:font script="Gujr" typeface="Shruti"/>
+        <a:font script="Khmr" typeface="MoolBoran"/>
+        <a:font script="Knda" typeface="Tunga"/>
+        <a:font script="Guru" typeface="Raavi"/>
+        <a:font script="Cans" typeface="Euphemia"/>
+        <a:font script="Cher" typeface="Plantagenet Cherokee"/>
+        <a:font script="Yiii" typeface="Microsoft Yi Baiti"/>
+        <a:font script="Tibt" typeface="Microsoft Himalaya"/>
+        <a:font script="Thaa" typeface="MV Boli"/>
+        <a:font script="Deva" typeface="Mangal"/>
+        <a:font script="Telu" typeface="Gautami"/>
+        <a:font script="Taml" typeface="Latha"/>
+        <a:font script="Syrc" typeface="Estrangelo Edessa"/>
+        <a:font script="Orya" typeface="Kalinga"/>
+        <a:font script="Mlym" typeface="Kartika"/>
+        <a:font script="Laoo" typeface="DokChampa"/>
+        <a:font script="Sinh" typeface="Iskoola Pota"/>
+        <a:font script="Mong" typeface="Mongolian Baiti"/>
+        <a:font script="Viet" typeface="Times New Roman"/>
+        <a:font script="Uigh" typeface="Microsoft Uighur"/>
+        <a:font script="Geor" typeface="Sylfaen"/>
+        <a:font script="Armn" typeface="Arial"/>
+        <a:font script="Bugi" typeface="Leelawadee UI"/>
+        <a:font script="Bopo" typeface="Microsoft JhengHei"/>
+        <a:font script="Java" typeface="Javanese Text"/>
+        <a:font script="Lisu" typeface="Segoe UI"/>
+        <a:font script="Mymr" typeface="Myanmar Text"/>
+        <a:font script="Nkoo" typeface="Ebrima"/>
+        <a:font script="Olck" typeface="Nirmala UI"/>
+        <a:font script="Osma" typeface="Ebrima"/>
+        <a:font script="Phag" typeface="Phagspa"/>
+        <a:font script="Syrn" typeface="Estrangelo Edessa"/>
+        <a:font script="Syrj" typeface="Estrangelo Edessa"/>
+        <a:font script="Syre" typeface="Estrangelo Edessa"/>
+        <a:font script="Sora" typeface="Nirmala UI"/>
+        <a:font script="Tale" typeface="Microsoft Tai Le"/>
+        <a:font script="Talu" typeface="Microsoft New Tai Lue"/>
+        <a:font script="Tfng" typeface="Ebrima"/>
+      </a:majorFont>
+      <a:minorFont>
+        <a:latin typeface="Calibri" panose="020F0502020204030204"/>
+        <a:ea typeface=""/>
+        <a:cs typeface=""/>
+        <a:font script="Jpan" typeface="游ゴシック"/>
+        <a:font script="Hang" typeface="맑은 고딕"/>
+        <a:font script="Hans" typeface="等线"/>
+        <a:font script="Hant" typeface="新細明體"/>
+        <a:font script="Arab" typeface="Arial"/>
+        <a:font script="Hebr" typeface="Arial"/>
+        <a:font script="Thai" typeface="Cordia New"/>
+        <a:font script="Ethi" typeface="Nyala"/>
+        <a:font script="Beng" typeface="Vrinda"/>
+        <a:font script="Gujr" typeface="Shruti"/>
+        <a:font script="Khmr" typeface="DaunPenh"/>
+        <a:font script="Knda" typeface="Tunga"/>
+        <a:font script="Guru" typeface="Raavi"/>
+        <a:font script="Cans" typeface="Euphemia"/>
+        <a:font script="Cher" typeface="Plantagenet Cherokee"/>
+        <a:font script="Yiii" typeface="Microsoft Yi Baiti"/>
+        <a:font script="Tibt" typeface="Microsoft Himalaya"/>
+        <a:font script="Thaa" typeface="MV Boli"/>
+        <a:font script="Deva" typeface="Mangal"/>
+        <a:font script="Telu" typeface="Gautami"/>
+        <a:font script="Taml" typeface="Latha"/>
+        <a:font script="Syrc" typeface="Estrangelo Edessa"/>
+        <a:font script="Orya" typeface="Kalinga"/>
+        <a:font script="Mlym" typeface="Kartika"/>
+        <a:font script="Laoo" typeface="DokChampa"/>
+        <a:font script="Sinh" typeface="Iskoola Pota"/>
+        <a:font script="Mong" typeface="Mongolian Baiti"/>
+        <a:font script="Viet" typeface="Arial"/>
+        <a:font script="Uigh" typeface="Microsoft Uighur"/>
+        <a:font script="Geor" typeface="Sylfaen"/>
+        <a:font script="Armn" typeface="Arial"/>
+        <a:font script="Bugi" typeface="Leelawadee UI"/>
+        <a:font script="Bopo" typeface="Microsoft JhengHei"/>
+        <a:font script="Java" typeface="Javanese Text"/>
+        <a:font script="Lisu" typeface="Segoe UI"/>
+        <a:font script="Mymr" typeface="Myanmar Text"/>
+        <a:font script="Nkoo" typeface="Ebrima"/>
+        <a:font script="Olck" typeface="Nirmala UI"/>
+        <a:font script="Osma" typeface="Ebrima"/>
+        <a:font script="Phag" typeface="Phagspa"/>
+        <a:font script="Syrn" typeface="Estrangelo Edessa"/>
+        <a:font script="Syrj" typeface="Estrangelo Edessa"/>
+        <a:font script="Syre" typeface="Estrangelo Edessa"/>
+        <a:font script="Sora" typeface="Nirmala UI"/>
+        <a:font script="Tale" typeface="Microsoft Tai Le"/>
+        <a:font script="Talu" typeface="Microsoft New Tai Lue"/>
+        <a:font script="Tfng" typeface="Ebrima"/>
+      </a:minorFont>
+    </a:fontScheme>
+    <a:fmtScheme name="Office">
+      <a:fillStyleLst>
+        <a:solidFill>
+          <a:schemeClr val="phClr"/>
+        </a:solidFill>
+        <a:gradFill rotWithShape="1">
+          <a:gsLst>
+            <a:gs pos="0">
+              <a:schemeClr val="phClr">
+                <a:lumMod val="110000"/>
+                <a:satMod val="105000"/>
+                <a:tint val="67000"/>
+              </a:schemeClr>
+            </a:gs>
+            <a:gs pos="50000">
+              <a:schemeClr val="phClr">
+                <a:lumMod val="105000"/>
+                <a:satMod val="103000"/>
+                <a:tint val="73000"/>
+              </a:schemeClr>
+            </a:gs>
+            <a:gs pos="100000">
+              <a:schemeClr val="phClr">
+                <a:lumMod val="105000"/>
+                <a:satMod val="109000"/>
+                <a:tint val="81000"/>
+              </a:schemeClr>
+            </a:gs>
+          </a:gsLst>
+          <a:lin ang="5400000" scaled="0"/>
+        </a:gradFill>
+        <a:gradFill rotWithShape="1">
+          <a:gsLst>
+            <a:gs pos="0">
+              <a:schemeClr val="phClr">
+                <a:satMod val="103000"/>
+                <a:lumMod val="102000"/>
+                <a:tint val="94000"/>
+              </a:schemeClr>
+            </a:gs>
+            <a:gs pos="50000">
+              <a:schemeClr val="phClr">
+                <a:satMod val="110000"/>
+                <a:lumMod val="100000"/>
+                <a:shade val="100000"/>
+              </a:schemeClr>
+            </a:gs>
+            <a:gs pos="100000">
+              <a:schemeClr val="phClr">
+                <a:lumMod val="99000"/>
+                <a:satMod val="120000"/>
+                <a:shade val="78000"/>
+              </a:schemeClr>
+            </a:gs>
+          </a:gsLst>
+          <a:lin ang="5400000" scaled="0"/>
+        </a:gradFill>
+      </a:fillStyleLst>
+      <a:lnStyleLst>
+        <a:ln w="6350" cap="flat" cmpd="sng" algn="ctr">
+          <a:solidFill>
+            <a:schemeClr val="phClr"/>
+          </a:solidFill>
+          <a:prstDash val="solid"/>
+          <a:miter lim="800000"/>
+        </a:ln>
+        <a:ln w="12700" cap="flat" cmpd="sng" algn="ctr">
+          <a:solidFill>
+            <a:schemeClr val="phClr"/>
+          </a:solidFill>
+          <a:prstDash val="solid"/>
+          <a:miter lim="800000"/>
+        </a:ln>
+        <a:ln w="19050" cap="flat" cmpd="sng" algn="ctr">
+          <a:solidFill>
+            <a:schemeClr val="phClr"/>
+          </a:solidFill>
+          <a:prstDash val="solid"/>
+          <a:miter lim="800000"/>
+        </a:ln>
+      </a:lnStyleLst>
+      <a:effectStyleLst>
+        <a:effectStyle>
+          <a:effectLst/>
+        </a:effectStyle>
+        <a:effectStyle>
+          <a:effectLst/>
+        </a:effectStyle>
+        <a:effectStyle>
+          <a:effectLst>
+            <a:outerShdw blurRad="57150" dist="19050" dir="5400000" algn="ctr" rotWithShape="0">
+              <a:srgbClr val="000000">
+                <a:alpha val="63000"/>
+              </a:srgbClr>
+            </a:outerShdw>
+          </a:effectLst>
+        </a:effectStyle>
+      </a:effectStyleLst>
+      <a:bgFillStyleLst>
+        <a:solidFill>
+          <a:schemeClr val="phClr"/>
+        </a:solidFill>
+        <a:solidFill>
+          <a:schemeClr val="phClr">
+            <a:tint val="95000"/>
+            <a:satMod val="170000"/>
+          </a:schemeClr>
+        </a:solidFill>
+        <a:gradFill rotWithShape="1">
+          <a:gsLst>
+            <a:gs pos="0">
+              <a:schemeClr val="phClr">
+                <a:tint val="93000"/>
+                <a:satMod val="150000"/>
+                <a:shade val="98000"/>
+                <a:lumMod val="102000"/>
+              </a:schemeClr>
+            </a:gs>
+            <a:gs pos="50000">
+              <a:schemeClr val="phClr">
+                <a:tint val="98000"/>
+                <a:satMod val="130000"/>
+                <a:shade val="90000"/>
+                <a:lumMod val="103000"/>
+              </a:schemeClr>
+            </a:gs>
+            <a:gs pos="100000">
+              <a:schemeClr val="phClr">
+                <a:shade val="63000"/>
+                <a:satMod val="120000"/>
+              </a:schemeClr>
+            </a:gs>
+          </a:gsLst>
+          <a:lin ang="5400000" scaled="0"/>
+        </a:gradFill>
+      </a:bgFillStyleLst>
+    </a:fmtScheme>
+  </a:themeElements>
+  <a:objectDefaults/>
+  <a:extraClrSchemeLst/>
+  <a:extLst>
+    <a:ext uri="{05A4C25C-085E-4340-85A3-A5531E510DB2}">
+      <thm15:themeFamily xmlns:thm15="http://schemas.microsoft.com/office/thememl/2012/main" name="Office Theme" id="{62F939B6-93AF-4DB8-9C6B-D6C7DFDC589F}" vid="{4A3C46E8-61CC-4603-A589-7422A47A8E4A}"/>
+    </a:ext>
+  </a:extLst>
+</a:theme>
 </file>
--- a/design/RepositoryStructure.pptx
+++ b/design/RepositoryStructure.pptx
@@ -230,7 +230,7 @@
           <a:p>
             <a:fld id="{C29F78B0-A34D-4E1F-90F0-EA59C04644F7}" type="datetimeFigureOut">
               <a:rPr lang="en-US" smtClean="0"/>
-              <a:t>4/6/20</a:t>
+              <a:t>4/29/20</a:t>
             </a:fld>
             <a:endParaRPr lang="en-US"/>
           </a:p>
@@ -646,7 +646,7 @@
           <a:p>
             <a:fld id="{15EF66EA-7CC5-477B-80F1-8AB2601F1F88}" type="datetime1">
               <a:rPr lang="de-DE" smtClean="0"/>
-              <a:t>06.04.20</a:t>
+              <a:t>29.04.20</a:t>
             </a:fld>
             <a:endParaRPr lang="de-DE"/>
           </a:p>
@@ -846,7 +846,7 @@
           <a:p>
             <a:fld id="{8094D0AD-818A-484C-988E-733D7CBF505E}" type="datetime1">
               <a:rPr lang="de-DE" smtClean="0"/>
-              <a:t>06.04.20</a:t>
+              <a:t>29.04.20</a:t>
             </a:fld>
             <a:endParaRPr lang="de-DE"/>
           </a:p>
@@ -1056,7 +1056,7 @@
           <a:p>
             <a:fld id="{6A2CDEE2-3947-4BBE-A32B-315C6EE14044}" type="datetime1">
               <a:rPr lang="de-DE" smtClean="0"/>
-              <a:t>06.04.20</a:t>
+              <a:t>29.04.20</a:t>
             </a:fld>
             <a:endParaRPr lang="de-DE"/>
           </a:p>
@@ -1256,7 +1256,7 @@
           <a:p>
             <a:fld id="{1678A154-33EF-426C-A151-2F0AD3EBCF76}" type="datetime1">
               <a:rPr lang="de-DE" smtClean="0"/>
-              <a:t>06.04.20</a:t>
+              <a:t>29.04.20</a:t>
             </a:fld>
             <a:endParaRPr lang="de-DE"/>
           </a:p>
@@ -1532,7 +1532,7 @@
           <a:p>
             <a:fld id="{CEB4F9E4-4360-499B-B36F-BA55A8609F7B}" type="datetime1">
               <a:rPr lang="de-DE" smtClean="0"/>
-              <a:t>06.04.20</a:t>
+              <a:t>29.04.20</a:t>
             </a:fld>
             <a:endParaRPr lang="de-DE"/>
           </a:p>
@@ -1800,7 +1800,7 @@
           <a:p>
             <a:fld id="{F7547C07-CFC3-4E8E-9E85-228C8B488CD1}" type="datetime1">
               <a:rPr lang="de-DE" smtClean="0"/>
-              <a:t>06.04.20</a:t>
+              <a:t>29.04.20</a:t>
             </a:fld>
             <a:endParaRPr lang="de-DE"/>
           </a:p>
@@ -2215,7 +2215,7 @@
           <a:p>
             <a:fld id="{2215A030-BE9E-4DE4-821A-774F8CE2C808}" type="datetime1">
               <a:rPr lang="de-DE" smtClean="0"/>
-              <a:t>06.04.20</a:t>
+              <a:t>29.04.20</a:t>
             </a:fld>
             <a:endParaRPr lang="de-DE"/>
           </a:p>
@@ -2357,7 +2357,7 @@
           <a:p>
             <a:fld id="{1A0D111F-BD68-4F89-8423-E603AA9DA81C}" type="datetime1">
               <a:rPr lang="de-DE" smtClean="0"/>
-              <a:t>06.04.20</a:t>
+              <a:t>29.04.20</a:t>
             </a:fld>
             <a:endParaRPr lang="de-DE"/>
           </a:p>
@@ -2470,7 +2470,7 @@
           <a:p>
             <a:fld id="{2C7F27B1-BBA1-4C27-8A2F-E01354487744}" type="datetime1">
               <a:rPr lang="de-DE" smtClean="0"/>
-              <a:t>06.04.20</a:t>
+              <a:t>29.04.20</a:t>
             </a:fld>
             <a:endParaRPr lang="de-DE"/>
           </a:p>
@@ -2783,7 +2783,7 @@
           <a:p>
             <a:fld id="{2DFEE806-30D6-4F43-9FE9-861479A06D54}" type="datetime1">
               <a:rPr lang="de-DE" smtClean="0"/>
-              <a:t>06.04.20</a:t>
+              <a:t>29.04.20</a:t>
             </a:fld>
             <a:endParaRPr lang="de-DE"/>
           </a:p>
@@ -3072,7 +3072,7 @@
           <a:p>
             <a:fld id="{A80003E5-ADE2-4F53-A13C-C278FC0E33C9}" type="datetime1">
               <a:rPr lang="de-DE" smtClean="0"/>
-              <a:t>06.04.20</a:t>
+              <a:t>29.04.20</a:t>
             </a:fld>
             <a:endParaRPr lang="de-DE"/>
           </a:p>
@@ -3315,7 +3315,7 @@
           <a:p>
             <a:fld id="{DA156BB2-7B28-4BCB-B93F-B194B319E782}" type="datetime1">
               <a:rPr lang="de-DE" smtClean="0"/>
-              <a:t>06.04.20</a:t>
+              <a:t>29.04.20</a:t>
             </a:fld>
             <a:endParaRPr lang="de-DE"/>
           </a:p>
@@ -3809,7 +3809,7 @@
           <a:p>
             <a:r>
               <a:rPr lang="en-US" dirty="0"/>
-              <a:t>Last Updated: 2020-04-06</a:t>
+              <a:t>Last Updated: 2020-04-29</a:t>
             </a:r>
           </a:p>
           <a:p>
@@ -3840,7 +3840,7 @@
           <a:p>
             <a:fld id="{78AD0F07-AB73-42FB-9EB9-C011C90D146D}" type="datetime1">
               <a:rPr lang="de-DE" smtClean="0"/>
-              <a:t>06.04.20</a:t>
+              <a:t>29.04.20</a:t>
             </a:fld>
             <a:endParaRPr lang="de-DE"/>
           </a:p>
@@ -4157,7 +4157,7 @@
           <a:p>
             <a:fld id="{813B736A-4E39-4977-A524-D0A6922AA63C}" type="datetime1">
               <a:rPr lang="de-DE" smtClean="0"/>
-              <a:t>06.04.20</a:t>
+              <a:t>29.04.20</a:t>
             </a:fld>
             <a:endParaRPr lang="de-DE"/>
           </a:p>
@@ -4387,7 +4387,7 @@
           <a:p>
             <a:fld id="{B15FDDEF-D3E5-4C66-8BF3-3F6A443F0E59}" type="datetime1">
               <a:rPr lang="de-DE" smtClean="0"/>
-              <a:t>06.04.20</a:t>
+              <a:t>29.04.20</a:t>
             </a:fld>
             <a:endParaRPr lang="de-DE"/>
           </a:p>
@@ -4781,7 +4781,7 @@
           <a:p>
             <a:fld id="{9E7666CD-D72D-4540-A656-A2A53E030B1A}" type="datetime1">
               <a:rPr lang="de-DE" smtClean="0"/>
-              <a:t>06.04.20</a:t>
+              <a:t>29.04.20</a:t>
             </a:fld>
             <a:endParaRPr lang="de-DE"/>
           </a:p>
@@ -5172,7 +5172,7 @@
           <a:p>
             <a:fld id="{D2588ADC-F69F-4499-AFB9-DEB63C1D6CCD}" type="datetime1">
               <a:rPr lang="de-DE" smtClean="0"/>
-              <a:t>06.04.20</a:t>
+              <a:t>29.04.20</a:t>
             </a:fld>
             <a:endParaRPr lang="de-DE"/>
           </a:p>
@@ -5313,7 +5313,7 @@
           <a:p>
             <a:fld id="{F7547C07-CFC3-4E8E-9E85-228C8B488CD1}" type="datetime1">
               <a:rPr lang="de-DE" smtClean="0"/>
-              <a:t>06.04.20</a:t>
+              <a:t>29.04.20</a:t>
             </a:fld>
             <a:endParaRPr lang="de-DE"/>
           </a:p>
@@ -6305,7 +6305,7 @@
           <a:p>
             <a:fld id="{C90D6DFB-C1E8-440F-9CCD-E471E1166D94}" type="datetime1">
               <a:rPr lang="de-DE" smtClean="0"/>
-              <a:t>06.04.20</a:t>
+              <a:t>29.04.20</a:t>
             </a:fld>
             <a:endParaRPr lang="de-DE"/>
           </a:p>
@@ -7498,7 +7498,7 @@
           <a:p>
             <a:fld id="{58E90E32-198D-4FE4-BC05-6083D9D91C0E}" type="datetime1">
               <a:rPr lang="de-DE" smtClean="0"/>
-              <a:t>06.04.20</a:t>
+              <a:t>29.04.20</a:t>
             </a:fld>
             <a:endParaRPr lang="de-DE"/>
           </a:p>
@@ -8776,7 +8776,7 @@
           <a:p>
             <a:fld id="{4D30A999-A2B3-4F9D-952A-9DE7CCC90E47}" type="datetime1">
               <a:rPr lang="de-DE" smtClean="0"/>
-              <a:t>06.04.20</a:t>
+              <a:t>29.04.20</a:t>
             </a:fld>
             <a:endParaRPr lang="de-DE"/>
           </a:p>
@@ -9973,7 +9973,7 @@
           <a:p>
             <a:fld id="{F696BCA9-97EC-41BA-ACAB-A59AF750FD14}" type="datetime1">
               <a:rPr lang="de-DE" smtClean="0"/>
-              <a:t>06.04.20</a:t>
+              <a:t>29.04.20</a:t>
             </a:fld>
             <a:endParaRPr lang="de-DE"/>
           </a:p>
@@ -11631,7 +11631,7 @@
           <a:p>
             <a:fld id="{A848C7AB-F83B-4FC6-9231-FA7F2809359C}" type="datetime1">
               <a:rPr lang="de-DE" smtClean="0"/>
-              <a:t>06.04.20</a:t>
+              <a:t>29.04.20</a:t>
             </a:fld>
             <a:endParaRPr lang="de-DE"/>
           </a:p>
@@ -11710,7 +11710,7 @@
         </p:nvSpPr>
         <p:spPr>
           <a:xfrm>
-            <a:off x="1683522" y="6057513"/>
+            <a:off x="1683522" y="6273475"/>
             <a:ext cx="2240276" cy="328185"/>
           </a:xfrm>
           <a:prstGeom prst="rect">
@@ -11780,7 +11780,7 @@
         </p:nvSpPr>
         <p:spPr>
           <a:xfrm>
-            <a:off x="4603391" y="6057513"/>
+            <a:off x="4254070" y="6273474"/>
             <a:ext cx="2407839" cy="328186"/>
           </a:xfrm>
           <a:prstGeom prst="rect">
@@ -11915,8 +11915,8 @@
         </p:nvSpPr>
         <p:spPr>
           <a:xfrm>
-            <a:off x="460696" y="1700838"/>
-            <a:ext cx="7672021" cy="821950"/>
+            <a:off x="460696" y="1347716"/>
+            <a:ext cx="7672021" cy="750946"/>
           </a:xfrm>
           <a:prstGeom prst="rect">
             <a:avLst/>
@@ -11972,7 +11972,7 @@
                   <a:schemeClr val="tx1"/>
                 </a:solidFill>
               </a:rPr>
-              <a:t>Defines</a:t>
+              <a:t>Creates</a:t>
             </a:r>
             <a:r>
               <a:rPr lang="de-DE" sz="1200" dirty="0">
@@ -11996,7 +11996,7 @@
                   <a:schemeClr val="tx1"/>
                 </a:solidFill>
               </a:rPr>
-              <a:t> type </a:t>
+              <a:t>, </a:t>
             </a:r>
             <a:r>
               <a:rPr lang="de-DE" sz="1200" dirty="0" err="1">
@@ -12004,7 +12004,7 @@
                   <a:schemeClr val="tx1"/>
                 </a:solidFill>
               </a:rPr>
-              <a:t>and</a:t>
+              <a:t>registers</a:t>
             </a:r>
             <a:r>
               <a:rPr lang="de-DE" sz="1200" dirty="0">
@@ -12012,6 +12012,22 @@
                   <a:schemeClr val="tx1"/>
                 </a:solidFill>
               </a:rPr>
+              <a:t> providers, </a:t>
+            </a:r>
+            <a:r>
+              <a:rPr lang="de-DE" sz="1200" dirty="0" err="1">
+                <a:solidFill>
+                  <a:schemeClr val="tx1"/>
+                </a:solidFill>
+              </a:rPr>
+              <a:t>manages</a:t>
+            </a:r>
+            <a:r>
+              <a:rPr lang="de-DE" sz="1200" dirty="0">
+                <a:solidFill>
+                  <a:schemeClr val="tx1"/>
+                </a:solidFill>
+              </a:rPr>
               <a:t> </a:t>
             </a:r>
             <a:r>
@@ -12020,7 +12036,7 @@
                   <a:schemeClr val="tx1"/>
                 </a:solidFill>
               </a:rPr>
-              <a:t>for</a:t>
+              <a:t>namespaces</a:t>
             </a:r>
             <a:r>
               <a:rPr lang="de-DE" sz="1200" dirty="0">
@@ -12028,6 +12044,54 @@
                   <a:schemeClr val="tx1"/>
                 </a:solidFill>
               </a:rPr>
+              <a:t>, </a:t>
+            </a:r>
+            <a:r>
+              <a:rPr lang="de-DE" sz="1200" dirty="0" err="1">
+                <a:solidFill>
+                  <a:schemeClr val="tx1"/>
+                </a:solidFill>
+              </a:rPr>
+              <a:t>adds</a:t>
+            </a:r>
+            <a:r>
+              <a:rPr lang="de-DE" sz="1200" dirty="0">
+                <a:solidFill>
+                  <a:schemeClr val="tx1"/>
+                </a:solidFill>
+              </a:rPr>
+              <a:t> objects, </a:t>
+            </a:r>
+            <a:r>
+              <a:rPr lang="de-DE" sz="1200" dirty="0" err="1">
+                <a:solidFill>
+                  <a:schemeClr val="tx1"/>
+                </a:solidFill>
+              </a:rPr>
+              <a:t>compiles</a:t>
+            </a:r>
+            <a:r>
+              <a:rPr lang="de-DE" sz="1200" dirty="0">
+                <a:solidFill>
+                  <a:schemeClr val="tx1"/>
+                </a:solidFill>
+              </a:rPr>
+              <a:t> MOF, </a:t>
+            </a:r>
+            <a:r>
+              <a:rPr lang="de-DE" sz="1200" dirty="0" err="1">
+                <a:solidFill>
+                  <a:schemeClr val="tx1"/>
+                </a:solidFill>
+              </a:rPr>
+              <a:t>displays</a:t>
+            </a:r>
+            <a:r>
+              <a:rPr lang="de-DE" sz="1200" dirty="0">
+                <a:solidFill>
+                  <a:schemeClr val="tx1"/>
+                </a:solidFill>
+              </a:rPr>
               <a:t> </a:t>
             </a:r>
             <a:r>
@@ -12036,7 +12100,7 @@
                   <a:schemeClr val="tx1"/>
                 </a:solidFill>
               </a:rPr>
-              <a:t>file</a:t>
+              <a:t>repository</a:t>
             </a:r>
             <a:r>
               <a:rPr lang="de-DE" sz="1200" dirty="0">
@@ -12044,6 +12108,22 @@
                   <a:schemeClr val="tx1"/>
                 </a:solidFill>
               </a:rPr>
+              <a:t>, </a:t>
+            </a:r>
+            <a:r>
+              <a:rPr lang="de-DE" sz="1200" dirty="0" err="1">
+                <a:solidFill>
+                  <a:schemeClr val="tx1"/>
+                </a:solidFill>
+              </a:rPr>
+              <a:t>defines</a:t>
+            </a:r>
+            <a:r>
+              <a:rPr lang="de-DE" sz="1200" dirty="0">
+                <a:solidFill>
+                  <a:schemeClr val="tx1"/>
+                </a:solidFill>
+              </a:rPr>
               <a:t> </a:t>
             </a:r>
             <a:r>
@@ -12052,7 +12132,7 @@
                   <a:schemeClr val="tx1"/>
                 </a:solidFill>
               </a:rPr>
-              <a:t>system</a:t>
+              <a:t>default</a:t>
             </a:r>
             <a:r>
               <a:rPr lang="de-DE" sz="1200" dirty="0">
@@ -12068,7 +12148,7 @@
                   <a:schemeClr val="tx1"/>
                 </a:solidFill>
               </a:rPr>
-              <a:t>repo</a:t>
+              <a:t>namespace</a:t>
             </a:r>
             <a:r>
               <a:rPr lang="de-DE" sz="1200" dirty="0">
@@ -12076,6 +12156,38 @@
                   <a:schemeClr val="tx1"/>
                 </a:solidFill>
               </a:rPr>
+              <a:t>, </a:t>
+            </a:r>
+            <a:r>
+              <a:rPr lang="de-DE" sz="1200" dirty="0" err="1">
+                <a:solidFill>
+                  <a:schemeClr val="tx1"/>
+                </a:solidFill>
+              </a:rPr>
+              <a:t>directs</a:t>
+            </a:r>
+            <a:r>
+              <a:rPr lang="de-DE" sz="1200" dirty="0">
+                <a:solidFill>
+                  <a:schemeClr val="tx1"/>
+                </a:solidFill>
+              </a:rPr>
+              <a:t> all </a:t>
+            </a:r>
+            <a:r>
+              <a:rPr lang="de-DE" sz="1200" dirty="0" err="1">
+                <a:solidFill>
+                  <a:schemeClr val="tx1"/>
+                </a:solidFill>
+              </a:rPr>
+              <a:t>client</a:t>
+            </a:r>
+            <a:r>
+              <a:rPr lang="de-DE" sz="1200" dirty="0">
+                <a:solidFill>
+                  <a:schemeClr val="tx1"/>
+                </a:solidFill>
+              </a:rPr>
               <a:t> </a:t>
             </a:r>
             <a:r>
@@ -12084,7 +12196,7 @@
                   <a:schemeClr val="tx1"/>
                 </a:solidFill>
               </a:rPr>
-              <a:t>the</a:t>
+              <a:t>ops</a:t>
             </a:r>
             <a:r>
               <a:rPr lang="de-DE" sz="1200" dirty="0">
@@ -12100,7 +12212,7 @@
                   <a:schemeClr val="tx1"/>
                 </a:solidFill>
               </a:rPr>
-              <a:t>repo</a:t>
+              <a:t>to</a:t>
             </a:r>
             <a:r>
               <a:rPr lang="de-DE" sz="1200" dirty="0">
@@ -12116,7 +12228,7 @@
                   <a:schemeClr val="tx1"/>
                 </a:solidFill>
               </a:rPr>
-              <a:t>root</a:t>
+              <a:t>provider</a:t>
             </a:r>
             <a:r>
               <a:rPr lang="de-DE" sz="1200" dirty="0">
@@ -12132,272 +12244,13 @@
                   <a:schemeClr val="tx1"/>
                 </a:solidFill>
               </a:rPr>
-              <a:t>directory</a:t>
-            </a:r>
-            <a:r>
-              <a:rPr lang="de-DE" sz="1200" dirty="0">
-                <a:solidFill>
-                  <a:schemeClr val="tx1"/>
-                </a:solidFill>
-              </a:rPr>
-              <a:t>, </a:t>
-            </a:r>
-            <a:r>
-              <a:rPr lang="de-DE" sz="1200" dirty="0" err="1">
-                <a:solidFill>
-                  <a:schemeClr val="tx1"/>
-                </a:solidFill>
-              </a:rPr>
-              <a:t>registers</a:t>
-            </a:r>
-            <a:r>
-              <a:rPr lang="de-DE" sz="1200" dirty="0">
-                <a:solidFill>
-                  <a:schemeClr val="tx1"/>
-                </a:solidFill>
-              </a:rPr>
-              <a:t> providers, </a:t>
-            </a:r>
-            <a:r>
-              <a:rPr lang="de-DE" sz="1200" dirty="0" err="1">
-                <a:solidFill>
-                  <a:schemeClr val="tx1"/>
-                </a:solidFill>
-              </a:rPr>
-              <a:t>manages</a:t>
-            </a:r>
-            <a:r>
-              <a:rPr lang="de-DE" sz="1200" dirty="0">
-                <a:solidFill>
-                  <a:schemeClr val="tx1"/>
-                </a:solidFill>
-              </a:rPr>
-              <a:t> </a:t>
-            </a:r>
-            <a:r>
-              <a:rPr lang="de-DE" sz="1200" dirty="0" err="1">
-                <a:solidFill>
-                  <a:schemeClr val="tx1"/>
-                </a:solidFill>
-              </a:rPr>
-              <a:t>namespaces</a:t>
-            </a:r>
-            <a:r>
-              <a:rPr lang="de-DE" sz="1200" dirty="0">
-                <a:solidFill>
-                  <a:schemeClr val="tx1"/>
-                </a:solidFill>
-              </a:rPr>
-              <a:t>, </a:t>
-            </a:r>
-            <a:r>
-              <a:rPr lang="de-DE" sz="1200" dirty="0" err="1">
-                <a:solidFill>
-                  <a:schemeClr val="tx1"/>
-                </a:solidFill>
-              </a:rPr>
-              <a:t>adds</a:t>
-            </a:r>
-            <a:r>
-              <a:rPr lang="de-DE" sz="1200" dirty="0">
-                <a:solidFill>
-                  <a:schemeClr val="tx1"/>
-                </a:solidFill>
-              </a:rPr>
-              <a:t> objects, </a:t>
-            </a:r>
-            <a:r>
-              <a:rPr lang="de-DE" sz="1200" dirty="0" err="1">
-                <a:solidFill>
-                  <a:schemeClr val="tx1"/>
-                </a:solidFill>
-              </a:rPr>
-              <a:t>compiles</a:t>
-            </a:r>
-            <a:r>
-              <a:rPr lang="de-DE" sz="1200" dirty="0">
-                <a:solidFill>
-                  <a:schemeClr val="tx1"/>
-                </a:solidFill>
-              </a:rPr>
-              <a:t> MOF, </a:t>
-            </a:r>
-            <a:r>
-              <a:rPr lang="de-DE" sz="1200" dirty="0" err="1">
-                <a:solidFill>
-                  <a:schemeClr val="tx1"/>
-                </a:solidFill>
-              </a:rPr>
-              <a:t>displays</a:t>
-            </a:r>
-            <a:r>
-              <a:rPr lang="de-DE" sz="1200" dirty="0">
-                <a:solidFill>
-                  <a:schemeClr val="tx1"/>
-                </a:solidFill>
-              </a:rPr>
-              <a:t> </a:t>
-            </a:r>
-            <a:r>
-              <a:rPr lang="de-DE" sz="1200" dirty="0" err="1">
-                <a:solidFill>
-                  <a:schemeClr val="tx1"/>
-                </a:solidFill>
-              </a:rPr>
-              <a:t>repository</a:t>
-            </a:r>
-            <a:r>
-              <a:rPr lang="de-DE" sz="1200" dirty="0">
-                <a:solidFill>
-                  <a:schemeClr val="tx1"/>
-                </a:solidFill>
-              </a:rPr>
-              <a:t>, </a:t>
-            </a:r>
-            <a:r>
-              <a:rPr lang="de-DE" sz="1200" dirty="0" err="1">
-                <a:solidFill>
-                  <a:schemeClr val="tx1"/>
-                </a:solidFill>
-              </a:rPr>
-              <a:t>defines</a:t>
-            </a:r>
-            <a:r>
-              <a:rPr lang="de-DE" sz="1200" dirty="0">
-                <a:solidFill>
-                  <a:schemeClr val="tx1"/>
-                </a:solidFill>
-              </a:rPr>
-              <a:t> </a:t>
-            </a:r>
-            <a:r>
-              <a:rPr lang="de-DE" sz="1200" dirty="0" err="1">
-                <a:solidFill>
-                  <a:schemeClr val="tx1"/>
-                </a:solidFill>
-              </a:rPr>
-              <a:t>default</a:t>
-            </a:r>
-            <a:r>
-              <a:rPr lang="de-DE" sz="1200" dirty="0">
-                <a:solidFill>
-                  <a:schemeClr val="tx1"/>
-                </a:solidFill>
-              </a:rPr>
-              <a:t> </a:t>
-            </a:r>
-            <a:r>
-              <a:rPr lang="de-DE" sz="1200" dirty="0" err="1">
-                <a:solidFill>
-                  <a:schemeClr val="tx1"/>
-                </a:solidFill>
-              </a:rPr>
-              <a:t>namespace</a:t>
-            </a:r>
-            <a:r>
-              <a:rPr lang="de-DE" sz="1200" dirty="0">
-                <a:solidFill>
-                  <a:schemeClr val="tx1"/>
-                </a:solidFill>
-              </a:rPr>
-              <a:t>, </a:t>
-            </a:r>
-            <a:r>
-              <a:rPr lang="de-DE" sz="1200" dirty="0" err="1">
-                <a:solidFill>
-                  <a:schemeClr val="tx1"/>
-                </a:solidFill>
-              </a:rPr>
-              <a:t>translates</a:t>
-            </a:r>
-            <a:r>
-              <a:rPr lang="de-DE" sz="1200" dirty="0">
-                <a:solidFill>
-                  <a:schemeClr val="tx1"/>
-                </a:solidFill>
-              </a:rPr>
-              <a:t> </a:t>
-            </a:r>
-            <a:r>
-              <a:rPr lang="de-DE" sz="1200" dirty="0" err="1">
-                <a:solidFill>
-                  <a:schemeClr val="tx1"/>
-                </a:solidFill>
-              </a:rPr>
-              <a:t>client</a:t>
-            </a:r>
-            <a:r>
-              <a:rPr lang="de-DE" sz="1200" dirty="0">
-                <a:solidFill>
-                  <a:schemeClr val="tx1"/>
-                </a:solidFill>
-              </a:rPr>
-              <a:t> </a:t>
-            </a:r>
-            <a:r>
-              <a:rPr lang="de-DE" sz="1200" dirty="0" err="1">
-                <a:solidFill>
-                  <a:schemeClr val="tx1"/>
-                </a:solidFill>
-              </a:rPr>
-              <a:t>ops</a:t>
-            </a:r>
-            <a:r>
-              <a:rPr lang="de-DE" sz="1200" dirty="0">
-                <a:solidFill>
-                  <a:schemeClr val="tx1"/>
-                </a:solidFill>
-              </a:rPr>
-              <a:t> </a:t>
-            </a:r>
-            <a:r>
-              <a:rPr lang="de-DE" sz="1200" dirty="0" err="1">
-                <a:solidFill>
-                  <a:schemeClr val="tx1"/>
-                </a:solidFill>
-              </a:rPr>
-              <a:t>into</a:t>
-            </a:r>
-            <a:r>
-              <a:rPr lang="de-DE" sz="1200" dirty="0">
-                <a:solidFill>
-                  <a:schemeClr val="tx1"/>
-                </a:solidFill>
-              </a:rPr>
-              <a:t> </a:t>
-            </a:r>
-            <a:r>
-              <a:rPr lang="de-DE" sz="1200" dirty="0" err="1">
-                <a:solidFill>
-                  <a:schemeClr val="tx1"/>
-                </a:solidFill>
-              </a:rPr>
-              <a:t>provider</a:t>
-            </a:r>
-            <a:r>
-              <a:rPr lang="de-DE" sz="1200" dirty="0">
-                <a:solidFill>
-                  <a:schemeClr val="tx1"/>
-                </a:solidFill>
-              </a:rPr>
-              <a:t> </a:t>
-            </a:r>
-            <a:r>
-              <a:rPr lang="de-DE" sz="1200" dirty="0" err="1">
-                <a:solidFill>
-                  <a:schemeClr val="tx1"/>
-                </a:solidFill>
-              </a:rPr>
-              <a:t>calls</a:t>
-            </a:r>
-            <a:r>
-              <a:rPr lang="de-DE" sz="1200" dirty="0">
-                <a:solidFill>
-                  <a:schemeClr val="tx1"/>
-                </a:solidFill>
-              </a:rPr>
-              <a:t> (CIMOM)</a:t>
-            </a:r>
+              <a:t>dispatcher</a:t>
+            </a:r>
+            <a:endParaRPr lang="de-DE" sz="1200" dirty="0">
+              <a:solidFill>
+                <a:schemeClr val="tx1"/>
+              </a:solidFill>
+            </a:endParaRPr>
           </a:p>
         </p:txBody>
       </p:sp>
@@ -12415,7 +12268,7 @@
         </p:nvSpPr>
         <p:spPr>
           <a:xfrm>
-            <a:off x="8794777" y="1700181"/>
+            <a:off x="8794777" y="1638537"/>
             <a:ext cx="2914814" cy="972222"/>
           </a:xfrm>
           <a:prstGeom prst="rect">
@@ -12524,8 +12377,8 @@
         </p:nvSpPr>
         <p:spPr>
           <a:xfrm>
-            <a:off x="10157726" y="2322514"/>
-            <a:ext cx="1551857" cy="349888"/>
+            <a:off x="8794778" y="2779293"/>
+            <a:ext cx="2912290" cy="349888"/>
           </a:xfrm>
           <a:prstGeom prst="rect">
             <a:avLst/>
@@ -12565,13 +12418,34 @@
           <a:p>
             <a:pPr algn="ctr"/>
             <a:r>
-              <a:rPr lang="de-DE" dirty="0">
-                <a:solidFill>
-                  <a:schemeClr val="tx1"/>
-                </a:solidFill>
-              </a:rPr>
-              <a:t>CIM-XML</a:t>
-            </a:r>
+              <a:rPr lang="de-DE" dirty="0" err="1">
+                <a:solidFill>
+                  <a:schemeClr val="tx1"/>
+                </a:solidFill>
+              </a:rPr>
+              <a:t>cim_xml</a:t>
+            </a:r>
+            <a:r>
+              <a:rPr lang="de-DE" dirty="0">
+                <a:solidFill>
+                  <a:schemeClr val="tx1"/>
+                </a:solidFill>
+              </a:rPr>
+              <a:t> / </a:t>
+            </a:r>
+            <a:r>
+              <a:rPr lang="de-DE" dirty="0" err="1">
+                <a:solidFill>
+                  <a:schemeClr val="tx1"/>
+                </a:solidFill>
+              </a:rPr>
+              <a:t>tupleparse</a:t>
+            </a:r>
+            <a:endParaRPr lang="de-DE" dirty="0">
+              <a:solidFill>
+                <a:schemeClr val="tx1"/>
+              </a:solidFill>
+            </a:endParaRPr>
           </a:p>
         </p:txBody>
       </p:sp>
@@ -12589,8 +12463,8 @@
         </p:nvSpPr>
         <p:spPr>
           <a:xfrm>
-            <a:off x="4839632" y="3927382"/>
-            <a:ext cx="3293071" cy="755129"/>
+            <a:off x="4538312" y="4750078"/>
+            <a:ext cx="1489248" cy="272826"/>
           </a:xfrm>
           <a:prstGeom prst="rect">
             <a:avLst/>
@@ -12630,135 +12504,12 @@
           <a:p>
             <a:pPr algn="ctr"/>
             <a:r>
-              <a:rPr lang="de-DE" dirty="0">
+              <a:rPr lang="de-DE" sz="1400" dirty="0">
                 <a:solidFill>
                   <a:schemeClr val="tx1"/>
                 </a:solidFill>
               </a:rPr>
               <a:t>&lt;User Provider&gt;</a:t>
-            </a:r>
-          </a:p>
-          <a:p>
-            <a:pPr algn="ctr"/>
-            <a:r>
-              <a:rPr lang="de-DE" sz="1200" dirty="0" err="1">
-                <a:solidFill>
-                  <a:schemeClr val="tx1"/>
-                </a:solidFill>
-              </a:rPr>
-              <a:t>Specific</a:t>
-            </a:r>
-            <a:r>
-              <a:rPr lang="de-DE" sz="1200" dirty="0">
-                <a:solidFill>
-                  <a:schemeClr val="tx1"/>
-                </a:solidFill>
-              </a:rPr>
-              <a:t> </a:t>
-            </a:r>
-            <a:r>
-              <a:rPr lang="de-DE" sz="1200" dirty="0" err="1">
-                <a:solidFill>
-                  <a:schemeClr val="tx1"/>
-                </a:solidFill>
-              </a:rPr>
-              <a:t>implementation</a:t>
-            </a:r>
-            <a:r>
-              <a:rPr lang="de-DE" sz="1200" dirty="0">
-                <a:solidFill>
-                  <a:schemeClr val="tx1"/>
-                </a:solidFill>
-              </a:rPr>
-              <a:t> </a:t>
-            </a:r>
-            <a:r>
-              <a:rPr lang="de-DE" sz="1200" dirty="0" err="1">
-                <a:solidFill>
-                  <a:schemeClr val="tx1"/>
-                </a:solidFill>
-              </a:rPr>
-              <a:t>of</a:t>
-            </a:r>
-            <a:r>
-              <a:rPr lang="de-DE" sz="1200" dirty="0">
-                <a:solidFill>
-                  <a:schemeClr val="tx1"/>
-                </a:solidFill>
-              </a:rPr>
-              <a:t> </a:t>
-            </a:r>
-            <a:r>
-              <a:rPr lang="en-US" sz="1200" dirty="0">
-                <a:solidFill>
-                  <a:schemeClr val="tx1"/>
-                </a:solidFill>
-              </a:rPr>
-              <a:t>create, delete, modify, </a:t>
-            </a:r>
-            <a:r>
-              <a:rPr lang="en-US" sz="1200" dirty="0" err="1">
-                <a:solidFill>
-                  <a:schemeClr val="tx1"/>
-                </a:solidFill>
-              </a:rPr>
-              <a:t>invokemethod</a:t>
-            </a:r>
-            <a:r>
-              <a:rPr lang="en-US" sz="1200" dirty="0">
-                <a:solidFill>
-                  <a:schemeClr val="tx1"/>
-                </a:solidFill>
-              </a:rPr>
-              <a:t> </a:t>
-            </a:r>
-            <a:r>
-              <a:rPr lang="de-DE" sz="1200" dirty="0" err="1">
-                <a:solidFill>
-                  <a:schemeClr val="tx1"/>
-                </a:solidFill>
-              </a:rPr>
-              <a:t>ops</a:t>
-            </a:r>
-            <a:r>
-              <a:rPr lang="de-DE" sz="1200" dirty="0">
-                <a:solidFill>
-                  <a:schemeClr val="tx1"/>
-                </a:solidFill>
-              </a:rPr>
-              <a:t> </a:t>
-            </a:r>
-            <a:r>
-              <a:rPr lang="de-DE" sz="1200" dirty="0" err="1">
-                <a:solidFill>
-                  <a:schemeClr val="tx1"/>
-                </a:solidFill>
-              </a:rPr>
-              <a:t>for</a:t>
-            </a:r>
-            <a:r>
-              <a:rPr lang="de-DE" sz="1200" dirty="0">
-                <a:solidFill>
-                  <a:schemeClr val="tx1"/>
-                </a:solidFill>
-              </a:rPr>
-              <a:t> a registered </a:t>
-            </a:r>
-            <a:r>
-              <a:rPr lang="de-DE" sz="1200" dirty="0" err="1">
-                <a:solidFill>
-                  <a:schemeClr val="tx1"/>
-                </a:solidFill>
-              </a:rPr>
-              <a:t>class</a:t>
-            </a:r>
-            <a:r>
-              <a:rPr lang="de-DE" sz="1200" dirty="0">
-                <a:solidFill>
-                  <a:schemeClr val="tx1"/>
-                </a:solidFill>
-              </a:rPr>
-              <a:t> </a:t>
             </a:r>
           </a:p>
         </p:txBody>
@@ -12777,8 +12528,8 @@
         </p:nvSpPr>
         <p:spPr>
           <a:xfrm>
-            <a:off x="3716422" y="2848032"/>
-            <a:ext cx="4416286" cy="755129"/>
+            <a:off x="2904053" y="3744878"/>
+            <a:ext cx="3123507" cy="756954"/>
           </a:xfrm>
           <a:prstGeom prst="rect">
             <a:avLst/>
@@ -12818,12 +12569,20 @@
           <a:p>
             <a:pPr algn="ctr"/>
             <a:r>
-              <a:rPr lang="de-DE" dirty="0">
-                <a:solidFill>
-                  <a:schemeClr val="tx1"/>
-                </a:solidFill>
-              </a:rPr>
-              <a:t>BaseInstanceProvider </a:t>
+              <a:rPr lang="de-DE" dirty="0" err="1">
+                <a:solidFill>
+                  <a:schemeClr val="tx1"/>
+                </a:solidFill>
+              </a:rPr>
+              <a:t>InstanceWriteProvider</a:t>
+            </a:r>
+            <a:r>
+              <a:rPr lang="de-DE" dirty="0">
+                <a:solidFill>
+                  <a:schemeClr val="tx1"/>
+                </a:solidFill>
+              </a:rPr>
+              <a:t> </a:t>
             </a:r>
           </a:p>
           <a:p>
@@ -12858,7 +12617,7 @@
                   <a:schemeClr val="tx1"/>
                 </a:solidFill>
               </a:rPr>
-              <a:t>of</a:t>
+              <a:t>and</a:t>
             </a:r>
             <a:r>
               <a:rPr lang="de-DE" sz="1200" dirty="0">
@@ -12874,6 +12633,102 @@
                   <a:schemeClr val="tx1"/>
                 </a:solidFill>
               </a:rPr>
+              <a:t>base</a:t>
+            </a:r>
+            <a:r>
+              <a:rPr lang="de-DE" sz="1200" dirty="0">
+                <a:solidFill>
+                  <a:schemeClr val="tx1"/>
+                </a:solidFill>
+              </a:rPr>
+              <a:t> </a:t>
+            </a:r>
+            <a:r>
+              <a:rPr lang="de-DE" sz="1200" dirty="0" err="1">
+                <a:solidFill>
+                  <a:schemeClr val="tx1"/>
+                </a:solidFill>
+              </a:rPr>
+              <a:t>class</a:t>
+            </a:r>
+            <a:r>
+              <a:rPr lang="de-DE" sz="1200" dirty="0">
+                <a:solidFill>
+                  <a:schemeClr val="tx1"/>
+                </a:solidFill>
+              </a:rPr>
+              <a:t> </a:t>
+            </a:r>
+            <a:r>
+              <a:rPr lang="de-DE" sz="1200" dirty="0" err="1">
+                <a:solidFill>
+                  <a:schemeClr val="tx1"/>
+                </a:solidFill>
+              </a:rPr>
+              <a:t>for</a:t>
+            </a:r>
+            <a:r>
+              <a:rPr lang="de-DE" sz="1200" dirty="0">
+                <a:solidFill>
+                  <a:schemeClr val="tx1"/>
+                </a:solidFill>
+              </a:rPr>
+              <a:t> </a:t>
+            </a:r>
+            <a:r>
+              <a:rPr lang="de-DE" sz="1200" dirty="0" err="1">
+                <a:solidFill>
+                  <a:schemeClr val="tx1"/>
+                </a:solidFill>
+              </a:rPr>
+              <a:t>user</a:t>
+            </a:r>
+            <a:r>
+              <a:rPr lang="de-DE" sz="1200" dirty="0">
+                <a:solidFill>
+                  <a:schemeClr val="tx1"/>
+                </a:solidFill>
+              </a:rPr>
+              <a:t> </a:t>
+            </a:r>
+            <a:r>
+              <a:rPr lang="de-DE" sz="1200" dirty="0" err="1">
+                <a:solidFill>
+                  <a:schemeClr val="tx1"/>
+                </a:solidFill>
+              </a:rPr>
+              <a:t>providers</a:t>
+            </a:r>
+            <a:r>
+              <a:rPr lang="de-DE" sz="1200" dirty="0">
+                <a:solidFill>
+                  <a:schemeClr val="tx1"/>
+                </a:solidFill>
+              </a:rPr>
+              <a:t> </a:t>
+            </a:r>
+            <a:r>
+              <a:rPr lang="de-DE" sz="1200" dirty="0" err="1">
+                <a:solidFill>
+                  <a:schemeClr val="tx1"/>
+                </a:solidFill>
+              </a:rPr>
+              <a:t>for</a:t>
+            </a:r>
+            <a:r>
+              <a:rPr lang="de-DE" sz="1200" dirty="0">
+                <a:solidFill>
+                  <a:schemeClr val="tx1"/>
+                </a:solidFill>
+              </a:rPr>
+              <a:t> </a:t>
+            </a:r>
+            <a:r>
+              <a:rPr lang="de-DE" sz="1200" dirty="0" err="1">
+                <a:solidFill>
+                  <a:schemeClr val="tx1"/>
+                </a:solidFill>
+              </a:rPr>
               <a:t>instance</a:t>
             </a:r>
             <a:r>
@@ -12914,85 +12769,8 @@
                   <a:schemeClr val="tx1"/>
                 </a:solidFill>
               </a:rPr>
-              <a:t>, </a:t>
-            </a:r>
-            <a:r>
-              <a:rPr lang="de-DE" sz="1200" dirty="0" err="1">
-                <a:solidFill>
-                  <a:schemeClr val="tx1"/>
-                </a:solidFill>
-              </a:rPr>
-              <a:t>invokemethod</a:t>
-            </a:r>
-            <a:r>
-              <a:rPr lang="de-DE" sz="1200" dirty="0">
-                <a:solidFill>
-                  <a:schemeClr val="tx1"/>
-                </a:solidFill>
-              </a:rPr>
               <a:t> </a:t>
             </a:r>
-            <a:r>
-              <a:rPr lang="de-DE" sz="1200" dirty="0" err="1">
-                <a:solidFill>
-                  <a:schemeClr val="tx1"/>
-                </a:solidFill>
-              </a:rPr>
-              <a:t>ops</a:t>
-            </a:r>
-            <a:r>
-              <a:rPr lang="de-DE" sz="1200" dirty="0">
-                <a:solidFill>
-                  <a:schemeClr val="tx1"/>
-                </a:solidFill>
-              </a:rPr>
-              <a:t>, </a:t>
-            </a:r>
-            <a:r>
-              <a:rPr lang="de-DE" sz="1200" dirty="0" err="1">
-                <a:solidFill>
-                  <a:schemeClr val="tx1"/>
-                </a:solidFill>
-              </a:rPr>
-              <a:t>generic</a:t>
-            </a:r>
-            <a:r>
-              <a:rPr lang="de-DE" sz="1200" dirty="0">
-                <a:solidFill>
-                  <a:schemeClr val="tx1"/>
-                </a:solidFill>
-              </a:rPr>
-              <a:t> </a:t>
-            </a:r>
-            <a:r>
-              <a:rPr lang="de-DE" sz="1200" dirty="0" err="1">
-                <a:solidFill>
-                  <a:schemeClr val="tx1"/>
-                </a:solidFill>
-              </a:rPr>
-              <a:t>for</a:t>
-            </a:r>
-            <a:r>
-              <a:rPr lang="de-DE" sz="1200" dirty="0">
-                <a:solidFill>
-                  <a:schemeClr val="tx1"/>
-                </a:solidFill>
-              </a:rPr>
-              <a:t> all </a:t>
-            </a:r>
-            <a:r>
-              <a:rPr lang="de-DE" sz="1200" dirty="0" err="1">
-                <a:solidFill>
-                  <a:schemeClr val="tx1"/>
-                </a:solidFill>
-              </a:rPr>
-              <a:t>classes</a:t>
-            </a:r>
-            <a:endParaRPr lang="de-DE" sz="1200" dirty="0">
-              <a:solidFill>
-                <a:schemeClr val="tx1"/>
-              </a:solidFill>
-            </a:endParaRPr>
           </a:p>
         </p:txBody>
       </p:sp>
@@ -13010,8 +12788,8 @@
         </p:nvSpPr>
         <p:spPr>
           <a:xfrm>
-            <a:off x="527602" y="243887"/>
-            <a:ext cx="2350323" cy="369332"/>
+            <a:off x="309985" y="202917"/>
+            <a:ext cx="2467342" cy="369332"/>
           </a:xfrm>
           <a:prstGeom prst="rect">
             <a:avLst/>
@@ -13025,8 +12803,12 @@
           <a:lstStyle/>
           <a:p>
             <a:r>
+              <a:rPr lang="de-DE" dirty="0" err="1"/>
+              <a:t>Discussion</a:t>
+            </a:r>
+            <a:r>
               <a:rPr lang="de-DE" dirty="0"/>
-              <a:t>Discussion 5 April 2020</a:t>
+              <a:t> 29 April 2020</a:t>
             </a:r>
           </a:p>
         </p:txBody>
@@ -13045,8 +12827,8 @@
         </p:nvSpPr>
         <p:spPr>
           <a:xfrm>
-            <a:off x="8365839" y="4185598"/>
-            <a:ext cx="3690177" cy="830997"/>
+            <a:off x="8486215" y="4185598"/>
+            <a:ext cx="3705785" cy="830997"/>
           </a:xfrm>
           <a:prstGeom prst="rect">
             <a:avLst/>
@@ -13054,7 +12836,7 @@
           <a:noFill/>
         </p:spPr>
         <p:txBody>
-          <a:bodyPr wrap="none" rtlCol="0">
+          <a:bodyPr wrap="square" rtlCol="0">
             <a:spAutoFit/>
           </a:bodyPr>
           <a:lstStyle/>
@@ -13110,13 +12892,13 @@
         </p:nvSpPr>
         <p:spPr>
           <a:xfrm>
-            <a:off x="2927977" y="707152"/>
+            <a:off x="2901589" y="371917"/>
             <a:ext cx="2704961" cy="518098"/>
           </a:xfrm>
           <a:prstGeom prst="wedgeRoundRectCallout">
             <a:avLst>
-              <a:gd name="adj1" fmla="val 65249"/>
-              <a:gd name="adj2" fmla="val 109184"/>
+              <a:gd name="adj1" fmla="val 67908"/>
+              <a:gd name="adj2" fmla="val 140259"/>
               <a:gd name="adj3" fmla="val 16667"/>
             </a:avLst>
           </a:prstGeom>
@@ -13172,8 +12954,8 @@
         </p:nvSpPr>
         <p:spPr>
           <a:xfrm>
-            <a:off x="460696" y="2846207"/>
-            <a:ext cx="3040751" cy="756954"/>
+            <a:off x="460697" y="3744877"/>
+            <a:ext cx="2342964" cy="756954"/>
           </a:xfrm>
           <a:prstGeom prst="rect">
             <a:avLst/>
@@ -13329,23 +13111,22 @@
       </p:sp>
       <p:cxnSp>
         <p:nvCxnSpPr>
-          <p:cNvPr id="37" name="Straight Arrow Connector 36">
-            <a:extLst>
-              <a:ext uri="{FF2B5EF4-FFF2-40B4-BE49-F238E27FC236}">
-                <a16:creationId xmlns:a16="http://schemas.microsoft.com/office/drawing/2014/main" id="{B7FAA196-D655-4C4A-A0EE-1527313FA31B}"/>
+          <p:cNvPr id="39" name="Straight Arrow Connector 38">
+            <a:extLst>
+              <a:ext uri="{FF2B5EF4-FFF2-40B4-BE49-F238E27FC236}">
+                <a16:creationId xmlns:a16="http://schemas.microsoft.com/office/drawing/2014/main" id="{AEE343A2-E45D-40D5-BC8C-8E8F9B0CE8DE}"/>
               </a:ext>
             </a:extLst>
           </p:cNvPr>
           <p:cNvCxnSpPr>
             <a:cxnSpLocks/>
-            <a:endCxn id="25" idx="0"/>
           </p:cNvCxnSpPr>
           <p:nvPr/>
         </p:nvCxnSpPr>
         <p:spPr>
           <a:xfrm>
-            <a:off x="1981072" y="2522788"/>
-            <a:ext cx="0" cy="323419"/>
+            <a:off x="4329663" y="2866322"/>
+            <a:ext cx="0" cy="213817"/>
           </a:xfrm>
           <a:prstGeom prst="straightConnector1">
             <a:avLst/>
@@ -13374,23 +13155,22 @@
       </p:cxnSp>
       <p:cxnSp>
         <p:nvCxnSpPr>
-          <p:cNvPr id="39" name="Straight Arrow Connector 38">
-            <a:extLst>
-              <a:ext uri="{FF2B5EF4-FFF2-40B4-BE49-F238E27FC236}">
-                <a16:creationId xmlns:a16="http://schemas.microsoft.com/office/drawing/2014/main" id="{AEE343A2-E45D-40D5-BC8C-8E8F9B0CE8DE}"/>
+          <p:cNvPr id="44" name="Straight Arrow Connector 43">
+            <a:extLst>
+              <a:ext uri="{FF2B5EF4-FFF2-40B4-BE49-F238E27FC236}">
+                <a16:creationId xmlns:a16="http://schemas.microsoft.com/office/drawing/2014/main" id="{F9603B37-26AA-49AB-A362-509AB90999AA}"/>
               </a:ext>
             </a:extLst>
           </p:cNvPr>
           <p:cNvCxnSpPr>
             <a:cxnSpLocks/>
-            <a:endCxn id="19" idx="0"/>
           </p:cNvCxnSpPr>
           <p:nvPr/>
         </p:nvCxnSpPr>
         <p:spPr>
           <a:xfrm>
-            <a:off x="5924565" y="2522788"/>
-            <a:ext cx="0" cy="325244"/>
+            <a:off x="3698696" y="4495824"/>
+            <a:ext cx="0" cy="761235"/>
           </a:xfrm>
           <a:prstGeom prst="straightConnector1">
             <a:avLst/>
@@ -13417,96 +13197,6 @@
           </a:fontRef>
         </p:style>
       </p:cxnSp>
-      <p:cxnSp>
-        <p:nvCxnSpPr>
-          <p:cNvPr id="42" name="Straight Arrow Connector 41">
-            <a:extLst>
-              <a:ext uri="{FF2B5EF4-FFF2-40B4-BE49-F238E27FC236}">
-                <a16:creationId xmlns:a16="http://schemas.microsoft.com/office/drawing/2014/main" id="{F741E4DF-D753-446A-87BF-1C306BF096FC}"/>
-              </a:ext>
-            </a:extLst>
-          </p:cNvPr>
-          <p:cNvCxnSpPr>
-            <a:cxnSpLocks/>
-            <a:stCxn id="25" idx="2"/>
-          </p:cNvCxnSpPr>
-          <p:nvPr/>
-        </p:nvCxnSpPr>
-        <p:spPr>
-          <a:xfrm flipH="1">
-            <a:off x="1981071" y="3603161"/>
-            <a:ext cx="1" cy="1392216"/>
-          </a:xfrm>
-          <a:prstGeom prst="straightConnector1">
-            <a:avLst/>
-          </a:prstGeom>
-          <a:ln>
-            <a:solidFill>
-              <a:schemeClr val="tx1"/>
-            </a:solidFill>
-            <a:tailEnd type="stealth" w="med" len="lg"/>
-          </a:ln>
-        </p:spPr>
-        <p:style>
-          <a:lnRef idx="1">
-            <a:schemeClr val="accent1"/>
-          </a:lnRef>
-          <a:fillRef idx="0">
-            <a:schemeClr val="accent1"/>
-          </a:fillRef>
-          <a:effectRef idx="0">
-            <a:schemeClr val="accent1"/>
-          </a:effectRef>
-          <a:fontRef idx="minor">
-            <a:schemeClr val="tx1"/>
-          </a:fontRef>
-        </p:style>
-      </p:cxnSp>
-      <p:cxnSp>
-        <p:nvCxnSpPr>
-          <p:cNvPr id="44" name="Straight Arrow Connector 43">
-            <a:extLst>
-              <a:ext uri="{FF2B5EF4-FFF2-40B4-BE49-F238E27FC236}">
-                <a16:creationId xmlns:a16="http://schemas.microsoft.com/office/drawing/2014/main" id="{F9603B37-26AA-49AB-A362-509AB90999AA}"/>
-              </a:ext>
-            </a:extLst>
-          </p:cNvPr>
-          <p:cNvCxnSpPr>
-            <a:cxnSpLocks/>
-            <a:endCxn id="50" idx="0"/>
-          </p:cNvCxnSpPr>
-          <p:nvPr/>
-        </p:nvCxnSpPr>
-        <p:spPr>
-          <a:xfrm>
-            <a:off x="4296697" y="3603161"/>
-            <a:ext cx="0" cy="1392216"/>
-          </a:xfrm>
-          <a:prstGeom prst="straightConnector1">
-            <a:avLst/>
-          </a:prstGeom>
-          <a:ln>
-            <a:solidFill>
-              <a:schemeClr val="tx1"/>
-            </a:solidFill>
-            <a:tailEnd type="stealth" w="med" len="lg"/>
-          </a:ln>
-        </p:spPr>
-        <p:style>
-          <a:lnRef idx="1">
-            <a:schemeClr val="accent1"/>
-          </a:lnRef>
-          <a:fillRef idx="0">
-            <a:schemeClr val="accent1"/>
-          </a:fillRef>
-          <a:effectRef idx="0">
-            <a:schemeClr val="accent1"/>
-          </a:effectRef>
-          <a:fontRef idx="minor">
-            <a:schemeClr val="tx1"/>
-          </a:fontRef>
-        </p:style>
-      </p:cxnSp>
       <p:sp>
         <p:nvSpPr>
           <p:cNvPr id="3" name="Date Placeholder 2">
@@ -13523,16 +13213,21 @@
             <p:ph type="dt" sz="half" idx="10"/>
           </p:nvPr>
         </p:nvSpPr>
-        <p:spPr/>
+        <p:spPr>
+          <a:xfrm>
+            <a:off x="326617" y="6377125"/>
+            <a:ext cx="2743200" cy="365125"/>
+          </a:xfrm>
+        </p:spPr>
         <p:txBody>
           <a:bodyPr/>
           <a:lstStyle/>
           <a:p>
             <a:fld id="{8BA880BD-A575-42CB-9D5B-E3294FC391E7}" type="datetime1">
               <a:rPr lang="de-DE" smtClean="0"/>
-              <a:t>06.04.20</a:t>
+              <a:t>29.04.20</a:t>
             </a:fld>
-            <a:endParaRPr lang="de-DE"/>
+            <a:endParaRPr lang="de-DE" dirty="0"/>
           </a:p>
         </p:txBody>
       </p:sp>
@@ -13584,7 +13279,7 @@
         </p:nvSpPr>
         <p:spPr>
           <a:xfrm>
-            <a:off x="460695" y="4995377"/>
+            <a:off x="460695" y="5257059"/>
             <a:ext cx="7672003" cy="756954"/>
           </a:xfrm>
           <a:prstGeom prst="rect">
@@ -13880,8 +13575,8 @@
         </p:nvCxnSpPr>
         <p:spPr>
           <a:xfrm flipV="1">
-            <a:off x="2803660" y="5752331"/>
-            <a:ext cx="0" cy="305182"/>
+            <a:off x="2803660" y="6014013"/>
+            <a:ext cx="0" cy="259462"/>
           </a:xfrm>
           <a:prstGeom prst="straightConnector1">
             <a:avLst/>
@@ -13925,8 +13620,8 @@
         </p:nvCxnSpPr>
         <p:spPr>
           <a:xfrm>
-            <a:off x="6486168" y="4682511"/>
-            <a:ext cx="0" cy="335168"/>
+            <a:off x="5282936" y="5022904"/>
+            <a:ext cx="0" cy="255373"/>
           </a:xfrm>
           <a:prstGeom prst="straightConnector1">
             <a:avLst/>
@@ -13969,9 +13664,9 @@
           <p:nvPr/>
         </p:nvCxnSpPr>
         <p:spPr>
-          <a:xfrm flipV="1">
-            <a:off x="5807311" y="5752331"/>
-            <a:ext cx="0" cy="305182"/>
+          <a:xfrm flipH="1" flipV="1">
+            <a:off x="5457989" y="6014013"/>
+            <a:ext cx="1" cy="259461"/>
           </a:xfrm>
           <a:prstGeom prst="straightConnector1">
             <a:avLst/>
@@ -14015,8 +13710,8 @@
         </p:nvCxnSpPr>
         <p:spPr>
           <a:xfrm flipV="1">
-            <a:off x="6486168" y="3603161"/>
-            <a:ext cx="0" cy="324221"/>
+            <a:off x="5282936" y="4495824"/>
+            <a:ext cx="0" cy="254254"/>
           </a:xfrm>
           <a:prstGeom prst="straightConnector1">
             <a:avLst/>
@@ -14061,7 +13756,7 @@
         <p:spPr>
           <a:xfrm>
             <a:off x="10732828" y="1370595"/>
-            <a:ext cx="0" cy="328326"/>
+            <a:ext cx="0" cy="267942"/>
           </a:xfrm>
           <a:prstGeom prst="straightConnector1">
             <a:avLst/>
@@ -14266,51 +13961,6 @@
       </p:sp>
       <p:cxnSp>
         <p:nvCxnSpPr>
-          <p:cNvPr id="102" name="Straight Arrow Connector 101">
-            <a:extLst>
-              <a:ext uri="{FF2B5EF4-FFF2-40B4-BE49-F238E27FC236}">
-                <a16:creationId xmlns:a16="http://schemas.microsoft.com/office/drawing/2014/main" id="{2CBDC088-01B0-C14A-AC19-D7A7273655C8}"/>
-              </a:ext>
-            </a:extLst>
-          </p:cNvPr>
-          <p:cNvCxnSpPr>
-            <a:cxnSpLocks/>
-            <a:stCxn id="101" idx="2"/>
-          </p:cNvCxnSpPr>
-          <p:nvPr/>
-        </p:nvCxnSpPr>
-        <p:spPr>
-          <a:xfrm>
-            <a:off x="6959607" y="749662"/>
-            <a:ext cx="7392" cy="980797"/>
-          </a:xfrm>
-          <a:prstGeom prst="straightConnector1">
-            <a:avLst/>
-          </a:prstGeom>
-          <a:ln>
-            <a:solidFill>
-              <a:schemeClr val="tx1"/>
-            </a:solidFill>
-            <a:tailEnd type="stealth" w="med" len="lg"/>
-          </a:ln>
-        </p:spPr>
-        <p:style>
-          <a:lnRef idx="1">
-            <a:schemeClr val="accent1"/>
-          </a:lnRef>
-          <a:fillRef idx="0">
-            <a:schemeClr val="accent1"/>
-          </a:fillRef>
-          <a:effectRef idx="0">
-            <a:schemeClr val="accent1"/>
-          </a:effectRef>
-          <a:fontRef idx="minor">
-            <a:schemeClr val="tx1"/>
-          </a:fontRef>
-        </p:style>
-      </p:cxnSp>
-      <p:cxnSp>
-        <p:nvCxnSpPr>
           <p:cNvPr id="105" name="Straight Arrow Connector 104">
             <a:extLst>
               <a:ext uri="{FF2B5EF4-FFF2-40B4-BE49-F238E27FC236}">
@@ -14327,52 +13977,7 @@
         <p:spPr>
           <a:xfrm>
             <a:off x="8786124" y="755656"/>
-            <a:ext cx="673262" cy="939188"/>
-          </a:xfrm>
-          <a:prstGeom prst="straightConnector1">
-            <a:avLst/>
-          </a:prstGeom>
-          <a:ln>
-            <a:solidFill>
-              <a:schemeClr val="tx1"/>
-            </a:solidFill>
-            <a:tailEnd type="stealth" w="med" len="lg"/>
-          </a:ln>
-        </p:spPr>
-        <p:style>
-          <a:lnRef idx="1">
-            <a:schemeClr val="accent1"/>
-          </a:lnRef>
-          <a:fillRef idx="0">
-            <a:schemeClr val="accent1"/>
-          </a:fillRef>
-          <a:effectRef idx="0">
-            <a:schemeClr val="accent1"/>
-          </a:effectRef>
-          <a:fontRef idx="minor">
-            <a:schemeClr val="tx1"/>
-          </a:fontRef>
-        </p:style>
-      </p:cxnSp>
-      <p:cxnSp>
-        <p:nvCxnSpPr>
-          <p:cNvPr id="116" name="Straight Arrow Connector 115">
-            <a:extLst>
-              <a:ext uri="{FF2B5EF4-FFF2-40B4-BE49-F238E27FC236}">
-                <a16:creationId xmlns:a16="http://schemas.microsoft.com/office/drawing/2014/main" id="{A115013E-4416-0C4B-82AA-4E31FD3A7E37}"/>
-              </a:ext>
-            </a:extLst>
-          </p:cNvPr>
-          <p:cNvCxnSpPr>
-            <a:cxnSpLocks/>
-            <a:stCxn id="11" idx="2"/>
-          </p:cNvCxnSpPr>
-          <p:nvPr/>
-        </p:nvCxnSpPr>
-        <p:spPr>
-          <a:xfrm flipH="1">
-            <a:off x="7689496" y="1370595"/>
-            <a:ext cx="3043332" cy="329585"/>
+            <a:ext cx="598624" cy="882881"/>
           </a:xfrm>
           <a:prstGeom prst="straightConnector1">
             <a:avLst/>
@@ -14461,23 +14066,23 @@
       </p:sp>
       <p:cxnSp>
         <p:nvCxnSpPr>
-          <p:cNvPr id="164" name="Straight Arrow Connector 163">
-            <a:extLst>
-              <a:ext uri="{FF2B5EF4-FFF2-40B4-BE49-F238E27FC236}">
-                <a16:creationId xmlns:a16="http://schemas.microsoft.com/office/drawing/2014/main" id="{A572ED0C-BC4D-5746-8E80-C357C81339A8}"/>
+          <p:cNvPr id="167" name="Straight Arrow Connector 166">
+            <a:extLst>
+              <a:ext uri="{FF2B5EF4-FFF2-40B4-BE49-F238E27FC236}">
+                <a16:creationId xmlns:a16="http://schemas.microsoft.com/office/drawing/2014/main" id="{BB4286E7-9A9E-9E4E-A5B6-F31710DB405C}"/>
               </a:ext>
             </a:extLst>
           </p:cNvPr>
           <p:cNvCxnSpPr>
             <a:cxnSpLocks/>
-            <a:stCxn id="154" idx="2"/>
+            <a:stCxn id="101" idx="2"/>
           </p:cNvCxnSpPr>
           <p:nvPr/>
         </p:nvCxnSpPr>
         <p:spPr>
-          <a:xfrm flipH="1">
-            <a:off x="7292441" y="755656"/>
-            <a:ext cx="1493683" cy="951176"/>
+          <a:xfrm>
+            <a:off x="6959607" y="749662"/>
+            <a:ext cx="2149866" cy="882881"/>
           </a:xfrm>
           <a:prstGeom prst="straightConnector1">
             <a:avLst/>
@@ -14506,69 +14111,22 @@
       </p:cxnSp>
       <p:cxnSp>
         <p:nvCxnSpPr>
-          <p:cNvPr id="167" name="Straight Arrow Connector 166">
-            <a:extLst>
-              <a:ext uri="{FF2B5EF4-FFF2-40B4-BE49-F238E27FC236}">
-                <a16:creationId xmlns:a16="http://schemas.microsoft.com/office/drawing/2014/main" id="{BB4286E7-9A9E-9E4E-A5B6-F31710DB405C}"/>
+          <p:cNvPr id="179" name="Straight Arrow Connector 178">
+            <a:extLst>
+              <a:ext uri="{FF2B5EF4-FFF2-40B4-BE49-F238E27FC236}">
+                <a16:creationId xmlns:a16="http://schemas.microsoft.com/office/drawing/2014/main" id="{5076A7BF-B6CF-E14F-B614-D3C8B240309D}"/>
               </a:ext>
             </a:extLst>
           </p:cNvPr>
           <p:cNvCxnSpPr>
             <a:cxnSpLocks/>
-            <a:stCxn id="101" idx="2"/>
           </p:cNvCxnSpPr>
           <p:nvPr/>
         </p:nvCxnSpPr>
         <p:spPr>
-          <a:xfrm>
-            <a:off x="6959607" y="749662"/>
-            <a:ext cx="2194680" cy="949259"/>
-          </a:xfrm>
-          <a:prstGeom prst="straightConnector1">
-            <a:avLst/>
-          </a:prstGeom>
-          <a:ln>
-            <a:solidFill>
-              <a:schemeClr val="tx1"/>
-            </a:solidFill>
-            <a:tailEnd type="stealth" w="med" len="lg"/>
-          </a:ln>
-        </p:spPr>
-        <p:style>
-          <a:lnRef idx="1">
-            <a:schemeClr val="accent1"/>
-          </a:lnRef>
-          <a:fillRef idx="0">
-            <a:schemeClr val="accent1"/>
-          </a:fillRef>
-          <a:effectRef idx="0">
-            <a:schemeClr val="accent1"/>
-          </a:effectRef>
-          <a:fontRef idx="minor">
-            <a:schemeClr val="tx1"/>
-          </a:fontRef>
-        </p:style>
-      </p:cxnSp>
-      <p:cxnSp>
-        <p:nvCxnSpPr>
-          <p:cNvPr id="179" name="Straight Arrow Connector 178">
-            <a:extLst>
-              <a:ext uri="{FF2B5EF4-FFF2-40B4-BE49-F238E27FC236}">
-                <a16:creationId xmlns:a16="http://schemas.microsoft.com/office/drawing/2014/main" id="{5076A7BF-B6CF-E14F-B614-D3C8B240309D}"/>
-              </a:ext>
-            </a:extLst>
-          </p:cNvPr>
-          <p:cNvCxnSpPr>
-            <a:cxnSpLocks/>
-            <a:stCxn id="12" idx="3"/>
-            <a:endCxn id="14" idx="1"/>
-          </p:cNvCxnSpPr>
-          <p:nvPr/>
-        </p:nvCxnSpPr>
-        <p:spPr>
-          <a:xfrm>
-            <a:off x="8132717" y="2111813"/>
-            <a:ext cx="662060" cy="74479"/>
+          <a:xfrm flipV="1">
+            <a:off x="8132717" y="1960762"/>
+            <a:ext cx="662060" cy="1652"/>
           </a:xfrm>
           <a:prstGeom prst="straightConnector1">
             <a:avLst/>
@@ -14609,8 +14167,8 @@
         </p:nvSpPr>
         <p:spPr>
           <a:xfrm>
-            <a:off x="309985" y="1524087"/>
-            <a:ext cx="8039356" cy="5197388"/>
+            <a:off x="309985" y="1225250"/>
+            <a:ext cx="8039356" cy="5496225"/>
           </a:xfrm>
           <a:prstGeom prst="rect">
             <a:avLst/>
@@ -14667,7 +14225,7 @@
         <p:spPr>
           <a:xfrm>
             <a:off x="8564316" y="890015"/>
-            <a:ext cx="3317623" cy="2538985"/>
+            <a:ext cx="3317623" cy="2680644"/>
           </a:xfrm>
           <a:prstGeom prst="rect">
             <a:avLst/>
@@ -14709,6 +14267,970 @@
           </a:p>
         </p:txBody>
       </p:sp>
+      <p:sp>
+        <p:nvSpPr>
+          <p:cNvPr id="45" name="Rectangle 44">
+            <a:extLst>
+              <a:ext uri="{FF2B5EF4-FFF2-40B4-BE49-F238E27FC236}">
+                <a16:creationId xmlns:a16="http://schemas.microsoft.com/office/drawing/2014/main" id="{D6FA118D-46B4-8745-95AA-6A32C6AD0627}"/>
+              </a:ext>
+            </a:extLst>
+          </p:cNvPr>
+          <p:cNvSpPr/>
+          <p:nvPr/>
+        </p:nvSpPr>
+        <p:spPr>
+          <a:xfrm>
+            <a:off x="6164434" y="3744877"/>
+            <a:ext cx="1967664" cy="750947"/>
+          </a:xfrm>
+          <a:prstGeom prst="rect">
+            <a:avLst/>
+          </a:prstGeom>
+          <a:solidFill>
+            <a:schemeClr val="accent1">
+              <a:lumMod val="20000"/>
+              <a:lumOff val="80000"/>
+            </a:schemeClr>
+          </a:solidFill>
+          <a:ln>
+            <a:solidFill>
+              <a:schemeClr val="tx1"/>
+            </a:solidFill>
+          </a:ln>
+          <a:effectLst/>
+        </p:spPr>
+        <p:style>
+          <a:lnRef idx="2">
+            <a:schemeClr val="accent1">
+              <a:shade val="50000"/>
+            </a:schemeClr>
+          </a:lnRef>
+          <a:fillRef idx="1">
+            <a:schemeClr val="accent1"/>
+          </a:fillRef>
+          <a:effectRef idx="0">
+            <a:schemeClr val="accent1"/>
+          </a:effectRef>
+          <a:fontRef idx="minor">
+            <a:schemeClr val="lt1"/>
+          </a:fontRef>
+        </p:style>
+        <p:txBody>
+          <a:bodyPr rtlCol="0" anchor="ctr"/>
+          <a:lstStyle/>
+          <a:p>
+            <a:pPr algn="ctr"/>
+            <a:r>
+              <a:rPr lang="de-DE" dirty="0" err="1">
+                <a:solidFill>
+                  <a:schemeClr val="tx1"/>
+                </a:solidFill>
+              </a:rPr>
+              <a:t>MethodProvider</a:t>
+            </a:r>
+            <a:r>
+              <a:rPr lang="de-DE" dirty="0">
+                <a:solidFill>
+                  <a:schemeClr val="tx1"/>
+                </a:solidFill>
+              </a:rPr>
+              <a:t> </a:t>
+            </a:r>
+          </a:p>
+          <a:p>
+            <a:pPr algn="ctr"/>
+            <a:r>
+              <a:rPr lang="de-DE" sz="1200" dirty="0">
+                <a:solidFill>
+                  <a:schemeClr val="tx1"/>
+                </a:solidFill>
+              </a:rPr>
+              <a:t>Base </a:t>
+            </a:r>
+            <a:r>
+              <a:rPr lang="de-DE" sz="1200" dirty="0" err="1">
+                <a:solidFill>
+                  <a:schemeClr val="tx1"/>
+                </a:solidFill>
+              </a:rPr>
+              <a:t>class</a:t>
+            </a:r>
+            <a:r>
+              <a:rPr lang="de-DE" sz="1200" dirty="0">
+                <a:solidFill>
+                  <a:schemeClr val="tx1"/>
+                </a:solidFill>
+              </a:rPr>
+              <a:t> </a:t>
+            </a:r>
+            <a:r>
+              <a:rPr lang="de-DE" sz="1200" dirty="0" err="1">
+                <a:solidFill>
+                  <a:schemeClr val="tx1"/>
+                </a:solidFill>
+              </a:rPr>
+              <a:t>for</a:t>
+            </a:r>
+            <a:r>
+              <a:rPr lang="de-DE" sz="1200" dirty="0">
+                <a:solidFill>
+                  <a:schemeClr val="tx1"/>
+                </a:solidFill>
+              </a:rPr>
+              <a:t> </a:t>
+            </a:r>
+            <a:r>
+              <a:rPr lang="de-DE" sz="1200" dirty="0" err="1">
+                <a:solidFill>
+                  <a:schemeClr val="tx1"/>
+                </a:solidFill>
+              </a:rPr>
+              <a:t>user</a:t>
+            </a:r>
+            <a:r>
+              <a:rPr lang="de-DE" sz="1200" dirty="0">
+                <a:solidFill>
+                  <a:schemeClr val="tx1"/>
+                </a:solidFill>
+              </a:rPr>
+              <a:t> </a:t>
+            </a:r>
+            <a:r>
+              <a:rPr lang="de-DE" sz="1200" dirty="0" err="1">
+                <a:solidFill>
+                  <a:schemeClr val="tx1"/>
+                </a:solidFill>
+              </a:rPr>
+              <a:t>providers</a:t>
+            </a:r>
+            <a:r>
+              <a:rPr lang="de-DE" sz="1200" dirty="0">
+                <a:solidFill>
+                  <a:schemeClr val="tx1"/>
+                </a:solidFill>
+              </a:rPr>
+              <a:t> </a:t>
+            </a:r>
+            <a:r>
+              <a:rPr lang="de-DE" sz="1200" dirty="0" err="1">
+                <a:solidFill>
+                  <a:schemeClr val="tx1"/>
+                </a:solidFill>
+              </a:rPr>
+              <a:t>for</a:t>
+            </a:r>
+            <a:r>
+              <a:rPr lang="de-DE" sz="1200" dirty="0">
+                <a:solidFill>
+                  <a:schemeClr val="tx1"/>
+                </a:solidFill>
+              </a:rPr>
+              <a:t> </a:t>
+            </a:r>
+            <a:r>
+              <a:rPr lang="de-DE" sz="1200" dirty="0" err="1">
+                <a:solidFill>
+                  <a:schemeClr val="tx1"/>
+                </a:solidFill>
+              </a:rPr>
+              <a:t>invoke</a:t>
+            </a:r>
+            <a:r>
+              <a:rPr lang="de-DE" sz="1200" dirty="0">
+                <a:solidFill>
+                  <a:schemeClr val="tx1"/>
+                </a:solidFill>
+              </a:rPr>
+              <a:t> </a:t>
+            </a:r>
+            <a:r>
+              <a:rPr lang="de-DE" sz="1200" dirty="0" err="1">
+                <a:solidFill>
+                  <a:schemeClr val="tx1"/>
+                </a:solidFill>
+              </a:rPr>
+              <a:t>method</a:t>
+            </a:r>
+            <a:endParaRPr lang="de-DE" sz="1200" dirty="0">
+              <a:solidFill>
+                <a:schemeClr val="tx1"/>
+              </a:solidFill>
+            </a:endParaRPr>
+          </a:p>
+        </p:txBody>
+      </p:sp>
+      <p:sp>
+        <p:nvSpPr>
+          <p:cNvPr id="68" name="Rectangle 67">
+            <a:extLst>
+              <a:ext uri="{FF2B5EF4-FFF2-40B4-BE49-F238E27FC236}">
+                <a16:creationId xmlns:a16="http://schemas.microsoft.com/office/drawing/2014/main" id="{1DFA5020-366F-2E4B-A19D-F65CFEDBB984}"/>
+              </a:ext>
+            </a:extLst>
+          </p:cNvPr>
+          <p:cNvSpPr/>
+          <p:nvPr/>
+        </p:nvSpPr>
+        <p:spPr>
+          <a:xfrm>
+            <a:off x="6637658" y="4750078"/>
+            <a:ext cx="1489248" cy="272826"/>
+          </a:xfrm>
+          <a:prstGeom prst="rect">
+            <a:avLst/>
+          </a:prstGeom>
+          <a:solidFill>
+            <a:schemeClr val="accent4">
+              <a:lumMod val="40000"/>
+              <a:lumOff val="60000"/>
+            </a:schemeClr>
+          </a:solidFill>
+          <a:ln>
+            <a:solidFill>
+              <a:schemeClr val="tx1"/>
+            </a:solidFill>
+          </a:ln>
+          <a:effectLst/>
+        </p:spPr>
+        <p:style>
+          <a:lnRef idx="2">
+            <a:schemeClr val="accent1">
+              <a:shade val="50000"/>
+            </a:schemeClr>
+          </a:lnRef>
+          <a:fillRef idx="1">
+            <a:schemeClr val="accent1"/>
+          </a:fillRef>
+          <a:effectRef idx="0">
+            <a:schemeClr val="accent1"/>
+          </a:effectRef>
+          <a:fontRef idx="minor">
+            <a:schemeClr val="lt1"/>
+          </a:fontRef>
+        </p:style>
+        <p:txBody>
+          <a:bodyPr rtlCol="0" anchor="ctr"/>
+          <a:lstStyle/>
+          <a:p>
+            <a:pPr algn="ctr"/>
+            <a:r>
+              <a:rPr lang="de-DE" sz="1400" dirty="0">
+                <a:solidFill>
+                  <a:schemeClr val="tx1"/>
+                </a:solidFill>
+              </a:rPr>
+              <a:t>&lt;User Provider&gt;</a:t>
+            </a:r>
+          </a:p>
+        </p:txBody>
+      </p:sp>
+      <p:cxnSp>
+        <p:nvCxnSpPr>
+          <p:cNvPr id="69" name="Straight Arrow Connector 68">
+            <a:extLst>
+              <a:ext uri="{FF2B5EF4-FFF2-40B4-BE49-F238E27FC236}">
+                <a16:creationId xmlns:a16="http://schemas.microsoft.com/office/drawing/2014/main" id="{5FE82714-236A-9541-9A38-B823755D638D}"/>
+              </a:ext>
+            </a:extLst>
+          </p:cNvPr>
+          <p:cNvCxnSpPr>
+            <a:cxnSpLocks/>
+            <a:stCxn id="68" idx="0"/>
+          </p:cNvCxnSpPr>
+          <p:nvPr/>
+        </p:nvCxnSpPr>
+        <p:spPr>
+          <a:xfrm flipV="1">
+            <a:off x="7382282" y="4495824"/>
+            <a:ext cx="0" cy="254254"/>
+          </a:xfrm>
+          <a:prstGeom prst="straightConnector1">
+            <a:avLst/>
+          </a:prstGeom>
+          <a:ln w="19050">
+            <a:solidFill>
+              <a:schemeClr val="tx1"/>
+            </a:solidFill>
+            <a:tailEnd type="triangle" w="lg" len="lg"/>
+          </a:ln>
+        </p:spPr>
+        <p:style>
+          <a:lnRef idx="1">
+            <a:schemeClr val="accent1"/>
+          </a:lnRef>
+          <a:fillRef idx="0">
+            <a:schemeClr val="accent1"/>
+          </a:fillRef>
+          <a:effectRef idx="0">
+            <a:schemeClr val="accent1"/>
+          </a:effectRef>
+          <a:fontRef idx="minor">
+            <a:schemeClr val="tx1"/>
+          </a:fontRef>
+        </p:style>
+      </p:cxnSp>
+      <p:cxnSp>
+        <p:nvCxnSpPr>
+          <p:cNvPr id="72" name="Straight Arrow Connector 71">
+            <a:extLst>
+              <a:ext uri="{FF2B5EF4-FFF2-40B4-BE49-F238E27FC236}">
+                <a16:creationId xmlns:a16="http://schemas.microsoft.com/office/drawing/2014/main" id="{0B7B56A3-654F-5D49-840A-57B915E194B5}"/>
+              </a:ext>
+            </a:extLst>
+          </p:cNvPr>
+          <p:cNvCxnSpPr>
+            <a:cxnSpLocks/>
+            <a:stCxn id="68" idx="2"/>
+          </p:cNvCxnSpPr>
+          <p:nvPr/>
+        </p:nvCxnSpPr>
+        <p:spPr>
+          <a:xfrm>
+            <a:off x="7382282" y="5022904"/>
+            <a:ext cx="0" cy="255373"/>
+          </a:xfrm>
+          <a:prstGeom prst="straightConnector1">
+            <a:avLst/>
+          </a:prstGeom>
+          <a:ln>
+            <a:solidFill>
+              <a:schemeClr val="tx1"/>
+            </a:solidFill>
+            <a:tailEnd type="stealth" w="med" len="lg"/>
+          </a:ln>
+        </p:spPr>
+        <p:style>
+          <a:lnRef idx="1">
+            <a:schemeClr val="accent1"/>
+          </a:lnRef>
+          <a:fillRef idx="0">
+            <a:schemeClr val="accent1"/>
+          </a:fillRef>
+          <a:effectRef idx="0">
+            <a:schemeClr val="accent1"/>
+          </a:effectRef>
+          <a:fontRef idx="minor">
+            <a:schemeClr val="tx1"/>
+          </a:fontRef>
+        </p:style>
+      </p:cxnSp>
+      <p:sp>
+        <p:nvSpPr>
+          <p:cNvPr id="89" name="Rectangle 88">
+            <a:extLst>
+              <a:ext uri="{FF2B5EF4-FFF2-40B4-BE49-F238E27FC236}">
+                <a16:creationId xmlns:a16="http://schemas.microsoft.com/office/drawing/2014/main" id="{287CCC9F-7DB7-F442-A038-67BE490EA189}"/>
+              </a:ext>
+            </a:extLst>
+          </p:cNvPr>
+          <p:cNvSpPr/>
+          <p:nvPr/>
+        </p:nvSpPr>
+        <p:spPr>
+          <a:xfrm>
+            <a:off x="461343" y="2313426"/>
+            <a:ext cx="7672021" cy="552896"/>
+          </a:xfrm>
+          <a:prstGeom prst="rect">
+            <a:avLst/>
+          </a:prstGeom>
+          <a:solidFill>
+            <a:schemeClr val="accent1">
+              <a:lumMod val="20000"/>
+              <a:lumOff val="80000"/>
+            </a:schemeClr>
+          </a:solidFill>
+          <a:ln>
+            <a:solidFill>
+              <a:schemeClr val="tx1"/>
+            </a:solidFill>
+          </a:ln>
+          <a:effectLst/>
+        </p:spPr>
+        <p:style>
+          <a:lnRef idx="2">
+            <a:schemeClr val="accent1">
+              <a:shade val="50000"/>
+            </a:schemeClr>
+          </a:lnRef>
+          <a:fillRef idx="1">
+            <a:schemeClr val="accent1"/>
+          </a:fillRef>
+          <a:effectRef idx="0">
+            <a:schemeClr val="accent1"/>
+          </a:effectRef>
+          <a:fontRef idx="minor">
+            <a:schemeClr val="lt1"/>
+          </a:fontRef>
+        </p:style>
+        <p:txBody>
+          <a:bodyPr rtlCol="0" anchor="ctr"/>
+          <a:lstStyle/>
+          <a:p>
+            <a:pPr algn="ctr"/>
+            <a:r>
+              <a:rPr lang="de-DE" dirty="0" err="1">
+                <a:solidFill>
+                  <a:schemeClr val="tx1"/>
+                </a:solidFill>
+              </a:rPr>
+              <a:t>ProviderDispatcher</a:t>
+            </a:r>
+            <a:endParaRPr lang="de-DE" dirty="0">
+              <a:solidFill>
+                <a:schemeClr val="tx1"/>
+              </a:solidFill>
+            </a:endParaRPr>
+          </a:p>
+          <a:p>
+            <a:pPr algn="ctr"/>
+            <a:r>
+              <a:rPr lang="de-DE" sz="1200" dirty="0" err="1">
+                <a:solidFill>
+                  <a:schemeClr val="tx1"/>
+                </a:solidFill>
+              </a:rPr>
+              <a:t>Has</a:t>
+            </a:r>
+            <a:r>
+              <a:rPr lang="de-DE" sz="1200" dirty="0">
+                <a:solidFill>
+                  <a:schemeClr val="tx1"/>
+                </a:solidFill>
+              </a:rPr>
+              <a:t> </a:t>
+            </a:r>
+            <a:r>
+              <a:rPr lang="de-DE" sz="1200" dirty="0" err="1">
+                <a:solidFill>
+                  <a:schemeClr val="tx1"/>
+                </a:solidFill>
+              </a:rPr>
+              <a:t>provider</a:t>
+            </a:r>
+            <a:r>
+              <a:rPr lang="de-DE" sz="1200" dirty="0">
+                <a:solidFill>
+                  <a:schemeClr val="tx1"/>
+                </a:solidFill>
+              </a:rPr>
+              <a:t> </a:t>
+            </a:r>
+            <a:r>
+              <a:rPr lang="de-DE" sz="1200" dirty="0" err="1">
+                <a:solidFill>
+                  <a:schemeClr val="tx1"/>
+                </a:solidFill>
+              </a:rPr>
+              <a:t>registry</a:t>
+            </a:r>
+            <a:r>
+              <a:rPr lang="de-DE" sz="1200" dirty="0">
+                <a:solidFill>
+                  <a:schemeClr val="tx1"/>
+                </a:solidFill>
+              </a:rPr>
+              <a:t>, </a:t>
+            </a:r>
+            <a:r>
+              <a:rPr lang="de-DE" sz="1200" dirty="0" err="1">
+                <a:solidFill>
+                  <a:schemeClr val="tx1"/>
+                </a:solidFill>
+              </a:rPr>
+              <a:t>calls</a:t>
+            </a:r>
+            <a:r>
+              <a:rPr lang="de-DE" sz="1200" dirty="0">
+                <a:solidFill>
+                  <a:schemeClr val="tx1"/>
+                </a:solidFill>
+              </a:rPr>
+              <a:t> </a:t>
+            </a:r>
+            <a:r>
+              <a:rPr lang="de-DE" sz="1200" dirty="0" err="1">
+                <a:solidFill>
+                  <a:schemeClr val="tx1"/>
+                </a:solidFill>
+              </a:rPr>
+              <a:t>providers</a:t>
+            </a:r>
+            <a:r>
+              <a:rPr lang="de-DE" sz="1200" dirty="0">
+                <a:solidFill>
+                  <a:schemeClr val="tx1"/>
+                </a:solidFill>
+              </a:rPr>
+              <a:t>, </a:t>
+            </a:r>
+            <a:r>
+              <a:rPr lang="de-DE" sz="1200" dirty="0" err="1">
+                <a:solidFill>
+                  <a:schemeClr val="tx1"/>
+                </a:solidFill>
+              </a:rPr>
+              <a:t>translates</a:t>
+            </a:r>
+            <a:r>
+              <a:rPr lang="de-DE" sz="1200" dirty="0">
+                <a:solidFill>
+                  <a:schemeClr val="tx1"/>
+                </a:solidFill>
+              </a:rPr>
+              <a:t> </a:t>
+            </a:r>
+            <a:r>
+              <a:rPr lang="de-DE" sz="1200" dirty="0" err="1">
+                <a:solidFill>
+                  <a:schemeClr val="tx1"/>
+                </a:solidFill>
+              </a:rPr>
+              <a:t>client</a:t>
+            </a:r>
+            <a:r>
+              <a:rPr lang="de-DE" sz="1200" dirty="0">
+                <a:solidFill>
+                  <a:schemeClr val="tx1"/>
+                </a:solidFill>
+              </a:rPr>
+              <a:t> </a:t>
+            </a:r>
+            <a:r>
+              <a:rPr lang="de-DE" sz="1200" dirty="0" err="1">
+                <a:solidFill>
+                  <a:schemeClr val="tx1"/>
+                </a:solidFill>
+              </a:rPr>
+              <a:t>ops</a:t>
+            </a:r>
+            <a:r>
+              <a:rPr lang="de-DE" sz="1200" dirty="0">
+                <a:solidFill>
+                  <a:schemeClr val="tx1"/>
+                </a:solidFill>
+              </a:rPr>
+              <a:t> </a:t>
+            </a:r>
+            <a:r>
+              <a:rPr lang="de-DE" sz="1200" dirty="0" err="1">
+                <a:solidFill>
+                  <a:schemeClr val="tx1"/>
+                </a:solidFill>
+              </a:rPr>
+              <a:t>into</a:t>
+            </a:r>
+            <a:r>
+              <a:rPr lang="de-DE" sz="1200" dirty="0">
+                <a:solidFill>
+                  <a:schemeClr val="tx1"/>
+                </a:solidFill>
+              </a:rPr>
+              <a:t> </a:t>
+            </a:r>
+            <a:r>
+              <a:rPr lang="de-DE" sz="1200" dirty="0" err="1">
+                <a:solidFill>
+                  <a:schemeClr val="tx1"/>
+                </a:solidFill>
+              </a:rPr>
+              <a:t>provider</a:t>
+            </a:r>
+            <a:r>
+              <a:rPr lang="de-DE" sz="1200" dirty="0">
+                <a:solidFill>
+                  <a:schemeClr val="tx1"/>
+                </a:solidFill>
+              </a:rPr>
+              <a:t> </a:t>
+            </a:r>
+            <a:r>
+              <a:rPr lang="de-DE" sz="1200" dirty="0" err="1">
+                <a:solidFill>
+                  <a:schemeClr val="tx1"/>
+                </a:solidFill>
+              </a:rPr>
+              <a:t>calls</a:t>
+            </a:r>
+            <a:r>
+              <a:rPr lang="de-DE" sz="1200" dirty="0">
+                <a:solidFill>
+                  <a:schemeClr val="tx1"/>
+                </a:solidFill>
+              </a:rPr>
+              <a:t> (CIMOM)</a:t>
+            </a:r>
+          </a:p>
+        </p:txBody>
+      </p:sp>
+      <p:cxnSp>
+        <p:nvCxnSpPr>
+          <p:cNvPr id="94" name="Straight Arrow Connector 93">
+            <a:extLst>
+              <a:ext uri="{FF2B5EF4-FFF2-40B4-BE49-F238E27FC236}">
+                <a16:creationId xmlns:a16="http://schemas.microsoft.com/office/drawing/2014/main" id="{8AEC6DFA-1FAD-9F42-B651-2A5FCB8DDF42}"/>
+              </a:ext>
+            </a:extLst>
+          </p:cNvPr>
+          <p:cNvCxnSpPr>
+            <a:cxnSpLocks/>
+            <a:stCxn id="12" idx="2"/>
+            <a:endCxn id="89" idx="0"/>
+          </p:cNvCxnSpPr>
+          <p:nvPr/>
+        </p:nvCxnSpPr>
+        <p:spPr>
+          <a:xfrm>
+            <a:off x="4296707" y="2098662"/>
+            <a:ext cx="647" cy="214764"/>
+          </a:xfrm>
+          <a:prstGeom prst="straightConnector1">
+            <a:avLst/>
+          </a:prstGeom>
+          <a:ln>
+            <a:solidFill>
+              <a:schemeClr val="tx1"/>
+            </a:solidFill>
+            <a:tailEnd type="stealth" w="med" len="lg"/>
+          </a:ln>
+        </p:spPr>
+        <p:style>
+          <a:lnRef idx="1">
+            <a:schemeClr val="accent1"/>
+          </a:lnRef>
+          <a:fillRef idx="0">
+            <a:schemeClr val="accent1"/>
+          </a:fillRef>
+          <a:effectRef idx="0">
+            <a:schemeClr val="accent1"/>
+          </a:effectRef>
+          <a:fontRef idx="minor">
+            <a:schemeClr val="tx1"/>
+          </a:fontRef>
+        </p:style>
+      </p:cxnSp>
+      <p:cxnSp>
+        <p:nvCxnSpPr>
+          <p:cNvPr id="42" name="Straight Arrow Connector 41">
+            <a:extLst>
+              <a:ext uri="{FF2B5EF4-FFF2-40B4-BE49-F238E27FC236}">
+                <a16:creationId xmlns:a16="http://schemas.microsoft.com/office/drawing/2014/main" id="{F741E4DF-D753-446A-87BF-1C306BF096FC}"/>
+              </a:ext>
+            </a:extLst>
+          </p:cNvPr>
+          <p:cNvCxnSpPr>
+            <a:cxnSpLocks/>
+            <a:stCxn id="25" idx="2"/>
+          </p:cNvCxnSpPr>
+          <p:nvPr/>
+        </p:nvCxnSpPr>
+        <p:spPr>
+          <a:xfrm>
+            <a:off x="1632179" y="4501831"/>
+            <a:ext cx="0" cy="755228"/>
+          </a:xfrm>
+          <a:prstGeom prst="straightConnector1">
+            <a:avLst/>
+          </a:prstGeom>
+          <a:ln>
+            <a:solidFill>
+              <a:schemeClr val="tx1"/>
+            </a:solidFill>
+            <a:tailEnd type="stealth" w="med" len="lg"/>
+          </a:ln>
+        </p:spPr>
+        <p:style>
+          <a:lnRef idx="1">
+            <a:schemeClr val="accent1"/>
+          </a:lnRef>
+          <a:fillRef idx="0">
+            <a:schemeClr val="accent1"/>
+          </a:fillRef>
+          <a:effectRef idx="0">
+            <a:schemeClr val="accent1"/>
+          </a:effectRef>
+          <a:fontRef idx="minor">
+            <a:schemeClr val="tx1"/>
+          </a:fontRef>
+        </p:style>
+      </p:cxnSp>
+      <p:cxnSp>
+        <p:nvCxnSpPr>
+          <p:cNvPr id="117" name="Straight Arrow Connector 116">
+            <a:extLst>
+              <a:ext uri="{FF2B5EF4-FFF2-40B4-BE49-F238E27FC236}">
+                <a16:creationId xmlns:a16="http://schemas.microsoft.com/office/drawing/2014/main" id="{A8CEB4FE-14D8-E240-A2EA-9D82341FEC1E}"/>
+              </a:ext>
+            </a:extLst>
+          </p:cNvPr>
+          <p:cNvCxnSpPr>
+            <a:cxnSpLocks/>
+            <a:endCxn id="11" idx="1"/>
+          </p:cNvCxnSpPr>
+          <p:nvPr/>
+        </p:nvCxnSpPr>
+        <p:spPr>
+          <a:xfrm flipV="1">
+            <a:off x="8141370" y="1185929"/>
+            <a:ext cx="1614702" cy="612049"/>
+          </a:xfrm>
+          <a:prstGeom prst="bentConnector3">
+            <a:avLst>
+              <a:gd name="adj1" fmla="val 19458"/>
+            </a:avLst>
+          </a:prstGeom>
+          <a:ln>
+            <a:solidFill>
+              <a:schemeClr val="tx1"/>
+            </a:solidFill>
+            <a:tailEnd type="stealth" w="med" len="lg"/>
+          </a:ln>
+        </p:spPr>
+        <p:style>
+          <a:lnRef idx="1">
+            <a:schemeClr val="accent1"/>
+          </a:lnRef>
+          <a:fillRef idx="0">
+            <a:schemeClr val="accent1"/>
+          </a:fillRef>
+          <a:effectRef idx="0">
+            <a:schemeClr val="accent1"/>
+          </a:effectRef>
+          <a:fontRef idx="minor">
+            <a:schemeClr val="tx1"/>
+          </a:fontRef>
+        </p:style>
+      </p:cxnSp>
+      <p:sp>
+        <p:nvSpPr>
+          <p:cNvPr id="46" name="Rectangle 45">
+            <a:extLst>
+              <a:ext uri="{FF2B5EF4-FFF2-40B4-BE49-F238E27FC236}">
+                <a16:creationId xmlns:a16="http://schemas.microsoft.com/office/drawing/2014/main" id="{0F40ED0C-A69B-304D-A1E1-9A0185857D12}"/>
+              </a:ext>
+            </a:extLst>
+          </p:cNvPr>
+          <p:cNvSpPr/>
+          <p:nvPr/>
+        </p:nvSpPr>
+        <p:spPr>
+          <a:xfrm>
+            <a:off x="444446" y="3059920"/>
+            <a:ext cx="7672021" cy="471141"/>
+          </a:xfrm>
+          <a:prstGeom prst="rect">
+            <a:avLst/>
+          </a:prstGeom>
+          <a:solidFill>
+            <a:schemeClr val="accent1">
+              <a:lumMod val="20000"/>
+              <a:lumOff val="80000"/>
+            </a:schemeClr>
+          </a:solidFill>
+          <a:ln>
+            <a:solidFill>
+              <a:schemeClr val="tx1"/>
+            </a:solidFill>
+          </a:ln>
+          <a:effectLst/>
+        </p:spPr>
+        <p:style>
+          <a:lnRef idx="2">
+            <a:schemeClr val="accent1">
+              <a:shade val="50000"/>
+            </a:schemeClr>
+          </a:lnRef>
+          <a:fillRef idx="1">
+            <a:schemeClr val="accent1"/>
+          </a:fillRef>
+          <a:effectRef idx="0">
+            <a:schemeClr val="accent1"/>
+          </a:effectRef>
+          <a:fontRef idx="minor">
+            <a:schemeClr val="lt1"/>
+          </a:fontRef>
+        </p:style>
+        <p:txBody>
+          <a:bodyPr rtlCol="0" anchor="ctr"/>
+          <a:lstStyle/>
+          <a:p>
+            <a:pPr algn="ctr"/>
+            <a:r>
+              <a:rPr lang="de-DE" i="1" dirty="0" err="1">
+                <a:solidFill>
+                  <a:schemeClr val="tx1"/>
+                </a:solidFill>
+              </a:rPr>
+              <a:t>BaseProvider</a:t>
+            </a:r>
+            <a:endParaRPr lang="de-DE" i="1" dirty="0">
+              <a:solidFill>
+                <a:schemeClr val="tx1"/>
+              </a:solidFill>
+            </a:endParaRPr>
+          </a:p>
+          <a:p>
+            <a:pPr algn="ctr"/>
+            <a:r>
+              <a:rPr lang="de-DE" sz="1200" dirty="0">
+                <a:solidFill>
+                  <a:schemeClr val="tx1"/>
+                </a:solidFill>
+              </a:rPr>
+              <a:t>Common </a:t>
+            </a:r>
+            <a:r>
+              <a:rPr lang="de-DE" sz="1200" dirty="0" err="1">
+                <a:solidFill>
+                  <a:schemeClr val="tx1"/>
+                </a:solidFill>
+              </a:rPr>
+              <a:t>methods</a:t>
+            </a:r>
+            <a:endParaRPr lang="de-DE" sz="1200" dirty="0">
+              <a:solidFill>
+                <a:schemeClr val="tx1"/>
+              </a:solidFill>
+            </a:endParaRPr>
+          </a:p>
+        </p:txBody>
+      </p:sp>
+      <p:cxnSp>
+        <p:nvCxnSpPr>
+          <p:cNvPr id="47" name="Straight Arrow Connector 46">
+            <a:extLst>
+              <a:ext uri="{FF2B5EF4-FFF2-40B4-BE49-F238E27FC236}">
+                <a16:creationId xmlns:a16="http://schemas.microsoft.com/office/drawing/2014/main" id="{BF2B0254-5732-664A-8390-049868D79E37}"/>
+              </a:ext>
+            </a:extLst>
+          </p:cNvPr>
+          <p:cNvCxnSpPr>
+            <a:cxnSpLocks/>
+            <a:stCxn id="45" idx="0"/>
+          </p:cNvCxnSpPr>
+          <p:nvPr/>
+        </p:nvCxnSpPr>
+        <p:spPr>
+          <a:xfrm flipV="1">
+            <a:off x="7148266" y="3531061"/>
+            <a:ext cx="0" cy="213816"/>
+          </a:xfrm>
+          <a:prstGeom prst="straightConnector1">
+            <a:avLst/>
+          </a:prstGeom>
+          <a:ln w="19050">
+            <a:solidFill>
+              <a:schemeClr val="tx1"/>
+            </a:solidFill>
+            <a:tailEnd type="triangle" w="lg" len="lg"/>
+          </a:ln>
+        </p:spPr>
+        <p:style>
+          <a:lnRef idx="1">
+            <a:schemeClr val="accent1"/>
+          </a:lnRef>
+          <a:fillRef idx="0">
+            <a:schemeClr val="accent1"/>
+          </a:fillRef>
+          <a:effectRef idx="0">
+            <a:schemeClr val="accent1"/>
+          </a:effectRef>
+          <a:fontRef idx="minor">
+            <a:schemeClr val="tx1"/>
+          </a:fontRef>
+        </p:style>
+      </p:cxnSp>
+      <p:cxnSp>
+        <p:nvCxnSpPr>
+          <p:cNvPr id="53" name="Straight Arrow Connector 52">
+            <a:extLst>
+              <a:ext uri="{FF2B5EF4-FFF2-40B4-BE49-F238E27FC236}">
+                <a16:creationId xmlns:a16="http://schemas.microsoft.com/office/drawing/2014/main" id="{4B069F8D-4958-D74F-A99F-315C302BC362}"/>
+              </a:ext>
+            </a:extLst>
+          </p:cNvPr>
+          <p:cNvCxnSpPr>
+            <a:cxnSpLocks/>
+            <a:stCxn id="19" idx="0"/>
+          </p:cNvCxnSpPr>
+          <p:nvPr/>
+        </p:nvCxnSpPr>
+        <p:spPr>
+          <a:xfrm flipH="1" flipV="1">
+            <a:off x="4465806" y="3531061"/>
+            <a:ext cx="1" cy="213817"/>
+          </a:xfrm>
+          <a:prstGeom prst="straightConnector1">
+            <a:avLst/>
+          </a:prstGeom>
+          <a:ln w="19050">
+            <a:solidFill>
+              <a:schemeClr val="tx1"/>
+            </a:solidFill>
+            <a:tailEnd type="triangle" w="lg" len="lg"/>
+          </a:ln>
+        </p:spPr>
+        <p:style>
+          <a:lnRef idx="1">
+            <a:schemeClr val="accent1"/>
+          </a:lnRef>
+          <a:fillRef idx="0">
+            <a:schemeClr val="accent1"/>
+          </a:fillRef>
+          <a:effectRef idx="0">
+            <a:schemeClr val="accent1"/>
+          </a:effectRef>
+          <a:fontRef idx="minor">
+            <a:schemeClr val="tx1"/>
+          </a:fontRef>
+        </p:style>
+      </p:cxnSp>
+      <p:cxnSp>
+        <p:nvCxnSpPr>
+          <p:cNvPr id="55" name="Straight Arrow Connector 54">
+            <a:extLst>
+              <a:ext uri="{FF2B5EF4-FFF2-40B4-BE49-F238E27FC236}">
+                <a16:creationId xmlns:a16="http://schemas.microsoft.com/office/drawing/2014/main" id="{E8CBDC50-41F3-5041-B009-71E1BAAEEC18}"/>
+              </a:ext>
+            </a:extLst>
+          </p:cNvPr>
+          <p:cNvCxnSpPr>
+            <a:cxnSpLocks/>
+            <a:stCxn id="25" idx="0"/>
+          </p:cNvCxnSpPr>
+          <p:nvPr/>
+        </p:nvCxnSpPr>
+        <p:spPr>
+          <a:xfrm flipV="1">
+            <a:off x="1632179" y="3531061"/>
+            <a:ext cx="0" cy="213816"/>
+          </a:xfrm>
+          <a:prstGeom prst="straightConnector1">
+            <a:avLst/>
+          </a:prstGeom>
+          <a:ln w="19050">
+            <a:solidFill>
+              <a:schemeClr val="tx1"/>
+            </a:solidFill>
+            <a:tailEnd type="triangle" w="lg" len="lg"/>
+          </a:ln>
+        </p:spPr>
+        <p:style>
+          <a:lnRef idx="1">
+            <a:schemeClr val="accent1"/>
+          </a:lnRef>
+          <a:fillRef idx="0">
+            <a:schemeClr val="accent1"/>
+          </a:fillRef>
+          <a:effectRef idx="0">
+            <a:schemeClr val="accent1"/>
+          </a:effectRef>
+          <a:fontRef idx="minor">
+            <a:schemeClr val="tx1"/>
+          </a:fontRef>
+        </p:style>
+      </p:cxnSp>
     </p:spTree>
     <p:extLst>
       <p:ext uri="{BB962C8B-B14F-4D97-AF65-F5344CB8AC3E}">
@@ -16321,7 +16843,7 @@
           <a:p>
             <a:fld id="{78389F4F-6C40-4F96-87B7-BED4E97E402E}" type="datetime1">
               <a:rPr lang="de-DE" smtClean="0"/>
-              <a:t>06.04.20</a:t>
+              <a:t>29.04.20</a:t>
             </a:fld>
             <a:endParaRPr lang="de-DE"/>
           </a:p>
@@ -17830,7 +18352,7 @@
           <a:p>
             <a:fld id="{BC6AA058-3889-4DB2-9948-474ED9D2A12D}" type="datetime1">
               <a:rPr lang="de-DE" smtClean="0"/>
-              <a:t>06.04.20</a:t>
+              <a:t>29.04.20</a:t>
             </a:fld>
             <a:endParaRPr lang="de-DE"/>
           </a:p>
@@ -19330,7 +19852,7 @@
           <a:p>
             <a:fld id="{DB3A2185-C9E4-47F0-B338-5BAEE950952F}" type="datetime1">
               <a:rPr lang="de-DE" smtClean="0"/>
-              <a:t>06.04.20</a:t>
+              <a:t>29.04.20</a:t>
             </a:fld>
             <a:endParaRPr lang="de-DE"/>
           </a:p>
@@ -20956,7 +21478,7 @@
           <a:p>
             <a:fld id="{798672D8-65DF-499B-A842-51542A7E172D}" type="datetime1">
               <a:rPr lang="de-DE" smtClean="0"/>
-              <a:t>06.04.20</a:t>
+              <a:t>29.04.20</a:t>
             </a:fld>
             <a:endParaRPr lang="de-DE"/>
           </a:p>
@@ -21255,7 +21777,7 @@
           <a:p>
             <a:fld id="{94E6E5F9-FA2C-486F-B41C-DBCB0089CD52}" type="datetime1">
               <a:rPr lang="de-DE" smtClean="0"/>
-              <a:t>06.04.20</a:t>
+              <a:t>29.04.20</a:t>
             </a:fld>
             <a:endParaRPr lang="de-DE"/>
           </a:p>
@@ -21576,7 +22098,7 @@
           <a:p>
             <a:fld id="{85740ED1-8AA2-4092-B43C-438AE914F9A2}" type="datetime1">
               <a:rPr lang="de-DE" smtClean="0"/>
-              <a:t>06.04.20</a:t>
+              <a:t>29.04.20</a:t>
             </a:fld>
             <a:endParaRPr lang="de-DE"/>
           </a:p>
@@ -21760,7 +22282,7 @@
           <a:p>
             <a:fld id="{FAA3CCC0-E02E-4FC1-BAC8-67AF25AE7EDE}" type="datetime1">
               <a:rPr lang="de-DE" smtClean="0"/>
-              <a:t>06.04.20</a:t>
+              <a:t>29.04.20</a:t>
             </a:fld>
             <a:endParaRPr lang="de-DE"/>
           </a:p>
@@ -22241,7 +22763,7 @@
           <a:p>
             <a:fld id="{9AAF2DF6-6D7F-4302-BF40-84F958537A75}" type="datetime1">
               <a:rPr lang="de-DE" smtClean="0"/>
-              <a:t>06.04.20</a:t>
+              <a:t>29.04.20</a:t>
             </a:fld>
             <a:endParaRPr lang="de-DE"/>
           </a:p>
@@ -22588,7 +23110,7 @@
           <a:p>
             <a:fld id="{C626F4F1-8903-476E-BAA6-D8F2BAFA8AB3}" type="datetime1">
               <a:rPr lang="de-DE" smtClean="0"/>
-              <a:t>06.04.20</a:t>
+              <a:t>29.04.20</a:t>
             </a:fld>
             <a:endParaRPr lang="de-DE"/>
           </a:p>
@@ -23090,7 +23612,7 @@
           <a:p>
             <a:fld id="{F8E8CA9D-7C99-4CD8-BBEB-B81CE0B4E5CB}" type="datetime1">
               <a:rPr lang="de-DE" smtClean="0"/>
-              <a:t>06.04.20</a:t>
+              <a:t>29.04.20</a:t>
             </a:fld>
             <a:endParaRPr lang="de-DE"/>
           </a:p>
@@ -23375,7 +23897,7 @@
           <a:p>
             <a:fld id="{38351A54-3C04-4A7D-A7C6-1B9B9491F3FA}" type="datetime1">
               <a:rPr lang="de-DE" smtClean="0"/>
-              <a:t>06.04.20</a:t>
+              <a:t>29.04.20</a:t>
             </a:fld>
             <a:endParaRPr lang="de-DE"/>
           </a:p>
